--- a/doc/scrum_introduction.pptx
+++ b/doc/scrum_introduction.pptx
@@ -15470,7 +15470,7 @@
             </a:r>
             <a:r>
               <a:rPr lang="en-US" dirty="0" smtClean="0"/>
-              <a:t>Methodology</a:t>
+              <a:t>Process Framework</a:t>
             </a:r>
             <a:endParaRPr lang="en-US" dirty="0"/>
           </a:p>
@@ -15576,6 +15576,10 @@
           <a:bodyPr/>
           <a:lstStyle/>
           <a:p>
+            <a:r>
+              <a:rPr lang="en-US" dirty="0" smtClean="0"/>
+              <a:t>What is SCRUM</a:t>
+            </a:r>
             <a:endParaRPr lang="en-US" dirty="0"/>
           </a:p>
         </p:txBody>
@@ -15595,7 +15599,39 @@
           <a:bodyPr/>
           <a:lstStyle/>
           <a:p>
-            <a:endParaRPr lang="en-US"/>
+            <a:r>
+              <a:rPr lang="en-US" dirty="0"/>
+              <a:t>Scrum is an agile way to manage a project, usually software development. </a:t>
+            </a:r>
+            <a:endParaRPr lang="en-US" dirty="0" smtClean="0"/>
+          </a:p>
+          <a:p>
+            <a:r>
+              <a:rPr lang="en-US" dirty="0" smtClean="0"/>
+              <a:t>Scrum </a:t>
+            </a:r>
+            <a:r>
+              <a:rPr lang="en-US" dirty="0"/>
+              <a:t>is a framework within which people can address complex adaptive problems, while productively and creatively delivering products of the highest possible value.</a:t>
+            </a:r>
+          </a:p>
+          <a:p>
+            <a:r>
+              <a:rPr lang="en-US" dirty="0" smtClean="0"/>
+              <a:t>Scrum </a:t>
+            </a:r>
+            <a:r>
+              <a:rPr lang="en-US" dirty="0"/>
+              <a:t>itself is a simple framework for effective team collaboration on complex products.  Scrum co-creators Ken </a:t>
+            </a:r>
+            <a:r>
+              <a:rPr lang="en-US" dirty="0" err="1"/>
+              <a:t>Schwaber</a:t>
+            </a:r>
+            <a:r>
+              <a:rPr lang="en-US" dirty="0"/>
+              <a:t> and Jeff Sutherland have written The Scrum Guide to explain Scrum clearly and succinctly.  This Guide contains the definition of Scrum. This definition consists of Scrum’s roles, events, artifacts, and the rules that bind them together. </a:t>
+            </a:r>
           </a:p>
         </p:txBody>
       </p:sp>
@@ -15653,7 +15689,7 @@
           <a:p>
             <a:r>
               <a:rPr lang="en-US" dirty="0" smtClean="0"/>
-              <a:t>References</a:t>
+              <a:t>Reference/Further Readings</a:t>
             </a:r>
             <a:endParaRPr lang="en-US" dirty="0"/>
           </a:p>
@@ -15732,6 +15768,39 @@
               <a:t>www.mountaingoatsoftware.com/agile/scrum</a:t>
             </a:r>
             <a:endParaRPr lang="en-US" dirty="0" smtClean="0"/>
+          </a:p>
+          <a:p>
+            <a:r>
+              <a:rPr lang="en-US" dirty="0">
+                <a:hlinkClick r:id="rId6"/>
+              </a:rPr>
+              <a:t>https://www.cprime.com/2015/03/5-tips-to-manage-scrum-processes-in-the-real-world</a:t>
+            </a:r>
+            <a:r>
+              <a:rPr lang="en-US" dirty="0" smtClean="0">
+                <a:hlinkClick r:id="rId6"/>
+              </a:rPr>
+              <a:t>/</a:t>
+            </a:r>
+            <a:endParaRPr lang="en-US" dirty="0" smtClean="0"/>
+          </a:p>
+          <a:p>
+            <a:r>
+              <a:rPr lang="en-US" dirty="0">
+                <a:hlinkClick r:id="rId7"/>
+              </a:rPr>
+              <a:t>https://</a:t>
+            </a:r>
+            <a:r>
+              <a:rPr lang="en-US" dirty="0" smtClean="0">
+                <a:hlinkClick r:id="rId7"/>
+              </a:rPr>
+              <a:t>www.scrumguides.org/docs/scrumguide/v2017/2017-Scrum-Guide-US.pdf#zoom=100</a:t>
+            </a:r>
+            <a:r>
+              <a:rPr lang="en-US" dirty="0" smtClean="0"/>
+              <a:t> </a:t>
+            </a:r>
           </a:p>
           <a:p>
             <a:endParaRPr lang="en-US" dirty="0" smtClean="0"/>

--- a/doc/scrum_introduction.pptx
+++ b/doc/scrum_introduction.pptx
@@ -6,8 +6,23 @@
   </p:sldMasterIdLst>
   <p:sldIdLst>
     <p:sldId id="256" r:id="rId2"/>
-    <p:sldId id="257" r:id="rId3"/>
-    <p:sldId id="258" r:id="rId4"/>
+    <p:sldId id="263" r:id="rId3"/>
+    <p:sldId id="262" r:id="rId4"/>
+    <p:sldId id="260" r:id="rId5"/>
+    <p:sldId id="264" r:id="rId6"/>
+    <p:sldId id="268" r:id="rId7"/>
+    <p:sldId id="266" r:id="rId8"/>
+    <p:sldId id="267" r:id="rId9"/>
+    <p:sldId id="274" r:id="rId10"/>
+    <p:sldId id="275" r:id="rId11"/>
+    <p:sldId id="273" r:id="rId12"/>
+    <p:sldId id="269" r:id="rId13"/>
+    <p:sldId id="270" r:id="rId14"/>
+    <p:sldId id="271" r:id="rId15"/>
+    <p:sldId id="272" r:id="rId16"/>
+    <p:sldId id="261" r:id="rId17"/>
+    <p:sldId id="265" r:id="rId18"/>
+    <p:sldId id="258" r:id="rId19"/>
   </p:sldIdLst>
   <p:sldSz cx="12192000" cy="6858000"/>
   <p:notesSz cx="6858000" cy="9144000"/>
@@ -106,6 +121,11 @@
       </a:defRPr>
     </a:lvl9pPr>
   </p:defaultTextStyle>
+  <p:extLst>
+    <p:ext uri="{EFAFB233-063F-42B5-8137-9DF3F51BA10A}">
+      <p15:sldGuideLst xmlns:p15="http://schemas.microsoft.com/office/powerpoint/2012/main"/>
+    </p:ext>
+  </p:extLst>
 </p:presentation>
 </file>
 
@@ -15465,8 +15485,8 @@
           <a:lstStyle/>
           <a:p>
             <a:r>
-              <a:rPr lang="en-US" dirty="0"/>
-              <a:t>SCRUM </a:t>
+              <a:rPr lang="en-US" dirty="0" smtClean="0"/>
+              <a:t>Scrum </a:t>
             </a:r>
             <a:r>
               <a:rPr lang="en-US" dirty="0" smtClean="0"/>
@@ -15528,6 +15548,1607 @@
     <p:extLst>
       <p:ext uri="{BB962C8B-B14F-4D97-AF65-F5344CB8AC3E}">
         <p14:creationId xmlns:p14="http://schemas.microsoft.com/office/powerpoint/2010/main" val="2425212471"/>
+      </p:ext>
+    </p:extLst>
+  </p:cSld>
+  <p:clrMapOvr>
+    <a:masterClrMapping/>
+  </p:clrMapOvr>
+  <p:timing>
+    <p:tnLst>
+      <p:par>
+        <p:cTn id="1" dur="indefinite" restart="never" nodeType="tmRoot"/>
+      </p:par>
+    </p:tnLst>
+  </p:timing>
+</p:sld>
+</file>
+
+<file path=ppt/slides/slide10.xml><?xml version="1.0" encoding="utf-8"?>
+<p:sld xmlns:a="http://schemas.openxmlformats.org/drawingml/2006/main" xmlns:r="http://schemas.openxmlformats.org/officeDocument/2006/relationships" xmlns:p="http://schemas.openxmlformats.org/presentationml/2006/main">
+  <p:cSld>
+    <p:spTree>
+      <p:nvGrpSpPr>
+        <p:cNvPr id="1" name=""/>
+        <p:cNvGrpSpPr/>
+        <p:nvPr/>
+      </p:nvGrpSpPr>
+      <p:grpSpPr>
+        <a:xfrm>
+          <a:off x="0" y="0"/>
+          <a:ext cx="0" cy="0"/>
+          <a:chOff x="0" y="0"/>
+          <a:chExt cx="0" cy="0"/>
+        </a:xfrm>
+      </p:grpSpPr>
+      <p:sp>
+        <p:nvSpPr>
+          <p:cNvPr id="2" name="Title 1"/>
+          <p:cNvSpPr>
+            <a:spLocks noGrp="1"/>
+          </p:cNvSpPr>
+          <p:nvPr>
+            <p:ph type="title"/>
+          </p:nvPr>
+        </p:nvSpPr>
+        <p:spPr/>
+        <p:txBody>
+          <a:bodyPr/>
+          <a:lstStyle/>
+          <a:p>
+            <a:r>
+              <a:rPr lang="en-US" dirty="0"/>
+              <a:t>The scrum master</a:t>
+            </a:r>
+          </a:p>
+        </p:txBody>
+      </p:sp>
+      <p:sp>
+        <p:nvSpPr>
+          <p:cNvPr id="3" name="Content Placeholder 2"/>
+          <p:cNvSpPr>
+            <a:spLocks noGrp="1"/>
+          </p:cNvSpPr>
+          <p:nvPr>
+            <p:ph sz="quarter" idx="15"/>
+          </p:nvPr>
+        </p:nvSpPr>
+        <p:spPr>
+          <a:xfrm>
+            <a:off x="955899" y="1600200"/>
+            <a:ext cx="10769600" cy="4419600"/>
+          </a:xfrm>
+        </p:spPr>
+        <p:txBody>
+          <a:bodyPr/>
+          <a:lstStyle/>
+          <a:p>
+            <a:r>
+              <a:rPr lang="en-GB" dirty="0" smtClean="0"/>
+              <a:t>Acts </a:t>
+            </a:r>
+            <a:r>
+              <a:rPr lang="en-GB" dirty="0"/>
+              <a:t>as a facilitator for the Product Owner and the team. </a:t>
+            </a:r>
+            <a:endParaRPr lang="en-GB" dirty="0" smtClean="0"/>
+          </a:p>
+          <a:p>
+            <a:r>
+              <a:rPr lang="en-GB" dirty="0" smtClean="0"/>
+              <a:t>The </a:t>
+            </a:r>
+            <a:r>
+              <a:rPr lang="en-GB" dirty="0"/>
+              <a:t>Scrum </a:t>
+            </a:r>
+            <a:r>
+              <a:rPr lang="en-GB" dirty="0" smtClean="0"/>
+              <a:t>Master </a:t>
+            </a:r>
+            <a:r>
+              <a:rPr lang="en-GB" dirty="0"/>
+              <a:t>does not manage the team</a:t>
+            </a:r>
+            <a:r>
+              <a:rPr lang="en-GB" dirty="0" smtClean="0"/>
+              <a:t>.</a:t>
+            </a:r>
+          </a:p>
+          <a:p>
+            <a:r>
+              <a:rPr lang="en-GB" dirty="0" smtClean="0"/>
+              <a:t>Works </a:t>
+            </a:r>
+            <a:r>
+              <a:rPr lang="en-GB" dirty="0"/>
+              <a:t>to remove any </a:t>
+            </a:r>
+            <a:r>
+              <a:rPr lang="en-GB" dirty="0" smtClean="0"/>
+              <a:t>obstacles </a:t>
+            </a:r>
+            <a:r>
+              <a:rPr lang="en-GB" dirty="0"/>
+              <a:t>that are obstructing the team from achieving its sprint goals. </a:t>
+            </a:r>
+            <a:endParaRPr lang="en-GB" dirty="0" smtClean="0"/>
+          </a:p>
+          <a:p>
+            <a:r>
+              <a:rPr lang="en-GB" dirty="0" smtClean="0"/>
+              <a:t>Helps </a:t>
+            </a:r>
+            <a:r>
+              <a:rPr lang="en-GB" dirty="0"/>
+              <a:t>the team remain creative and productive while making sure its successes are visible to the Product Owner. </a:t>
+            </a:r>
+            <a:endParaRPr lang="en-GB" dirty="0" smtClean="0"/>
+          </a:p>
+          <a:p>
+            <a:r>
+              <a:rPr lang="en-GB" dirty="0" smtClean="0"/>
+              <a:t>The </a:t>
+            </a:r>
+            <a:r>
+              <a:rPr lang="en-GB" dirty="0"/>
+              <a:t>Scrum Master also works to advise the Product Owner about how to maximize ROI for the team.</a:t>
+            </a:r>
+            <a:endParaRPr lang="en-US" dirty="0"/>
+          </a:p>
+        </p:txBody>
+      </p:sp>
+    </p:spTree>
+    <p:extLst>
+      <p:ext uri="{BB962C8B-B14F-4D97-AF65-F5344CB8AC3E}">
+        <p14:creationId xmlns:p14="http://schemas.microsoft.com/office/powerpoint/2010/main" val="2215147689"/>
+      </p:ext>
+    </p:extLst>
+  </p:cSld>
+  <p:clrMapOvr>
+    <a:masterClrMapping/>
+  </p:clrMapOvr>
+</p:sld>
+</file>
+
+<file path=ppt/slides/slide11.xml><?xml version="1.0" encoding="utf-8"?>
+<p:sld xmlns:a="http://schemas.openxmlformats.org/drawingml/2006/main" xmlns:r="http://schemas.openxmlformats.org/officeDocument/2006/relationships" xmlns:p="http://schemas.openxmlformats.org/presentationml/2006/main">
+  <p:cSld>
+    <p:spTree>
+      <p:nvGrpSpPr>
+        <p:cNvPr id="1" name=""/>
+        <p:cNvGrpSpPr/>
+        <p:nvPr/>
+      </p:nvGrpSpPr>
+      <p:grpSpPr>
+        <a:xfrm>
+          <a:off x="0" y="0"/>
+          <a:ext cx="0" cy="0"/>
+          <a:chOff x="0" y="0"/>
+          <a:chExt cx="0" cy="0"/>
+        </a:xfrm>
+      </p:grpSpPr>
+      <p:sp>
+        <p:nvSpPr>
+          <p:cNvPr id="2" name="Title 1"/>
+          <p:cNvSpPr>
+            <a:spLocks noGrp="1"/>
+          </p:cNvSpPr>
+          <p:nvPr>
+            <p:ph type="title"/>
+          </p:nvPr>
+        </p:nvSpPr>
+        <p:spPr/>
+        <p:txBody>
+          <a:bodyPr/>
+          <a:lstStyle/>
+          <a:p>
+            <a:r>
+              <a:rPr lang="en-US" dirty="0" smtClean="0"/>
+              <a:t>Four ceremonies of Scrum</a:t>
+            </a:r>
+            <a:endParaRPr lang="en-US" dirty="0"/>
+          </a:p>
+        </p:txBody>
+      </p:sp>
+      <p:sp>
+        <p:nvSpPr>
+          <p:cNvPr id="3" name="Content Placeholder 2"/>
+          <p:cNvSpPr>
+            <a:spLocks noGrp="1"/>
+          </p:cNvSpPr>
+          <p:nvPr>
+            <p:ph sz="quarter" idx="15"/>
+          </p:nvPr>
+        </p:nvSpPr>
+        <p:spPr>
+          <a:xfrm>
+            <a:off x="711200" y="1600200"/>
+            <a:ext cx="10769600" cy="4826358"/>
+          </a:xfrm>
+        </p:spPr>
+        <p:txBody>
+          <a:bodyPr/>
+          <a:lstStyle/>
+          <a:p>
+            <a:pPr marL="68580" indent="-342900">
+              <a:buFont typeface="Arial" panose="020B0604020202020204" pitchFamily="34" charset="0"/>
+              <a:buChar char="•"/>
+            </a:pPr>
+            <a:r>
+              <a:rPr lang="en-GB" sz="2400" b="1" dirty="0"/>
+              <a:t>Sprint planning</a:t>
+            </a:r>
+            <a:r>
+              <a:rPr lang="en-GB" sz="2400" dirty="0"/>
+              <a:t>: </a:t>
+            </a:r>
+            <a:endParaRPr lang="en-GB" sz="2400" dirty="0" smtClean="0"/>
+          </a:p>
+          <a:p>
+            <a:pPr marL="617220" lvl="2" indent="-342900">
+              <a:buFont typeface="Arial" panose="020B0604020202020204" pitchFamily="34" charset="0"/>
+              <a:buChar char="•"/>
+            </a:pPr>
+            <a:r>
+              <a:rPr lang="en-GB" dirty="0" smtClean="0"/>
+              <a:t>A </a:t>
+            </a:r>
+            <a:r>
+              <a:rPr lang="en-GB" dirty="0"/>
+              <a:t>team planning meeting that determines what to complete in the coming sprint.</a:t>
+            </a:r>
+          </a:p>
+          <a:p>
+            <a:pPr marL="68580" indent="-342900">
+              <a:buFont typeface="Arial" panose="020B0604020202020204" pitchFamily="34" charset="0"/>
+              <a:buChar char="•"/>
+            </a:pPr>
+            <a:r>
+              <a:rPr lang="en-GB" sz="2400" b="1" dirty="0"/>
+              <a:t>Daily stand-up</a:t>
+            </a:r>
+            <a:r>
+              <a:rPr lang="en-GB" sz="2400" dirty="0"/>
+              <a:t>: </a:t>
+            </a:r>
+            <a:endParaRPr lang="en-GB" sz="2400" dirty="0" smtClean="0"/>
+          </a:p>
+          <a:p>
+            <a:pPr marL="617220" lvl="2" indent="-342900">
+              <a:buFont typeface="Arial" panose="020B0604020202020204" pitchFamily="34" charset="0"/>
+              <a:buChar char="•"/>
+            </a:pPr>
+            <a:r>
+              <a:rPr lang="en-GB" dirty="0" smtClean="0"/>
+              <a:t>Also </a:t>
+            </a:r>
+            <a:r>
+              <a:rPr lang="en-GB" dirty="0"/>
+              <a:t>known as a daily scrum, a 15-minute mini-meeting for the software team to sync</a:t>
+            </a:r>
+            <a:r>
+              <a:rPr lang="en-GB" sz="2400" dirty="0"/>
+              <a:t>.</a:t>
+            </a:r>
+          </a:p>
+          <a:p>
+            <a:pPr marL="68580" indent="-342900">
+              <a:buFont typeface="Arial" panose="020B0604020202020204" pitchFamily="34" charset="0"/>
+              <a:buChar char="•"/>
+            </a:pPr>
+            <a:r>
+              <a:rPr lang="en-GB" sz="2400" b="1" dirty="0"/>
+              <a:t>Sprint demo</a:t>
+            </a:r>
+            <a:r>
+              <a:rPr lang="en-GB" sz="2400" dirty="0"/>
+              <a:t>: </a:t>
+            </a:r>
+            <a:endParaRPr lang="en-GB" sz="2400" dirty="0" smtClean="0"/>
+          </a:p>
+          <a:p>
+            <a:pPr marL="617220" lvl="2" indent="-342900">
+              <a:buFont typeface="Arial" panose="020B0604020202020204" pitchFamily="34" charset="0"/>
+              <a:buChar char="•"/>
+            </a:pPr>
+            <a:r>
+              <a:rPr lang="en-GB" dirty="0" smtClean="0"/>
+              <a:t>A </a:t>
+            </a:r>
+            <a:r>
+              <a:rPr lang="en-GB" dirty="0"/>
+              <a:t>sharing meeting where the team shows what they've shipped in that sprint.</a:t>
+            </a:r>
+          </a:p>
+          <a:p>
+            <a:pPr marL="68580" indent="-342900">
+              <a:buFont typeface="Arial" panose="020B0604020202020204" pitchFamily="34" charset="0"/>
+              <a:buChar char="•"/>
+            </a:pPr>
+            <a:r>
+              <a:rPr lang="en-GB" sz="2400" b="1" dirty="0"/>
+              <a:t>Sprint retrospective</a:t>
+            </a:r>
+            <a:r>
+              <a:rPr lang="en-GB" sz="2400" dirty="0"/>
+              <a:t>: </a:t>
+            </a:r>
+            <a:endParaRPr lang="en-GB" sz="2400" dirty="0" smtClean="0"/>
+          </a:p>
+          <a:p>
+            <a:pPr marL="617220" lvl="2" indent="-342900">
+              <a:buFont typeface="Arial" panose="020B0604020202020204" pitchFamily="34" charset="0"/>
+              <a:buChar char="•"/>
+            </a:pPr>
+            <a:r>
+              <a:rPr lang="en-GB" dirty="0" smtClean="0"/>
+              <a:t>A </a:t>
+            </a:r>
+            <a:r>
+              <a:rPr lang="en-GB" dirty="0"/>
+              <a:t>review of what did and didn't go well with actions to make the next sprint better.</a:t>
+            </a:r>
+            <a:endParaRPr lang="en-US" dirty="0"/>
+          </a:p>
+        </p:txBody>
+      </p:sp>
+    </p:spTree>
+    <p:extLst>
+      <p:ext uri="{BB962C8B-B14F-4D97-AF65-F5344CB8AC3E}">
+        <p14:creationId xmlns:p14="http://schemas.microsoft.com/office/powerpoint/2010/main" val="1965984833"/>
+      </p:ext>
+    </p:extLst>
+  </p:cSld>
+  <p:clrMapOvr>
+    <a:masterClrMapping/>
+  </p:clrMapOvr>
+</p:sld>
+</file>
+
+<file path=ppt/slides/slide12.xml><?xml version="1.0" encoding="utf-8"?>
+<p:sld xmlns:a="http://schemas.openxmlformats.org/drawingml/2006/main" xmlns:r="http://schemas.openxmlformats.org/officeDocument/2006/relationships" xmlns:p="http://schemas.openxmlformats.org/presentationml/2006/main">
+  <p:cSld>
+    <p:spTree>
+      <p:nvGrpSpPr>
+        <p:cNvPr id="1" name=""/>
+        <p:cNvGrpSpPr/>
+        <p:nvPr/>
+      </p:nvGrpSpPr>
+      <p:grpSpPr>
+        <a:xfrm>
+          <a:off x="0" y="0"/>
+          <a:ext cx="0" cy="0"/>
+          <a:chOff x="0" y="0"/>
+          <a:chExt cx="0" cy="0"/>
+        </a:xfrm>
+      </p:grpSpPr>
+      <p:sp>
+        <p:nvSpPr>
+          <p:cNvPr id="2" name="Title 1"/>
+          <p:cNvSpPr>
+            <a:spLocks noGrp="1"/>
+          </p:cNvSpPr>
+          <p:nvPr>
+            <p:ph type="title"/>
+          </p:nvPr>
+        </p:nvSpPr>
+        <p:spPr/>
+        <p:txBody>
+          <a:bodyPr/>
+          <a:lstStyle/>
+          <a:p>
+            <a:r>
+              <a:rPr lang="en-US" dirty="0"/>
+              <a:t>Sprint Planning</a:t>
+            </a:r>
+          </a:p>
+        </p:txBody>
+      </p:sp>
+      <p:sp>
+        <p:nvSpPr>
+          <p:cNvPr id="3" name="Content Placeholder 2"/>
+          <p:cNvSpPr>
+            <a:spLocks noGrp="1"/>
+          </p:cNvSpPr>
+          <p:nvPr>
+            <p:ph sz="quarter" idx="15"/>
+          </p:nvPr>
+        </p:nvSpPr>
+        <p:spPr>
+          <a:xfrm>
+            <a:off x="711200" y="1275008"/>
+            <a:ext cx="10769600" cy="4897192"/>
+          </a:xfrm>
+        </p:spPr>
+        <p:txBody>
+          <a:bodyPr/>
+          <a:lstStyle/>
+          <a:p>
+            <a:r>
+              <a:rPr lang="en-GB" sz="2400" b="1" i="1" dirty="0"/>
+              <a:t>Attendees: </a:t>
+            </a:r>
+            <a:r>
+              <a:rPr lang="en-GB" sz="2400" dirty="0"/>
+              <a:t>development team, scrum master, product </a:t>
+            </a:r>
+            <a:r>
+              <a:rPr lang="en-GB" sz="2400" dirty="0" smtClean="0"/>
+              <a:t>owner</a:t>
+            </a:r>
+            <a:endParaRPr lang="en-GB" sz="2400" dirty="0"/>
+          </a:p>
+          <a:p>
+            <a:r>
+              <a:rPr lang="en-GB" sz="2400" b="1" i="1" dirty="0"/>
+              <a:t>When: </a:t>
+            </a:r>
+            <a:r>
+              <a:rPr lang="en-GB" sz="2400" dirty="0"/>
+              <a:t>At the beginning of a sprint</a:t>
+            </a:r>
+            <a:r>
+              <a:rPr lang="en-GB" sz="2400" dirty="0" smtClean="0"/>
+              <a:t>.</a:t>
+            </a:r>
+            <a:endParaRPr lang="en-GB" sz="2400" dirty="0"/>
+          </a:p>
+          <a:p>
+            <a:r>
+              <a:rPr lang="en-GB" sz="2400" b="1" i="1" dirty="0"/>
+              <a:t>Duration: </a:t>
+            </a:r>
+            <a:r>
+              <a:rPr lang="en-GB" sz="2400" dirty="0"/>
+              <a:t>Usually an hour per week of iteration–e.g. a two-week sprint kicks off with a two-hour planning meeting</a:t>
+            </a:r>
+            <a:r>
+              <a:rPr lang="en-GB" sz="2400" dirty="0" smtClean="0"/>
+              <a:t>.</a:t>
+            </a:r>
+            <a:endParaRPr lang="en-GB" sz="2400" dirty="0"/>
+          </a:p>
+          <a:p>
+            <a:r>
+              <a:rPr lang="en-GB" sz="2400" b="1" i="1" dirty="0" smtClean="0"/>
+              <a:t>Purpose</a:t>
+            </a:r>
+            <a:r>
+              <a:rPr lang="en-GB" sz="2400" b="1" i="1" dirty="0"/>
+              <a:t>: </a:t>
+            </a:r>
+            <a:endParaRPr lang="en-GB" sz="2400" b="1" i="1" dirty="0" smtClean="0"/>
+          </a:p>
+          <a:p>
+            <a:pPr marL="68580" indent="-342900">
+              <a:buFont typeface="Arial" panose="020B0604020202020204" pitchFamily="34" charset="0"/>
+              <a:buChar char="•"/>
+            </a:pPr>
+            <a:r>
+              <a:rPr lang="en-GB" dirty="0" smtClean="0"/>
+              <a:t>Sprint </a:t>
+            </a:r>
+            <a:r>
+              <a:rPr lang="en-GB" dirty="0"/>
+              <a:t>planning sets up the entire team for success throughout the sprint. </a:t>
+            </a:r>
+            <a:endParaRPr lang="en-GB" dirty="0" smtClean="0"/>
+          </a:p>
+          <a:p>
+            <a:pPr marL="68580" indent="-342900">
+              <a:buFont typeface="Arial" panose="020B0604020202020204" pitchFamily="34" charset="0"/>
+              <a:buChar char="•"/>
+            </a:pPr>
+            <a:r>
+              <a:rPr lang="en-GB" dirty="0" smtClean="0"/>
+              <a:t>Coming </a:t>
+            </a:r>
+            <a:r>
+              <a:rPr lang="en-GB" dirty="0"/>
+              <a:t>into the meeting, the product owner will have a prioritized product backlog. </a:t>
+            </a:r>
+            <a:endParaRPr lang="en-GB" dirty="0" smtClean="0"/>
+          </a:p>
+          <a:p>
+            <a:pPr marL="68580" indent="-342900">
+              <a:buFont typeface="Arial" panose="020B0604020202020204" pitchFamily="34" charset="0"/>
+              <a:buChar char="•"/>
+            </a:pPr>
+            <a:r>
+              <a:rPr lang="en-GB" dirty="0" smtClean="0"/>
+              <a:t>They </a:t>
+            </a:r>
+            <a:r>
+              <a:rPr lang="en-GB" dirty="0"/>
+              <a:t>discuss each item with the development team, and the group collectively estimates the effort involved. </a:t>
+            </a:r>
+            <a:endParaRPr lang="en-GB" dirty="0" smtClean="0"/>
+          </a:p>
+          <a:p>
+            <a:pPr marL="68580" indent="-342900">
+              <a:buFont typeface="Arial" panose="020B0604020202020204" pitchFamily="34" charset="0"/>
+              <a:buChar char="•"/>
+            </a:pPr>
+            <a:r>
+              <a:rPr lang="en-GB" dirty="0" smtClean="0"/>
+              <a:t>The </a:t>
+            </a:r>
+            <a:r>
+              <a:rPr lang="en-GB" dirty="0"/>
+              <a:t>development team will then make a sprint forecast outlining how much work the team can complete from the product backlog. </a:t>
+            </a:r>
+            <a:endParaRPr lang="en-GB" dirty="0" smtClean="0"/>
+          </a:p>
+          <a:p>
+            <a:pPr marL="68580" indent="-342900">
+              <a:buFont typeface="Arial" panose="020B0604020202020204" pitchFamily="34" charset="0"/>
+              <a:buChar char="•"/>
+            </a:pPr>
+            <a:r>
+              <a:rPr lang="en-GB" dirty="0" smtClean="0"/>
+              <a:t>That </a:t>
+            </a:r>
+            <a:r>
+              <a:rPr lang="en-GB" dirty="0"/>
+              <a:t>body of work then becomes the sprint backlog.</a:t>
+            </a:r>
+            <a:endParaRPr lang="en-US" dirty="0"/>
+          </a:p>
+        </p:txBody>
+      </p:sp>
+    </p:spTree>
+    <p:extLst>
+      <p:ext uri="{BB962C8B-B14F-4D97-AF65-F5344CB8AC3E}">
+        <p14:creationId xmlns:p14="http://schemas.microsoft.com/office/powerpoint/2010/main" val="1441559862"/>
+      </p:ext>
+    </p:extLst>
+  </p:cSld>
+  <p:clrMapOvr>
+    <a:masterClrMapping/>
+  </p:clrMapOvr>
+</p:sld>
+</file>
+
+<file path=ppt/slides/slide13.xml><?xml version="1.0" encoding="utf-8"?>
+<p:sld xmlns:a="http://schemas.openxmlformats.org/drawingml/2006/main" xmlns:r="http://schemas.openxmlformats.org/officeDocument/2006/relationships" xmlns:p="http://schemas.openxmlformats.org/presentationml/2006/main">
+  <p:cSld>
+    <p:spTree>
+      <p:nvGrpSpPr>
+        <p:cNvPr id="1" name=""/>
+        <p:cNvGrpSpPr/>
+        <p:nvPr/>
+      </p:nvGrpSpPr>
+      <p:grpSpPr>
+        <a:xfrm>
+          <a:off x="0" y="0"/>
+          <a:ext cx="0" cy="0"/>
+          <a:chOff x="0" y="0"/>
+          <a:chExt cx="0" cy="0"/>
+        </a:xfrm>
+      </p:grpSpPr>
+      <p:sp>
+        <p:nvSpPr>
+          <p:cNvPr id="2" name="Title 1"/>
+          <p:cNvSpPr>
+            <a:spLocks noGrp="1"/>
+          </p:cNvSpPr>
+          <p:nvPr>
+            <p:ph type="title"/>
+          </p:nvPr>
+        </p:nvSpPr>
+        <p:spPr/>
+        <p:txBody>
+          <a:bodyPr/>
+          <a:lstStyle/>
+          <a:p>
+            <a:r>
+              <a:rPr lang="en-US" dirty="0"/>
+              <a:t>Daily Stand-up</a:t>
+            </a:r>
+          </a:p>
+        </p:txBody>
+      </p:sp>
+      <p:sp>
+        <p:nvSpPr>
+          <p:cNvPr id="3" name="Content Placeholder 2"/>
+          <p:cNvSpPr>
+            <a:spLocks noGrp="1"/>
+          </p:cNvSpPr>
+          <p:nvPr>
+            <p:ph sz="quarter" idx="15"/>
+          </p:nvPr>
+        </p:nvSpPr>
+        <p:spPr>
+          <a:xfrm>
+            <a:off x="711200" y="1262130"/>
+            <a:ext cx="10769600" cy="4910070"/>
+          </a:xfrm>
+        </p:spPr>
+        <p:txBody>
+          <a:bodyPr/>
+          <a:lstStyle/>
+          <a:p>
+            <a:r>
+              <a:rPr lang="en-GB" dirty="0"/>
+              <a:t>Attendees: development team, scrum master, product </a:t>
+            </a:r>
+            <a:r>
+              <a:rPr lang="en-GB" dirty="0" smtClean="0"/>
+              <a:t>owner</a:t>
+            </a:r>
+            <a:endParaRPr lang="en-GB" dirty="0"/>
+          </a:p>
+          <a:p>
+            <a:r>
+              <a:rPr lang="en-GB" dirty="0"/>
+              <a:t>When: Once per day, typically in the morning</a:t>
+            </a:r>
+            <a:r>
+              <a:rPr lang="en-GB" dirty="0" smtClean="0"/>
+              <a:t>.</a:t>
+            </a:r>
+            <a:endParaRPr lang="en-GB" dirty="0"/>
+          </a:p>
+          <a:p>
+            <a:r>
+              <a:rPr lang="en-GB" dirty="0"/>
+              <a:t>Duration: No more than 15 minutes. Don't book a conference room and conduct the stand up sitting down. Standing up helps keep the meeting short</a:t>
+            </a:r>
+            <a:r>
+              <a:rPr lang="en-GB" dirty="0" smtClean="0"/>
+              <a:t>!</a:t>
+            </a:r>
+            <a:endParaRPr lang="en-GB" dirty="0"/>
+          </a:p>
+          <a:p>
+            <a:r>
+              <a:rPr lang="en-GB" dirty="0" smtClean="0"/>
+              <a:t>Purpose</a:t>
+            </a:r>
+            <a:r>
+              <a:rPr lang="en-GB" dirty="0"/>
+              <a:t>: Stand-up is designed to quickly inform everyone of what's going on across the team. It's not a detailed status meeting. The tone should be light and fun, but informative. Have each team member answer the following questions</a:t>
+            </a:r>
+            <a:r>
+              <a:rPr lang="en-GB" dirty="0" smtClean="0"/>
+              <a:t>:</a:t>
+            </a:r>
+            <a:endParaRPr lang="en-GB" dirty="0"/>
+          </a:p>
+          <a:p>
+            <a:pPr marL="68580" indent="-342900">
+              <a:buFont typeface="Arial" panose="020B0604020202020204" pitchFamily="34" charset="0"/>
+              <a:buChar char="•"/>
+            </a:pPr>
+            <a:r>
+              <a:rPr lang="en-GB" dirty="0"/>
+              <a:t>What did I complete yesterday?</a:t>
+            </a:r>
+          </a:p>
+          <a:p>
+            <a:pPr marL="68580" indent="-342900">
+              <a:buFont typeface="Arial" panose="020B0604020202020204" pitchFamily="34" charset="0"/>
+              <a:buChar char="•"/>
+            </a:pPr>
+            <a:r>
+              <a:rPr lang="en-GB" dirty="0"/>
+              <a:t>What will I work on today?</a:t>
+            </a:r>
+          </a:p>
+          <a:p>
+            <a:pPr marL="68580" indent="-342900">
+              <a:buFont typeface="Arial" panose="020B0604020202020204" pitchFamily="34" charset="0"/>
+              <a:buChar char="•"/>
+            </a:pPr>
+            <a:r>
+              <a:rPr lang="en-GB" dirty="0"/>
+              <a:t>Am I blocked by anything?</a:t>
+            </a:r>
+          </a:p>
+          <a:p>
+            <a:r>
+              <a:rPr lang="en-GB" dirty="0"/>
+              <a:t>There's an implicit accountability in reporting what work you completed yesterday in front of your peers. No one wants to be the team member who is constantly doing the same thing and not making progress. </a:t>
+            </a:r>
+            <a:endParaRPr lang="en-US" dirty="0"/>
+          </a:p>
+        </p:txBody>
+      </p:sp>
+    </p:spTree>
+    <p:extLst>
+      <p:ext uri="{BB962C8B-B14F-4D97-AF65-F5344CB8AC3E}">
+        <p14:creationId xmlns:p14="http://schemas.microsoft.com/office/powerpoint/2010/main" val="959182879"/>
+      </p:ext>
+    </p:extLst>
+  </p:cSld>
+  <p:clrMapOvr>
+    <a:masterClrMapping/>
+  </p:clrMapOvr>
+</p:sld>
+</file>
+
+<file path=ppt/slides/slide14.xml><?xml version="1.0" encoding="utf-8"?>
+<p:sld xmlns:a="http://schemas.openxmlformats.org/drawingml/2006/main" xmlns:r="http://schemas.openxmlformats.org/officeDocument/2006/relationships" xmlns:p="http://schemas.openxmlformats.org/presentationml/2006/main">
+  <p:cSld>
+    <p:spTree>
+      <p:nvGrpSpPr>
+        <p:cNvPr id="1" name=""/>
+        <p:cNvGrpSpPr/>
+        <p:nvPr/>
+      </p:nvGrpSpPr>
+      <p:grpSpPr>
+        <a:xfrm>
+          <a:off x="0" y="0"/>
+          <a:ext cx="0" cy="0"/>
+          <a:chOff x="0" y="0"/>
+          <a:chExt cx="0" cy="0"/>
+        </a:xfrm>
+      </p:grpSpPr>
+      <p:sp>
+        <p:nvSpPr>
+          <p:cNvPr id="2" name="Title 1"/>
+          <p:cNvSpPr>
+            <a:spLocks noGrp="1"/>
+          </p:cNvSpPr>
+          <p:nvPr>
+            <p:ph type="title"/>
+          </p:nvPr>
+        </p:nvSpPr>
+        <p:spPr/>
+        <p:txBody>
+          <a:bodyPr/>
+          <a:lstStyle/>
+          <a:p>
+            <a:r>
+              <a:rPr lang="en-US" dirty="0"/>
+              <a:t>Iteration review</a:t>
+            </a:r>
+          </a:p>
+        </p:txBody>
+      </p:sp>
+      <p:sp>
+        <p:nvSpPr>
+          <p:cNvPr id="3" name="Content Placeholder 2"/>
+          <p:cNvSpPr>
+            <a:spLocks noGrp="1"/>
+          </p:cNvSpPr>
+          <p:nvPr>
+            <p:ph sz="quarter" idx="15"/>
+          </p:nvPr>
+        </p:nvSpPr>
+        <p:spPr/>
+        <p:txBody>
+          <a:bodyPr/>
+          <a:lstStyle/>
+          <a:p>
+            <a:r>
+              <a:rPr lang="en-GB" dirty="0" smtClean="0"/>
+              <a:t>Attendees: Required</a:t>
+            </a:r>
+            <a:r>
+              <a:rPr lang="en-GB" dirty="0"/>
+              <a:t>: development team, scrum master, product owner</a:t>
+            </a:r>
+          </a:p>
+          <a:p>
+            <a:r>
+              <a:rPr lang="en-GB" dirty="0"/>
+              <a:t>Optional: project </a:t>
+            </a:r>
+            <a:r>
+              <a:rPr lang="en-GB" dirty="0" smtClean="0"/>
+              <a:t>stakeholders</a:t>
+            </a:r>
+            <a:endParaRPr lang="en-GB" dirty="0"/>
+          </a:p>
+          <a:p>
+            <a:r>
+              <a:rPr lang="en-GB" dirty="0"/>
+              <a:t>When: At the end of a sprint or milestone</a:t>
+            </a:r>
+            <a:r>
+              <a:rPr lang="en-GB" dirty="0" smtClean="0"/>
+              <a:t>.</a:t>
+            </a:r>
+            <a:endParaRPr lang="en-GB" dirty="0"/>
+          </a:p>
+          <a:p>
+            <a:r>
+              <a:rPr lang="en-GB" dirty="0"/>
+              <a:t>Duration: 30-60 minutes</a:t>
+            </a:r>
+            <a:r>
+              <a:rPr lang="en-GB" dirty="0" smtClean="0"/>
+              <a:t>.</a:t>
+            </a:r>
+            <a:endParaRPr lang="en-GB" dirty="0"/>
+          </a:p>
+          <a:p>
+            <a:r>
+              <a:rPr lang="en-GB" dirty="0" smtClean="0"/>
+              <a:t>Purpose</a:t>
+            </a:r>
+            <a:r>
+              <a:rPr lang="en-GB" dirty="0"/>
+              <a:t>: Iteration review is a time to showcase the work of the team. They can be in a casual format like "demo Fridays", or in a more formal meeting structure. This is the time for the team to celebrate their accomplishments, demonstrate work finished within the iteration, and get immediate feedback from project stakeholders. Remember, work should be fully demonstrable and meet the team's quality bar to be considered complete and ready to showcase in the review. </a:t>
+            </a:r>
+            <a:endParaRPr lang="en-US" dirty="0"/>
+          </a:p>
+        </p:txBody>
+      </p:sp>
+    </p:spTree>
+    <p:extLst>
+      <p:ext uri="{BB962C8B-B14F-4D97-AF65-F5344CB8AC3E}">
+        <p14:creationId xmlns:p14="http://schemas.microsoft.com/office/powerpoint/2010/main" val="4212120579"/>
+      </p:ext>
+    </p:extLst>
+  </p:cSld>
+  <p:clrMapOvr>
+    <a:masterClrMapping/>
+  </p:clrMapOvr>
+</p:sld>
+</file>
+
+<file path=ppt/slides/slide15.xml><?xml version="1.0" encoding="utf-8"?>
+<p:sld xmlns:a="http://schemas.openxmlformats.org/drawingml/2006/main" xmlns:r="http://schemas.openxmlformats.org/officeDocument/2006/relationships" xmlns:p="http://schemas.openxmlformats.org/presentationml/2006/main">
+  <p:cSld>
+    <p:spTree>
+      <p:nvGrpSpPr>
+        <p:cNvPr id="1" name=""/>
+        <p:cNvGrpSpPr/>
+        <p:nvPr/>
+      </p:nvGrpSpPr>
+      <p:grpSpPr>
+        <a:xfrm>
+          <a:off x="0" y="0"/>
+          <a:ext cx="0" cy="0"/>
+          <a:chOff x="0" y="0"/>
+          <a:chExt cx="0" cy="0"/>
+        </a:xfrm>
+      </p:grpSpPr>
+      <p:sp>
+        <p:nvSpPr>
+          <p:cNvPr id="2" name="Title 1"/>
+          <p:cNvSpPr>
+            <a:spLocks noGrp="1"/>
+          </p:cNvSpPr>
+          <p:nvPr>
+            <p:ph type="title"/>
+          </p:nvPr>
+        </p:nvSpPr>
+        <p:spPr/>
+        <p:txBody>
+          <a:bodyPr/>
+          <a:lstStyle/>
+          <a:p>
+            <a:r>
+              <a:rPr lang="en-US" dirty="0"/>
+              <a:t>Retrospective</a:t>
+            </a:r>
+          </a:p>
+        </p:txBody>
+      </p:sp>
+      <p:sp>
+        <p:nvSpPr>
+          <p:cNvPr id="3" name="Content Placeholder 2"/>
+          <p:cNvSpPr>
+            <a:spLocks noGrp="1"/>
+          </p:cNvSpPr>
+          <p:nvPr>
+            <p:ph sz="quarter" idx="15"/>
+          </p:nvPr>
+        </p:nvSpPr>
+        <p:spPr/>
+        <p:txBody>
+          <a:bodyPr/>
+          <a:lstStyle/>
+          <a:p>
+            <a:r>
+              <a:rPr lang="en-GB" dirty="0"/>
+              <a:t>Attendees: development team, scrum master, product </a:t>
+            </a:r>
+            <a:r>
+              <a:rPr lang="en-GB" dirty="0" smtClean="0"/>
+              <a:t>owner</a:t>
+            </a:r>
+            <a:endParaRPr lang="en-GB" dirty="0"/>
+          </a:p>
+          <a:p>
+            <a:r>
+              <a:rPr lang="en-GB" dirty="0"/>
+              <a:t>When: At the end of an iteration</a:t>
+            </a:r>
+            <a:r>
+              <a:rPr lang="en-GB" dirty="0" smtClean="0"/>
+              <a:t>.</a:t>
+            </a:r>
+            <a:endParaRPr lang="en-GB" dirty="0"/>
+          </a:p>
+          <a:p>
+            <a:r>
+              <a:rPr lang="en-GB" dirty="0"/>
+              <a:t>Duration: 60 minutes</a:t>
+            </a:r>
+            <a:r>
+              <a:rPr lang="en-GB" dirty="0" smtClean="0"/>
+              <a:t>.</a:t>
+            </a:r>
+            <a:endParaRPr lang="en-GB" dirty="0"/>
+          </a:p>
+          <a:p>
+            <a:r>
+              <a:rPr lang="en-GB" dirty="0" smtClean="0"/>
+              <a:t>Purpose</a:t>
+            </a:r>
+            <a:r>
+              <a:rPr lang="en-GB" dirty="0"/>
+              <a:t>: Agile is about getting rapid feedback to make the product and development culture better. Retrospectives help the team understand what worked well–and what didn't</a:t>
+            </a:r>
+            <a:r>
+              <a:rPr lang="en-GB" dirty="0" smtClean="0"/>
+              <a:t>.</a:t>
+            </a:r>
+            <a:endParaRPr lang="en-GB" dirty="0"/>
+          </a:p>
+          <a:p>
+            <a:r>
+              <a:rPr lang="en-GB" dirty="0"/>
+              <a:t>Retrospectives aren't just a time for complaints without action. Use retrospectives to find out what's working so the team can continue to focus on those areas. Also, find out what's not working and use the time to find creative solutions and develop an action plan. Continuous improvement is what sustains and drives development within an agile team, and retrospectives are a key part of that. </a:t>
+            </a:r>
+            <a:endParaRPr lang="en-US" dirty="0"/>
+          </a:p>
+        </p:txBody>
+      </p:sp>
+    </p:spTree>
+    <p:extLst>
+      <p:ext uri="{BB962C8B-B14F-4D97-AF65-F5344CB8AC3E}">
+        <p14:creationId xmlns:p14="http://schemas.microsoft.com/office/powerpoint/2010/main" val="3429230085"/>
+      </p:ext>
+    </p:extLst>
+  </p:cSld>
+  <p:clrMapOvr>
+    <a:masterClrMapping/>
+  </p:clrMapOvr>
+</p:sld>
+</file>
+
+<file path=ppt/slides/slide16.xml><?xml version="1.0" encoding="utf-8"?>
+<p:sld xmlns:a="http://schemas.openxmlformats.org/drawingml/2006/main" xmlns:r="http://schemas.openxmlformats.org/officeDocument/2006/relationships" xmlns:p="http://schemas.openxmlformats.org/presentationml/2006/main">
+  <p:cSld>
+    <p:spTree>
+      <p:nvGrpSpPr>
+        <p:cNvPr id="1" name=""/>
+        <p:cNvGrpSpPr/>
+        <p:nvPr/>
+      </p:nvGrpSpPr>
+      <p:grpSpPr>
+        <a:xfrm>
+          <a:off x="0" y="0"/>
+          <a:ext cx="0" cy="0"/>
+          <a:chOff x="0" y="0"/>
+          <a:chExt cx="0" cy="0"/>
+        </a:xfrm>
+      </p:grpSpPr>
+      <p:pic>
+        <p:nvPicPr>
+          <p:cNvPr id="3074" name="Picture 2" descr="agile burndown chart"/>
+          <p:cNvPicPr>
+            <a:picLocks noChangeAspect="1" noChangeArrowheads="1"/>
+          </p:cNvPicPr>
+          <p:nvPr/>
+        </p:nvPicPr>
+        <p:blipFill>
+          <a:blip r:embed="rId2">
+            <a:extLst>
+              <a:ext uri="{28A0092B-C50C-407E-A947-70E740481C1C}">
+                <a14:useLocalDpi xmlns:a14="http://schemas.microsoft.com/office/drawing/2010/main" val="0"/>
+              </a:ext>
+            </a:extLst>
+          </a:blip>
+          <a:srcRect/>
+          <a:stretch>
+            <a:fillRect/>
+          </a:stretch>
+        </p:blipFill>
+        <p:spPr bwMode="auto">
+          <a:xfrm>
+            <a:off x="5666704" y="2243337"/>
+            <a:ext cx="6071676" cy="4250174"/>
+          </a:xfrm>
+          <a:prstGeom prst="rect">
+            <a:avLst/>
+          </a:prstGeom>
+          <a:noFill/>
+          <a:extLst>
+            <a:ext uri="{909E8E84-426E-40DD-AFC4-6F175D3DCCD1}">
+              <a14:hiddenFill xmlns:a14="http://schemas.microsoft.com/office/drawing/2010/main">
+                <a:solidFill>
+                  <a:srgbClr val="FFFFFF"/>
+                </a:solidFill>
+              </a14:hiddenFill>
+            </a:ext>
+          </a:extLst>
+        </p:spPr>
+      </p:pic>
+      <p:sp>
+        <p:nvSpPr>
+          <p:cNvPr id="2" name="Title 1"/>
+          <p:cNvSpPr>
+            <a:spLocks noGrp="1"/>
+          </p:cNvSpPr>
+          <p:nvPr>
+            <p:ph type="title"/>
+          </p:nvPr>
+        </p:nvSpPr>
+        <p:spPr/>
+        <p:txBody>
+          <a:bodyPr/>
+          <a:lstStyle/>
+          <a:p>
+            <a:r>
+              <a:rPr lang="en-US" dirty="0" err="1"/>
+              <a:t>Burndown</a:t>
+            </a:r>
+            <a:r>
+              <a:rPr lang="en-US" dirty="0"/>
+              <a:t> Charts</a:t>
+            </a:r>
+          </a:p>
+        </p:txBody>
+      </p:sp>
+      <p:sp>
+        <p:nvSpPr>
+          <p:cNvPr id="3" name="Content Placeholder 2"/>
+          <p:cNvSpPr>
+            <a:spLocks noGrp="1"/>
+          </p:cNvSpPr>
+          <p:nvPr>
+            <p:ph sz="quarter" idx="15"/>
+          </p:nvPr>
+        </p:nvSpPr>
+        <p:spPr/>
+        <p:txBody>
+          <a:bodyPr/>
+          <a:lstStyle/>
+          <a:p>
+            <a:r>
+              <a:rPr lang="en-GB" dirty="0" smtClean="0"/>
+              <a:t>A </a:t>
+            </a:r>
+            <a:r>
+              <a:rPr lang="en-GB" dirty="0"/>
+              <a:t>chart that shows how quickly </a:t>
+            </a:r>
+            <a:r>
+              <a:rPr lang="en-GB" dirty="0" smtClean="0"/>
+              <a:t>the team is </a:t>
+            </a:r>
+            <a:r>
+              <a:rPr lang="en-GB" dirty="0"/>
+              <a:t>burning through </a:t>
+            </a:r>
+            <a:r>
+              <a:rPr lang="en-GB" dirty="0" smtClean="0"/>
+              <a:t>the </a:t>
+            </a:r>
+            <a:r>
+              <a:rPr lang="en-GB" dirty="0"/>
+              <a:t>customer's user stories. </a:t>
+            </a:r>
+            <a:endParaRPr lang="en-GB" dirty="0" smtClean="0"/>
+          </a:p>
+          <a:p>
+            <a:r>
+              <a:rPr lang="en-GB" dirty="0"/>
+              <a:t>S</a:t>
+            </a:r>
+            <a:r>
+              <a:rPr lang="en-GB" dirty="0" smtClean="0"/>
+              <a:t>hows </a:t>
+            </a:r>
+            <a:r>
+              <a:rPr lang="en-GB" dirty="0"/>
+              <a:t>the total effort against the amount of work </a:t>
+            </a:r>
+            <a:r>
+              <a:rPr lang="en-GB" dirty="0" smtClean="0"/>
+              <a:t>delivered in </a:t>
+            </a:r>
+            <a:r>
+              <a:rPr lang="en-GB" dirty="0"/>
+              <a:t>each iteration. </a:t>
+            </a:r>
+            <a:endParaRPr lang="en-GB" dirty="0" smtClean="0"/>
+          </a:p>
+          <a:p>
+            <a:pPr marL="617220" lvl="2" indent="-342900">
+              <a:buFont typeface="Arial" panose="020B0604020202020204" pitchFamily="34" charset="0"/>
+              <a:buChar char="•"/>
+            </a:pPr>
+            <a:r>
+              <a:rPr lang="en-GB" dirty="0" smtClean="0"/>
+              <a:t>The </a:t>
+            </a:r>
+            <a:r>
+              <a:rPr lang="en-GB" dirty="0"/>
+              <a:t>total effort </a:t>
+            </a:r>
+            <a:r>
+              <a:rPr lang="en-GB" dirty="0" smtClean="0"/>
+              <a:t>is on </a:t>
+            </a:r>
+            <a:r>
+              <a:rPr lang="en-GB" dirty="0"/>
+              <a:t>the left, </a:t>
+            </a:r>
+            <a:endParaRPr lang="en-GB" dirty="0" smtClean="0"/>
+          </a:p>
+          <a:p>
+            <a:pPr marL="617220" lvl="2" indent="-342900">
+              <a:buFont typeface="Arial" panose="020B0604020202020204" pitchFamily="34" charset="0"/>
+              <a:buChar char="•"/>
+            </a:pPr>
+            <a:r>
+              <a:rPr lang="en-GB" dirty="0" smtClean="0"/>
+              <a:t>The </a:t>
+            </a:r>
+            <a:r>
+              <a:rPr lang="en-GB" dirty="0"/>
+              <a:t>team velocity on the right. </a:t>
+            </a:r>
+            <a:endParaRPr lang="en-GB" dirty="0" smtClean="0"/>
+          </a:p>
+          <a:p>
+            <a:r>
+              <a:rPr lang="en-GB" dirty="0" smtClean="0"/>
+              <a:t>Other information from this </a:t>
+            </a:r>
+            <a:r>
+              <a:rPr lang="en-GB" dirty="0"/>
+              <a:t>simple </a:t>
+            </a:r>
+            <a:r>
+              <a:rPr lang="en-GB" dirty="0" smtClean="0"/>
+              <a:t>graph,</a:t>
+            </a:r>
+            <a:endParaRPr lang="en-GB" dirty="0"/>
+          </a:p>
+          <a:p>
+            <a:pPr marL="617220" lvl="2" indent="-342900">
+              <a:buFont typeface="Arial" panose="020B0604020202020204" pitchFamily="34" charset="0"/>
+              <a:buChar char="•"/>
+            </a:pPr>
+            <a:r>
+              <a:rPr lang="en-GB" dirty="0" smtClean="0"/>
+              <a:t>Work </a:t>
+            </a:r>
+            <a:r>
+              <a:rPr lang="en-GB" dirty="0"/>
+              <a:t>done each iteration</a:t>
+            </a:r>
+          </a:p>
+          <a:p>
+            <a:pPr marL="617220" lvl="2" indent="-342900">
+              <a:buFont typeface="Arial" panose="020B0604020202020204" pitchFamily="34" charset="0"/>
+              <a:buChar char="•"/>
+            </a:pPr>
+            <a:r>
+              <a:rPr lang="en-GB" dirty="0"/>
+              <a:t>Work remaining</a:t>
+            </a:r>
+          </a:p>
+          <a:p>
+            <a:pPr marL="617220" lvl="2" indent="-342900">
+              <a:buFont typeface="Arial" panose="020B0604020202020204" pitchFamily="34" charset="0"/>
+              <a:buChar char="•"/>
+            </a:pPr>
+            <a:r>
+              <a:rPr lang="en-GB" dirty="0"/>
+              <a:t>Work done so far</a:t>
+            </a:r>
+          </a:p>
+          <a:p>
+            <a:pPr marL="617220" lvl="2" indent="-342900">
+              <a:buFont typeface="Arial" panose="020B0604020202020204" pitchFamily="34" charset="0"/>
+              <a:buChar char="•"/>
+            </a:pPr>
+            <a:r>
+              <a:rPr lang="en-GB" dirty="0"/>
+              <a:t>When </a:t>
+            </a:r>
+            <a:r>
+              <a:rPr lang="en-GB" dirty="0" smtClean="0"/>
+              <a:t>it is expected </a:t>
+            </a:r>
+            <a:r>
+              <a:rPr lang="en-GB" dirty="0"/>
+              <a:t>to be done</a:t>
+            </a:r>
+            <a:endParaRPr lang="en-US" dirty="0"/>
+          </a:p>
+        </p:txBody>
+      </p:sp>
+    </p:spTree>
+    <p:extLst>
+      <p:ext uri="{BB962C8B-B14F-4D97-AF65-F5344CB8AC3E}">
+        <p14:creationId xmlns:p14="http://schemas.microsoft.com/office/powerpoint/2010/main" val="3543273561"/>
+      </p:ext>
+    </p:extLst>
+  </p:cSld>
+  <p:clrMapOvr>
+    <a:masterClrMapping/>
+  </p:clrMapOvr>
+</p:sld>
+</file>
+
+<file path=ppt/slides/slide17.xml><?xml version="1.0" encoding="utf-8"?>
+<p:sld xmlns:a="http://schemas.openxmlformats.org/drawingml/2006/main" xmlns:r="http://schemas.openxmlformats.org/officeDocument/2006/relationships" xmlns:p="http://schemas.openxmlformats.org/presentationml/2006/main">
+  <p:cSld>
+    <p:spTree>
+      <p:nvGrpSpPr>
+        <p:cNvPr id="1" name=""/>
+        <p:cNvGrpSpPr/>
+        <p:nvPr/>
+      </p:nvGrpSpPr>
+      <p:grpSpPr>
+        <a:xfrm>
+          <a:off x="0" y="0"/>
+          <a:ext cx="0" cy="0"/>
+          <a:chOff x="0" y="0"/>
+          <a:chExt cx="0" cy="0"/>
+        </a:xfrm>
+      </p:grpSpPr>
+      <p:sp>
+        <p:nvSpPr>
+          <p:cNvPr id="2" name="Title 1"/>
+          <p:cNvSpPr>
+            <a:spLocks noGrp="1"/>
+          </p:cNvSpPr>
+          <p:nvPr>
+            <p:ph type="title"/>
+          </p:nvPr>
+        </p:nvSpPr>
+        <p:spPr/>
+        <p:txBody>
+          <a:bodyPr/>
+          <a:lstStyle/>
+          <a:p>
+            <a:r>
+              <a:rPr lang="en-US" dirty="0" smtClean="0"/>
+              <a:t>More </a:t>
+            </a:r>
+            <a:r>
+              <a:rPr lang="en-US" dirty="0"/>
+              <a:t>realistic </a:t>
+            </a:r>
+            <a:r>
+              <a:rPr lang="en-US" dirty="0" err="1" smtClean="0"/>
+              <a:t>burndown</a:t>
+            </a:r>
+            <a:r>
+              <a:rPr lang="en-US" dirty="0" smtClean="0"/>
+              <a:t> chart</a:t>
+            </a:r>
+            <a:endParaRPr lang="en-US" dirty="0"/>
+          </a:p>
+        </p:txBody>
+      </p:sp>
+      <p:pic>
+        <p:nvPicPr>
+          <p:cNvPr id="4098" name="Picture 2" descr="agile burndown chart"/>
+          <p:cNvPicPr>
+            <a:picLocks noGrp="1" noChangeAspect="1" noChangeArrowheads="1"/>
+          </p:cNvPicPr>
+          <p:nvPr>
+            <p:ph sz="quarter" idx="15"/>
+          </p:nvPr>
+        </p:nvPicPr>
+        <p:blipFill>
+          <a:blip r:embed="rId2">
+            <a:extLst>
+              <a:ext uri="{28A0092B-C50C-407E-A947-70E740481C1C}">
+                <a14:useLocalDpi xmlns:a14="http://schemas.microsoft.com/office/drawing/2010/main" val="0"/>
+              </a:ext>
+            </a:extLst>
+          </a:blip>
+          <a:srcRect/>
+          <a:stretch>
+            <a:fillRect/>
+          </a:stretch>
+        </p:blipFill>
+        <p:spPr bwMode="auto">
+          <a:xfrm>
+            <a:off x="1931831" y="1523953"/>
+            <a:ext cx="7701566" cy="5334047"/>
+          </a:xfrm>
+          <a:prstGeom prst="rect">
+            <a:avLst/>
+          </a:prstGeom>
+          <a:noFill/>
+          <a:extLst>
+            <a:ext uri="{909E8E84-426E-40DD-AFC4-6F175D3DCCD1}">
+              <a14:hiddenFill xmlns:a14="http://schemas.microsoft.com/office/drawing/2010/main">
+                <a:solidFill>
+                  <a:srgbClr val="FFFFFF"/>
+                </a:solidFill>
+              </a14:hiddenFill>
+            </a:ext>
+          </a:extLst>
+        </p:spPr>
+      </p:pic>
+    </p:spTree>
+    <p:extLst>
+      <p:ext uri="{BB962C8B-B14F-4D97-AF65-F5344CB8AC3E}">
+        <p14:creationId xmlns:p14="http://schemas.microsoft.com/office/powerpoint/2010/main" val="3079679786"/>
+      </p:ext>
+    </p:extLst>
+  </p:cSld>
+  <p:clrMapOvr>
+    <a:masterClrMapping/>
+  </p:clrMapOvr>
+</p:sld>
+</file>
+
+<file path=ppt/slides/slide18.xml><?xml version="1.0" encoding="utf-8"?>
+<p:sld xmlns:a="http://schemas.openxmlformats.org/drawingml/2006/main" xmlns:r="http://schemas.openxmlformats.org/officeDocument/2006/relationships" xmlns:p="http://schemas.openxmlformats.org/presentationml/2006/main">
+  <p:cSld>
+    <p:spTree>
+      <p:nvGrpSpPr>
+        <p:cNvPr id="1" name=""/>
+        <p:cNvGrpSpPr/>
+        <p:nvPr/>
+      </p:nvGrpSpPr>
+      <p:grpSpPr>
+        <a:xfrm>
+          <a:off x="0" y="0"/>
+          <a:ext cx="0" cy="0"/>
+          <a:chOff x="0" y="0"/>
+          <a:chExt cx="0" cy="0"/>
+        </a:xfrm>
+      </p:grpSpPr>
+      <p:sp>
+        <p:nvSpPr>
+          <p:cNvPr id="2" name="Title 1"/>
+          <p:cNvSpPr>
+            <a:spLocks noGrp="1"/>
+          </p:cNvSpPr>
+          <p:nvPr>
+            <p:ph type="title"/>
+          </p:nvPr>
+        </p:nvSpPr>
+        <p:spPr/>
+        <p:txBody>
+          <a:bodyPr/>
+          <a:lstStyle/>
+          <a:p>
+            <a:r>
+              <a:rPr lang="en-US" dirty="0" smtClean="0"/>
+              <a:t>Reference/Further Readings</a:t>
+            </a:r>
+            <a:endParaRPr lang="en-US" dirty="0"/>
+          </a:p>
+        </p:txBody>
+      </p:sp>
+      <p:sp>
+        <p:nvSpPr>
+          <p:cNvPr id="3" name="Content Placeholder 2"/>
+          <p:cNvSpPr>
+            <a:spLocks noGrp="1"/>
+          </p:cNvSpPr>
+          <p:nvPr>
+            <p:ph sz="quarter" idx="15"/>
+          </p:nvPr>
+        </p:nvSpPr>
+        <p:spPr/>
+        <p:txBody>
+          <a:bodyPr/>
+          <a:lstStyle/>
+          <a:p>
+            <a:r>
+              <a:rPr lang="en-US" dirty="0">
+                <a:hlinkClick r:id="rId2"/>
+              </a:rPr>
+              <a:t>https://</a:t>
+            </a:r>
+            <a:r>
+              <a:rPr lang="en-US" dirty="0" smtClean="0">
+                <a:hlinkClick r:id="rId2"/>
+              </a:rPr>
+              <a:t>www.scrum.org/resources/what-is-scrum</a:t>
+            </a:r>
+            <a:endParaRPr lang="en-US" dirty="0" smtClean="0"/>
+          </a:p>
+          <a:p>
+            <a:r>
+              <a:rPr lang="en-US" dirty="0">
+                <a:hlinkClick r:id="rId3"/>
+              </a:rPr>
+              <a:t>http://agilemanifesto.org</a:t>
+            </a:r>
+            <a:r>
+              <a:rPr lang="en-US" dirty="0" smtClean="0">
+                <a:hlinkClick r:id="rId3"/>
+              </a:rPr>
+              <a:t>/</a:t>
+            </a:r>
+            <a:endParaRPr lang="en-US" dirty="0" smtClean="0"/>
+          </a:p>
+          <a:p>
+            <a:r>
+              <a:rPr lang="en-US" dirty="0">
+                <a:hlinkClick r:id="rId4"/>
+              </a:rPr>
+              <a:t>https://www.cprime.com/resources/what-is-agile-what-is-scrum</a:t>
+            </a:r>
+            <a:r>
+              <a:rPr lang="en-US" dirty="0" smtClean="0">
+                <a:hlinkClick r:id="rId4"/>
+              </a:rPr>
+              <a:t>/</a:t>
+            </a:r>
+            <a:endParaRPr lang="en-US" dirty="0" smtClean="0"/>
+          </a:p>
+          <a:p>
+            <a:r>
+              <a:rPr lang="en-US" dirty="0">
+                <a:hlinkClick r:id="rId5"/>
+              </a:rPr>
+              <a:t>http://</a:t>
+            </a:r>
+            <a:r>
+              <a:rPr lang="en-US" dirty="0" smtClean="0">
+                <a:hlinkClick r:id="rId5"/>
+              </a:rPr>
+              <a:t>www.mountaingoatsoftware.com/agile/scrum</a:t>
+            </a:r>
+            <a:endParaRPr lang="en-US" dirty="0" smtClean="0"/>
+          </a:p>
+          <a:p>
+            <a:r>
+              <a:rPr lang="en-US" dirty="0">
+                <a:hlinkClick r:id="rId6"/>
+              </a:rPr>
+              <a:t>https://www.cprime.com/2015/03/5-tips-to-manage-scrum-processes-in-the-real-world</a:t>
+            </a:r>
+            <a:r>
+              <a:rPr lang="en-US" dirty="0" smtClean="0">
+                <a:hlinkClick r:id="rId6"/>
+              </a:rPr>
+              <a:t>/</a:t>
+            </a:r>
+            <a:endParaRPr lang="en-US" dirty="0" smtClean="0"/>
+          </a:p>
+          <a:p>
+            <a:r>
+              <a:rPr lang="en-US" dirty="0">
+                <a:hlinkClick r:id="rId7"/>
+              </a:rPr>
+              <a:t>https://</a:t>
+            </a:r>
+            <a:r>
+              <a:rPr lang="en-US" dirty="0" smtClean="0">
+                <a:hlinkClick r:id="rId7"/>
+              </a:rPr>
+              <a:t>www.scrumguides.org/docs/scrumguide/v2017/2017-Scrum-Guide-US.pdf#zoom=100</a:t>
+            </a:r>
+            <a:endParaRPr lang="en-US" dirty="0" smtClean="0"/>
+          </a:p>
+          <a:p>
+            <a:r>
+              <a:rPr lang="en-US" dirty="0">
+                <a:hlinkClick r:id="rId8"/>
+              </a:rPr>
+              <a:t>https://</a:t>
+            </a:r>
+            <a:r>
+              <a:rPr lang="en-US" dirty="0" smtClean="0">
+                <a:hlinkClick r:id="rId8"/>
+              </a:rPr>
+              <a:t>www.atlassian.com/agile/scrum</a:t>
+            </a:r>
+            <a:r>
+              <a:rPr lang="en-US" dirty="0" smtClean="0"/>
+              <a:t> </a:t>
+            </a:r>
+          </a:p>
+          <a:p>
+            <a:r>
+              <a:rPr lang="en-US" dirty="0">
+                <a:hlinkClick r:id="rId9"/>
+              </a:rPr>
+              <a:t>http://</a:t>
+            </a:r>
+            <a:r>
+              <a:rPr lang="en-US" dirty="0" smtClean="0">
+                <a:hlinkClick r:id="rId9"/>
+              </a:rPr>
+              <a:t>www.agilenutshell.com/what_is_agile</a:t>
+            </a:r>
+            <a:r>
+              <a:rPr lang="en-US" dirty="0" smtClean="0"/>
+              <a:t> </a:t>
+            </a:r>
+            <a:endParaRPr lang="en-US" dirty="0"/>
+          </a:p>
+          <a:p>
+            <a:r>
+              <a:rPr lang="en-US" dirty="0" smtClean="0"/>
+              <a:t>User Stories:- </a:t>
+            </a:r>
+            <a:r>
+              <a:rPr lang="en-US" dirty="0" smtClean="0">
+                <a:hlinkClick r:id="rId10"/>
+              </a:rPr>
+              <a:t>https</a:t>
+            </a:r>
+            <a:r>
+              <a:rPr lang="en-US" dirty="0">
+                <a:hlinkClick r:id="rId10"/>
+              </a:rPr>
+              <a:t>://</a:t>
+            </a:r>
+            <a:r>
+              <a:rPr lang="en-US" dirty="0" smtClean="0">
+                <a:hlinkClick r:id="rId10"/>
+              </a:rPr>
+              <a:t>www.youtube.com/watch?v=LvRVnFmLpSA</a:t>
+            </a:r>
+            <a:endParaRPr lang="en-US" dirty="0" smtClean="0"/>
+          </a:p>
+          <a:p>
+            <a:r>
+              <a:rPr lang="en-US" dirty="0"/>
+              <a:t>Estimation :- </a:t>
+            </a:r>
+            <a:r>
+              <a:rPr lang="en-US" dirty="0">
+                <a:hlinkClick r:id="rId11"/>
+              </a:rPr>
+              <a:t>https://</a:t>
+            </a:r>
+            <a:r>
+              <a:rPr lang="en-US" dirty="0" smtClean="0">
+                <a:hlinkClick r:id="rId11"/>
+              </a:rPr>
+              <a:t>www.youtube.com/watch?v=sCCUEtjCpCs</a:t>
+            </a:r>
+            <a:r>
+              <a:rPr lang="en-US" dirty="0" smtClean="0"/>
+              <a:t> </a:t>
+            </a:r>
+          </a:p>
+          <a:p>
+            <a:r>
+              <a:rPr lang="en-US" dirty="0">
+                <a:hlinkClick r:id="rId12"/>
+              </a:rPr>
+              <a:t>http://</a:t>
+            </a:r>
+            <a:r>
+              <a:rPr lang="en-US" dirty="0" smtClean="0">
+                <a:hlinkClick r:id="rId12"/>
+              </a:rPr>
+              <a:t>www.agilenutshell.com</a:t>
+            </a:r>
+            <a:r>
+              <a:rPr lang="en-US" dirty="0" smtClean="0"/>
+              <a:t> </a:t>
+            </a:r>
+            <a:endParaRPr lang="en-US" dirty="0" smtClean="0"/>
+          </a:p>
+          <a:p>
+            <a:endParaRPr lang="en-US" dirty="0" smtClean="0"/>
+          </a:p>
+          <a:p>
+            <a:endParaRPr lang="en-US" dirty="0"/>
+          </a:p>
+        </p:txBody>
+      </p:sp>
+    </p:spTree>
+    <p:extLst>
+      <p:ext uri="{BB962C8B-B14F-4D97-AF65-F5344CB8AC3E}">
+        <p14:creationId xmlns:p14="http://schemas.microsoft.com/office/powerpoint/2010/main" val="1062825042"/>
       </p:ext>
     </p:extLst>
   </p:cSld>
@@ -15578,9 +17199,169 @@
           <a:p>
             <a:r>
               <a:rPr lang="en-US" dirty="0" smtClean="0"/>
-              <a:t>What is SCRUM</a:t>
+              <a:t>Three Simple Truths</a:t>
             </a:r>
             <a:endParaRPr lang="en-US" dirty="0"/>
+          </a:p>
+        </p:txBody>
+      </p:sp>
+      <p:sp>
+        <p:nvSpPr>
+          <p:cNvPr id="3" name="Content Placeholder 2"/>
+          <p:cNvSpPr>
+            <a:spLocks noGrp="1"/>
+          </p:cNvSpPr>
+          <p:nvPr>
+            <p:ph sz="quarter" idx="15"/>
+          </p:nvPr>
+        </p:nvSpPr>
+        <p:spPr>
+          <a:xfrm>
+            <a:off x="711200" y="1429555"/>
+            <a:ext cx="10769600" cy="4742645"/>
+          </a:xfrm>
+        </p:spPr>
+        <p:txBody>
+          <a:bodyPr/>
+          <a:lstStyle/>
+          <a:p>
+            <a:r>
+              <a:rPr lang="en-GB" dirty="0"/>
+              <a:t>There are three simple truths that, once accepted, dispense with much of the drama and dysfunction we typically see on software </a:t>
+            </a:r>
+            <a:r>
+              <a:rPr lang="en-GB" dirty="0" smtClean="0"/>
+              <a:t>projects.</a:t>
+            </a:r>
+          </a:p>
+          <a:p>
+            <a:endParaRPr lang="en-GB" dirty="0" smtClean="0"/>
+          </a:p>
+          <a:p>
+            <a:pPr marL="182880" indent="-457200">
+              <a:buFont typeface="+mj-lt"/>
+              <a:buAutoNum type="arabicPeriod"/>
+            </a:pPr>
+            <a:r>
+              <a:rPr lang="en-GB" sz="2800" dirty="0" smtClean="0"/>
+              <a:t>It is impossible to gather all the requirements at the beginning of a project!</a:t>
+            </a:r>
+          </a:p>
+          <a:p>
+            <a:pPr marL="182880" indent="-457200">
+              <a:buFont typeface="+mj-lt"/>
+              <a:buAutoNum type="arabicPeriod"/>
+            </a:pPr>
+            <a:r>
+              <a:rPr lang="en-GB" sz="2800" dirty="0" smtClean="0"/>
+              <a:t>Whatever Requirements could be gathered are guaranteed to change!</a:t>
+            </a:r>
+          </a:p>
+          <a:p>
+            <a:pPr marL="182880" indent="-457200">
+              <a:buFont typeface="+mj-lt"/>
+              <a:buAutoNum type="arabicPeriod"/>
+            </a:pPr>
+            <a:r>
+              <a:rPr lang="en-GB" sz="2800" dirty="0" smtClean="0"/>
+              <a:t>There will always be more to do than time and money will allow!</a:t>
+            </a:r>
+          </a:p>
+          <a:p>
+            <a:endParaRPr lang="en-US" dirty="0"/>
+          </a:p>
+        </p:txBody>
+      </p:sp>
+    </p:spTree>
+    <p:extLst>
+      <p:ext uri="{BB962C8B-B14F-4D97-AF65-F5344CB8AC3E}">
+        <p14:creationId xmlns:p14="http://schemas.microsoft.com/office/powerpoint/2010/main" val="1286887133"/>
+      </p:ext>
+    </p:extLst>
+  </p:cSld>
+  <p:clrMapOvr>
+    <a:masterClrMapping/>
+  </p:clrMapOvr>
+</p:sld>
+</file>
+
+<file path=ppt/slides/slide3.xml><?xml version="1.0" encoding="utf-8"?>
+<p:sld xmlns:a="http://schemas.openxmlformats.org/drawingml/2006/main" xmlns:r="http://schemas.openxmlformats.org/officeDocument/2006/relationships" xmlns:p="http://schemas.openxmlformats.org/presentationml/2006/main">
+  <p:cSld>
+    <p:spTree>
+      <p:nvGrpSpPr>
+        <p:cNvPr id="1" name=""/>
+        <p:cNvGrpSpPr/>
+        <p:nvPr/>
+      </p:nvGrpSpPr>
+      <p:grpSpPr>
+        <a:xfrm>
+          <a:off x="0" y="0"/>
+          <a:ext cx="0" cy="0"/>
+          <a:chOff x="0" y="0"/>
+          <a:chExt cx="0" cy="0"/>
+        </a:xfrm>
+      </p:grpSpPr>
+      <p:pic>
+        <p:nvPicPr>
+          <p:cNvPr id="1028" name="Picture 4" descr="agile in a nutshell"/>
+          <p:cNvPicPr>
+            <a:picLocks noChangeAspect="1" noChangeArrowheads="1"/>
+          </p:cNvPicPr>
+          <p:nvPr/>
+        </p:nvPicPr>
+        <p:blipFill>
+          <a:blip r:embed="rId2">
+            <a:extLst>
+              <a:ext uri="{28A0092B-C50C-407E-A947-70E740481C1C}">
+                <a14:useLocalDpi xmlns:a14="http://schemas.microsoft.com/office/drawing/2010/main" val="0"/>
+              </a:ext>
+            </a:extLst>
+          </a:blip>
+          <a:srcRect/>
+          <a:stretch>
+            <a:fillRect/>
+          </a:stretch>
+        </p:blipFill>
+        <p:spPr bwMode="auto">
+          <a:xfrm>
+            <a:off x="7525710" y="4472196"/>
+            <a:ext cx="4838011" cy="2160421"/>
+          </a:xfrm>
+          <a:prstGeom prst="rect">
+            <a:avLst/>
+          </a:prstGeom>
+          <a:noFill/>
+          <a:extLst>
+            <a:ext uri="{909E8E84-426E-40DD-AFC4-6F175D3DCCD1}">
+              <a14:hiddenFill xmlns:a14="http://schemas.microsoft.com/office/drawing/2010/main">
+                <a:solidFill>
+                  <a:srgbClr val="FFFFFF"/>
+                </a:solidFill>
+              </a14:hiddenFill>
+            </a:ext>
+          </a:extLst>
+        </p:spPr>
+      </p:pic>
+      <p:sp>
+        <p:nvSpPr>
+          <p:cNvPr id="2" name="Title 1"/>
+          <p:cNvSpPr>
+            <a:spLocks noGrp="1"/>
+          </p:cNvSpPr>
+          <p:nvPr>
+            <p:ph type="title"/>
+          </p:nvPr>
+        </p:nvSpPr>
+        <p:spPr/>
+        <p:txBody>
+          <a:bodyPr/>
+          <a:lstStyle/>
+          <a:p>
+            <a:r>
+              <a:rPr lang="en-US" dirty="0"/>
+              <a:t>What is Agile</a:t>
+            </a:r>
           </a:p>
         </p:txBody>
       </p:sp>
@@ -15599,46 +17380,231 @@
           <a:bodyPr/>
           <a:lstStyle/>
           <a:p>
-            <a:r>
-              <a:rPr lang="en-US" dirty="0"/>
-              <a:t>Scrum is an agile way to manage a project, usually software development. </a:t>
-            </a:r>
-            <a:endParaRPr lang="en-US" dirty="0" smtClean="0"/>
-          </a:p>
-          <a:p>
-            <a:r>
-              <a:rPr lang="en-US" dirty="0" smtClean="0"/>
-              <a:t>Scrum </a:t>
-            </a:r>
-            <a:r>
-              <a:rPr lang="en-US" dirty="0"/>
-              <a:t>is a framework within which people can address complex adaptive problems, while productively and creatively delivering products of the highest possible value.</a:t>
-            </a:r>
-          </a:p>
-          <a:p>
-            <a:r>
-              <a:rPr lang="en-US" dirty="0" smtClean="0"/>
-              <a:t>Scrum </a:t>
-            </a:r>
-            <a:r>
-              <a:rPr lang="en-US" dirty="0"/>
-              <a:t>itself is a simple framework for effective team collaboration on complex products.  Scrum co-creators Ken </a:t>
-            </a:r>
-            <a:r>
-              <a:rPr lang="en-US" dirty="0" err="1"/>
-              <a:t>Schwaber</a:t>
-            </a:r>
-            <a:r>
-              <a:rPr lang="en-US" dirty="0"/>
-              <a:t> and Jeff Sutherland have written The Scrum Guide to explain Scrum clearly and succinctly.  This Guide contains the definition of Scrum. This definition consists of Scrum’s roles, events, artifacts, and the rules that bind them together. </a:t>
-            </a:r>
+            <a:pPr marL="68580" indent="-342900">
+              <a:buFont typeface="Arial" panose="020B0604020202020204" pitchFamily="34" charset="0"/>
+              <a:buChar char="•"/>
+            </a:pPr>
+            <a:r>
+              <a:rPr lang="en-GB" dirty="0"/>
+              <a:t>Agile is </a:t>
+            </a:r>
+            <a:r>
+              <a:rPr lang="en-GB" dirty="0" smtClean="0"/>
+              <a:t>a </a:t>
+            </a:r>
+            <a:r>
+              <a:rPr lang="en-GB" b="1" dirty="0" smtClean="0"/>
+              <a:t>time </a:t>
+            </a:r>
+            <a:r>
+              <a:rPr lang="en-GB" b="1" dirty="0"/>
+              <a:t>boxed</a:t>
+            </a:r>
+            <a:r>
+              <a:rPr lang="en-GB" dirty="0"/>
+              <a:t>, </a:t>
+            </a:r>
+            <a:r>
+              <a:rPr lang="en-GB" b="1" dirty="0"/>
+              <a:t>iterative approach </a:t>
+            </a:r>
+            <a:r>
+              <a:rPr lang="en-GB" dirty="0"/>
+              <a:t>to software delivery </a:t>
+            </a:r>
+            <a:endParaRPr lang="en-GB" dirty="0" smtClean="0"/>
+          </a:p>
+          <a:p>
+            <a:pPr marL="68580" indent="-342900">
+              <a:buFont typeface="Arial" panose="020B0604020202020204" pitchFamily="34" charset="0"/>
+              <a:buChar char="•"/>
+            </a:pPr>
+            <a:r>
+              <a:rPr lang="en-GB" dirty="0"/>
+              <a:t>B</a:t>
+            </a:r>
+            <a:r>
+              <a:rPr lang="en-GB" dirty="0" smtClean="0"/>
+              <a:t>uilds </a:t>
+            </a:r>
+            <a:r>
+              <a:rPr lang="en-GB" dirty="0"/>
+              <a:t>software </a:t>
+            </a:r>
+            <a:r>
+              <a:rPr lang="en-GB" b="1" dirty="0"/>
+              <a:t>incrementally</a:t>
+            </a:r>
+            <a:r>
+              <a:rPr lang="en-GB" dirty="0"/>
+              <a:t> from the start of the </a:t>
+            </a:r>
+            <a:r>
+              <a:rPr lang="en-GB" dirty="0" smtClean="0"/>
+              <a:t>project</a:t>
+            </a:r>
+          </a:p>
+          <a:p>
+            <a:endParaRPr lang="en-GB" dirty="0" smtClean="0"/>
+          </a:p>
+          <a:p>
+            <a:pPr marL="68580" indent="-342900">
+              <a:buFont typeface="Arial" panose="020B0604020202020204" pitchFamily="34" charset="0"/>
+              <a:buChar char="•"/>
+            </a:pPr>
+            <a:r>
+              <a:rPr lang="en-GB" dirty="0" smtClean="0"/>
+              <a:t>In Agile,</a:t>
+            </a:r>
+          </a:p>
+          <a:p>
+            <a:pPr marL="617220" lvl="2" indent="-342900">
+              <a:buFont typeface="Arial" panose="020B0604020202020204" pitchFamily="34" charset="0"/>
+              <a:buChar char="•"/>
+            </a:pPr>
+            <a:r>
+              <a:rPr lang="en-GB" dirty="0" smtClean="0"/>
+              <a:t>Projects are broken </a:t>
+            </a:r>
+            <a:r>
+              <a:rPr lang="en-GB" dirty="0"/>
+              <a:t>down into </a:t>
+            </a:r>
+            <a:r>
+              <a:rPr lang="en-GB" dirty="0" smtClean="0"/>
+              <a:t>components of </a:t>
+            </a:r>
+            <a:r>
+              <a:rPr lang="en-GB" dirty="0"/>
+              <a:t>user </a:t>
+            </a:r>
+            <a:r>
+              <a:rPr lang="en-GB" dirty="0" smtClean="0"/>
+              <a:t>functionality </a:t>
+            </a:r>
+            <a:br>
+              <a:rPr lang="en-GB" dirty="0" smtClean="0"/>
+            </a:br>
+            <a:r>
+              <a:rPr lang="en-GB" dirty="0" smtClean="0"/>
+              <a:t>		-  </a:t>
+            </a:r>
+            <a:r>
+              <a:rPr lang="en-GB" dirty="0"/>
+              <a:t>called </a:t>
+            </a:r>
+            <a:r>
+              <a:rPr lang="en-GB" b="1" dirty="0" smtClean="0"/>
+              <a:t>User Stories</a:t>
+            </a:r>
+          </a:p>
+          <a:p>
+            <a:pPr marL="617220" lvl="2" indent="-342900">
+              <a:buFont typeface="Arial" panose="020B0604020202020204" pitchFamily="34" charset="0"/>
+              <a:buChar char="•"/>
+            </a:pPr>
+            <a:r>
+              <a:rPr lang="en-GB" dirty="0" smtClean="0"/>
+              <a:t>User Stories are </a:t>
+            </a:r>
+            <a:r>
+              <a:rPr lang="en-GB" b="1" dirty="0" smtClean="0"/>
+              <a:t>prioritized</a:t>
+            </a:r>
+          </a:p>
+          <a:p>
+            <a:pPr marL="617220" lvl="2" indent="-342900">
+              <a:buFont typeface="Arial" panose="020B0604020202020204" pitchFamily="34" charset="0"/>
+              <a:buChar char="•"/>
+            </a:pPr>
+            <a:r>
+              <a:rPr lang="en-GB" dirty="0"/>
+              <a:t>User Stories are </a:t>
+            </a:r>
+            <a:r>
+              <a:rPr lang="en-GB" b="1" dirty="0" smtClean="0"/>
+              <a:t>Continuously Delivered </a:t>
+            </a:r>
+            <a:r>
+              <a:rPr lang="en-GB" dirty="0" smtClean="0"/>
+              <a:t>in </a:t>
+            </a:r>
+            <a:r>
+              <a:rPr lang="en-GB" dirty="0"/>
+              <a:t>short </a:t>
+            </a:r>
+            <a:r>
+              <a:rPr lang="en-GB" dirty="0" smtClean="0"/>
+              <a:t>cycles </a:t>
+            </a:r>
+            <a:br>
+              <a:rPr lang="en-GB" dirty="0" smtClean="0"/>
+            </a:br>
+            <a:r>
+              <a:rPr lang="en-GB" dirty="0" smtClean="0"/>
+              <a:t>		-  </a:t>
+            </a:r>
+            <a:r>
+              <a:rPr lang="en-GB" dirty="0"/>
+              <a:t>called </a:t>
+            </a:r>
+            <a:r>
+              <a:rPr lang="en-GB" b="1" dirty="0" smtClean="0"/>
+              <a:t>Iterations</a:t>
+            </a:r>
+            <a:r>
+              <a:rPr lang="en-GB" dirty="0"/>
+              <a:t>.</a:t>
+            </a:r>
+            <a:endParaRPr lang="en-US" dirty="0"/>
           </a:p>
         </p:txBody>
       </p:sp>
+      <p:pic>
+        <p:nvPicPr>
+          <p:cNvPr id="1026" name="Picture 2" descr="agile in a nutshell"/>
+          <p:cNvPicPr>
+            <a:picLocks noChangeAspect="1" noChangeArrowheads="1"/>
+          </p:cNvPicPr>
+          <p:nvPr/>
+        </p:nvPicPr>
+        <p:blipFill>
+          <a:blip r:embed="rId3">
+            <a:extLst>
+              <a:ext uri="{28A0092B-C50C-407E-A947-70E740481C1C}">
+                <a14:useLocalDpi xmlns:a14="http://schemas.microsoft.com/office/drawing/2010/main" val="0"/>
+              </a:ext>
+            </a:extLst>
+          </a:blip>
+          <a:srcRect/>
+          <a:stretch>
+            <a:fillRect/>
+          </a:stretch>
+        </p:blipFill>
+        <p:spPr bwMode="auto">
+          <a:xfrm>
+            <a:off x="8087932" y="1600200"/>
+            <a:ext cx="3837904" cy="1733675"/>
+          </a:xfrm>
+          <a:prstGeom prst="rect">
+            <a:avLst/>
+          </a:prstGeom>
+          <a:noFill/>
+          <a:extLst>
+            <a:ext uri="{909E8E84-426E-40DD-AFC4-6F175D3DCCD1}">
+              <a14:hiddenFill xmlns:a14="http://schemas.microsoft.com/office/drawing/2010/main">
+                <a:solidFill>
+                  <a:srgbClr val="FFFFFF"/>
+                </a:solidFill>
+              </a14:hiddenFill>
+            </a:ext>
+          </a:extLst>
+        </p:spPr>
+      </p:pic>
     </p:spTree>
     <p:extLst>
       <p:ext uri="{BB962C8B-B14F-4D97-AF65-F5344CB8AC3E}">
-        <p14:creationId xmlns:p14="http://schemas.microsoft.com/office/powerpoint/2010/main" val="97510470"/>
+        <p14:creationId xmlns:p14="http://schemas.microsoft.com/office/powerpoint/2010/main" val="18692600"/>
       </p:ext>
     </p:extLst>
   </p:cSld>
@@ -15655,7 +17621,7 @@
 </p:sld>
 </file>
 
-<file path=ppt/slides/slide3.xml><?xml version="1.0" encoding="utf-8"?>
+<file path=ppt/slides/slide4.xml><?xml version="1.0" encoding="utf-8"?>
 <p:sld xmlns:a="http://schemas.openxmlformats.org/drawingml/2006/main" xmlns:r="http://schemas.openxmlformats.org/officeDocument/2006/relationships" xmlns:p="http://schemas.openxmlformats.org/presentationml/2006/main">
   <p:cSld>
     <p:spTree>
@@ -15688,8 +17654,387 @@
           <a:lstStyle/>
           <a:p>
             <a:r>
-              <a:rPr lang="en-US" dirty="0" smtClean="0"/>
-              <a:t>Reference/Further Readings</a:t>
+              <a:rPr lang="en-US" dirty="0"/>
+              <a:t>What is Scrum</a:t>
+            </a:r>
+          </a:p>
+        </p:txBody>
+      </p:sp>
+      <p:sp>
+        <p:nvSpPr>
+          <p:cNvPr id="3" name="Content Placeholder 2"/>
+          <p:cNvSpPr>
+            <a:spLocks noGrp="1"/>
+          </p:cNvSpPr>
+          <p:nvPr>
+            <p:ph sz="quarter" idx="15"/>
+          </p:nvPr>
+        </p:nvSpPr>
+        <p:spPr>
+          <a:xfrm>
+            <a:off x="711200" y="1378039"/>
+            <a:ext cx="10769600" cy="4794161"/>
+          </a:xfrm>
+        </p:spPr>
+        <p:txBody>
+          <a:bodyPr/>
+          <a:lstStyle/>
+          <a:p>
+            <a:pPr marL="68580" indent="-342900">
+              <a:buFont typeface="Arial" panose="020B0604020202020204" pitchFamily="34" charset="0"/>
+              <a:buChar char="•"/>
+            </a:pPr>
+            <a:r>
+              <a:rPr lang="en-GB" dirty="0"/>
+              <a:t>Scrum and Agile are not the same</a:t>
+            </a:r>
+          </a:p>
+          <a:p>
+            <a:pPr marL="68580" indent="-342900">
+              <a:buFont typeface="Arial" panose="020B0604020202020204" pitchFamily="34" charset="0"/>
+              <a:buChar char="•"/>
+            </a:pPr>
+            <a:r>
+              <a:rPr lang="en-GB" dirty="0"/>
+              <a:t>It is one of the most popular frameworks for implementing agile methodology</a:t>
+            </a:r>
+          </a:p>
+          <a:p>
+            <a:pPr marL="822960" lvl="4" indent="0">
+              <a:buNone/>
+            </a:pPr>
+            <a:r>
+              <a:rPr lang="en-GB" dirty="0" smtClean="0"/>
+              <a:t>- co-creators </a:t>
+            </a:r>
+            <a:r>
+              <a:rPr lang="en-GB" dirty="0"/>
+              <a:t>Ken </a:t>
+            </a:r>
+            <a:r>
+              <a:rPr lang="en-GB" dirty="0" err="1"/>
+              <a:t>Schwaber</a:t>
+            </a:r>
+            <a:r>
+              <a:rPr lang="en-GB" dirty="0"/>
+              <a:t> and Jeff Sutherland</a:t>
+            </a:r>
+          </a:p>
+          <a:p>
+            <a:pPr marL="68580" indent="-342900">
+              <a:buFont typeface="Arial" panose="020B0604020202020204" pitchFamily="34" charset="0"/>
+              <a:buChar char="•"/>
+            </a:pPr>
+            <a:r>
+              <a:rPr lang="en-GB" dirty="0"/>
+              <a:t>Many frameworks can be used to implement agile. </a:t>
+            </a:r>
+            <a:r>
+              <a:rPr lang="en-GB" dirty="0" err="1"/>
+              <a:t>Eg</a:t>
+            </a:r>
+            <a:r>
+              <a:rPr lang="en-GB" dirty="0"/>
+              <a:t>:- </a:t>
+            </a:r>
+            <a:r>
+              <a:rPr lang="en-GB" dirty="0" err="1"/>
+              <a:t>kanban</a:t>
+            </a:r>
+            <a:endParaRPr lang="en-GB" dirty="0"/>
+          </a:p>
+          <a:p>
+            <a:pPr marL="68580" indent="-342900">
+              <a:buFont typeface="Arial" panose="020B0604020202020204" pitchFamily="34" charset="0"/>
+              <a:buChar char="•"/>
+            </a:pPr>
+            <a:r>
+              <a:rPr lang="en-GB" dirty="0"/>
+              <a:t>Scrum is an agile way to manage a project, usually software development. </a:t>
+            </a:r>
+          </a:p>
+          <a:p>
+            <a:pPr marL="68580" indent="-342900">
+              <a:buFont typeface="Arial" panose="020B0604020202020204" pitchFamily="34" charset="0"/>
+              <a:buChar char="•"/>
+            </a:pPr>
+            <a:r>
+              <a:rPr lang="en-GB" dirty="0"/>
+              <a:t>Scrum facilitates </a:t>
+            </a:r>
+            <a:endParaRPr lang="en-GB" dirty="0" smtClean="0"/>
+          </a:p>
+          <a:p>
+            <a:pPr marL="548640" lvl="3" indent="0">
+              <a:buNone/>
+            </a:pPr>
+            <a:r>
+              <a:rPr lang="en-GB" dirty="0"/>
+              <a:t> </a:t>
+            </a:r>
+            <a:r>
+              <a:rPr lang="en-GB" dirty="0" smtClean="0"/>
+              <a:t>- addressing </a:t>
+            </a:r>
+            <a:r>
+              <a:rPr lang="en-GB" b="1" dirty="0"/>
+              <a:t>complex adaptive</a:t>
+            </a:r>
+            <a:r>
+              <a:rPr lang="en-GB" dirty="0"/>
+              <a:t> problems, </a:t>
+            </a:r>
+            <a:endParaRPr lang="en-GB" dirty="0" smtClean="0"/>
+          </a:p>
+          <a:p>
+            <a:pPr marL="548640" lvl="3" indent="0">
+              <a:buNone/>
+            </a:pPr>
+            <a:r>
+              <a:rPr lang="en-GB" dirty="0"/>
+              <a:t> </a:t>
+            </a:r>
+            <a:r>
+              <a:rPr lang="en-GB" dirty="0" smtClean="0"/>
+              <a:t>- while </a:t>
+            </a:r>
+            <a:r>
+              <a:rPr lang="en-GB" b="1" dirty="0"/>
+              <a:t>productively</a:t>
+            </a:r>
+            <a:r>
+              <a:rPr lang="en-GB" dirty="0"/>
+              <a:t> and </a:t>
+            </a:r>
+            <a:r>
+              <a:rPr lang="en-GB" b="1" dirty="0"/>
+              <a:t>creatively</a:t>
+            </a:r>
+            <a:r>
+              <a:rPr lang="en-GB" dirty="0"/>
+              <a:t> </a:t>
+            </a:r>
+            <a:r>
+              <a:rPr lang="en-GB" b="1" dirty="0"/>
+              <a:t>delivering</a:t>
+            </a:r>
+            <a:r>
+              <a:rPr lang="en-GB" dirty="0"/>
+              <a:t> </a:t>
+            </a:r>
+            <a:r>
+              <a:rPr lang="en-GB" dirty="0" smtClean="0"/>
+              <a:t>products, </a:t>
+            </a:r>
+          </a:p>
+          <a:p>
+            <a:pPr marL="548640" lvl="3" indent="0">
+              <a:buNone/>
+            </a:pPr>
+            <a:r>
+              <a:rPr lang="en-GB" dirty="0"/>
+              <a:t> </a:t>
+            </a:r>
+            <a:r>
+              <a:rPr lang="en-GB" dirty="0" smtClean="0"/>
+              <a:t>- of </a:t>
+            </a:r>
+            <a:r>
+              <a:rPr lang="en-GB" dirty="0"/>
+              <a:t>the </a:t>
+            </a:r>
+            <a:r>
+              <a:rPr lang="en-GB" b="1" dirty="0"/>
+              <a:t>highest</a:t>
+            </a:r>
+            <a:r>
+              <a:rPr lang="en-GB" dirty="0"/>
+              <a:t> possible </a:t>
+            </a:r>
+            <a:r>
+              <a:rPr lang="en-GB" b="1" dirty="0"/>
+              <a:t>value</a:t>
+            </a:r>
+            <a:r>
+              <a:rPr lang="en-GB" dirty="0" smtClean="0"/>
+              <a:t>.</a:t>
+            </a:r>
+          </a:p>
+          <a:p>
+            <a:pPr marL="548640" lvl="3" indent="0">
+              <a:buNone/>
+            </a:pPr>
+            <a:endParaRPr lang="en-GB" dirty="0"/>
+          </a:p>
+          <a:p>
+            <a:pPr marL="68580" indent="-342900">
+              <a:buFont typeface="Arial" panose="020B0604020202020204" pitchFamily="34" charset="0"/>
+              <a:buChar char="•"/>
+            </a:pPr>
+            <a:r>
+              <a:rPr lang="en-GB" dirty="0"/>
+              <a:t>Scrum </a:t>
+            </a:r>
+            <a:r>
+              <a:rPr lang="en-GB" dirty="0" smtClean="0"/>
+              <a:t>is: </a:t>
+            </a:r>
+            <a:r>
+              <a:rPr lang="en-GB" b="1" dirty="0" smtClean="0"/>
+              <a:t>Lightweight</a:t>
+            </a:r>
+            <a:r>
+              <a:rPr lang="en-GB" dirty="0" smtClean="0"/>
+              <a:t>, </a:t>
+            </a:r>
+            <a:r>
+              <a:rPr lang="en-GB" b="1" dirty="0" smtClean="0"/>
+              <a:t>Simple </a:t>
+            </a:r>
+            <a:r>
+              <a:rPr lang="en-GB" b="1" dirty="0"/>
+              <a:t>to </a:t>
+            </a:r>
+            <a:r>
+              <a:rPr lang="en-GB" b="1" dirty="0" smtClean="0"/>
+              <a:t>understand</a:t>
+            </a:r>
+            <a:r>
+              <a:rPr lang="en-GB" dirty="0" smtClean="0"/>
+              <a:t>, </a:t>
+            </a:r>
+            <a:r>
+              <a:rPr lang="en-GB" b="1" dirty="0" smtClean="0"/>
+              <a:t>Difficult </a:t>
+            </a:r>
+            <a:r>
+              <a:rPr lang="en-GB" b="1" dirty="0"/>
+              <a:t>to master</a:t>
+            </a:r>
+            <a:endParaRPr lang="en-US" b="1" dirty="0"/>
+          </a:p>
+        </p:txBody>
+      </p:sp>
+    </p:spTree>
+    <p:extLst>
+      <p:ext uri="{BB962C8B-B14F-4D97-AF65-F5344CB8AC3E}">
+        <p14:creationId xmlns:p14="http://schemas.microsoft.com/office/powerpoint/2010/main" val="1329241393"/>
+      </p:ext>
+    </p:extLst>
+  </p:cSld>
+  <p:clrMapOvr>
+    <a:masterClrMapping/>
+  </p:clrMapOvr>
+  <p:timing>
+    <p:tnLst>
+      <p:par>
+        <p:cTn id="1" dur="indefinite" restart="never" nodeType="tmRoot"/>
+      </p:par>
+    </p:tnLst>
+  </p:timing>
+</p:sld>
+</file>
+
+<file path=ppt/slides/slide5.xml><?xml version="1.0" encoding="utf-8"?>
+<p:sld xmlns:a="http://schemas.openxmlformats.org/drawingml/2006/main" xmlns:r="http://schemas.openxmlformats.org/officeDocument/2006/relationships" xmlns:p="http://schemas.openxmlformats.org/presentationml/2006/main">
+  <p:cSld>
+    <p:spTree>
+      <p:nvGrpSpPr>
+        <p:cNvPr id="1" name=""/>
+        <p:cNvGrpSpPr/>
+        <p:nvPr/>
+      </p:nvGrpSpPr>
+      <p:grpSpPr>
+        <a:xfrm>
+          <a:off x="0" y="0"/>
+          <a:ext cx="0" cy="0"/>
+          <a:chOff x="0" y="0"/>
+          <a:chExt cx="0" cy="0"/>
+        </a:xfrm>
+      </p:grpSpPr>
+      <p:pic>
+        <p:nvPicPr>
+          <p:cNvPr id="4" name="Picture 3"/>
+          <p:cNvPicPr>
+            <a:picLocks noChangeAspect="1"/>
+          </p:cNvPicPr>
+          <p:nvPr/>
+        </p:nvPicPr>
+        <p:blipFill>
+          <a:blip r:embed="rId2"/>
+          <a:stretch>
+            <a:fillRect/>
+          </a:stretch>
+        </p:blipFill>
+        <p:spPr>
+          <a:xfrm>
+            <a:off x="141667" y="289275"/>
+            <a:ext cx="11911542" cy="6266072"/>
+          </a:xfrm>
+          <a:prstGeom prst="rect">
+            <a:avLst/>
+          </a:prstGeom>
+        </p:spPr>
+      </p:pic>
+    </p:spTree>
+    <p:extLst>
+      <p:ext uri="{BB962C8B-B14F-4D97-AF65-F5344CB8AC3E}">
+        <p14:creationId xmlns:p14="http://schemas.microsoft.com/office/powerpoint/2010/main" val="2247435213"/>
+      </p:ext>
+    </p:extLst>
+  </p:cSld>
+  <p:clrMapOvr>
+    <a:masterClrMapping/>
+  </p:clrMapOvr>
+  <p:timing>
+    <p:tnLst>
+      <p:par>
+        <p:cTn id="1" dur="indefinite" restart="never" nodeType="tmRoot"/>
+      </p:par>
+    </p:tnLst>
+  </p:timing>
+</p:sld>
+</file>
+
+<file path=ppt/slides/slide6.xml><?xml version="1.0" encoding="utf-8"?>
+<p:sld xmlns:a="http://schemas.openxmlformats.org/drawingml/2006/main" xmlns:r="http://schemas.openxmlformats.org/officeDocument/2006/relationships" xmlns:p="http://schemas.openxmlformats.org/presentationml/2006/main">
+  <p:cSld>
+    <p:spTree>
+      <p:nvGrpSpPr>
+        <p:cNvPr id="1" name=""/>
+        <p:cNvGrpSpPr/>
+        <p:nvPr/>
+      </p:nvGrpSpPr>
+      <p:grpSpPr>
+        <a:xfrm>
+          <a:off x="0" y="0"/>
+          <a:ext cx="0" cy="0"/>
+          <a:chOff x="0" y="0"/>
+          <a:chExt cx="0" cy="0"/>
+        </a:xfrm>
+      </p:grpSpPr>
+      <p:sp>
+        <p:nvSpPr>
+          <p:cNvPr id="2" name="Title 1"/>
+          <p:cNvSpPr>
+            <a:spLocks noGrp="1"/>
+          </p:cNvSpPr>
+          <p:nvPr>
+            <p:ph type="title"/>
+          </p:nvPr>
+        </p:nvSpPr>
+        <p:spPr/>
+        <p:txBody>
+          <a:bodyPr/>
+          <a:lstStyle/>
+          <a:p>
+            <a:r>
+              <a:rPr lang="en-GB" dirty="0"/>
+              <a:t>The Scrum framework in </a:t>
+            </a:r>
+            <a:r>
+              <a:rPr lang="en-GB" dirty="0" smtClean="0"/>
+              <a:t>action</a:t>
             </a:r>
             <a:endParaRPr lang="en-US" dirty="0"/>
           </a:p>
@@ -15710,102 +18055,82 @@
           <a:bodyPr/>
           <a:lstStyle/>
           <a:p>
-            <a:r>
-              <a:rPr lang="en-US" dirty="0">
-                <a:hlinkClick r:id="rId2"/>
-              </a:rPr>
-              <a:t>https://</a:t>
-            </a:r>
-            <a:r>
-              <a:rPr lang="en-US" dirty="0" smtClean="0">
-                <a:hlinkClick r:id="rId2"/>
-              </a:rPr>
-              <a:t>www.scrum.org/resources/what-is-scrum</a:t>
-            </a:r>
-            <a:endParaRPr lang="en-US" dirty="0" smtClean="0"/>
-          </a:p>
-          <a:p>
-            <a:r>
-              <a:rPr lang="en-US" dirty="0">
-                <a:hlinkClick r:id="rId3"/>
-              </a:rPr>
-              <a:t>http://agilemanifesto.org</a:t>
-            </a:r>
-            <a:r>
-              <a:rPr lang="en-US" dirty="0" smtClean="0">
-                <a:hlinkClick r:id="rId3"/>
-              </a:rPr>
-              <a:t>/</a:t>
-            </a:r>
-            <a:endParaRPr lang="en-US" dirty="0" smtClean="0"/>
-          </a:p>
-          <a:p>
-            <a:r>
-              <a:rPr lang="en-US" dirty="0">
-                <a:hlinkClick r:id="rId4"/>
-              </a:rPr>
-              <a:t>https://www.cprime.com/resources/what-is-agile-what-is-scrum</a:t>
-            </a:r>
-            <a:r>
-              <a:rPr lang="en-US" dirty="0" smtClean="0">
-                <a:hlinkClick r:id="rId4"/>
-              </a:rPr>
-              <a:t>/</a:t>
-            </a:r>
-            <a:endParaRPr lang="en-US" dirty="0" smtClean="0"/>
-          </a:p>
-          <a:p>
-            <a:r>
-              <a:rPr lang="en-US" dirty="0">
-                <a:hlinkClick r:id="rId5"/>
-              </a:rPr>
-              <a:t>http://</a:t>
-            </a:r>
-            <a:r>
-              <a:rPr lang="en-US" dirty="0" smtClean="0">
-                <a:hlinkClick r:id="rId5"/>
-              </a:rPr>
-              <a:t>www.mountaingoatsoftware.com/agile/scrum</a:t>
-            </a:r>
-            <a:endParaRPr lang="en-US" dirty="0" smtClean="0"/>
-          </a:p>
-          <a:p>
-            <a:r>
-              <a:rPr lang="en-US" dirty="0">
-                <a:hlinkClick r:id="rId6"/>
-              </a:rPr>
-              <a:t>https://www.cprime.com/2015/03/5-tips-to-manage-scrum-processes-in-the-real-world</a:t>
-            </a:r>
-            <a:r>
-              <a:rPr lang="en-US" dirty="0" smtClean="0">
-                <a:hlinkClick r:id="rId6"/>
-              </a:rPr>
-              <a:t>/</a:t>
-            </a:r>
-            <a:endParaRPr lang="en-US" dirty="0" smtClean="0"/>
-          </a:p>
-          <a:p>
-            <a:r>
-              <a:rPr lang="en-US" dirty="0">
-                <a:hlinkClick r:id="rId7"/>
-              </a:rPr>
-              <a:t>https://</a:t>
-            </a:r>
-            <a:r>
-              <a:rPr lang="en-US" dirty="0" smtClean="0">
-                <a:hlinkClick r:id="rId7"/>
-              </a:rPr>
-              <a:t>www.scrumguides.org/docs/scrumguide/v2017/2017-Scrum-Guide-US.pdf#zoom=100</a:t>
-            </a:r>
-            <a:r>
-              <a:rPr lang="en-US" dirty="0" smtClean="0"/>
-              <a:t> </a:t>
-            </a:r>
-          </a:p>
-          <a:p>
-            <a:endParaRPr lang="en-US" dirty="0" smtClean="0"/>
-          </a:p>
-          <a:p>
+            <a:pPr marL="68580" indent="-342900">
+              <a:buFont typeface="Arial" panose="020B0604020202020204" pitchFamily="34" charset="0"/>
+              <a:buChar char="•"/>
+            </a:pPr>
+            <a:r>
+              <a:rPr lang="en-GB" dirty="0"/>
+              <a:t>A product owner creates a prioritized wish list called a product backlog.</a:t>
+            </a:r>
+          </a:p>
+          <a:p>
+            <a:pPr marL="68580" indent="-342900">
+              <a:buFont typeface="Arial" panose="020B0604020202020204" pitchFamily="34" charset="0"/>
+              <a:buChar char="•"/>
+            </a:pPr>
+            <a:r>
+              <a:rPr lang="en-GB" dirty="0"/>
+              <a:t>During sprint planning, the team pulls a small chunk from the top of that wish list, a sprint backlog, and decides how to implement those pieces.</a:t>
+            </a:r>
+          </a:p>
+          <a:p>
+            <a:pPr marL="68580" indent="-342900">
+              <a:buFont typeface="Arial" panose="020B0604020202020204" pitchFamily="34" charset="0"/>
+              <a:buChar char="•"/>
+            </a:pPr>
+            <a:r>
+              <a:rPr lang="en-GB" dirty="0"/>
+              <a:t>The team has a certain amount of time — a sprint (usually two to four weeks) — to complete its work, but it meets each day to assess its progress (daily Scrum).</a:t>
+            </a:r>
+          </a:p>
+          <a:p>
+            <a:pPr marL="68580" indent="-342900">
+              <a:buFont typeface="Arial" panose="020B0604020202020204" pitchFamily="34" charset="0"/>
+              <a:buChar char="•"/>
+            </a:pPr>
+            <a:r>
+              <a:rPr lang="en-GB" dirty="0"/>
+              <a:t>Along the way, the </a:t>
+            </a:r>
+            <a:r>
+              <a:rPr lang="en-GB" dirty="0" err="1"/>
+              <a:t>ScrumMaster</a:t>
+            </a:r>
+            <a:r>
+              <a:rPr lang="en-GB" dirty="0"/>
+              <a:t> keeps the team focused on its goal.</a:t>
+            </a:r>
+          </a:p>
+          <a:p>
+            <a:pPr marL="68580" indent="-342900">
+              <a:buFont typeface="Arial" panose="020B0604020202020204" pitchFamily="34" charset="0"/>
+              <a:buChar char="•"/>
+            </a:pPr>
+            <a:r>
+              <a:rPr lang="en-GB" dirty="0"/>
+              <a:t>At the end of the sprint, the work should be potentially shippable: ready to hand to a customer, put on a store shelf, or show to a stakeholder.</a:t>
+            </a:r>
+          </a:p>
+          <a:p>
+            <a:pPr marL="68580" indent="-342900">
+              <a:buFont typeface="Arial" panose="020B0604020202020204" pitchFamily="34" charset="0"/>
+              <a:buChar char="•"/>
+            </a:pPr>
+            <a:r>
+              <a:rPr lang="en-GB" dirty="0"/>
+              <a:t>The sprint ends with a sprint review and retrospective.</a:t>
+            </a:r>
+          </a:p>
+          <a:p>
+            <a:pPr marL="68580" indent="-342900">
+              <a:buFont typeface="Arial" panose="020B0604020202020204" pitchFamily="34" charset="0"/>
+              <a:buChar char="•"/>
+            </a:pPr>
+            <a:r>
+              <a:rPr lang="en-GB" dirty="0"/>
+              <a:t>As the next sprint begins, the team chooses another chunk of the product backlog and begins working again.</a:t>
+            </a:r>
             <a:endParaRPr lang="en-US" dirty="0"/>
           </a:p>
         </p:txBody>
@@ -15813,7 +18138,7 @@
     </p:spTree>
     <p:extLst>
       <p:ext uri="{BB962C8B-B14F-4D97-AF65-F5344CB8AC3E}">
-        <p14:creationId xmlns:p14="http://schemas.microsoft.com/office/powerpoint/2010/main" val="1062825042"/>
+        <p14:creationId xmlns:p14="http://schemas.microsoft.com/office/powerpoint/2010/main" val="3138179726"/>
       </p:ext>
     </p:extLst>
   </p:cSld>
@@ -15827,6 +18152,542 @@
       </p:par>
     </p:tnLst>
   </p:timing>
+</p:sld>
+</file>
+
+<file path=ppt/slides/slide7.xml><?xml version="1.0" encoding="utf-8"?>
+<p:sld xmlns:a="http://schemas.openxmlformats.org/drawingml/2006/main" xmlns:r="http://schemas.openxmlformats.org/officeDocument/2006/relationships" xmlns:p="http://schemas.openxmlformats.org/presentationml/2006/main">
+  <p:cSld>
+    <p:spTree>
+      <p:nvGrpSpPr>
+        <p:cNvPr id="1" name=""/>
+        <p:cNvGrpSpPr/>
+        <p:nvPr/>
+      </p:nvGrpSpPr>
+      <p:grpSpPr>
+        <a:xfrm>
+          <a:off x="0" y="0"/>
+          <a:ext cx="0" cy="0"/>
+          <a:chOff x="0" y="0"/>
+          <a:chExt cx="0" cy="0"/>
+        </a:xfrm>
+      </p:grpSpPr>
+      <p:sp>
+        <p:nvSpPr>
+          <p:cNvPr id="2" name="Title 1"/>
+          <p:cNvSpPr>
+            <a:spLocks noGrp="1"/>
+          </p:cNvSpPr>
+          <p:nvPr>
+            <p:ph type="title"/>
+          </p:nvPr>
+        </p:nvSpPr>
+        <p:spPr/>
+        <p:txBody>
+          <a:bodyPr/>
+          <a:lstStyle/>
+          <a:p>
+            <a:r>
+              <a:rPr lang="en-US" i="0" dirty="0" smtClean="0"/>
+              <a:t>The Scrum Values</a:t>
+            </a:r>
+            <a:r>
+              <a:rPr lang="en-US" i="0" dirty="0"/>
+              <a:t/>
+            </a:r>
+            <a:br>
+              <a:rPr lang="en-US" i="0" dirty="0"/>
+            </a:br>
+            <a:endParaRPr lang="en-US" dirty="0"/>
+          </a:p>
+        </p:txBody>
+      </p:sp>
+      <p:pic>
+        <p:nvPicPr>
+          <p:cNvPr id="4" name="Picture 3"/>
+          <p:cNvPicPr>
+            <a:picLocks noChangeAspect="1"/>
+          </p:cNvPicPr>
+          <p:nvPr/>
+        </p:nvPicPr>
+        <p:blipFill>
+          <a:blip r:embed="rId2"/>
+          <a:stretch>
+            <a:fillRect/>
+          </a:stretch>
+        </p:blipFill>
+        <p:spPr>
+          <a:xfrm>
+            <a:off x="1419538" y="1143000"/>
+            <a:ext cx="9321442" cy="5605117"/>
+          </a:xfrm>
+          <a:prstGeom prst="rect">
+            <a:avLst/>
+          </a:prstGeom>
+        </p:spPr>
+      </p:pic>
+    </p:spTree>
+    <p:extLst>
+      <p:ext uri="{BB962C8B-B14F-4D97-AF65-F5344CB8AC3E}">
+        <p14:creationId xmlns:p14="http://schemas.microsoft.com/office/powerpoint/2010/main" val="1182217221"/>
+      </p:ext>
+    </p:extLst>
+  </p:cSld>
+  <p:clrMapOvr>
+    <a:masterClrMapping/>
+  </p:clrMapOvr>
+</p:sld>
+</file>
+
+<file path=ppt/slides/slide8.xml><?xml version="1.0" encoding="utf-8"?>
+<p:sld xmlns:a="http://schemas.openxmlformats.org/drawingml/2006/main" xmlns:r="http://schemas.openxmlformats.org/officeDocument/2006/relationships" xmlns:p="http://schemas.openxmlformats.org/presentationml/2006/main">
+  <p:cSld>
+    <p:spTree>
+      <p:nvGrpSpPr>
+        <p:cNvPr id="1" name=""/>
+        <p:cNvGrpSpPr/>
+        <p:nvPr/>
+      </p:nvGrpSpPr>
+      <p:grpSpPr>
+        <a:xfrm>
+          <a:off x="0" y="0"/>
+          <a:ext cx="0" cy="0"/>
+          <a:chOff x="0" y="0"/>
+          <a:chExt cx="0" cy="0"/>
+        </a:xfrm>
+      </p:grpSpPr>
+      <p:sp>
+        <p:nvSpPr>
+          <p:cNvPr id="2" name="Title 1"/>
+          <p:cNvSpPr>
+            <a:spLocks noGrp="1"/>
+          </p:cNvSpPr>
+          <p:nvPr>
+            <p:ph type="title"/>
+          </p:nvPr>
+        </p:nvSpPr>
+        <p:spPr/>
+        <p:txBody>
+          <a:bodyPr/>
+          <a:lstStyle/>
+          <a:p>
+            <a:r>
+              <a:rPr lang="en-GB" dirty="0"/>
+              <a:t>Roles of the Scrum Team</a:t>
+            </a:r>
+            <a:endParaRPr lang="en-US" dirty="0"/>
+          </a:p>
+        </p:txBody>
+      </p:sp>
+      <p:sp>
+        <p:nvSpPr>
+          <p:cNvPr id="3" name="Content Placeholder 2"/>
+          <p:cNvSpPr>
+            <a:spLocks noGrp="1"/>
+          </p:cNvSpPr>
+          <p:nvPr>
+            <p:ph sz="quarter" idx="15"/>
+          </p:nvPr>
+        </p:nvSpPr>
+        <p:spPr>
+          <a:xfrm>
+            <a:off x="711200" y="1481070"/>
+            <a:ext cx="10769600" cy="4691130"/>
+          </a:xfrm>
+        </p:spPr>
+        <p:txBody>
+          <a:bodyPr/>
+          <a:lstStyle/>
+          <a:p>
+            <a:r>
+              <a:rPr lang="en-GB" dirty="0"/>
+              <a:t>Scrum Teams are </a:t>
+            </a:r>
+            <a:r>
+              <a:rPr lang="en-GB" b="1" dirty="0"/>
+              <a:t>self-organizing</a:t>
+            </a:r>
+            <a:r>
+              <a:rPr lang="en-GB" dirty="0"/>
+              <a:t> and </a:t>
+            </a:r>
+            <a:r>
+              <a:rPr lang="en-GB" b="1" dirty="0"/>
+              <a:t>cross-functional</a:t>
+            </a:r>
+            <a:r>
+              <a:rPr lang="en-GB" dirty="0"/>
+              <a:t>. </a:t>
+            </a:r>
+            <a:endParaRPr lang="en-GB" dirty="0" smtClean="0"/>
+          </a:p>
+          <a:p>
+            <a:pPr marL="617220" lvl="2" indent="-342900">
+              <a:buFont typeface="Arial" panose="020B0604020202020204" pitchFamily="34" charset="0"/>
+              <a:buChar char="•"/>
+            </a:pPr>
+            <a:r>
+              <a:rPr lang="en-GB" dirty="0"/>
+              <a:t>Self-organizing teams </a:t>
+            </a:r>
+            <a:r>
+              <a:rPr lang="en-GB" b="1" dirty="0"/>
+              <a:t>choose how best to accomplish their work</a:t>
+            </a:r>
+            <a:r>
+              <a:rPr lang="en-GB" dirty="0"/>
+              <a:t>, rather than being directed by others outside the team. </a:t>
+            </a:r>
+          </a:p>
+          <a:p>
+            <a:pPr marL="617220" lvl="2" indent="-342900">
+              <a:buFont typeface="Arial" panose="020B0604020202020204" pitchFamily="34" charset="0"/>
+              <a:buChar char="•"/>
+            </a:pPr>
+            <a:r>
+              <a:rPr lang="en-GB" dirty="0"/>
+              <a:t>Cross-functional teams </a:t>
+            </a:r>
+            <a:r>
+              <a:rPr lang="en-GB" b="1" dirty="0"/>
+              <a:t>have all competencies needed to accomplish the work </a:t>
+            </a:r>
+            <a:r>
+              <a:rPr lang="en-GB" dirty="0"/>
+              <a:t>without depending on others not part of the </a:t>
+            </a:r>
+            <a:r>
+              <a:rPr lang="en-GB" dirty="0" smtClean="0"/>
+              <a:t>team</a:t>
+            </a:r>
+          </a:p>
+          <a:p>
+            <a:pPr marL="617220" lvl="2" indent="-342900">
+              <a:buFont typeface="Arial" panose="020B0604020202020204" pitchFamily="34" charset="0"/>
+              <a:buChar char="•"/>
+            </a:pPr>
+            <a:r>
+              <a:rPr lang="en-GB" dirty="0"/>
+              <a:t>The team model in Scrum is designed to </a:t>
+            </a:r>
+            <a:r>
+              <a:rPr lang="en-GB" b="1" dirty="0"/>
+              <a:t>optimize flexibility, creativity, and productivity</a:t>
+            </a:r>
+            <a:r>
+              <a:rPr lang="en-GB" dirty="0"/>
+              <a:t>.</a:t>
+            </a:r>
+            <a:endParaRPr lang="en-US" dirty="0"/>
+          </a:p>
+          <a:p>
+            <a:r>
+              <a:rPr lang="en-GB" dirty="0" smtClean="0"/>
+              <a:t>The </a:t>
+            </a:r>
+            <a:r>
+              <a:rPr lang="en-GB" dirty="0"/>
+              <a:t>Scrum Team consists of a </a:t>
+            </a:r>
+            <a:endParaRPr lang="en-GB" dirty="0" smtClean="0"/>
+          </a:p>
+          <a:p>
+            <a:pPr marL="891540" lvl="2" indent="-342900">
+              <a:buFont typeface="Arial" panose="020B0604020202020204" pitchFamily="34" charset="0"/>
+              <a:buChar char="•"/>
+            </a:pPr>
+            <a:r>
+              <a:rPr lang="en-GB" b="1" dirty="0" smtClean="0"/>
+              <a:t>Product </a:t>
+            </a:r>
+            <a:r>
+              <a:rPr lang="en-GB" b="1" dirty="0"/>
+              <a:t>Owner</a:t>
+            </a:r>
+            <a:r>
+              <a:rPr lang="en-GB" dirty="0"/>
+              <a:t>, </a:t>
+            </a:r>
+            <a:endParaRPr lang="en-GB" dirty="0" smtClean="0"/>
+          </a:p>
+          <a:p>
+            <a:pPr marL="891540" lvl="2" indent="-342900">
+              <a:buFont typeface="Arial" panose="020B0604020202020204" pitchFamily="34" charset="0"/>
+              <a:buChar char="•"/>
+            </a:pPr>
+            <a:r>
+              <a:rPr lang="en-GB" b="1" dirty="0" smtClean="0"/>
+              <a:t>The </a:t>
+            </a:r>
+            <a:r>
+              <a:rPr lang="en-GB" b="1" dirty="0"/>
+              <a:t>Development Team</a:t>
+            </a:r>
+            <a:r>
+              <a:rPr lang="en-GB" dirty="0"/>
+              <a:t>, and a </a:t>
+            </a:r>
+            <a:endParaRPr lang="en-GB" dirty="0" smtClean="0"/>
+          </a:p>
+          <a:p>
+            <a:pPr marL="891540" lvl="2" indent="-342900">
+              <a:buFont typeface="Arial" panose="020B0604020202020204" pitchFamily="34" charset="0"/>
+              <a:buChar char="•"/>
+            </a:pPr>
+            <a:r>
+              <a:rPr lang="en-GB" b="1" dirty="0" smtClean="0"/>
+              <a:t>Scrum </a:t>
+            </a:r>
+            <a:r>
+              <a:rPr lang="en-GB" b="1" dirty="0"/>
+              <a:t>Master</a:t>
+            </a:r>
+            <a:r>
+              <a:rPr lang="en-GB" dirty="0" smtClean="0"/>
+              <a:t>.</a:t>
+            </a:r>
+          </a:p>
+          <a:p>
+            <a:pPr indent="0"/>
+            <a:r>
+              <a:rPr lang="en-GB" dirty="0" smtClean="0"/>
+              <a:t> </a:t>
+            </a:r>
+          </a:p>
+        </p:txBody>
+      </p:sp>
+    </p:spTree>
+    <p:extLst>
+      <p:ext uri="{BB962C8B-B14F-4D97-AF65-F5344CB8AC3E}">
+        <p14:creationId xmlns:p14="http://schemas.microsoft.com/office/powerpoint/2010/main" val="598061059"/>
+      </p:ext>
+    </p:extLst>
+  </p:cSld>
+  <p:clrMapOvr>
+    <a:masterClrMapping/>
+  </p:clrMapOvr>
+</p:sld>
+</file>
+
+<file path=ppt/slides/slide9.xml><?xml version="1.0" encoding="utf-8"?>
+<p:sld xmlns:a="http://schemas.openxmlformats.org/drawingml/2006/main" xmlns:r="http://schemas.openxmlformats.org/officeDocument/2006/relationships" xmlns:p="http://schemas.openxmlformats.org/presentationml/2006/main">
+  <p:cSld>
+    <p:spTree>
+      <p:nvGrpSpPr>
+        <p:cNvPr id="1" name=""/>
+        <p:cNvGrpSpPr/>
+        <p:nvPr/>
+      </p:nvGrpSpPr>
+      <p:grpSpPr>
+        <a:xfrm>
+          <a:off x="0" y="0"/>
+          <a:ext cx="0" cy="0"/>
+          <a:chOff x="0" y="0"/>
+          <a:chExt cx="0" cy="0"/>
+        </a:xfrm>
+      </p:grpSpPr>
+      <p:sp>
+        <p:nvSpPr>
+          <p:cNvPr id="2" name="Title 1"/>
+          <p:cNvSpPr>
+            <a:spLocks noGrp="1"/>
+          </p:cNvSpPr>
+          <p:nvPr>
+            <p:ph type="title"/>
+          </p:nvPr>
+        </p:nvSpPr>
+        <p:spPr/>
+        <p:txBody>
+          <a:bodyPr/>
+          <a:lstStyle/>
+          <a:p>
+            <a:r>
+              <a:rPr lang="en-US" dirty="0" smtClean="0"/>
+              <a:t>Product Owner</a:t>
+            </a:r>
+            <a:endParaRPr lang="en-US" dirty="0"/>
+          </a:p>
+        </p:txBody>
+      </p:sp>
+      <p:sp>
+        <p:nvSpPr>
+          <p:cNvPr id="3" name="Content Placeholder 2"/>
+          <p:cNvSpPr>
+            <a:spLocks noGrp="1"/>
+          </p:cNvSpPr>
+          <p:nvPr>
+            <p:ph sz="quarter" idx="15"/>
+          </p:nvPr>
+        </p:nvSpPr>
+        <p:spPr>
+          <a:xfrm>
+            <a:off x="711200" y="1249251"/>
+            <a:ext cx="10769600" cy="4922949"/>
+          </a:xfrm>
+        </p:spPr>
+        <p:txBody>
+          <a:bodyPr/>
+          <a:lstStyle/>
+          <a:p>
+            <a:r>
+              <a:rPr lang="en-GB" dirty="0" smtClean="0"/>
+              <a:t>Is </a:t>
+            </a:r>
+            <a:r>
+              <a:rPr lang="en-GB" dirty="0"/>
+              <a:t>the sole person responsible for managing the Product </a:t>
+            </a:r>
+            <a:r>
+              <a:rPr lang="en-GB" dirty="0" smtClean="0"/>
+              <a:t>Backlog, which includes:</a:t>
+            </a:r>
+          </a:p>
+          <a:p>
+            <a:pPr marL="617220" lvl="2" indent="-342900">
+              <a:buFont typeface="Arial" panose="020B0604020202020204" pitchFamily="34" charset="0"/>
+              <a:buChar char="•"/>
+            </a:pPr>
+            <a:r>
+              <a:rPr lang="en-GB" dirty="0"/>
+              <a:t>Build and manage the product </a:t>
+            </a:r>
+            <a:r>
+              <a:rPr lang="en-GB" dirty="0" smtClean="0"/>
+              <a:t>backlog</a:t>
+            </a:r>
+          </a:p>
+          <a:p>
+            <a:pPr marL="617220" lvl="2" indent="-342900">
+              <a:buFont typeface="Arial" panose="020B0604020202020204" pitchFamily="34" charset="0"/>
+              <a:buChar char="•"/>
+            </a:pPr>
+            <a:r>
+              <a:rPr lang="en-GB" dirty="0"/>
+              <a:t>Closely partner with the business and the team to ensure everyone understands the work items in the product </a:t>
+            </a:r>
+            <a:r>
+              <a:rPr lang="en-GB" dirty="0" smtClean="0"/>
+              <a:t>backlog</a:t>
+            </a:r>
+          </a:p>
+          <a:p>
+            <a:pPr marL="617220" lvl="2" indent="-342900">
+              <a:buFont typeface="Arial" panose="020B0604020202020204" pitchFamily="34" charset="0"/>
+              <a:buChar char="•"/>
+            </a:pPr>
+            <a:r>
+              <a:rPr lang="en-GB" dirty="0" smtClean="0"/>
+              <a:t>Optimizing </a:t>
+            </a:r>
+            <a:r>
+              <a:rPr lang="en-GB" dirty="0"/>
+              <a:t>the value of the work the Development Team performs.</a:t>
+            </a:r>
+          </a:p>
+          <a:p>
+            <a:pPr marL="617220" lvl="2" indent="-342900">
+              <a:buFont typeface="Arial" panose="020B0604020202020204" pitchFamily="34" charset="0"/>
+              <a:buChar char="•"/>
+            </a:pPr>
+            <a:r>
+              <a:rPr lang="en-GB" dirty="0"/>
+              <a:t>Ensuring that the Product Backlog is visible, transparent, and clear to all, </a:t>
+            </a:r>
+            <a:r>
+              <a:rPr lang="en-GB" dirty="0" smtClean="0"/>
+              <a:t>a</a:t>
+            </a:r>
+          </a:p>
+          <a:p>
+            <a:pPr marL="617220" lvl="2" indent="-342900">
+              <a:buFont typeface="Arial" panose="020B0604020202020204" pitchFamily="34" charset="0"/>
+              <a:buChar char="•"/>
+            </a:pPr>
+            <a:r>
+              <a:rPr lang="en-GB" dirty="0" smtClean="0"/>
+              <a:t>shows </a:t>
+            </a:r>
+            <a:r>
+              <a:rPr lang="en-GB" dirty="0"/>
+              <a:t>what the Scrum Team will work on next.</a:t>
+            </a:r>
+          </a:p>
+          <a:p>
+            <a:pPr marL="617220" lvl="2" indent="-342900">
+              <a:buFont typeface="Arial" panose="020B0604020202020204" pitchFamily="34" charset="0"/>
+              <a:buChar char="•"/>
+            </a:pPr>
+            <a:r>
+              <a:rPr lang="en-GB" dirty="0"/>
+              <a:t>Decide when to ship the product with the predisposition towards more frequent delivery </a:t>
+            </a:r>
+          </a:p>
+          <a:p>
+            <a:r>
+              <a:rPr lang="en-GB" dirty="0" smtClean="0"/>
+              <a:t>The </a:t>
+            </a:r>
+            <a:r>
+              <a:rPr lang="en-GB" dirty="0"/>
+              <a:t>Product Owner is one person, </a:t>
+            </a:r>
+            <a:r>
+              <a:rPr lang="en-GB" dirty="0" smtClean="0"/>
+              <a:t>but may </a:t>
+            </a:r>
+            <a:r>
+              <a:rPr lang="en-GB" dirty="0"/>
+              <a:t>represent the desires of a </a:t>
+            </a:r>
+            <a:r>
+              <a:rPr lang="en-GB" dirty="0" smtClean="0"/>
+              <a:t>committee.</a:t>
+            </a:r>
+          </a:p>
+          <a:p>
+            <a:r>
+              <a:rPr lang="en-GB" dirty="0" smtClean="0"/>
+              <a:t>To </a:t>
+            </a:r>
+            <a:r>
+              <a:rPr lang="en-GB" dirty="0"/>
+              <a:t>succeed, the entire organization must respect his or her decisions. </a:t>
+            </a:r>
+            <a:endParaRPr lang="en-GB" dirty="0" smtClean="0"/>
+          </a:p>
+          <a:p>
+            <a:r>
+              <a:rPr lang="en-GB" dirty="0"/>
+              <a:t>A product owner is </a:t>
+            </a:r>
+            <a:r>
+              <a:rPr lang="en-GB" b="1" dirty="0"/>
+              <a:t>not a project manager</a:t>
+            </a:r>
+            <a:r>
+              <a:rPr lang="en-GB" dirty="0"/>
+              <a:t>, do not manage the status of the program. </a:t>
+            </a:r>
+          </a:p>
+          <a:p>
+            <a:r>
+              <a:rPr lang="en-GB" dirty="0" smtClean="0"/>
+              <a:t>.</a:t>
+            </a:r>
+            <a:endParaRPr lang="en-US" dirty="0"/>
+          </a:p>
+        </p:txBody>
+      </p:sp>
+    </p:spTree>
+    <p:extLst>
+      <p:ext uri="{BB962C8B-B14F-4D97-AF65-F5344CB8AC3E}">
+        <p14:creationId xmlns:p14="http://schemas.microsoft.com/office/powerpoint/2010/main" val="3312217783"/>
+      </p:ext>
+    </p:extLst>
+  </p:cSld>
+  <p:clrMapOvr>
+    <a:masterClrMapping/>
+  </p:clrMapOvr>
 </p:sld>
 </file>
 

--- a/doc/scrum_introduction.pptx
+++ b/doc/scrum_introduction.pptx
@@ -4,28 +4,46 @@
   <p:sldMasterIdLst>
     <p:sldMasterId id="2147483718" r:id="rId1"/>
   </p:sldMasterIdLst>
+  <p:handoutMasterIdLst>
+    <p:handoutMasterId r:id="rId35"/>
+  </p:handoutMasterIdLst>
   <p:sldIdLst>
     <p:sldId id="256" r:id="rId2"/>
     <p:sldId id="263" r:id="rId3"/>
     <p:sldId id="262" r:id="rId4"/>
     <p:sldId id="260" r:id="rId5"/>
-    <p:sldId id="264" r:id="rId6"/>
-    <p:sldId id="268" r:id="rId7"/>
-    <p:sldId id="266" r:id="rId8"/>
-    <p:sldId id="267" r:id="rId9"/>
-    <p:sldId id="274" r:id="rId10"/>
-    <p:sldId id="275" r:id="rId11"/>
-    <p:sldId id="273" r:id="rId12"/>
-    <p:sldId id="269" r:id="rId13"/>
-    <p:sldId id="270" r:id="rId14"/>
-    <p:sldId id="271" r:id="rId15"/>
-    <p:sldId id="272" r:id="rId16"/>
-    <p:sldId id="261" r:id="rId17"/>
-    <p:sldId id="265" r:id="rId18"/>
-    <p:sldId id="258" r:id="rId19"/>
+    <p:sldId id="266" r:id="rId6"/>
+    <p:sldId id="264" r:id="rId7"/>
+    <p:sldId id="278" r:id="rId8"/>
+    <p:sldId id="279" r:id="rId9"/>
+    <p:sldId id="280" r:id="rId10"/>
+    <p:sldId id="284" r:id="rId11"/>
+    <p:sldId id="281" r:id="rId12"/>
+    <p:sldId id="282" r:id="rId13"/>
+    <p:sldId id="287" r:id="rId14"/>
+    <p:sldId id="267" r:id="rId15"/>
+    <p:sldId id="274" r:id="rId16"/>
+    <p:sldId id="275" r:id="rId17"/>
+    <p:sldId id="276" r:id="rId18"/>
+    <p:sldId id="277" r:id="rId19"/>
+    <p:sldId id="273" r:id="rId20"/>
+    <p:sldId id="269" r:id="rId21"/>
+    <p:sldId id="270" r:id="rId22"/>
+    <p:sldId id="271" r:id="rId23"/>
+    <p:sldId id="272" r:id="rId24"/>
+    <p:sldId id="261" r:id="rId25"/>
+    <p:sldId id="265" r:id="rId26"/>
+    <p:sldId id="283" r:id="rId27"/>
+    <p:sldId id="285" r:id="rId28"/>
+    <p:sldId id="286" r:id="rId29"/>
+    <p:sldId id="291" r:id="rId30"/>
+    <p:sldId id="268" r:id="rId31"/>
+    <p:sldId id="290" r:id="rId32"/>
+    <p:sldId id="292" r:id="rId33"/>
+    <p:sldId id="258" r:id="rId34"/>
   </p:sldIdLst>
   <p:sldSz cx="12192000" cy="6858000"/>
-  <p:notesSz cx="6858000" cy="9144000"/>
+  <p:notesSz cx="6735763" cy="9866313"/>
   <p:defaultTextStyle>
     <a:defPPr>
       <a:defRPr lang="en-US"/>
@@ -127,6 +145,171 @@
     </p:ext>
   </p:extLst>
 </p:presentation>
+</file>
+
+<file path=ppt/handoutMasters/handoutMaster1.xml><?xml version="1.0" encoding="utf-8"?>
+<p:handoutMaster xmlns:a="http://schemas.openxmlformats.org/drawingml/2006/main" xmlns:r="http://schemas.openxmlformats.org/officeDocument/2006/relationships" xmlns:p="http://schemas.openxmlformats.org/presentationml/2006/main">
+  <p:cSld>
+    <p:bg>
+      <p:bgRef idx="1001">
+        <a:schemeClr val="bg1"/>
+      </p:bgRef>
+    </p:bg>
+    <p:spTree>
+      <p:nvGrpSpPr>
+        <p:cNvPr id="1" name=""/>
+        <p:cNvGrpSpPr/>
+        <p:nvPr/>
+      </p:nvGrpSpPr>
+      <p:grpSpPr>
+        <a:xfrm>
+          <a:off x="0" y="0"/>
+          <a:ext cx="0" cy="0"/>
+          <a:chOff x="0" y="0"/>
+          <a:chExt cx="0" cy="0"/>
+        </a:xfrm>
+      </p:grpSpPr>
+      <p:sp>
+        <p:nvSpPr>
+          <p:cNvPr id="2" name="Header Placeholder 1"/>
+          <p:cNvSpPr>
+            <a:spLocks noGrp="1"/>
+          </p:cNvSpPr>
+          <p:nvPr>
+            <p:ph type="hdr" sz="quarter"/>
+          </p:nvPr>
+        </p:nvSpPr>
+        <p:spPr>
+          <a:xfrm>
+            <a:off x="0" y="0"/>
+            <a:ext cx="2918831" cy="495029"/>
+          </a:xfrm>
+          <a:prstGeom prst="rect">
+            <a:avLst/>
+          </a:prstGeom>
+        </p:spPr>
+        <p:txBody>
+          <a:bodyPr vert="horz" lIns="91440" tIns="45720" rIns="91440" bIns="45720" rtlCol="0"/>
+          <a:lstStyle>
+            <a:lvl1pPr algn="l">
+              <a:defRPr sz="1200"/>
+            </a:lvl1pPr>
+          </a:lstStyle>
+          <a:p>
+            <a:endParaRPr lang="en-US"/>
+          </a:p>
+        </p:txBody>
+      </p:sp>
+      <p:sp>
+        <p:nvSpPr>
+          <p:cNvPr id="3" name="Date Placeholder 2"/>
+          <p:cNvSpPr>
+            <a:spLocks noGrp="1"/>
+          </p:cNvSpPr>
+          <p:nvPr>
+            <p:ph type="dt" sz="quarter" idx="1"/>
+          </p:nvPr>
+        </p:nvSpPr>
+        <p:spPr>
+          <a:xfrm>
+            <a:off x="3815373" y="0"/>
+            <a:ext cx="2918831" cy="495029"/>
+          </a:xfrm>
+          <a:prstGeom prst="rect">
+            <a:avLst/>
+          </a:prstGeom>
+        </p:spPr>
+        <p:txBody>
+          <a:bodyPr vert="horz" lIns="91440" tIns="45720" rIns="91440" bIns="45720" rtlCol="0"/>
+          <a:lstStyle>
+            <a:lvl1pPr algn="r">
+              <a:defRPr sz="1200"/>
+            </a:lvl1pPr>
+          </a:lstStyle>
+          <a:p>
+            <a:fld id="{04E04252-23D9-4766-AB25-893E881614B2}" type="datetimeFigureOut">
+              <a:rPr lang="en-US" smtClean="0"/>
+              <a:t>5/22/2018</a:t>
+            </a:fld>
+            <a:endParaRPr lang="en-US"/>
+          </a:p>
+        </p:txBody>
+      </p:sp>
+      <p:sp>
+        <p:nvSpPr>
+          <p:cNvPr id="4" name="Footer Placeholder 3"/>
+          <p:cNvSpPr>
+            <a:spLocks noGrp="1"/>
+          </p:cNvSpPr>
+          <p:nvPr>
+            <p:ph type="ftr" sz="quarter" idx="2"/>
+          </p:nvPr>
+        </p:nvSpPr>
+        <p:spPr>
+          <a:xfrm>
+            <a:off x="0" y="9371286"/>
+            <a:ext cx="2918831" cy="495028"/>
+          </a:xfrm>
+          <a:prstGeom prst="rect">
+            <a:avLst/>
+          </a:prstGeom>
+        </p:spPr>
+        <p:txBody>
+          <a:bodyPr vert="horz" lIns="91440" tIns="45720" rIns="91440" bIns="45720" rtlCol="0" anchor="b"/>
+          <a:lstStyle>
+            <a:lvl1pPr algn="l">
+              <a:defRPr sz="1200"/>
+            </a:lvl1pPr>
+          </a:lstStyle>
+          <a:p>
+            <a:endParaRPr lang="en-US"/>
+          </a:p>
+        </p:txBody>
+      </p:sp>
+      <p:sp>
+        <p:nvSpPr>
+          <p:cNvPr id="5" name="Slide Number Placeholder 4"/>
+          <p:cNvSpPr>
+            <a:spLocks noGrp="1"/>
+          </p:cNvSpPr>
+          <p:nvPr>
+            <p:ph type="sldNum" sz="quarter" idx="3"/>
+          </p:nvPr>
+        </p:nvSpPr>
+        <p:spPr>
+          <a:xfrm>
+            <a:off x="3815373" y="9371286"/>
+            <a:ext cx="2918831" cy="495028"/>
+          </a:xfrm>
+          <a:prstGeom prst="rect">
+            <a:avLst/>
+          </a:prstGeom>
+        </p:spPr>
+        <p:txBody>
+          <a:bodyPr vert="horz" lIns="91440" tIns="45720" rIns="91440" bIns="45720" rtlCol="0" anchor="b"/>
+          <a:lstStyle>
+            <a:lvl1pPr algn="r">
+              <a:defRPr sz="1200"/>
+            </a:lvl1pPr>
+          </a:lstStyle>
+          <a:p>
+            <a:fld id="{2617E7B1-893D-470E-B656-8DBD37B9BE00}" type="slidenum">
+              <a:rPr lang="en-US" smtClean="0"/>
+              <a:t>‹#›</a:t>
+            </a:fld>
+            <a:endParaRPr lang="en-US"/>
+          </a:p>
+        </p:txBody>
+      </p:sp>
+    </p:spTree>
+    <p:extLst>
+      <p:ext uri="{BB962C8B-B14F-4D97-AF65-F5344CB8AC3E}">
+        <p14:creationId xmlns:p14="http://schemas.microsoft.com/office/powerpoint/2010/main" val="818208245"/>
+      </p:ext>
+    </p:extLst>
+  </p:cSld>
+  <p:clrMap bg1="lt1" tx1="dk1" bg2="lt2" tx2="dk2" accent1="accent1" accent2="accent2" accent3="accent3" accent4="accent4" accent5="accent5" accent6="accent6" hlink="hlink" folHlink="folHlink"/>
+</p:handoutMaster>
 </file>
 
 <file path=ppt/slideLayouts/slideLayout1.xml><?xml version="1.0" encoding="utf-8"?>
@@ -2084,7 +2267,7 @@
           <a:p>
             <a:fld id="{C0F96933-BCDE-45FD-84DA-E092D0EBF93C}" type="datetimeFigureOut">
               <a:rPr lang="en-US" smtClean="0"/>
-              <a:t>5/21/2018</a:t>
+              <a:t>5/22/2018</a:t>
             </a:fld>
             <a:endParaRPr lang="en-US"/>
           </a:p>
@@ -2497,7 +2680,7 @@
           <a:p>
             <a:fld id="{C0F96933-BCDE-45FD-84DA-E092D0EBF93C}" type="datetimeFigureOut">
               <a:rPr lang="en-US" smtClean="0"/>
-              <a:t>5/21/2018</a:t>
+              <a:t>5/22/2018</a:t>
             </a:fld>
             <a:endParaRPr lang="en-US"/>
           </a:p>
@@ -2973,7 +3156,7 @@
           <a:p>
             <a:fld id="{C0F96933-BCDE-45FD-84DA-E092D0EBF93C}" type="datetimeFigureOut">
               <a:rPr lang="en-US" smtClean="0"/>
-              <a:t>5/21/2018</a:t>
+              <a:t>5/22/2018</a:t>
             </a:fld>
             <a:endParaRPr lang="en-US"/>
           </a:p>
@@ -3362,7 +3545,7 @@
           <a:p>
             <a:fld id="{C0F96933-BCDE-45FD-84DA-E092D0EBF93C}" type="datetimeFigureOut">
               <a:rPr lang="en-US" smtClean="0"/>
-              <a:t>5/21/2018</a:t>
+              <a:t>5/22/2018</a:t>
             </a:fld>
             <a:endParaRPr lang="en-US"/>
           </a:p>
@@ -3758,7 +3941,7 @@
           <a:p>
             <a:fld id="{C0F96933-BCDE-45FD-84DA-E092D0EBF93C}" type="datetimeFigureOut">
               <a:rPr lang="en-US" smtClean="0"/>
-              <a:t>5/21/2018</a:t>
+              <a:t>5/22/2018</a:t>
             </a:fld>
             <a:endParaRPr lang="en-US"/>
           </a:p>
@@ -4290,7 +4473,7 @@
           <a:p>
             <a:fld id="{C0F96933-BCDE-45FD-84DA-E092D0EBF93C}" type="datetimeFigureOut">
               <a:rPr lang="en-US" smtClean="0"/>
-              <a:t>5/21/2018</a:t>
+              <a:t>5/22/2018</a:t>
             </a:fld>
             <a:endParaRPr lang="en-US"/>
           </a:p>
@@ -10632,7 +10815,7 @@
           <a:p>
             <a:fld id="{C0F96933-BCDE-45FD-84DA-E092D0EBF93C}" type="datetimeFigureOut">
               <a:rPr lang="en-US" smtClean="0"/>
-              <a:t>5/21/2018</a:t>
+              <a:t>5/22/2018</a:t>
             </a:fld>
             <a:endParaRPr lang="en-US"/>
           </a:p>
@@ -12299,7 +12482,7 @@
           <a:p>
             <a:fld id="{C0F96933-BCDE-45FD-84DA-E092D0EBF93C}" type="datetimeFigureOut">
               <a:rPr lang="en-US" smtClean="0"/>
-              <a:t>5/21/2018</a:t>
+              <a:t>5/22/2018</a:t>
             </a:fld>
             <a:endParaRPr lang="en-US"/>
           </a:p>
@@ -12709,7 +12892,7 @@
           <a:p>
             <a:fld id="{C0F96933-BCDE-45FD-84DA-E092D0EBF93C}" type="datetimeFigureOut">
               <a:rPr lang="en-US" smtClean="0"/>
-              <a:t>5/21/2018</a:t>
+              <a:t>5/22/2018</a:t>
             </a:fld>
             <a:endParaRPr lang="en-US"/>
           </a:p>
@@ -13134,7 +13317,7 @@
           <a:p>
             <a:fld id="{C0F96933-BCDE-45FD-84DA-E092D0EBF93C}" type="datetimeFigureOut">
               <a:rPr lang="en-US" smtClean="0"/>
-              <a:t>5/21/2018</a:t>
+              <a:t>5/22/2018</a:t>
             </a:fld>
             <a:endParaRPr lang="en-US"/>
           </a:p>
@@ -13530,7 +13713,7 @@
           <a:p>
             <a:fld id="{C0F96933-BCDE-45FD-84DA-E092D0EBF93C}" type="datetimeFigureOut">
               <a:rPr lang="en-US" smtClean="0"/>
-              <a:t>5/21/2018</a:t>
+              <a:t>5/22/2018</a:t>
             </a:fld>
             <a:endParaRPr lang="en-US"/>
           </a:p>
@@ -13868,7 +14051,7 @@
           <a:p>
             <a:fld id="{C0F96933-BCDE-45FD-84DA-E092D0EBF93C}" type="datetimeFigureOut">
               <a:rPr lang="en-US" smtClean="0"/>
-              <a:t>5/21/2018</a:t>
+              <a:t>5/22/2018</a:t>
             </a:fld>
             <a:endParaRPr lang="en-US"/>
           </a:p>
@@ -14206,7 +14389,7 @@
           <a:p>
             <a:fld id="{C0F96933-BCDE-45FD-84DA-E092D0EBF93C}" type="datetimeFigureOut">
               <a:rPr lang="en-US" smtClean="0"/>
-              <a:t>5/21/2018</a:t>
+              <a:t>5/22/2018</a:t>
             </a:fld>
             <a:endParaRPr lang="en-US"/>
           </a:p>
@@ -14561,7 +14744,7 @@
           <a:p>
             <a:fld id="{C0F96933-BCDE-45FD-84DA-E092D0EBF93C}" type="datetimeFigureOut">
               <a:rPr lang="en-US" smtClean="0"/>
-              <a:t>5/21/2018</a:t>
+              <a:t>5/22/2018</a:t>
             </a:fld>
             <a:endParaRPr lang="en-US"/>
           </a:p>
@@ -14815,7 +14998,7 @@
           <a:p>
             <a:fld id="{C0F96933-BCDE-45FD-84DA-E092D0EBF93C}" type="datetimeFigureOut">
               <a:rPr lang="en-US" smtClean="0"/>
-              <a:t>5/21/2018</a:t>
+              <a:t>5/22/2018</a:t>
             </a:fld>
             <a:endParaRPr lang="en-US"/>
           </a:p>
@@ -15041,7 +15224,7 @@
           <a:p>
             <a:fld id="{C0F96933-BCDE-45FD-84DA-E092D0EBF93C}" type="datetimeFigureOut">
               <a:rPr lang="en-US" smtClean="0"/>
-              <a:t>5/21/2018</a:t>
+              <a:t>5/22/2018</a:t>
             </a:fld>
             <a:endParaRPr lang="en-US"/>
           </a:p>
@@ -15486,11 +15669,7 @@
           <a:p>
             <a:r>
               <a:rPr lang="en-US" dirty="0" smtClean="0"/>
-              <a:t>Scrum </a:t>
-            </a:r>
-            <a:r>
-              <a:rPr lang="en-US" dirty="0" smtClean="0"/>
-              <a:t>Process Framework</a:t>
+              <a:t>Scrum Process Framework</a:t>
             </a:r>
             <a:endParaRPr lang="en-US" dirty="0"/>
           </a:p>
@@ -15581,133 +15760,64 @@
           <a:chExt cx="0" cy="0"/>
         </a:xfrm>
       </p:grpSpPr>
-      <p:sp>
-        <p:nvSpPr>
-          <p:cNvPr id="2" name="Title 1"/>
-          <p:cNvSpPr>
-            <a:spLocks noGrp="1"/>
-          </p:cNvSpPr>
-          <p:nvPr>
-            <p:ph type="title"/>
-          </p:nvPr>
-        </p:nvSpPr>
-        <p:spPr/>
-        <p:txBody>
-          <a:bodyPr/>
-          <a:lstStyle/>
-          <a:p>
-            <a:r>
-              <a:rPr lang="en-US" dirty="0"/>
-              <a:t>The scrum master</a:t>
-            </a:r>
-          </a:p>
-        </p:txBody>
-      </p:sp>
-      <p:sp>
-        <p:nvSpPr>
-          <p:cNvPr id="3" name="Content Placeholder 2"/>
-          <p:cNvSpPr>
-            <a:spLocks noGrp="1"/>
-          </p:cNvSpPr>
-          <p:nvPr>
-            <p:ph sz="quarter" idx="15"/>
-          </p:nvPr>
-        </p:nvSpPr>
-        <p:spPr>
+      <p:pic>
+        <p:nvPicPr>
+          <p:cNvPr id="6146" name="Picture 2" descr="Image result for sprint backlog"/>
+          <p:cNvPicPr>
+            <a:picLocks noChangeAspect="1" noChangeArrowheads="1"/>
+          </p:cNvPicPr>
+          <p:nvPr/>
+        </p:nvPicPr>
+        <p:blipFill>
+          <a:blip r:embed="rId2">
+            <a:extLst>
+              <a:ext uri="{28A0092B-C50C-407E-A947-70E740481C1C}">
+                <a14:useLocalDpi xmlns:a14="http://schemas.microsoft.com/office/drawing/2010/main" val="0"/>
+              </a:ext>
+            </a:extLst>
+          </a:blip>
+          <a:srcRect/>
+          <a:stretch>
+            <a:fillRect/>
+          </a:stretch>
+        </p:blipFill>
+        <p:spPr bwMode="auto">
           <a:xfrm>
-            <a:off x="955899" y="1600200"/>
-            <a:ext cx="10769600" cy="4419600"/>
+            <a:off x="1363644" y="698350"/>
+            <a:ext cx="9658350" cy="5876925"/>
           </a:xfrm>
+          <a:prstGeom prst="rect">
+            <a:avLst/>
+          </a:prstGeom>
+          <a:noFill/>
+          <a:extLst>
+            <a:ext uri="{909E8E84-426E-40DD-AFC4-6F175D3DCCD1}">
+              <a14:hiddenFill xmlns:a14="http://schemas.microsoft.com/office/drawing/2010/main">
+                <a:solidFill>
+                  <a:srgbClr val="FFFFFF"/>
+                </a:solidFill>
+              </a14:hiddenFill>
+            </a:ext>
+          </a:extLst>
         </p:spPr>
-        <p:txBody>
-          <a:bodyPr/>
-          <a:lstStyle/>
-          <a:p>
-            <a:r>
-              <a:rPr lang="en-GB" dirty="0" smtClean="0"/>
-              <a:t>Acts </a:t>
-            </a:r>
-            <a:r>
-              <a:rPr lang="en-GB" dirty="0"/>
-              <a:t>as a facilitator for the Product Owner and the team. </a:t>
-            </a:r>
-            <a:endParaRPr lang="en-GB" dirty="0" smtClean="0"/>
-          </a:p>
-          <a:p>
-            <a:r>
-              <a:rPr lang="en-GB" dirty="0" smtClean="0"/>
-              <a:t>The </a:t>
-            </a:r>
-            <a:r>
-              <a:rPr lang="en-GB" dirty="0"/>
-              <a:t>Scrum </a:t>
-            </a:r>
-            <a:r>
-              <a:rPr lang="en-GB" dirty="0" smtClean="0"/>
-              <a:t>Master </a:t>
-            </a:r>
-            <a:r>
-              <a:rPr lang="en-GB" dirty="0"/>
-              <a:t>does not manage the team</a:t>
-            </a:r>
-            <a:r>
-              <a:rPr lang="en-GB" dirty="0" smtClean="0"/>
-              <a:t>.</a:t>
-            </a:r>
-          </a:p>
-          <a:p>
-            <a:r>
-              <a:rPr lang="en-GB" dirty="0" smtClean="0"/>
-              <a:t>Works </a:t>
-            </a:r>
-            <a:r>
-              <a:rPr lang="en-GB" dirty="0"/>
-              <a:t>to remove any </a:t>
-            </a:r>
-            <a:r>
-              <a:rPr lang="en-GB" dirty="0" smtClean="0"/>
-              <a:t>obstacles </a:t>
-            </a:r>
-            <a:r>
-              <a:rPr lang="en-GB" dirty="0"/>
-              <a:t>that are obstructing the team from achieving its sprint goals. </a:t>
-            </a:r>
-            <a:endParaRPr lang="en-GB" dirty="0" smtClean="0"/>
-          </a:p>
-          <a:p>
-            <a:r>
-              <a:rPr lang="en-GB" dirty="0" smtClean="0"/>
-              <a:t>Helps </a:t>
-            </a:r>
-            <a:r>
-              <a:rPr lang="en-GB" dirty="0"/>
-              <a:t>the team remain creative and productive while making sure its successes are visible to the Product Owner. </a:t>
-            </a:r>
-            <a:endParaRPr lang="en-GB" dirty="0" smtClean="0"/>
-          </a:p>
-          <a:p>
-            <a:r>
-              <a:rPr lang="en-GB" dirty="0" smtClean="0"/>
-              <a:t>The </a:t>
-            </a:r>
-            <a:r>
-              <a:rPr lang="en-GB" dirty="0"/>
-              <a:t>Scrum Master also works to advise the Product Owner about how to maximize ROI for the team.</a:t>
-            </a:r>
-            <a:endParaRPr lang="en-US" dirty="0"/>
-          </a:p>
-        </p:txBody>
-      </p:sp>
+      </p:pic>
     </p:spTree>
     <p:extLst>
       <p:ext uri="{BB962C8B-B14F-4D97-AF65-F5344CB8AC3E}">
-        <p14:creationId xmlns:p14="http://schemas.microsoft.com/office/powerpoint/2010/main" val="2215147689"/>
+        <p14:creationId xmlns:p14="http://schemas.microsoft.com/office/powerpoint/2010/main" val="225620120"/>
       </p:ext>
     </p:extLst>
   </p:cSld>
   <p:clrMapOvr>
     <a:masterClrMapping/>
   </p:clrMapOvr>
+  <p:timing>
+    <p:tnLst>
+      <p:par>
+        <p:cTn id="1" dur="indefinite" restart="never" nodeType="tmRoot"/>
+      </p:par>
+    </p:tnLst>
+  </p:timing>
 </p:sld>
 </file>
 
@@ -15744,165 +15854,75 @@
           <a:lstStyle/>
           <a:p>
             <a:r>
+              <a:rPr lang="en-US" dirty="0"/>
+              <a:t>Example </a:t>
+            </a:r>
+            <a:r>
               <a:rPr lang="en-US" dirty="0" smtClean="0"/>
-              <a:t>Four ceremonies of Scrum</a:t>
+              <a:t>Sprint Backlog</a:t>
             </a:r>
             <a:endParaRPr lang="en-US" dirty="0"/>
           </a:p>
         </p:txBody>
       </p:sp>
-      <p:sp>
-        <p:nvSpPr>
-          <p:cNvPr id="3" name="Content Placeholder 2"/>
-          <p:cNvSpPr>
-            <a:spLocks noGrp="1"/>
-          </p:cNvSpPr>
-          <p:nvPr>
-            <p:ph sz="quarter" idx="15"/>
-          </p:nvPr>
-        </p:nvSpPr>
-        <p:spPr>
+      <p:pic>
+        <p:nvPicPr>
+          <p:cNvPr id="4098" name="Picture 2" descr="https://www.mountaingoatsoftware.com/uploads/blog/SprintBacklog.jpg"/>
+          <p:cNvPicPr>
+            <a:picLocks noChangeAspect="1" noChangeArrowheads="1"/>
+          </p:cNvPicPr>
+          <p:nvPr/>
+        </p:nvPicPr>
+        <p:blipFill>
+          <a:blip r:embed="rId2">
+            <a:extLst>
+              <a:ext uri="{28A0092B-C50C-407E-A947-70E740481C1C}">
+                <a14:useLocalDpi xmlns:a14="http://schemas.microsoft.com/office/drawing/2010/main" val="0"/>
+              </a:ext>
+            </a:extLst>
+          </a:blip>
+          <a:srcRect/>
+          <a:stretch>
+            <a:fillRect/>
+          </a:stretch>
+        </p:blipFill>
+        <p:spPr bwMode="auto">
           <a:xfrm>
-            <a:off x="711200" y="1600200"/>
-            <a:ext cx="10769600" cy="4826358"/>
+            <a:off x="711200" y="1222019"/>
+            <a:ext cx="9175078" cy="5141540"/>
           </a:xfrm>
+          <a:prstGeom prst="rect">
+            <a:avLst/>
+          </a:prstGeom>
+          <a:noFill/>
+          <a:extLst>
+            <a:ext uri="{909E8E84-426E-40DD-AFC4-6F175D3DCCD1}">
+              <a14:hiddenFill xmlns:a14="http://schemas.microsoft.com/office/drawing/2010/main">
+                <a:solidFill>
+                  <a:srgbClr val="FFFFFF"/>
+                </a:solidFill>
+              </a14:hiddenFill>
+            </a:ext>
+          </a:extLst>
         </p:spPr>
-        <p:txBody>
-          <a:bodyPr/>
-          <a:lstStyle/>
-          <a:p>
-            <a:pPr marL="68580" indent="-342900">
-              <a:buFont typeface="Arial" panose="020B0604020202020204" pitchFamily="34" charset="0"/>
-              <a:buChar char="•"/>
-            </a:pPr>
-            <a:r>
-              <a:rPr lang="en-GB" sz="2400" b="1" dirty="0"/>
-              <a:t>Sprint planning</a:t>
-            </a:r>
-            <a:r>
-              <a:rPr lang="en-GB" sz="2400" dirty="0"/>
-              <a:t>: </a:t>
-            </a:r>
-            <a:endParaRPr lang="en-GB" sz="2400" dirty="0" smtClean="0"/>
-          </a:p>
-          <a:p>
-            <a:pPr marL="617220" lvl="2" indent="-342900">
-              <a:buFont typeface="Arial" panose="020B0604020202020204" pitchFamily="34" charset="0"/>
-              <a:buChar char="•"/>
-            </a:pPr>
-            <a:r>
-              <a:rPr lang="en-GB" dirty="0" smtClean="0"/>
-              <a:t>A </a:t>
-            </a:r>
-            <a:r>
-              <a:rPr lang="en-GB" dirty="0"/>
-              <a:t>team planning meeting that determines what to complete in the coming sprint.</a:t>
-            </a:r>
-          </a:p>
-          <a:p>
-            <a:pPr marL="68580" indent="-342900">
-              <a:buFont typeface="Arial" panose="020B0604020202020204" pitchFamily="34" charset="0"/>
-              <a:buChar char="•"/>
-            </a:pPr>
-            <a:r>
-              <a:rPr lang="en-GB" sz="2400" b="1" dirty="0"/>
-              <a:t>Daily stand-up</a:t>
-            </a:r>
-            <a:r>
-              <a:rPr lang="en-GB" sz="2400" dirty="0"/>
-              <a:t>: </a:t>
-            </a:r>
-            <a:endParaRPr lang="en-GB" sz="2400" dirty="0" smtClean="0"/>
-          </a:p>
-          <a:p>
-            <a:pPr marL="617220" lvl="2" indent="-342900">
-              <a:buFont typeface="Arial" panose="020B0604020202020204" pitchFamily="34" charset="0"/>
-              <a:buChar char="•"/>
-            </a:pPr>
-            <a:r>
-              <a:rPr lang="en-GB" dirty="0" smtClean="0"/>
-              <a:t>Also </a:t>
-            </a:r>
-            <a:r>
-              <a:rPr lang="en-GB" dirty="0"/>
-              <a:t>known as a daily scrum, a 15-minute mini-meeting for the software team to sync</a:t>
-            </a:r>
-            <a:r>
-              <a:rPr lang="en-GB" sz="2400" dirty="0"/>
-              <a:t>.</a:t>
-            </a:r>
-          </a:p>
-          <a:p>
-            <a:pPr marL="68580" indent="-342900">
-              <a:buFont typeface="Arial" panose="020B0604020202020204" pitchFamily="34" charset="0"/>
-              <a:buChar char="•"/>
-            </a:pPr>
-            <a:r>
-              <a:rPr lang="en-GB" sz="2400" b="1" dirty="0"/>
-              <a:t>Sprint demo</a:t>
-            </a:r>
-            <a:r>
-              <a:rPr lang="en-GB" sz="2400" dirty="0"/>
-              <a:t>: </a:t>
-            </a:r>
-            <a:endParaRPr lang="en-GB" sz="2400" dirty="0" smtClean="0"/>
-          </a:p>
-          <a:p>
-            <a:pPr marL="617220" lvl="2" indent="-342900">
-              <a:buFont typeface="Arial" panose="020B0604020202020204" pitchFamily="34" charset="0"/>
-              <a:buChar char="•"/>
-            </a:pPr>
-            <a:r>
-              <a:rPr lang="en-GB" dirty="0" smtClean="0"/>
-              <a:t>A </a:t>
-            </a:r>
-            <a:r>
-              <a:rPr lang="en-GB" dirty="0"/>
-              <a:t>sharing meeting where the team shows what they've shipped in that sprint.</a:t>
-            </a:r>
-          </a:p>
-          <a:p>
-            <a:pPr marL="68580" indent="-342900">
-              <a:buFont typeface="Arial" panose="020B0604020202020204" pitchFamily="34" charset="0"/>
-              <a:buChar char="•"/>
-            </a:pPr>
-            <a:r>
-              <a:rPr lang="en-GB" sz="2400" b="1" dirty="0"/>
-              <a:t>Sprint retrospective</a:t>
-            </a:r>
-            <a:r>
-              <a:rPr lang="en-GB" sz="2400" dirty="0"/>
-              <a:t>: </a:t>
-            </a:r>
-            <a:endParaRPr lang="en-GB" sz="2400" dirty="0" smtClean="0"/>
-          </a:p>
-          <a:p>
-            <a:pPr marL="617220" lvl="2" indent="-342900">
-              <a:buFont typeface="Arial" panose="020B0604020202020204" pitchFamily="34" charset="0"/>
-              <a:buChar char="•"/>
-            </a:pPr>
-            <a:r>
-              <a:rPr lang="en-GB" dirty="0" smtClean="0"/>
-              <a:t>A </a:t>
-            </a:r>
-            <a:r>
-              <a:rPr lang="en-GB" dirty="0"/>
-              <a:t>review of what did and didn't go well with actions to make the next sprint better.</a:t>
-            </a:r>
-            <a:endParaRPr lang="en-US" dirty="0"/>
-          </a:p>
-        </p:txBody>
-      </p:sp>
+      </p:pic>
     </p:spTree>
     <p:extLst>
       <p:ext uri="{BB962C8B-B14F-4D97-AF65-F5344CB8AC3E}">
-        <p14:creationId xmlns:p14="http://schemas.microsoft.com/office/powerpoint/2010/main" val="1965984833"/>
+        <p14:creationId xmlns:p14="http://schemas.microsoft.com/office/powerpoint/2010/main" val="4268789845"/>
       </p:ext>
     </p:extLst>
   </p:cSld>
   <p:clrMapOvr>
     <a:masterClrMapping/>
   </p:clrMapOvr>
+  <p:timing>
+    <p:tnLst>
+      <p:par>
+        <p:cTn id="1" dur="indefinite" restart="never" nodeType="tmRoot"/>
+      </p:par>
+    </p:tnLst>
+  </p:timing>
 </p:sld>
 </file>
 
@@ -15940,8 +15960,13 @@
           <a:p>
             <a:r>
               <a:rPr lang="en-US" dirty="0"/>
-              <a:t>Sprint Planning</a:t>
-            </a:r>
+              <a:t>Sprint </a:t>
+            </a:r>
+            <a:r>
+              <a:rPr lang="en-US" dirty="0" smtClean="0"/>
+              <a:t>Backlog cont.</a:t>
+            </a:r>
+            <a:endParaRPr lang="en-US" dirty="0"/>
           </a:p>
         </p:txBody>
       </p:sp>
@@ -15957,156 +15982,352 @@
         </p:nvSpPr>
         <p:spPr>
           <a:xfrm>
-            <a:off x="711200" y="1275008"/>
-            <a:ext cx="10769600" cy="4897192"/>
+            <a:off x="711200" y="1752599"/>
+            <a:ext cx="10769600" cy="4648201"/>
           </a:xfrm>
         </p:spPr>
         <p:txBody>
           <a:bodyPr/>
           <a:lstStyle/>
           <a:p>
-            <a:r>
-              <a:rPr lang="en-GB" sz="2400" b="1" i="1" dirty="0"/>
-              <a:t>Attendees: </a:t>
-            </a:r>
-            <a:r>
-              <a:rPr lang="en-GB" sz="2400" dirty="0"/>
-              <a:t>development team, scrum master, product </a:t>
-            </a:r>
-            <a:r>
-              <a:rPr lang="en-GB" sz="2400" dirty="0" smtClean="0"/>
-              <a:t>owner</a:t>
-            </a:r>
-            <a:endParaRPr lang="en-GB" sz="2400" dirty="0"/>
-          </a:p>
-          <a:p>
-            <a:r>
-              <a:rPr lang="en-GB" sz="2400" b="1" i="1" dirty="0"/>
-              <a:t>When: </a:t>
-            </a:r>
-            <a:r>
-              <a:rPr lang="en-GB" sz="2400" dirty="0"/>
-              <a:t>At the beginning of a sprint</a:t>
-            </a:r>
-            <a:r>
-              <a:rPr lang="en-GB" sz="2400" dirty="0" smtClean="0"/>
-              <a:t>.</a:t>
-            </a:r>
-            <a:endParaRPr lang="en-GB" sz="2400" dirty="0"/>
-          </a:p>
-          <a:p>
-            <a:r>
-              <a:rPr lang="en-GB" sz="2400" b="1" i="1" dirty="0"/>
-              <a:t>Duration: </a:t>
-            </a:r>
-            <a:r>
-              <a:rPr lang="en-GB" sz="2400" dirty="0"/>
-              <a:t>Usually an hour per week of iteration–e.g. a two-week sprint kicks off with a two-hour planning meeting</a:t>
-            </a:r>
-            <a:r>
-              <a:rPr lang="en-GB" sz="2400" dirty="0" smtClean="0"/>
-              <a:t>.</a:t>
-            </a:r>
-            <a:endParaRPr lang="en-GB" sz="2400" dirty="0"/>
-          </a:p>
-          <a:p>
-            <a:r>
-              <a:rPr lang="en-GB" sz="2400" b="1" i="1" dirty="0" smtClean="0"/>
-              <a:t>Purpose</a:t>
-            </a:r>
-            <a:r>
-              <a:rPr lang="en-GB" sz="2400" b="1" i="1" dirty="0"/>
-              <a:t>: </a:t>
-            </a:r>
-            <a:endParaRPr lang="en-GB" sz="2400" b="1" i="1" dirty="0" smtClean="0"/>
-          </a:p>
-          <a:p>
-            <a:pPr marL="68580" indent="-342900">
+            <a:pPr marL="342900" lvl="1" indent="-342900">
               <a:buFont typeface="Arial" panose="020B0604020202020204" pitchFamily="34" charset="0"/>
               <a:buChar char="•"/>
             </a:pPr>
             <a:r>
-              <a:rPr lang="en-GB" dirty="0" smtClean="0"/>
-              <a:t>Sprint </a:t>
-            </a:r>
-            <a:r>
-              <a:rPr lang="en-GB" dirty="0"/>
-              <a:t>planning sets up the entire team for success throughout the sprint. </a:t>
-            </a:r>
-            <a:endParaRPr lang="en-GB" dirty="0" smtClean="0"/>
-          </a:p>
-          <a:p>
-            <a:pPr marL="68580" indent="-342900">
+              <a:rPr lang="en-US" dirty="0" smtClean="0"/>
+              <a:t>team </a:t>
+            </a:r>
+            <a:r>
+              <a:rPr lang="en-US" dirty="0"/>
+              <a:t>members are expected to update the sprint backlog as new information is </a:t>
+            </a:r>
+            <a:r>
+              <a:rPr lang="en-US" dirty="0" smtClean="0"/>
+              <a:t>available during sprint,</a:t>
+            </a:r>
+          </a:p>
+          <a:p>
+            <a:pPr marL="891540" lvl="3" indent="-342900">
               <a:buFont typeface="Arial" panose="020B0604020202020204" pitchFamily="34" charset="0"/>
               <a:buChar char="•"/>
             </a:pPr>
             <a:r>
-              <a:rPr lang="en-GB" dirty="0" smtClean="0"/>
-              <a:t>Coming </a:t>
-            </a:r>
-            <a:r>
-              <a:rPr lang="en-GB" dirty="0"/>
-              <a:t>into the meeting, the product owner will have a prioritized product backlog. </a:t>
-            </a:r>
-            <a:endParaRPr lang="en-GB" dirty="0" smtClean="0"/>
-          </a:p>
-          <a:p>
-            <a:pPr marL="68580" indent="-342900">
+              <a:rPr lang="en-US" dirty="0" smtClean="0"/>
+              <a:t>minimally </a:t>
+            </a:r>
+            <a:r>
+              <a:rPr lang="en-US" dirty="0"/>
+              <a:t>once per day. </a:t>
+            </a:r>
+            <a:endParaRPr lang="en-US" dirty="0" smtClean="0"/>
+          </a:p>
+          <a:p>
+            <a:pPr marL="891540" lvl="3" indent="-342900">
               <a:buFont typeface="Arial" panose="020B0604020202020204" pitchFamily="34" charset="0"/>
               <a:buChar char="•"/>
             </a:pPr>
             <a:r>
-              <a:rPr lang="en-GB" dirty="0" smtClean="0"/>
-              <a:t>They </a:t>
-            </a:r>
-            <a:r>
-              <a:rPr lang="en-GB" dirty="0"/>
-              <a:t>discuss each item with the development team, and the group collectively estimates the effort involved. </a:t>
-            </a:r>
-            <a:endParaRPr lang="en-GB" dirty="0" smtClean="0"/>
-          </a:p>
-          <a:p>
-            <a:pPr marL="68580" indent="-342900">
+              <a:rPr lang="en-US" dirty="0" smtClean="0"/>
+              <a:t>usually </a:t>
+            </a:r>
+            <a:r>
+              <a:rPr lang="en-US" dirty="0"/>
+              <a:t>teams will do this during the daily scrum. </a:t>
+            </a:r>
+            <a:endParaRPr lang="en-US" dirty="0" smtClean="0"/>
+          </a:p>
+          <a:p>
+            <a:pPr marL="342900" lvl="1" indent="-342900">
               <a:buFont typeface="Arial" panose="020B0604020202020204" pitchFamily="34" charset="0"/>
               <a:buChar char="•"/>
             </a:pPr>
             <a:r>
-              <a:rPr lang="en-GB" dirty="0" smtClean="0"/>
-              <a:t>The </a:t>
-            </a:r>
-            <a:r>
-              <a:rPr lang="en-GB" dirty="0"/>
-              <a:t>development team will then make a sprint forecast outlining how much work the team can complete from the product backlog. </a:t>
-            </a:r>
-            <a:endParaRPr lang="en-GB" dirty="0" smtClean="0"/>
-          </a:p>
-          <a:p>
-            <a:pPr marL="68580" indent="-342900">
+              <a:rPr lang="en-US" dirty="0" smtClean="0"/>
+              <a:t>Once </a:t>
+            </a:r>
+            <a:r>
+              <a:rPr lang="en-US" dirty="0"/>
+              <a:t>each day, the estimated work remaining in the sprint is calculated and graphed by the </a:t>
+            </a:r>
+            <a:r>
+              <a:rPr lang="en-US" dirty="0" err="1"/>
+              <a:t>ScrumMaster</a:t>
+            </a:r>
+            <a:r>
+              <a:rPr lang="en-US" dirty="0"/>
+              <a:t>, </a:t>
+            </a:r>
+            <a:endParaRPr lang="en-US" dirty="0" smtClean="0"/>
+          </a:p>
+          <a:p>
+            <a:pPr marL="891540" lvl="3" indent="-342900">
               <a:buFont typeface="Arial" panose="020B0604020202020204" pitchFamily="34" charset="0"/>
               <a:buChar char="•"/>
             </a:pPr>
             <a:r>
-              <a:rPr lang="en-GB" dirty="0" smtClean="0"/>
-              <a:t>That </a:t>
-            </a:r>
-            <a:r>
-              <a:rPr lang="en-GB" dirty="0"/>
-              <a:t>body of work then becomes the sprint backlog.</a:t>
+              <a:rPr lang="en-US" dirty="0" smtClean="0"/>
+              <a:t>resulting </a:t>
+            </a:r>
+            <a:r>
+              <a:rPr lang="en-US" dirty="0"/>
+              <a:t>in a </a:t>
+            </a:r>
+            <a:r>
+              <a:rPr lang="en-US" b="1" dirty="0"/>
+              <a:t>sprint </a:t>
+            </a:r>
+            <a:r>
+              <a:rPr lang="en-US" b="1" dirty="0" err="1"/>
+              <a:t>burndown</a:t>
+            </a:r>
+            <a:r>
+              <a:rPr lang="en-US" b="1" dirty="0"/>
+              <a:t> </a:t>
+            </a:r>
+            <a:r>
+              <a:rPr lang="en-US" b="1" dirty="0" smtClean="0"/>
+              <a:t>chart</a:t>
+            </a:r>
+            <a:r>
+              <a:rPr lang="en-US" dirty="0" smtClean="0"/>
+              <a:t>.</a:t>
             </a:r>
             <a:endParaRPr lang="en-US" dirty="0"/>
+          </a:p>
+          <a:p>
+            <a:pPr marL="342900" lvl="1" indent="-342900">
+              <a:buFont typeface="Arial" panose="020B0604020202020204" pitchFamily="34" charset="0"/>
+              <a:buChar char="•"/>
+            </a:pPr>
+            <a:r>
+              <a:rPr lang="en-US" dirty="0" smtClean="0"/>
+              <a:t>The </a:t>
+            </a:r>
+            <a:r>
+              <a:rPr lang="en-US" dirty="0"/>
+              <a:t>team does its best to pull the right amount of work into the Scrum sprint, </a:t>
+            </a:r>
+            <a:endParaRPr lang="en-US" dirty="0" smtClean="0"/>
+          </a:p>
+          <a:p>
+            <a:pPr marL="891540" lvl="3" indent="-342900">
+              <a:buFont typeface="Arial" panose="020B0604020202020204" pitchFamily="34" charset="0"/>
+              <a:buChar char="•"/>
+            </a:pPr>
+            <a:r>
+              <a:rPr lang="en-US" dirty="0" smtClean="0"/>
+              <a:t>but </a:t>
+            </a:r>
+            <a:r>
+              <a:rPr lang="en-US" dirty="0"/>
+              <a:t>sometimes too much or too little work is pulled in during planning. </a:t>
+            </a:r>
+            <a:endParaRPr lang="en-US" dirty="0" smtClean="0"/>
+          </a:p>
+          <a:p>
+            <a:pPr marL="891540" lvl="3" indent="-342900">
+              <a:buFont typeface="Arial" panose="020B0604020202020204" pitchFamily="34" charset="0"/>
+              <a:buChar char="•"/>
+            </a:pPr>
+            <a:r>
+              <a:rPr lang="en-US" dirty="0" smtClean="0"/>
+              <a:t>In </a:t>
+            </a:r>
+            <a:r>
+              <a:rPr lang="en-US" dirty="0"/>
+              <a:t>this case, the team needs to add or remove tasks.</a:t>
+            </a:r>
           </a:p>
         </p:txBody>
       </p:sp>
+      <p:pic>
+        <p:nvPicPr>
+          <p:cNvPr id="5122" name="Picture 2" descr="https://www.mountaingoatsoftware.com/uploads/blog/sprint-burndown-updated.jpg"/>
+          <p:cNvPicPr>
+            <a:picLocks noChangeAspect="1" noChangeArrowheads="1"/>
+          </p:cNvPicPr>
+          <p:nvPr/>
+        </p:nvPicPr>
+        <p:blipFill>
+          <a:blip r:embed="rId2">
+            <a:extLst>
+              <a:ext uri="{28A0092B-C50C-407E-A947-70E740481C1C}">
+                <a14:useLocalDpi xmlns:a14="http://schemas.microsoft.com/office/drawing/2010/main" val="0"/>
+              </a:ext>
+            </a:extLst>
+          </a:blip>
+          <a:srcRect/>
+          <a:stretch>
+            <a:fillRect/>
+          </a:stretch>
+        </p:blipFill>
+        <p:spPr bwMode="auto">
+          <a:xfrm>
+            <a:off x="5609702" y="1819275"/>
+            <a:ext cx="5715000" cy="4286250"/>
+          </a:xfrm>
+          <a:prstGeom prst="rect">
+            <a:avLst/>
+          </a:prstGeom>
+          <a:noFill/>
+          <a:extLst>
+            <a:ext uri="{909E8E84-426E-40DD-AFC4-6F175D3DCCD1}">
+              <a14:hiddenFill xmlns:a14="http://schemas.microsoft.com/office/drawing/2010/main">
+                <a:solidFill>
+                  <a:srgbClr val="FFFFFF"/>
+                </a:solidFill>
+              </a14:hiddenFill>
+            </a:ext>
+          </a:extLst>
+        </p:spPr>
+      </p:pic>
     </p:spTree>
     <p:extLst>
       <p:ext uri="{BB962C8B-B14F-4D97-AF65-F5344CB8AC3E}">
-        <p14:creationId xmlns:p14="http://schemas.microsoft.com/office/powerpoint/2010/main" val="1441559862"/>
+        <p14:creationId xmlns:p14="http://schemas.microsoft.com/office/powerpoint/2010/main" val="4216362773"/>
       </p:ext>
     </p:extLst>
   </p:cSld>
   <p:clrMapOvr>
     <a:masterClrMapping/>
   </p:clrMapOvr>
+  <p:timing>
+    <p:tnLst>
+      <p:par>
+        <p:cTn id="1" dur="indefinite" restart="never" nodeType="tmRoot">
+          <p:childTnLst>
+            <p:seq concurrent="1" nextAc="seek">
+              <p:cTn id="2" dur="indefinite" nodeType="mainSeq">
+                <p:childTnLst>
+                  <p:par>
+                    <p:cTn id="3" fill="hold">
+                      <p:stCondLst>
+                        <p:cond delay="indefinite"/>
+                      </p:stCondLst>
+                      <p:childTnLst>
+                        <p:par>
+                          <p:cTn id="4" fill="hold">
+                            <p:stCondLst>
+                              <p:cond delay="0"/>
+                            </p:stCondLst>
+                            <p:childTnLst>
+                              <p:par>
+                                <p:cTn id="5" presetID="10" presetClass="entr" presetSubtype="0" fill="hold" nodeType="clickEffect">
+                                  <p:stCondLst>
+                                    <p:cond delay="0"/>
+                                  </p:stCondLst>
+                                  <p:childTnLst>
+                                    <p:set>
+                                      <p:cBhvr>
+                                        <p:cTn id="6" dur="1" fill="hold">
+                                          <p:stCondLst>
+                                            <p:cond delay="0"/>
+                                          </p:stCondLst>
+                                        </p:cTn>
+                                        <p:tgtEl>
+                                          <p:spTgt spid="5122"/>
+                                        </p:tgtEl>
+                                        <p:attrNameLst>
+                                          <p:attrName>style.visibility</p:attrName>
+                                        </p:attrNameLst>
+                                      </p:cBhvr>
+                                      <p:to>
+                                        <p:strVal val="visible"/>
+                                      </p:to>
+                                    </p:set>
+                                    <p:animEffect transition="in" filter="fade">
+                                      <p:cBhvr>
+                                        <p:cTn id="7" dur="500"/>
+                                        <p:tgtEl>
+                                          <p:spTgt spid="5122"/>
+                                        </p:tgtEl>
+                                      </p:cBhvr>
+                                    </p:animEffect>
+                                  </p:childTnLst>
+                                </p:cTn>
+                              </p:par>
+                            </p:childTnLst>
+                          </p:cTn>
+                        </p:par>
+                      </p:childTnLst>
+                    </p:cTn>
+                  </p:par>
+                  <p:par>
+                    <p:cTn id="8" fill="hold">
+                      <p:stCondLst>
+                        <p:cond delay="indefinite"/>
+                      </p:stCondLst>
+                      <p:childTnLst>
+                        <p:par>
+                          <p:cTn id="9" fill="hold">
+                            <p:stCondLst>
+                              <p:cond delay="0"/>
+                            </p:stCondLst>
+                            <p:childTnLst>
+                              <p:par>
+                                <p:cTn id="10" presetID="10" presetClass="exit" presetSubtype="0" fill="hold" nodeType="clickEffect">
+                                  <p:stCondLst>
+                                    <p:cond delay="0"/>
+                                  </p:stCondLst>
+                                  <p:childTnLst>
+                                    <p:animEffect transition="out" filter="fade">
+                                      <p:cBhvr>
+                                        <p:cTn id="11" dur="500"/>
+                                        <p:tgtEl>
+                                          <p:spTgt spid="5122"/>
+                                        </p:tgtEl>
+                                      </p:cBhvr>
+                                    </p:animEffect>
+                                    <p:set>
+                                      <p:cBhvr>
+                                        <p:cTn id="12" dur="1" fill="hold">
+                                          <p:stCondLst>
+                                            <p:cond delay="499"/>
+                                          </p:stCondLst>
+                                        </p:cTn>
+                                        <p:tgtEl>
+                                          <p:spTgt spid="5122"/>
+                                        </p:tgtEl>
+                                        <p:attrNameLst>
+                                          <p:attrName>style.visibility</p:attrName>
+                                        </p:attrNameLst>
+                                      </p:cBhvr>
+                                      <p:to>
+                                        <p:strVal val="hidden"/>
+                                      </p:to>
+                                    </p:set>
+                                  </p:childTnLst>
+                                </p:cTn>
+                              </p:par>
+                            </p:childTnLst>
+                          </p:cTn>
+                        </p:par>
+                      </p:childTnLst>
+                    </p:cTn>
+                  </p:par>
+                </p:childTnLst>
+              </p:cTn>
+              <p:prevCondLst>
+                <p:cond evt="onPrev" delay="0">
+                  <p:tgtEl>
+                    <p:sldTgt/>
+                  </p:tgtEl>
+                </p:cond>
+              </p:prevCondLst>
+              <p:nextCondLst>
+                <p:cond evt="onNext" delay="0">
+                  <p:tgtEl>
+                    <p:sldTgt/>
+                  </p:tgtEl>
+                </p:cond>
+              </p:nextCondLst>
+            </p:seq>
+          </p:childTnLst>
+        </p:cTn>
+      </p:par>
+    </p:tnLst>
+  </p:timing>
 </p:sld>
 </file>
 
@@ -16143,9 +16364,10 @@
           <a:lstStyle/>
           <a:p>
             <a:r>
-              <a:rPr lang="en-US" dirty="0"/>
-              <a:t>Daily Stand-up</a:t>
-            </a:r>
+              <a:rPr lang="en-US" dirty="0" smtClean="0"/>
+              <a:t>Sprint</a:t>
+            </a:r>
+            <a:endParaRPr lang="en-US" dirty="0"/>
           </a:p>
         </p:txBody>
       </p:sp>
@@ -16159,98 +16381,164 @@
             <p:ph sz="quarter" idx="15"/>
           </p:nvPr>
         </p:nvSpPr>
-        <p:spPr>
-          <a:xfrm>
-            <a:off x="711200" y="1262130"/>
-            <a:ext cx="10769600" cy="4910070"/>
-          </a:xfrm>
-        </p:spPr>
+        <p:spPr/>
         <p:txBody>
           <a:bodyPr/>
           <a:lstStyle/>
           <a:p>
-            <a:r>
-              <a:rPr lang="en-GB" dirty="0"/>
-              <a:t>Attendees: development team, scrum master, product </a:t>
-            </a:r>
-            <a:r>
-              <a:rPr lang="en-GB" dirty="0" smtClean="0"/>
-              <a:t>owner</a:t>
-            </a:r>
-            <a:endParaRPr lang="en-GB" dirty="0"/>
-          </a:p>
-          <a:p>
-            <a:r>
-              <a:rPr lang="en-GB" dirty="0"/>
-              <a:t>When: Once per day, typically in the morning</a:t>
-            </a:r>
-            <a:r>
-              <a:rPr lang="en-GB" dirty="0" smtClean="0"/>
-              <a:t>.</a:t>
-            </a:r>
-            <a:endParaRPr lang="en-GB" dirty="0"/>
-          </a:p>
-          <a:p>
-            <a:r>
-              <a:rPr lang="en-GB" dirty="0"/>
-              <a:t>Duration: No more than 15 minutes. Don't book a conference room and conduct the stand up sitting down. Standing up helps keep the meeting short</a:t>
-            </a:r>
-            <a:r>
-              <a:rPr lang="en-GB" dirty="0" smtClean="0"/>
-              <a:t>!</a:t>
-            </a:r>
-            <a:endParaRPr lang="en-GB" dirty="0"/>
-          </a:p>
-          <a:p>
-            <a:r>
-              <a:rPr lang="en-GB" dirty="0" smtClean="0"/>
-              <a:t>Purpose</a:t>
-            </a:r>
-            <a:r>
-              <a:rPr lang="en-GB" dirty="0"/>
-              <a:t>: Stand-up is designed to quickly inform everyone of what's going on across the team. It's not a detailed status meeting. The tone should be light and fun, but informative. Have each team member answer the following questions</a:t>
-            </a:r>
-            <a:r>
-              <a:rPr lang="en-GB" dirty="0" smtClean="0"/>
-              <a:t>:</a:t>
-            </a:r>
-            <a:endParaRPr lang="en-GB" dirty="0"/>
-          </a:p>
-          <a:p>
-            <a:pPr marL="68580" indent="-342900">
+            <a:pPr marL="342900" lvl="1" indent="-342900">
               <a:buFont typeface="Arial" panose="020B0604020202020204" pitchFamily="34" charset="0"/>
               <a:buChar char="•"/>
             </a:pPr>
             <a:r>
-              <a:rPr lang="en-GB" dirty="0"/>
-              <a:t>What did I complete yesterday?</a:t>
-            </a:r>
-          </a:p>
-          <a:p>
-            <a:pPr marL="68580" indent="-342900">
+              <a:rPr lang="en-US" dirty="0" smtClean="0"/>
+              <a:t>Input for sprint :- </a:t>
+            </a:r>
+            <a:r>
+              <a:rPr lang="en-US" dirty="0"/>
+              <a:t>entries </a:t>
+            </a:r>
+            <a:r>
+              <a:rPr lang="en-US" dirty="0" smtClean="0"/>
+              <a:t>taken from </a:t>
+            </a:r>
+            <a:r>
+              <a:rPr lang="en-US" b="1" dirty="0"/>
+              <a:t>Product Backlog </a:t>
+            </a:r>
+            <a:endParaRPr lang="en-US" b="1" dirty="0" smtClean="0"/>
+          </a:p>
+          <a:p>
+            <a:pPr marL="342900" lvl="1" indent="-342900">
               <a:buFont typeface="Arial" panose="020B0604020202020204" pitchFamily="34" charset="0"/>
               <a:buChar char="•"/>
             </a:pPr>
             <a:r>
-              <a:rPr lang="en-GB" dirty="0"/>
-              <a:t>What will I work on today?</a:t>
-            </a:r>
-          </a:p>
-          <a:p>
-            <a:pPr marL="68580" indent="-342900">
+              <a:rPr lang="en-US" dirty="0" smtClean="0"/>
+              <a:t>all </a:t>
+            </a:r>
+            <a:r>
+              <a:rPr lang="en-US" dirty="0"/>
+              <a:t>activities needed for the implementation of entries </a:t>
+            </a:r>
+            <a:r>
+              <a:rPr lang="en-US" dirty="0" smtClean="0"/>
+              <a:t>are </a:t>
+            </a:r>
+            <a:r>
+              <a:rPr lang="en-US" dirty="0"/>
+              <a:t>performed within Sprints </a:t>
+            </a:r>
+            <a:endParaRPr lang="en-US" dirty="0" smtClean="0"/>
+          </a:p>
+          <a:p>
+            <a:pPr marL="617220" lvl="2" indent="-342900">
               <a:buFont typeface="Arial" panose="020B0604020202020204" pitchFamily="34" charset="0"/>
               <a:buChar char="•"/>
             </a:pPr>
             <a:r>
-              <a:rPr lang="en-GB" dirty="0"/>
-              <a:t>Am I blocked by anything?</a:t>
-            </a:r>
-          </a:p>
-          <a:p>
-            <a:r>
-              <a:rPr lang="en-GB" dirty="0"/>
-              <a:t>There's an implicit accountability in reporting what work you completed yesterday in front of your peers. No one wants to be the team member who is constantly doing the same thing and not making progress. </a:t>
-            </a:r>
+              <a:rPr lang="en-US" dirty="0" smtClean="0"/>
+              <a:t>also </a:t>
+            </a:r>
+            <a:r>
+              <a:rPr lang="en-US" dirty="0"/>
+              <a:t>called 'Iterations</a:t>
+            </a:r>
+            <a:r>
+              <a:rPr lang="en-US" dirty="0" smtClean="0"/>
+              <a:t>' </a:t>
+            </a:r>
+          </a:p>
+          <a:p>
+            <a:pPr marL="342900" lvl="1" indent="-342900">
+              <a:buFont typeface="Arial" panose="020B0604020202020204" pitchFamily="34" charset="0"/>
+              <a:buChar char="•"/>
+            </a:pPr>
+            <a:r>
+              <a:rPr lang="en-US" dirty="0" smtClean="0"/>
+              <a:t>always </a:t>
+            </a:r>
+            <a:r>
+              <a:rPr lang="en-US" dirty="0"/>
+              <a:t>short: normally about 2-4 weeks.</a:t>
+            </a:r>
+          </a:p>
+          <a:p>
+            <a:pPr marL="342900" lvl="1" indent="-342900">
+              <a:buFont typeface="Arial" panose="020B0604020202020204" pitchFamily="34" charset="0"/>
+              <a:buChar char="•"/>
+            </a:pPr>
+            <a:r>
+              <a:rPr lang="en-US" dirty="0"/>
+              <a:t>Each Sprint start with two planning sessions to define the content of the Sprint: </a:t>
+            </a:r>
+            <a:endParaRPr lang="en-US" dirty="0" smtClean="0"/>
+          </a:p>
+          <a:p>
+            <a:pPr marL="617220" lvl="2" indent="-342900">
+              <a:buFont typeface="Arial" panose="020B0604020202020204" pitchFamily="34" charset="0"/>
+              <a:buChar char="•"/>
+            </a:pPr>
+            <a:r>
+              <a:rPr lang="en-US" dirty="0" smtClean="0"/>
+              <a:t>the WHAT-Meeting  - </a:t>
+            </a:r>
+            <a:r>
+              <a:rPr lang="en-US" dirty="0"/>
+              <a:t>Scrum Team commits to the User Stories from the Scrum </a:t>
+            </a:r>
+            <a:r>
+              <a:rPr lang="en-US" b="1" dirty="0"/>
+              <a:t>Product Backlog</a:t>
+            </a:r>
+            <a:endParaRPr lang="en-US" b="1" dirty="0" smtClean="0"/>
+          </a:p>
+          <a:p>
+            <a:pPr marL="617220" lvl="2" indent="-342900">
+              <a:buFont typeface="Arial" panose="020B0604020202020204" pitchFamily="34" charset="0"/>
+              <a:buChar char="•"/>
+            </a:pPr>
+            <a:r>
+              <a:rPr lang="en-US" dirty="0" smtClean="0"/>
+              <a:t>the HOW-Meeting - </a:t>
+            </a:r>
+            <a:r>
+              <a:rPr lang="en-US" dirty="0"/>
+              <a:t>break the committed User Stories into smaller and concrete tasks</a:t>
+            </a:r>
+            <a:endParaRPr lang="en-US" dirty="0" smtClean="0"/>
+          </a:p>
+          <a:p>
+            <a:pPr marL="342900" lvl="1" indent="-342900">
+              <a:buFont typeface="Arial" panose="020B0604020202020204" pitchFamily="34" charset="0"/>
+              <a:buChar char="•"/>
+            </a:pPr>
+            <a:r>
+              <a:rPr lang="en-US" dirty="0" smtClean="0"/>
+              <a:t>The </a:t>
+            </a:r>
+            <a:r>
+              <a:rPr lang="en-US" dirty="0"/>
+              <a:t>combination of these two meeting are also defined as Sprint Planning Meeting. </a:t>
+            </a:r>
+            <a:endParaRPr lang="en-US" dirty="0" smtClean="0"/>
+          </a:p>
+          <a:p>
+            <a:pPr marL="342900" lvl="1" indent="-342900">
+              <a:buFont typeface="Arial" panose="020B0604020202020204" pitchFamily="34" charset="0"/>
+              <a:buChar char="•"/>
+            </a:pPr>
+            <a:r>
+              <a:rPr lang="en-US" dirty="0" smtClean="0"/>
+              <a:t>Output from Sprint:- </a:t>
+            </a:r>
+            <a:r>
+              <a:rPr lang="en-US" b="1" dirty="0" smtClean="0"/>
+              <a:t>Sprint Backlog</a:t>
+            </a:r>
+            <a:endParaRPr lang="en-US" b="1" dirty="0"/>
+          </a:p>
+          <a:p>
             <a:endParaRPr lang="en-US" dirty="0"/>
           </a:p>
         </p:txBody>
@@ -16258,13 +16546,20 @@
     </p:spTree>
     <p:extLst>
       <p:ext uri="{BB962C8B-B14F-4D97-AF65-F5344CB8AC3E}">
-        <p14:creationId xmlns:p14="http://schemas.microsoft.com/office/powerpoint/2010/main" val="959182879"/>
+        <p14:creationId xmlns:p14="http://schemas.microsoft.com/office/powerpoint/2010/main" val="2992675219"/>
       </p:ext>
     </p:extLst>
   </p:cSld>
   <p:clrMapOvr>
     <a:masterClrMapping/>
   </p:clrMapOvr>
+  <p:timing>
+    <p:tnLst>
+      <p:par>
+        <p:cTn id="1" dur="indefinite" restart="never" nodeType="tmRoot"/>
+      </p:par>
+    </p:tnLst>
+  </p:timing>
 </p:sld>
 </file>
 
@@ -16301,9 +16596,10 @@
           <a:lstStyle/>
           <a:p>
             <a:r>
-              <a:rPr lang="en-US" dirty="0"/>
-              <a:t>Iteration review</a:t>
-            </a:r>
+              <a:rPr lang="en-GB" dirty="0"/>
+              <a:t>Roles of the Scrum Team</a:t>
+            </a:r>
+            <a:endParaRPr lang="en-US" dirty="0"/>
           </a:p>
         </p:txBody>
       </p:sp>
@@ -16317,76 +16613,360 @@
             <p:ph sz="quarter" idx="15"/>
           </p:nvPr>
         </p:nvSpPr>
-        <p:spPr/>
+        <p:spPr>
+          <a:xfrm>
+            <a:off x="711200" y="1481070"/>
+            <a:ext cx="10769600" cy="4691130"/>
+          </a:xfrm>
+        </p:spPr>
         <p:txBody>
           <a:bodyPr/>
           <a:lstStyle/>
           <a:p>
             <a:r>
+              <a:rPr lang="en-GB" dirty="0"/>
+              <a:t>Scrum Teams are </a:t>
+            </a:r>
+            <a:r>
+              <a:rPr lang="en-GB" b="1" dirty="0"/>
+              <a:t>self-organizing</a:t>
+            </a:r>
+            <a:r>
+              <a:rPr lang="en-GB" dirty="0"/>
+              <a:t> and </a:t>
+            </a:r>
+            <a:r>
+              <a:rPr lang="en-GB" b="1" dirty="0"/>
+              <a:t>cross-functional</a:t>
+            </a:r>
+            <a:r>
+              <a:rPr lang="en-GB" dirty="0"/>
+              <a:t>. </a:t>
+            </a:r>
+            <a:endParaRPr lang="en-GB" dirty="0" smtClean="0"/>
+          </a:p>
+          <a:p>
+            <a:pPr marL="617220" lvl="2" indent="-342900">
+              <a:buFont typeface="Arial" panose="020B0604020202020204" pitchFamily="34" charset="0"/>
+              <a:buChar char="•"/>
+            </a:pPr>
+            <a:r>
+              <a:rPr lang="en-GB" dirty="0"/>
+              <a:t>Self-organizing teams </a:t>
+            </a:r>
+            <a:r>
+              <a:rPr lang="en-GB" b="1" dirty="0"/>
+              <a:t>choose how best to accomplish their work</a:t>
+            </a:r>
+            <a:r>
+              <a:rPr lang="en-GB" dirty="0"/>
+              <a:t>, rather than being directed by others outside the team. </a:t>
+            </a:r>
+          </a:p>
+          <a:p>
+            <a:pPr marL="617220" lvl="2" indent="-342900">
+              <a:buFont typeface="Arial" panose="020B0604020202020204" pitchFamily="34" charset="0"/>
+              <a:buChar char="•"/>
+            </a:pPr>
+            <a:r>
+              <a:rPr lang="en-GB" dirty="0"/>
+              <a:t>Cross-functional teams </a:t>
+            </a:r>
+            <a:r>
+              <a:rPr lang="en-GB" b="1" dirty="0"/>
+              <a:t>have all competencies needed to accomplish the work </a:t>
+            </a:r>
+            <a:r>
+              <a:rPr lang="en-GB" dirty="0"/>
+              <a:t>without depending on others not part of the </a:t>
+            </a:r>
+            <a:r>
               <a:rPr lang="en-GB" dirty="0" smtClean="0"/>
-              <a:t>Attendees: Required</a:t>
-            </a:r>
+              <a:t>team</a:t>
+            </a:r>
+          </a:p>
+          <a:p>
+            <a:pPr marL="617220" lvl="2" indent="-342900">
+              <a:buFont typeface="Arial" panose="020B0604020202020204" pitchFamily="34" charset="0"/>
+              <a:buChar char="•"/>
+            </a:pPr>
             <a:r>
               <a:rPr lang="en-GB" dirty="0"/>
-              <a:t>: development team, scrum master, product owner</a:t>
-            </a:r>
-          </a:p>
-          <a:p>
+              <a:t>The team model in Scrum is designed to </a:t>
+            </a:r>
+            <a:r>
+              <a:rPr lang="en-GB" b="1" dirty="0"/>
+              <a:t>optimize flexibility, creativity, and productivity</a:t>
+            </a:r>
             <a:r>
               <a:rPr lang="en-GB" dirty="0"/>
-              <a:t>Optional: project </a:t>
-            </a:r>
+              <a:t>.</a:t>
+            </a:r>
+            <a:endParaRPr lang="en-US" dirty="0"/>
+          </a:p>
+          <a:p>
             <a:r>
               <a:rPr lang="en-GB" dirty="0" smtClean="0"/>
-              <a:t>stakeholders</a:t>
-            </a:r>
-            <a:endParaRPr lang="en-GB" dirty="0"/>
-          </a:p>
-          <a:p>
+              <a:t>The </a:t>
+            </a:r>
             <a:r>
               <a:rPr lang="en-GB" dirty="0"/>
-              <a:t>When: At the end of a sprint or milestone</a:t>
+              <a:t>Scrum Team consists of a </a:t>
+            </a:r>
+            <a:endParaRPr lang="en-GB" dirty="0" smtClean="0"/>
+          </a:p>
+          <a:p>
+            <a:pPr marL="891540" lvl="2" indent="-342900">
+              <a:buFont typeface="Arial" panose="020B0604020202020204" pitchFamily="34" charset="0"/>
+              <a:buChar char="•"/>
+            </a:pPr>
+            <a:r>
+              <a:rPr lang="en-GB" b="1" dirty="0" smtClean="0"/>
+              <a:t>Product </a:t>
+            </a:r>
+            <a:r>
+              <a:rPr lang="en-GB" b="1" dirty="0"/>
+              <a:t>Owner</a:t>
+            </a:r>
+            <a:r>
+              <a:rPr lang="en-GB" dirty="0"/>
+              <a:t>, </a:t>
+            </a:r>
+            <a:endParaRPr lang="en-GB" dirty="0" smtClean="0"/>
+          </a:p>
+          <a:p>
+            <a:pPr marL="891540" lvl="2" indent="-342900">
+              <a:buFont typeface="Arial" panose="020B0604020202020204" pitchFamily="34" charset="0"/>
+              <a:buChar char="•"/>
+            </a:pPr>
+            <a:r>
+              <a:rPr lang="en-GB" b="1" dirty="0" smtClean="0"/>
+              <a:t>The </a:t>
+            </a:r>
+            <a:r>
+              <a:rPr lang="en-GB" b="1" dirty="0"/>
+              <a:t>Development Team</a:t>
+            </a:r>
+            <a:r>
+              <a:rPr lang="en-GB" dirty="0"/>
+              <a:t>, and a </a:t>
+            </a:r>
+            <a:endParaRPr lang="en-GB" dirty="0" smtClean="0"/>
+          </a:p>
+          <a:p>
+            <a:pPr marL="891540" lvl="2" indent="-342900">
+              <a:buFont typeface="Arial" panose="020B0604020202020204" pitchFamily="34" charset="0"/>
+              <a:buChar char="•"/>
+            </a:pPr>
+            <a:r>
+              <a:rPr lang="en-GB" b="1" dirty="0" smtClean="0"/>
+              <a:t>Scrum </a:t>
+            </a:r>
+            <a:r>
+              <a:rPr lang="en-GB" b="1" dirty="0"/>
+              <a:t>Master</a:t>
             </a:r>
             <a:r>
               <a:rPr lang="en-GB" dirty="0" smtClean="0"/>
               <a:t>.</a:t>
             </a:r>
-            <a:endParaRPr lang="en-GB" dirty="0"/>
-          </a:p>
-          <a:p>
-            <a:r>
-              <a:rPr lang="en-GB" dirty="0"/>
-              <a:t>Duration: 30-60 minutes</a:t>
-            </a:r>
+          </a:p>
+          <a:p>
+            <a:pPr indent="0"/>
             <a:r>
               <a:rPr lang="en-GB" dirty="0" smtClean="0"/>
-              <a:t>.</a:t>
-            </a:r>
-            <a:endParaRPr lang="en-GB" dirty="0"/>
-          </a:p>
-          <a:p>
-            <a:r>
-              <a:rPr lang="en-GB" dirty="0" smtClean="0"/>
-              <a:t>Purpose</a:t>
-            </a:r>
-            <a:r>
-              <a:rPr lang="en-GB" dirty="0"/>
-              <a:t>: Iteration review is a time to showcase the work of the team. They can be in a casual format like "demo Fridays", or in a more formal meeting structure. This is the time for the team to celebrate their accomplishments, demonstrate work finished within the iteration, and get immediate feedback from project stakeholders. Remember, work should be fully demonstrable and meet the team's quality bar to be considered complete and ready to showcase in the review. </a:t>
-            </a:r>
-            <a:endParaRPr lang="en-US" dirty="0"/>
+              <a:t> </a:t>
+            </a:r>
           </a:p>
         </p:txBody>
       </p:sp>
+      <p:pic>
+        <p:nvPicPr>
+          <p:cNvPr id="1026" name="Picture 2" descr="https://www.scrum-institute.org/images_scrum/Scrum_Roles_Stakeholders.jpg"/>
+          <p:cNvPicPr>
+            <a:picLocks noChangeAspect="1" noChangeArrowheads="1"/>
+          </p:cNvPicPr>
+          <p:nvPr/>
+        </p:nvPicPr>
+        <p:blipFill>
+          <a:blip r:embed="rId2">
+            <a:extLst>
+              <a:ext uri="{28A0092B-C50C-407E-A947-70E740481C1C}">
+                <a14:useLocalDpi xmlns:a14="http://schemas.microsoft.com/office/drawing/2010/main" val="0"/>
+              </a:ext>
+            </a:extLst>
+          </a:blip>
+          <a:srcRect/>
+          <a:stretch>
+            <a:fillRect/>
+          </a:stretch>
+        </p:blipFill>
+        <p:spPr bwMode="auto">
+          <a:xfrm>
+            <a:off x="2498693" y="1206951"/>
+            <a:ext cx="6021362" cy="5239368"/>
+          </a:xfrm>
+          <a:prstGeom prst="rect">
+            <a:avLst/>
+          </a:prstGeom>
+          <a:noFill/>
+          <a:extLst>
+            <a:ext uri="{909E8E84-426E-40DD-AFC4-6F175D3DCCD1}">
+              <a14:hiddenFill xmlns:a14="http://schemas.microsoft.com/office/drawing/2010/main">
+                <a:solidFill>
+                  <a:srgbClr val="FFFFFF"/>
+                </a:solidFill>
+              </a14:hiddenFill>
+            </a:ext>
+          </a:extLst>
+        </p:spPr>
+      </p:pic>
     </p:spTree>
     <p:extLst>
       <p:ext uri="{BB962C8B-B14F-4D97-AF65-F5344CB8AC3E}">
-        <p14:creationId xmlns:p14="http://schemas.microsoft.com/office/powerpoint/2010/main" val="4212120579"/>
+        <p14:creationId xmlns:p14="http://schemas.microsoft.com/office/powerpoint/2010/main" val="598061059"/>
       </p:ext>
     </p:extLst>
   </p:cSld>
   <p:clrMapOvr>
     <a:masterClrMapping/>
   </p:clrMapOvr>
+  <p:timing>
+    <p:tnLst>
+      <p:par>
+        <p:cTn id="1" dur="indefinite" restart="never" nodeType="tmRoot">
+          <p:childTnLst>
+            <p:seq concurrent="1" nextAc="seek">
+              <p:cTn id="2" dur="indefinite" nodeType="mainSeq">
+                <p:childTnLst>
+                  <p:par>
+                    <p:cTn id="3" fill="hold">
+                      <p:stCondLst>
+                        <p:cond delay="indefinite"/>
+                      </p:stCondLst>
+                      <p:childTnLst>
+                        <p:par>
+                          <p:cTn id="4" fill="hold">
+                            <p:stCondLst>
+                              <p:cond delay="0"/>
+                            </p:stCondLst>
+                            <p:childTnLst>
+                              <p:par>
+                                <p:cTn id="5" presetID="10" presetClass="entr" presetSubtype="0" fill="hold" nodeType="clickEffect">
+                                  <p:stCondLst>
+                                    <p:cond delay="0"/>
+                                  </p:stCondLst>
+                                  <p:childTnLst>
+                                    <p:set>
+                                      <p:cBhvr>
+                                        <p:cTn id="6" dur="1" fill="hold">
+                                          <p:stCondLst>
+                                            <p:cond delay="0"/>
+                                          </p:stCondLst>
+                                        </p:cTn>
+                                        <p:tgtEl>
+                                          <p:spTgt spid="1026"/>
+                                        </p:tgtEl>
+                                        <p:attrNameLst>
+                                          <p:attrName>style.visibility</p:attrName>
+                                        </p:attrNameLst>
+                                      </p:cBhvr>
+                                      <p:to>
+                                        <p:strVal val="visible"/>
+                                      </p:to>
+                                    </p:set>
+                                    <p:animEffect transition="in" filter="fade">
+                                      <p:cBhvr>
+                                        <p:cTn id="7" dur="500"/>
+                                        <p:tgtEl>
+                                          <p:spTgt spid="1026"/>
+                                        </p:tgtEl>
+                                      </p:cBhvr>
+                                    </p:animEffect>
+                                  </p:childTnLst>
+                                </p:cTn>
+                              </p:par>
+                            </p:childTnLst>
+                          </p:cTn>
+                        </p:par>
+                      </p:childTnLst>
+                    </p:cTn>
+                  </p:par>
+                  <p:par>
+                    <p:cTn id="8" fill="hold">
+                      <p:stCondLst>
+                        <p:cond delay="indefinite"/>
+                      </p:stCondLst>
+                      <p:childTnLst>
+                        <p:par>
+                          <p:cTn id="9" fill="hold">
+                            <p:stCondLst>
+                              <p:cond delay="0"/>
+                            </p:stCondLst>
+                            <p:childTnLst>
+                              <p:par>
+                                <p:cTn id="10" presetID="10" presetClass="exit" presetSubtype="0" fill="hold" nodeType="clickEffect">
+                                  <p:stCondLst>
+                                    <p:cond delay="0"/>
+                                  </p:stCondLst>
+                                  <p:childTnLst>
+                                    <p:animEffect transition="out" filter="fade">
+                                      <p:cBhvr>
+                                        <p:cTn id="11" dur="500"/>
+                                        <p:tgtEl>
+                                          <p:spTgt spid="1026"/>
+                                        </p:tgtEl>
+                                      </p:cBhvr>
+                                    </p:animEffect>
+                                    <p:set>
+                                      <p:cBhvr>
+                                        <p:cTn id="12" dur="1" fill="hold">
+                                          <p:stCondLst>
+                                            <p:cond delay="499"/>
+                                          </p:stCondLst>
+                                        </p:cTn>
+                                        <p:tgtEl>
+                                          <p:spTgt spid="1026"/>
+                                        </p:tgtEl>
+                                        <p:attrNameLst>
+                                          <p:attrName>style.visibility</p:attrName>
+                                        </p:attrNameLst>
+                                      </p:cBhvr>
+                                      <p:to>
+                                        <p:strVal val="hidden"/>
+                                      </p:to>
+                                    </p:set>
+                                  </p:childTnLst>
+                                </p:cTn>
+                              </p:par>
+                            </p:childTnLst>
+                          </p:cTn>
+                        </p:par>
+                      </p:childTnLst>
+                    </p:cTn>
+                  </p:par>
+                </p:childTnLst>
+              </p:cTn>
+              <p:prevCondLst>
+                <p:cond evt="onPrev" delay="0">
+                  <p:tgtEl>
+                    <p:sldTgt/>
+                  </p:tgtEl>
+                </p:cond>
+              </p:prevCondLst>
+              <p:nextCondLst>
+                <p:cond evt="onNext" delay="0">
+                  <p:tgtEl>
+                    <p:sldTgt/>
+                  </p:tgtEl>
+                </p:cond>
+              </p:nextCondLst>
+            </p:seq>
+          </p:childTnLst>
+        </p:cTn>
+      </p:par>
+    </p:tnLst>
+  </p:timing>
 </p:sld>
 </file>
 
@@ -16423,9 +17003,10 @@
           <a:lstStyle/>
           <a:p>
             <a:r>
-              <a:rPr lang="en-US" dirty="0"/>
-              <a:t>Retrospective</a:t>
-            </a:r>
+              <a:rPr lang="en-US" dirty="0" smtClean="0"/>
+              <a:t>Product Owner</a:t>
+            </a:r>
+            <a:endParaRPr lang="en-US" dirty="0"/>
           </a:p>
         </p:txBody>
       </p:sp>
@@ -16439,62 +17020,170 @@
             <p:ph sz="quarter" idx="15"/>
           </p:nvPr>
         </p:nvSpPr>
-        <p:spPr/>
+        <p:spPr>
+          <a:xfrm>
+            <a:off x="711200" y="1249251"/>
+            <a:ext cx="10769600" cy="4922949"/>
+          </a:xfrm>
+        </p:spPr>
         <p:txBody>
           <a:bodyPr/>
           <a:lstStyle/>
           <a:p>
+            <a:pPr marL="68580" indent="-342900">
+              <a:buFont typeface="Arial" panose="020B0604020202020204" pitchFamily="34" charset="0"/>
+              <a:buChar char="•"/>
+            </a:pPr>
+            <a:r>
+              <a:rPr lang="en-GB" dirty="0" smtClean="0"/>
+              <a:t>Is </a:t>
+            </a:r>
             <a:r>
               <a:rPr lang="en-GB" dirty="0"/>
-              <a:t>Attendees: development team, scrum master, product </a:t>
+              <a:t>the sole person responsible for managing the Product </a:t>
             </a:r>
             <a:r>
               <a:rPr lang="en-GB" dirty="0" smtClean="0"/>
-              <a:t>owner</a:t>
-            </a:r>
-            <a:endParaRPr lang="en-GB" dirty="0"/>
-          </a:p>
-          <a:p>
+              <a:t>Backlog, which includes:</a:t>
+            </a:r>
+          </a:p>
+          <a:p>
+            <a:pPr lvl="2"/>
             <a:r>
               <a:rPr lang="en-GB" dirty="0"/>
-              <a:t>When: At the end of an iteration</a:t>
-            </a:r>
+              <a:t>Build and manage the product </a:t>
+            </a:r>
+            <a:r>
+              <a:rPr lang="en-GB" dirty="0" smtClean="0"/>
+              <a:t>backlog</a:t>
+            </a:r>
+          </a:p>
+          <a:p>
+            <a:pPr lvl="2"/>
+            <a:r>
+              <a:rPr lang="en-GB" dirty="0"/>
+              <a:t>Closely partner with the business and the team </a:t>
+            </a:r>
+            <a:endParaRPr lang="en-GB" dirty="0" smtClean="0"/>
+          </a:p>
+          <a:p>
+            <a:pPr lvl="4"/>
+            <a:r>
+              <a:rPr lang="en-GB" dirty="0" smtClean="0"/>
+              <a:t>to </a:t>
+            </a:r>
+            <a:r>
+              <a:rPr lang="en-GB" dirty="0"/>
+              <a:t>ensure everyone understands the work items in the product </a:t>
+            </a:r>
+            <a:r>
+              <a:rPr lang="en-GB" dirty="0" smtClean="0"/>
+              <a:t>backlog</a:t>
+            </a:r>
+          </a:p>
+          <a:p>
+            <a:pPr lvl="2"/>
+            <a:r>
+              <a:rPr lang="en-GB" dirty="0" smtClean="0"/>
+              <a:t>Optimizing </a:t>
+            </a:r>
+            <a:r>
+              <a:rPr lang="en-GB" dirty="0"/>
+              <a:t>the value of the work the Development Team performs.</a:t>
+            </a:r>
+          </a:p>
+          <a:p>
+            <a:pPr lvl="2"/>
+            <a:r>
+              <a:rPr lang="en-GB" dirty="0"/>
+              <a:t>Ensuring that the Product Backlog is visible, transparent, and clear to all, </a:t>
+            </a:r>
+            <a:r>
+              <a:rPr lang="en-GB" dirty="0" smtClean="0"/>
+              <a:t>a</a:t>
+            </a:r>
+          </a:p>
+          <a:p>
+            <a:pPr lvl="2"/>
+            <a:r>
+              <a:rPr lang="en-GB" dirty="0" smtClean="0"/>
+              <a:t>shows </a:t>
+            </a:r>
+            <a:r>
+              <a:rPr lang="en-GB" dirty="0"/>
+              <a:t>what the Scrum Team will work on next.</a:t>
+            </a:r>
+          </a:p>
+          <a:p>
+            <a:pPr lvl="2"/>
+            <a:r>
+              <a:rPr lang="en-GB" dirty="0"/>
+              <a:t>Decide when to ship the product with the predisposition towards more frequent delivery </a:t>
+            </a:r>
+          </a:p>
+          <a:p>
+            <a:pPr marL="68580" indent="-342900">
+              <a:buFont typeface="Arial" panose="020B0604020202020204" pitchFamily="34" charset="0"/>
+              <a:buChar char="•"/>
+            </a:pPr>
+            <a:r>
+              <a:rPr lang="en-GB" dirty="0" smtClean="0"/>
+              <a:t>The </a:t>
+            </a:r>
+            <a:r>
+              <a:rPr lang="en-GB" dirty="0"/>
+              <a:t>Product Owner is one person, </a:t>
+            </a:r>
+            <a:r>
+              <a:rPr lang="en-GB" dirty="0" smtClean="0"/>
+              <a:t>but may </a:t>
+            </a:r>
+            <a:r>
+              <a:rPr lang="en-GB" dirty="0"/>
+              <a:t>represent the desires of a </a:t>
+            </a:r>
+            <a:r>
+              <a:rPr lang="en-GB" dirty="0" smtClean="0"/>
+              <a:t>committee.</a:t>
+            </a:r>
+          </a:p>
+          <a:p>
+            <a:pPr marL="68580" indent="-342900">
+              <a:buFont typeface="Arial" panose="020B0604020202020204" pitchFamily="34" charset="0"/>
+              <a:buChar char="•"/>
+            </a:pPr>
+            <a:r>
+              <a:rPr lang="en-GB" dirty="0" smtClean="0"/>
+              <a:t>To </a:t>
+            </a:r>
+            <a:r>
+              <a:rPr lang="en-GB" dirty="0"/>
+              <a:t>succeed, the entire organization must respect his or her decisions. </a:t>
+            </a:r>
+            <a:endParaRPr lang="en-GB" dirty="0" smtClean="0"/>
+          </a:p>
+          <a:p>
+            <a:pPr marL="68580" indent="-342900">
+              <a:buFont typeface="Arial" panose="020B0604020202020204" pitchFamily="34" charset="0"/>
+              <a:buChar char="•"/>
+            </a:pPr>
+            <a:r>
+              <a:rPr lang="en-GB" dirty="0"/>
+              <a:t>A product owner is </a:t>
+            </a:r>
+            <a:r>
+              <a:rPr lang="en-GB" b="1" dirty="0"/>
+              <a:t>not a project manager</a:t>
+            </a:r>
+            <a:r>
+              <a:rPr lang="en-GB" dirty="0"/>
+              <a:t>, do not manage the status of the program. </a:t>
+            </a:r>
+          </a:p>
+          <a:p>
             <a:r>
               <a:rPr lang="en-GB" dirty="0" smtClean="0"/>
               <a:t>.</a:t>
-            </a:r>
-            <a:endParaRPr lang="en-GB" dirty="0"/>
-          </a:p>
-          <a:p>
-            <a:r>
-              <a:rPr lang="en-GB" dirty="0"/>
-              <a:t>Duration: 60 minutes</a:t>
-            </a:r>
-            <a:r>
-              <a:rPr lang="en-GB" dirty="0" smtClean="0"/>
-              <a:t>.</a:t>
-            </a:r>
-            <a:endParaRPr lang="en-GB" dirty="0"/>
-          </a:p>
-          <a:p>
-            <a:r>
-              <a:rPr lang="en-GB" dirty="0" smtClean="0"/>
-              <a:t>Purpose</a:t>
-            </a:r>
-            <a:r>
-              <a:rPr lang="en-GB" dirty="0"/>
-              <a:t>: Agile is about getting rapid feedback to make the product and development culture better. Retrospectives help the team understand what worked well–and what didn't</a:t>
-            </a:r>
-            <a:r>
-              <a:rPr lang="en-GB" dirty="0" smtClean="0"/>
-              <a:t>.</a:t>
-            </a:r>
-            <a:endParaRPr lang="en-GB" dirty="0"/>
-          </a:p>
-          <a:p>
-            <a:r>
-              <a:rPr lang="en-GB" dirty="0"/>
-              <a:t>Retrospectives aren't just a time for complaints without action. Use retrospectives to find out what's working so the team can continue to focus on those areas. Also, find out what's not working and use the time to find creative solutions and develop an action plan. Continuous improvement is what sustains and drives development within an agile team, and retrospectives are a key part of that. </a:t>
             </a:r>
             <a:endParaRPr lang="en-US" dirty="0"/>
           </a:p>
@@ -16503,13 +17192,20 @@
     </p:spTree>
     <p:extLst>
       <p:ext uri="{BB962C8B-B14F-4D97-AF65-F5344CB8AC3E}">
-        <p14:creationId xmlns:p14="http://schemas.microsoft.com/office/powerpoint/2010/main" val="3429230085"/>
+        <p14:creationId xmlns:p14="http://schemas.microsoft.com/office/powerpoint/2010/main" val="3312217783"/>
       </p:ext>
     </p:extLst>
   </p:cSld>
   <p:clrMapOvr>
     <a:masterClrMapping/>
   </p:clrMapOvr>
+  <p:timing>
+    <p:tnLst>
+      <p:par>
+        <p:cTn id="1" dur="indefinite" restart="never" nodeType="tmRoot"/>
+      </p:par>
+    </p:tnLst>
+  </p:timing>
 </p:sld>
 </file>
 
@@ -16530,47 +17226,6 @@
           <a:chExt cx="0" cy="0"/>
         </a:xfrm>
       </p:grpSpPr>
-      <p:pic>
-        <p:nvPicPr>
-          <p:cNvPr id="3074" name="Picture 2" descr="agile burndown chart"/>
-          <p:cNvPicPr>
-            <a:picLocks noChangeAspect="1" noChangeArrowheads="1"/>
-          </p:cNvPicPr>
-          <p:nvPr/>
-        </p:nvPicPr>
-        <p:blipFill>
-          <a:blip r:embed="rId2">
-            <a:extLst>
-              <a:ext uri="{28A0092B-C50C-407E-A947-70E740481C1C}">
-                <a14:useLocalDpi xmlns:a14="http://schemas.microsoft.com/office/drawing/2010/main" val="0"/>
-              </a:ext>
-            </a:extLst>
-          </a:blip>
-          <a:srcRect/>
-          <a:stretch>
-            <a:fillRect/>
-          </a:stretch>
-        </p:blipFill>
-        <p:spPr bwMode="auto">
-          <a:xfrm>
-            <a:off x="5666704" y="2243337"/>
-            <a:ext cx="6071676" cy="4250174"/>
-          </a:xfrm>
-          <a:prstGeom prst="rect">
-            <a:avLst/>
-          </a:prstGeom>
-          <a:noFill/>
-          <a:extLst>
-            <a:ext uri="{909E8E84-426E-40DD-AFC4-6F175D3DCCD1}">
-              <a14:hiddenFill xmlns:a14="http://schemas.microsoft.com/office/drawing/2010/main">
-                <a:solidFill>
-                  <a:srgbClr val="FFFFFF"/>
-                </a:solidFill>
-              </a14:hiddenFill>
-            </a:ext>
-          </a:extLst>
-        </p:spPr>
-      </p:pic>
       <p:sp>
         <p:nvSpPr>
           <p:cNvPr id="2" name="Title 1"/>
@@ -16587,13 +17242,14 @@
           <a:lstStyle/>
           <a:p>
             <a:r>
-              <a:rPr lang="en-US" dirty="0" err="1"/>
-              <a:t>Burndown</a:t>
-            </a:r>
-            <a:r>
               <a:rPr lang="en-US" dirty="0"/>
-              <a:t> Charts</a:t>
-            </a:r>
+              <a:t>The </a:t>
+            </a:r>
+            <a:r>
+              <a:rPr lang="en-US" dirty="0" err="1" smtClean="0"/>
+              <a:t>ScrumMaster</a:t>
+            </a:r>
+            <a:endParaRPr lang="en-US" dirty="0"/>
           </a:p>
         </p:txBody>
       </p:sp>
@@ -16607,85 +17263,32 @@
             <p:ph sz="quarter" idx="15"/>
           </p:nvPr>
         </p:nvSpPr>
-        <p:spPr/>
+        <p:spPr>
+          <a:xfrm>
+            <a:off x="955899" y="1600200"/>
+            <a:ext cx="10769600" cy="4419600"/>
+          </a:xfrm>
+        </p:spPr>
         <p:txBody>
           <a:bodyPr/>
           <a:lstStyle/>
           <a:p>
-            <a:r>
-              <a:rPr lang="en-GB" dirty="0" smtClean="0"/>
-              <a:t>A </a:t>
-            </a:r>
-            <a:r>
-              <a:rPr lang="en-GB" dirty="0"/>
-              <a:t>chart that shows how quickly </a:t>
-            </a:r>
-            <a:r>
-              <a:rPr lang="en-GB" dirty="0" smtClean="0"/>
-              <a:t>the team is </a:t>
-            </a:r>
-            <a:r>
-              <a:rPr lang="en-GB" dirty="0"/>
-              <a:t>burning through </a:t>
-            </a:r>
-            <a:r>
-              <a:rPr lang="en-GB" dirty="0" smtClean="0"/>
-              <a:t>the </a:t>
-            </a:r>
-            <a:r>
-              <a:rPr lang="en-GB" dirty="0"/>
-              <a:t>customer's user stories. </a:t>
-            </a:r>
-            <a:endParaRPr lang="en-GB" dirty="0" smtClean="0"/>
-          </a:p>
-          <a:p>
-            <a:r>
-              <a:rPr lang="en-GB" dirty="0"/>
-              <a:t>S</a:t>
-            </a:r>
-            <a:r>
-              <a:rPr lang="en-GB" dirty="0" smtClean="0"/>
-              <a:t>hows </a:t>
-            </a:r>
-            <a:r>
-              <a:rPr lang="en-GB" dirty="0"/>
-              <a:t>the total effort against the amount of work </a:t>
-            </a:r>
-            <a:r>
-              <a:rPr lang="en-GB" dirty="0" smtClean="0"/>
-              <a:t>delivered in </a:t>
-            </a:r>
-            <a:r>
-              <a:rPr lang="en-GB" dirty="0"/>
-              <a:t>each iteration. </a:t>
-            </a:r>
-            <a:endParaRPr lang="en-GB" dirty="0" smtClean="0"/>
-          </a:p>
-          <a:p>
-            <a:pPr marL="617220" lvl="2" indent="-342900">
+            <a:pPr marL="68580" indent="-342900">
               <a:buFont typeface="Arial" panose="020B0604020202020204" pitchFamily="34" charset="0"/>
               <a:buChar char="•"/>
             </a:pPr>
             <a:r>
               <a:rPr lang="en-GB" dirty="0" smtClean="0"/>
-              <a:t>The </a:t>
+              <a:t>Acts </a:t>
             </a:r>
             <a:r>
               <a:rPr lang="en-GB" dirty="0"/>
-              <a:t>total effort </a:t>
-            </a:r>
-            <a:r>
-              <a:rPr lang="en-GB" dirty="0" smtClean="0"/>
-              <a:t>is on </a:t>
-            </a:r>
-            <a:r>
-              <a:rPr lang="en-GB" dirty="0"/>
-              <a:t>the left, </a:t>
+              <a:t>as a facilitator for the Product Owner and the team. </a:t>
             </a:r>
             <a:endParaRPr lang="en-GB" dirty="0" smtClean="0"/>
           </a:p>
           <a:p>
-            <a:pPr marL="617220" lvl="2" indent="-342900">
+            <a:pPr marL="342900" lvl="1" indent="-342900">
               <a:buFont typeface="Arial" panose="020B0604020202020204" pitchFamily="34" charset="0"/>
               <a:buChar char="•"/>
             </a:pPr>
@@ -16694,76 +17297,171 @@
               <a:t>The </a:t>
             </a:r>
             <a:r>
+              <a:rPr lang="en-US" dirty="0" err="1"/>
+              <a:t>ScrumMaster</a:t>
+            </a:r>
+            <a:r>
+              <a:rPr lang="en-GB" dirty="0" smtClean="0"/>
+              <a:t> </a:t>
+            </a:r>
+            <a:r>
               <a:rPr lang="en-GB" dirty="0"/>
-              <a:t>team velocity on the right. </a:t>
+              <a:t>does not manage the </a:t>
+            </a:r>
+            <a:r>
+              <a:rPr lang="en-GB" dirty="0" smtClean="0"/>
+              <a:t>team,</a:t>
+            </a:r>
+            <a:r>
+              <a:rPr lang="en-GB" dirty="0" smtClean="0"/>
+              <a:t> but </a:t>
+            </a:r>
+            <a:r>
+              <a:rPr lang="en-US" dirty="0"/>
+              <a:t>schedules meetings, runs the daily standups</a:t>
             </a:r>
             <a:endParaRPr lang="en-GB" dirty="0" smtClean="0"/>
           </a:p>
           <a:p>
-            <a:r>
-              <a:rPr lang="en-GB" dirty="0" smtClean="0"/>
-              <a:t>Other information from this </a:t>
-            </a:r>
-            <a:r>
-              <a:rPr lang="en-GB" dirty="0"/>
-              <a:t>simple </a:t>
-            </a:r>
-            <a:r>
-              <a:rPr lang="en-GB" dirty="0" smtClean="0"/>
-              <a:t>graph,</a:t>
-            </a:r>
-            <a:endParaRPr lang="en-GB" dirty="0"/>
-          </a:p>
-          <a:p>
-            <a:pPr marL="617220" lvl="2" indent="-342900">
+            <a:pPr marL="68580" indent="-342900">
               <a:buFont typeface="Arial" panose="020B0604020202020204" pitchFamily="34" charset="0"/>
               <a:buChar char="•"/>
             </a:pPr>
             <a:r>
-              <a:rPr lang="en-GB" dirty="0" smtClean="0"/>
-              <a:t>Work </a:t>
+              <a:rPr lang="en-US" dirty="0" smtClean="0"/>
+              <a:t>The </a:t>
+            </a:r>
+            <a:r>
+              <a:rPr lang="en-US" dirty="0" err="1" smtClean="0"/>
+              <a:t>ScrumMaster</a:t>
+            </a:r>
+            <a:r>
+              <a:rPr lang="en-US" dirty="0" smtClean="0"/>
+              <a:t> </a:t>
+            </a:r>
+            <a:r>
+              <a:rPr lang="en-US" dirty="0"/>
+              <a:t>is responsible for</a:t>
+            </a:r>
+            <a:r>
+              <a:rPr lang="en-US" dirty="0" smtClean="0"/>
+              <a:t>:</a:t>
+            </a:r>
+            <a:endParaRPr lang="en-US" dirty="0"/>
+          </a:p>
+          <a:p>
+            <a:pPr lvl="2"/>
+            <a:r>
+              <a:rPr lang="en-US" dirty="0" smtClean="0"/>
+              <a:t>Helping </a:t>
+            </a:r>
+            <a:r>
+              <a:rPr lang="en-US" dirty="0"/>
+              <a:t>the team to </a:t>
+            </a:r>
+            <a:r>
+              <a:rPr lang="en-US" dirty="0" smtClean="0"/>
+              <a:t>reach an agreement; </a:t>
+            </a:r>
+          </a:p>
+          <a:p>
+            <a:pPr lvl="3"/>
+            <a:r>
+              <a:rPr lang="en-US" dirty="0" smtClean="0"/>
+              <a:t>for </a:t>
+            </a:r>
+            <a:r>
+              <a:rPr lang="en-US" dirty="0"/>
+              <a:t>what can be achieved during a specific period of time</a:t>
+            </a:r>
+            <a:r>
+              <a:rPr lang="en-US" dirty="0" smtClean="0"/>
+              <a:t>.</a:t>
+            </a:r>
+            <a:endParaRPr lang="en-US" dirty="0"/>
+          </a:p>
+          <a:p>
+            <a:pPr lvl="2"/>
+            <a:r>
+              <a:rPr lang="en-US" dirty="0" smtClean="0"/>
+              <a:t>Helping </a:t>
+            </a:r>
+            <a:r>
+              <a:rPr lang="en-US" dirty="0"/>
+              <a:t>the team to reach </a:t>
+            </a:r>
+            <a:r>
+              <a:rPr lang="en-US" dirty="0" smtClean="0"/>
+              <a:t>agreement </a:t>
+            </a:r>
+            <a:r>
+              <a:rPr lang="en-US" dirty="0"/>
+              <a:t>during the daily scrum.</a:t>
+            </a:r>
+          </a:p>
+          <a:p>
+            <a:pPr lvl="2"/>
+            <a:r>
+              <a:rPr lang="en-US" dirty="0" smtClean="0"/>
+              <a:t>Helping </a:t>
+            </a:r>
+            <a:r>
+              <a:rPr lang="en-US" dirty="0"/>
+              <a:t>the team to stay focused and follow the agreed-upon rules for daily </a:t>
+            </a:r>
+            <a:r>
+              <a:rPr lang="en-US" dirty="0" smtClean="0"/>
+              <a:t>scrums.</a:t>
+            </a:r>
+            <a:endParaRPr lang="en-US" dirty="0"/>
+          </a:p>
+          <a:p>
+            <a:pPr lvl="2"/>
+            <a:r>
+              <a:rPr lang="en-US" dirty="0" smtClean="0"/>
+              <a:t>Removing </a:t>
+            </a:r>
+            <a:r>
+              <a:rPr lang="en-US" dirty="0"/>
+              <a:t>obstacles that are </a:t>
             </a:r>
             <a:r>
               <a:rPr lang="en-GB" dirty="0"/>
-              <a:t>done each iteration</a:t>
-            </a:r>
-          </a:p>
-          <a:p>
-            <a:pPr marL="617220" lvl="2" indent="-342900">
-              <a:buFont typeface="Arial" panose="020B0604020202020204" pitchFamily="34" charset="0"/>
-              <a:buChar char="•"/>
-            </a:pPr>
-            <a:r>
-              <a:rPr lang="en-GB" dirty="0"/>
-              <a:t>Work remaining</a:t>
-            </a:r>
-          </a:p>
-          <a:p>
-            <a:pPr marL="617220" lvl="2" indent="-342900">
-              <a:buFont typeface="Arial" panose="020B0604020202020204" pitchFamily="34" charset="0"/>
-              <a:buChar char="•"/>
-            </a:pPr>
-            <a:r>
-              <a:rPr lang="en-GB" dirty="0"/>
-              <a:t>Work done so far</a:t>
-            </a:r>
-          </a:p>
-          <a:p>
-            <a:pPr marL="617220" lvl="2" indent="-342900">
-              <a:buFont typeface="Arial" panose="020B0604020202020204" pitchFamily="34" charset="0"/>
-              <a:buChar char="•"/>
-            </a:pPr>
-            <a:r>
-              <a:rPr lang="en-GB" dirty="0"/>
-              <a:t>When </a:t>
-            </a:r>
-            <a:r>
-              <a:rPr lang="en-GB" dirty="0" smtClean="0"/>
-              <a:t>it is expected </a:t>
-            </a:r>
-            <a:r>
-              <a:rPr lang="en-GB" dirty="0"/>
-              <a:t>to be done</a:t>
+              <a:t>obstructing</a:t>
+            </a:r>
+            <a:r>
+              <a:rPr lang="en-US" dirty="0" smtClean="0"/>
+              <a:t> </a:t>
+            </a:r>
+            <a:r>
+              <a:rPr lang="en-US" dirty="0"/>
+              <a:t>the team's progress.</a:t>
+            </a:r>
+          </a:p>
+          <a:p>
+            <a:pPr lvl="2"/>
+            <a:r>
+              <a:rPr lang="en-US" dirty="0" smtClean="0"/>
+              <a:t>Protecting </a:t>
+            </a:r>
+            <a:r>
+              <a:rPr lang="en-US" dirty="0"/>
+              <a:t>the team from outside distractions</a:t>
+            </a:r>
+            <a:r>
+              <a:rPr lang="en-US" dirty="0" smtClean="0"/>
+              <a:t>.</a:t>
+            </a:r>
+          </a:p>
+          <a:p>
+            <a:pPr lvl="2"/>
+            <a:r>
+              <a:rPr lang="en-US" dirty="0" smtClean="0"/>
+              <a:t>ensures </a:t>
+            </a:r>
+            <a:r>
+              <a:rPr lang="en-US" dirty="0"/>
+              <a:t>the entire team works as effectively as possible throughout each sprint. </a:t>
             </a:r>
             <a:endParaRPr lang="en-US" dirty="0"/>
           </a:p>
@@ -16772,13 +17470,20 @@
     </p:spTree>
     <p:extLst>
       <p:ext uri="{BB962C8B-B14F-4D97-AF65-F5344CB8AC3E}">
-        <p14:creationId xmlns:p14="http://schemas.microsoft.com/office/powerpoint/2010/main" val="3543273561"/>
+        <p14:creationId xmlns:p14="http://schemas.microsoft.com/office/powerpoint/2010/main" val="2215147689"/>
       </p:ext>
     </p:extLst>
   </p:cSld>
   <p:clrMapOvr>
     <a:masterClrMapping/>
   </p:clrMapOvr>
+  <p:timing>
+    <p:tnLst>
+      <p:par>
+        <p:cTn id="1" dur="indefinite" restart="never" nodeType="tmRoot"/>
+      </p:par>
+    </p:tnLst>
+  </p:timing>
 </p:sld>
 </file>
 
@@ -16815,78 +17520,165 @@
           <a:lstStyle/>
           <a:p>
             <a:r>
+              <a:rPr lang="en-US" dirty="0"/>
+              <a:t>The </a:t>
+            </a:r>
+            <a:r>
               <a:rPr lang="en-US" dirty="0" smtClean="0"/>
-              <a:t>More </a:t>
+              <a:t>Scrum Development Team – “we're </a:t>
             </a:r>
             <a:r>
               <a:rPr lang="en-US" dirty="0"/>
-              <a:t>realistic </a:t>
-            </a:r>
-            <a:r>
-              <a:rPr lang="en-US" dirty="0" err="1" smtClean="0"/>
-              <a:t>burndown</a:t>
+              <a:t>all in this </a:t>
             </a:r>
             <a:r>
               <a:rPr lang="en-US" dirty="0" smtClean="0"/>
-              <a:t> chart</a:t>
+              <a:t>together”</a:t>
             </a:r>
             <a:endParaRPr lang="en-US" dirty="0"/>
           </a:p>
         </p:txBody>
       </p:sp>
-      <p:pic>
-        <p:nvPicPr>
-          <p:cNvPr id="4098" name="Picture 2" descr="agile burndown chart"/>
-          <p:cNvPicPr>
-            <a:picLocks noGrp="1" noChangeAspect="1" noChangeArrowheads="1"/>
-          </p:cNvPicPr>
+      <p:sp>
+        <p:nvSpPr>
+          <p:cNvPr id="3" name="Content Placeholder 2"/>
+          <p:cNvSpPr>
+            <a:spLocks noGrp="1"/>
+          </p:cNvSpPr>
           <p:nvPr>
             <p:ph sz="quarter" idx="15"/>
           </p:nvPr>
-        </p:nvPicPr>
-        <p:blipFill>
-          <a:blip r:embed="rId2">
-            <a:extLst>
-              <a:ext uri="{28A0092B-C50C-407E-A947-70E740481C1C}">
-                <a14:useLocalDpi xmlns:a14="http://schemas.microsoft.com/office/drawing/2010/main" val="0"/>
-              </a:ext>
-            </a:extLst>
-          </a:blip>
-          <a:srcRect/>
-          <a:stretch>
-            <a:fillRect/>
-          </a:stretch>
-        </p:blipFill>
-        <p:spPr bwMode="auto">
-          <a:xfrm>
-            <a:off x="1931831" y="1523953"/>
-            <a:ext cx="7701566" cy="5334047"/>
-          </a:xfrm>
-          <a:prstGeom prst="rect">
-            <a:avLst/>
-          </a:prstGeom>
-          <a:noFill/>
-          <a:extLst>
-            <a:ext uri="{909E8E84-426E-40DD-AFC4-6F175D3DCCD1}">
-              <a14:hiddenFill xmlns:a14="http://schemas.microsoft.com/office/drawing/2010/main">
-                <a:solidFill>
-                  <a:srgbClr val="FFFFFF"/>
-                </a:solidFill>
-              </a14:hiddenFill>
-            </a:ext>
-          </a:extLst>
-        </p:spPr>
-      </p:pic>
+        </p:nvSpPr>
+        <p:spPr/>
+        <p:txBody>
+          <a:bodyPr/>
+          <a:lstStyle/>
+          <a:p>
+            <a:pPr lvl="1"/>
+            <a:r>
+              <a:rPr lang="en-US" dirty="0" smtClean="0"/>
+              <a:t>Team </a:t>
+            </a:r>
+            <a:r>
+              <a:rPr lang="en-US" dirty="0"/>
+              <a:t>is a collection of individuals working together to deliver the requested and committed product increments</a:t>
+            </a:r>
+            <a:r>
+              <a:rPr lang="en-US" dirty="0" smtClean="0"/>
+              <a:t>. (preferably 3-9)</a:t>
+            </a:r>
+          </a:p>
+          <a:p>
+            <a:pPr lvl="2"/>
+            <a:r>
+              <a:rPr lang="en-US" dirty="0"/>
+              <a:t>Optimal Development Team size is small enough to remain </a:t>
+            </a:r>
+            <a:r>
+              <a:rPr lang="en-US" dirty="0" smtClean="0"/>
+              <a:t>agile </a:t>
+            </a:r>
+            <a:r>
+              <a:rPr lang="en-US" dirty="0"/>
+              <a:t>and large enough to complete significant work within a Sprint.</a:t>
+            </a:r>
+            <a:endParaRPr lang="en-US" dirty="0" smtClean="0"/>
+          </a:p>
+          <a:p>
+            <a:pPr lvl="1"/>
+            <a:r>
+              <a:rPr lang="en-US" dirty="0" smtClean="0"/>
+              <a:t>Often </a:t>
+            </a:r>
+            <a:r>
+              <a:rPr lang="en-US" dirty="0"/>
+              <a:t>includes people with traditional software engineering titles such as programmer, designer, tester, or architect</a:t>
+            </a:r>
+            <a:r>
+              <a:rPr lang="en-US" dirty="0" smtClean="0"/>
+              <a:t>.</a:t>
+            </a:r>
+            <a:endParaRPr lang="en-US" dirty="0"/>
+          </a:p>
+          <a:p>
+            <a:pPr lvl="1"/>
+            <a:r>
+              <a:rPr lang="en-US" dirty="0" smtClean="0"/>
+              <a:t>To </a:t>
+            </a:r>
+            <a:r>
+              <a:rPr lang="en-US" dirty="0"/>
+              <a:t>work effectively it is important </a:t>
+            </a:r>
+            <a:r>
+              <a:rPr lang="en-US" dirty="0" smtClean="0"/>
+              <a:t>that </a:t>
+            </a:r>
+            <a:r>
+              <a:rPr lang="en-US" dirty="0"/>
+              <a:t>everyone within the team</a:t>
+            </a:r>
+          </a:p>
+          <a:p>
+            <a:pPr lvl="2"/>
+            <a:r>
+              <a:rPr lang="en-US" dirty="0"/>
+              <a:t>follows a common goal</a:t>
+            </a:r>
+          </a:p>
+          <a:p>
+            <a:pPr lvl="2"/>
+            <a:r>
+              <a:rPr lang="en-US" dirty="0"/>
+              <a:t>adheres the same norms and rules</a:t>
+            </a:r>
+          </a:p>
+          <a:p>
+            <a:pPr lvl="2"/>
+            <a:r>
+              <a:rPr lang="en-US" dirty="0"/>
+              <a:t>shows respect to each </a:t>
+            </a:r>
+            <a:r>
+              <a:rPr lang="en-US" dirty="0" smtClean="0"/>
+              <a:t>other</a:t>
+            </a:r>
+          </a:p>
+          <a:p>
+            <a:pPr lvl="1"/>
+            <a:r>
+              <a:rPr lang="en-US" dirty="0" smtClean="0"/>
+              <a:t>Everyone </a:t>
+            </a:r>
+            <a:r>
+              <a:rPr lang="en-US" dirty="0"/>
+              <a:t>on the project works together to complete the set of work they have collectively committed to complete within a sprint, regardless of their official title or preferred job tasks</a:t>
+            </a:r>
+            <a:r>
+              <a:rPr lang="en-US" dirty="0" smtClean="0"/>
+              <a:t>.</a:t>
+            </a:r>
+            <a:endParaRPr lang="en-US" dirty="0"/>
+          </a:p>
+        </p:txBody>
+      </p:sp>
     </p:spTree>
     <p:extLst>
       <p:ext uri="{BB962C8B-B14F-4D97-AF65-F5344CB8AC3E}">
-        <p14:creationId xmlns:p14="http://schemas.microsoft.com/office/powerpoint/2010/main" val="3079679786"/>
+        <p14:creationId xmlns:p14="http://schemas.microsoft.com/office/powerpoint/2010/main" val="1346264846"/>
       </p:ext>
     </p:extLst>
   </p:cSld>
   <p:clrMapOvr>
     <a:masterClrMapping/>
   </p:clrMapOvr>
+  <p:timing>
+    <p:tnLst>
+      <p:par>
+        <p:cTn id="1" dur="indefinite" restart="never" nodeType="tmRoot"/>
+      </p:par>
+    </p:tnLst>
+  </p:timing>
 </p:sld>
 </file>
 
@@ -16924,9 +17716,12 @@
           <a:p>
             <a:r>
               <a:rPr lang="en-US" dirty="0" smtClean="0"/>
-              <a:t>Reference/Further Readings</a:t>
-            </a:r>
-            <a:endParaRPr lang="en-US" dirty="0"/>
+              <a:t>Characteristics of Scrum Development </a:t>
+            </a:r>
+            <a:r>
+              <a:rPr lang="en-US" dirty="0"/>
+              <a:t>Teams</a:t>
+            </a:r>
           </a:p>
         </p:txBody>
       </p:sp>
@@ -16940,215 +17735,306 @@
             <p:ph sz="quarter" idx="15"/>
           </p:nvPr>
         </p:nvSpPr>
-        <p:spPr/>
+        <p:spPr>
+          <a:xfrm>
+            <a:off x="711200" y="1463040"/>
+            <a:ext cx="10769600" cy="4709160"/>
+          </a:xfrm>
+        </p:spPr>
         <p:txBody>
           <a:bodyPr/>
           <a:lstStyle/>
           <a:p>
-            <a:r>
-              <a:rPr lang="en-US" dirty="0">
-                <a:hlinkClick r:id="rId2"/>
-              </a:rPr>
-              <a:t>https://</a:t>
-            </a:r>
-            <a:r>
-              <a:rPr lang="en-US" dirty="0" smtClean="0">
-                <a:hlinkClick r:id="rId2"/>
-              </a:rPr>
-              <a:t>www.scrum.org/resources/what-is-scrum</a:t>
+            <a:pPr lvl="1"/>
+            <a:r>
+              <a:rPr lang="en-US" dirty="0"/>
+              <a:t>They are self-organizing. </a:t>
             </a:r>
             <a:endParaRPr lang="en-US" dirty="0" smtClean="0"/>
           </a:p>
           <a:p>
-            <a:r>
-              <a:rPr lang="en-US" dirty="0">
-                <a:hlinkClick r:id="rId3"/>
-              </a:rPr>
-              <a:t>http://agilemanifesto.org</a:t>
-            </a:r>
-            <a:r>
-              <a:rPr lang="en-US" dirty="0" smtClean="0">
-                <a:hlinkClick r:id="rId3"/>
-              </a:rPr>
-              <a:t>/</a:t>
+            <a:pPr lvl="2"/>
+            <a:r>
+              <a:rPr lang="en-US" dirty="0" smtClean="0"/>
+              <a:t>No </a:t>
+            </a:r>
+            <a:r>
+              <a:rPr lang="en-US" dirty="0"/>
+              <a:t>one (not even the Scrum Master) tells the Development Team how to turn Product Backlog into Increments of potentially releasable functionality;</a:t>
+            </a:r>
+          </a:p>
+          <a:p>
+            <a:pPr lvl="1"/>
+            <a:r>
+              <a:rPr lang="en-US" dirty="0"/>
+              <a:t>Development Teams are cross-functional, </a:t>
             </a:r>
             <a:endParaRPr lang="en-US" dirty="0" smtClean="0"/>
           </a:p>
           <a:p>
-            <a:r>
-              <a:rPr lang="en-US" dirty="0">
-                <a:hlinkClick r:id="rId4"/>
-              </a:rPr>
-              <a:t>https://www.cprime.com/resources/what-is-agile-what-is-scrum</a:t>
-            </a:r>
-            <a:r>
-              <a:rPr lang="en-US" dirty="0" smtClean="0">
-                <a:hlinkClick r:id="rId4"/>
-              </a:rPr>
-              <a:t>/</a:t>
+            <a:pPr lvl="2"/>
+            <a:r>
+              <a:rPr lang="en-US" dirty="0" smtClean="0"/>
+              <a:t>with </a:t>
+            </a:r>
+            <a:r>
+              <a:rPr lang="en-US" dirty="0"/>
+              <a:t>all the skills as a team necessary to create a product Increment;</a:t>
+            </a:r>
+          </a:p>
+          <a:p>
+            <a:pPr lvl="1"/>
+            <a:r>
+              <a:rPr lang="en-US" dirty="0"/>
+              <a:t>Scrum recognizes no titles for Development Team members, </a:t>
             </a:r>
             <a:endParaRPr lang="en-US" dirty="0" smtClean="0"/>
           </a:p>
           <a:p>
-            <a:r>
-              <a:rPr lang="en-US" dirty="0">
-                <a:hlinkClick r:id="rId5"/>
-              </a:rPr>
-              <a:t>http://</a:t>
-            </a:r>
-            <a:r>
-              <a:rPr lang="en-US" dirty="0" smtClean="0">
-                <a:hlinkClick r:id="rId5"/>
-              </a:rPr>
-              <a:t>www.mountaingoatsoftware.com/agile/scrum</a:t>
+            <a:pPr lvl="2"/>
+            <a:r>
+              <a:rPr lang="en-US" dirty="0" smtClean="0"/>
+              <a:t>regardless </a:t>
+            </a:r>
+            <a:r>
+              <a:rPr lang="en-US" dirty="0"/>
+              <a:t>of the work being performed by the person; </a:t>
+            </a:r>
+          </a:p>
+          <a:p>
+            <a:pPr lvl="1"/>
+            <a:r>
+              <a:rPr lang="en-US" dirty="0"/>
+              <a:t>Scrum recognizes no sub-teams in the Development Team, </a:t>
             </a:r>
             <a:endParaRPr lang="en-US" dirty="0" smtClean="0"/>
           </a:p>
           <a:p>
-            <a:r>
-              <a:rPr lang="en-US" dirty="0">
-                <a:hlinkClick r:id="rId6"/>
-              </a:rPr>
-              <a:t>https://www.cprime.com/2015/03/5-tips-to-manage-scrum-processes-in-the-real-world</a:t>
-            </a:r>
-            <a:r>
-              <a:rPr lang="en-US" dirty="0" smtClean="0">
-                <a:hlinkClick r:id="rId6"/>
-              </a:rPr>
-              <a:t>/</a:t>
-            </a:r>
-            <a:endParaRPr lang="en-US" dirty="0" smtClean="0"/>
-          </a:p>
-          <a:p>
-            <a:r>
-              <a:rPr lang="en-US" dirty="0">
-                <a:hlinkClick r:id="rId7"/>
-              </a:rPr>
-              <a:t>https://</a:t>
-            </a:r>
-            <a:r>
-              <a:rPr lang="en-US" dirty="0" smtClean="0">
-                <a:hlinkClick r:id="rId7"/>
-              </a:rPr>
-              <a:t>www.scrumguides.org/docs/scrumguide/v2017/2017-Scrum-Guide-US.pdf#zoom=100</a:t>
-            </a:r>
-            <a:endParaRPr lang="en-US" dirty="0" smtClean="0"/>
-          </a:p>
-          <a:p>
-            <a:r>
-              <a:rPr lang="en-US" dirty="0">
-                <a:hlinkClick r:id="rId8"/>
-              </a:rPr>
-              <a:t>https://</a:t>
-            </a:r>
-            <a:r>
-              <a:rPr lang="en-US" dirty="0" smtClean="0">
-                <a:hlinkClick r:id="rId8"/>
-              </a:rPr>
-              <a:t>www.atlassian.com/agile/scrum</a:t>
-            </a:r>
+            <a:pPr lvl="2"/>
             <a:r>
               <a:rPr lang="en-US" dirty="0" smtClean="0"/>
-              <a:t> </a:t>
-            </a:r>
-          </a:p>
-          <a:p>
-            <a:r>
-              <a:rPr lang="en-US" dirty="0">
-                <a:hlinkClick r:id="rId9"/>
-              </a:rPr>
-              <a:t>http://</a:t>
-            </a:r>
-            <a:r>
-              <a:rPr lang="en-US" dirty="0" smtClean="0">
-                <a:hlinkClick r:id="rId9"/>
-              </a:rPr>
-              <a:t>www.agilenutshell.com/what_is_agile</a:t>
-            </a:r>
-            <a:r>
-              <a:rPr lang="en-US" dirty="0" smtClean="0"/>
-              <a:t> </a:t>
-            </a:r>
-            <a:endParaRPr lang="en-US" dirty="0"/>
-          </a:p>
-          <a:p>
-            <a:r>
-              <a:rPr lang="en-US" dirty="0" smtClean="0"/>
-              <a:t>User Stories:- </a:t>
-            </a:r>
-            <a:r>
-              <a:rPr lang="en-US" dirty="0" smtClean="0">
-                <a:hlinkClick r:id="rId10"/>
-              </a:rPr>
-              <a:t>https</a:t>
-            </a:r>
-            <a:r>
-              <a:rPr lang="en-US" dirty="0">
-                <a:hlinkClick r:id="rId10"/>
-              </a:rPr>
-              <a:t>://</a:t>
-            </a:r>
-            <a:r>
-              <a:rPr lang="en-US" dirty="0" smtClean="0">
-                <a:hlinkClick r:id="rId10"/>
-              </a:rPr>
-              <a:t>www.youtube.com/watch?v=LvRVnFmLpSA</a:t>
-            </a:r>
-            <a:endParaRPr lang="en-US" dirty="0" smtClean="0"/>
-          </a:p>
-          <a:p>
+              <a:t>regardless </a:t>
+            </a:r>
             <a:r>
               <a:rPr lang="en-US" dirty="0"/>
-              <a:t>Estimation :- </a:t>
-            </a:r>
-            <a:r>
-              <a:rPr lang="en-US" dirty="0">
-                <a:hlinkClick r:id="rId11"/>
-              </a:rPr>
-              <a:t>https://</a:t>
-            </a:r>
-            <a:r>
-              <a:rPr lang="en-US" dirty="0" smtClean="0">
-                <a:hlinkClick r:id="rId11"/>
-              </a:rPr>
-              <a:t>www.youtube.com/watch?v=sCCUEtjCpCs</a:t>
-            </a:r>
-            <a:r>
-              <a:rPr lang="en-US" dirty="0" smtClean="0"/>
-              <a:t> </a:t>
-            </a:r>
-          </a:p>
-          <a:p>
-            <a:r>
-              <a:rPr lang="en-US" dirty="0">
-                <a:hlinkClick r:id="rId12"/>
-              </a:rPr>
-              <a:t>http://</a:t>
-            </a:r>
-            <a:r>
-              <a:rPr lang="en-US" dirty="0" smtClean="0">
-                <a:hlinkClick r:id="rId12"/>
-              </a:rPr>
-              <a:t>www.agilenutshell.com</a:t>
-            </a:r>
-            <a:r>
-              <a:rPr lang="en-US" dirty="0" smtClean="0"/>
-              <a:t> </a:t>
-            </a:r>
-            <a:endParaRPr lang="en-US" dirty="0" smtClean="0"/>
-          </a:p>
-          <a:p>
-            <a:endParaRPr lang="en-US" dirty="0" smtClean="0"/>
-          </a:p>
-          <a:p>
-            <a:endParaRPr lang="en-US" dirty="0"/>
+              <a:t>of domains that need to be addressed like testing, architecture, operations or business analysis; </a:t>
+            </a:r>
+          </a:p>
+          <a:p>
+            <a:pPr lvl="1"/>
+            <a:r>
+              <a:rPr lang="en-US" dirty="0"/>
+              <a:t>Individual Development Team members may have specialized skills and areas of focus, but accountability belongs to the Development Team as a whole.</a:t>
+            </a:r>
           </a:p>
         </p:txBody>
       </p:sp>
     </p:spTree>
     <p:extLst>
       <p:ext uri="{BB962C8B-B14F-4D97-AF65-F5344CB8AC3E}">
-        <p14:creationId xmlns:p14="http://schemas.microsoft.com/office/powerpoint/2010/main" val="1062825042"/>
+        <p14:creationId xmlns:p14="http://schemas.microsoft.com/office/powerpoint/2010/main" val="4183981707"/>
+      </p:ext>
+    </p:extLst>
+  </p:cSld>
+  <p:clrMapOvr>
+    <a:masterClrMapping/>
+  </p:clrMapOvr>
+  <p:timing>
+    <p:tnLst>
+      <p:par>
+        <p:cTn id="1" dur="indefinite" restart="never" nodeType="tmRoot"/>
+      </p:par>
+    </p:tnLst>
+  </p:timing>
+</p:sld>
+</file>
+
+<file path=ppt/slides/slide19.xml><?xml version="1.0" encoding="utf-8"?>
+<p:sld xmlns:a="http://schemas.openxmlformats.org/drawingml/2006/main" xmlns:r="http://schemas.openxmlformats.org/officeDocument/2006/relationships" xmlns:p="http://schemas.openxmlformats.org/presentationml/2006/main">
+  <p:cSld>
+    <p:spTree>
+      <p:nvGrpSpPr>
+        <p:cNvPr id="1" name=""/>
+        <p:cNvGrpSpPr/>
+        <p:nvPr/>
+      </p:nvGrpSpPr>
+      <p:grpSpPr>
+        <a:xfrm>
+          <a:off x="0" y="0"/>
+          <a:ext cx="0" cy="0"/>
+          <a:chOff x="0" y="0"/>
+          <a:chExt cx="0" cy="0"/>
+        </a:xfrm>
+      </p:grpSpPr>
+      <p:sp>
+        <p:nvSpPr>
+          <p:cNvPr id="2" name="Title 1"/>
+          <p:cNvSpPr>
+            <a:spLocks noGrp="1"/>
+          </p:cNvSpPr>
+          <p:nvPr>
+            <p:ph type="title"/>
+          </p:nvPr>
+        </p:nvSpPr>
+        <p:spPr/>
+        <p:txBody>
+          <a:bodyPr/>
+          <a:lstStyle/>
+          <a:p>
+            <a:r>
+              <a:rPr lang="en-US" dirty="0" smtClean="0"/>
+              <a:t>Four ceremonies of Scrum</a:t>
+            </a:r>
+            <a:endParaRPr lang="en-US" dirty="0"/>
+          </a:p>
+        </p:txBody>
+      </p:sp>
+      <p:sp>
+        <p:nvSpPr>
+          <p:cNvPr id="3" name="Content Placeholder 2"/>
+          <p:cNvSpPr>
+            <a:spLocks noGrp="1"/>
+          </p:cNvSpPr>
+          <p:nvPr>
+            <p:ph sz="quarter" idx="15"/>
+          </p:nvPr>
+        </p:nvSpPr>
+        <p:spPr>
+          <a:xfrm>
+            <a:off x="711200" y="1600200"/>
+            <a:ext cx="10769600" cy="4826358"/>
+          </a:xfrm>
+        </p:spPr>
+        <p:txBody>
+          <a:bodyPr/>
+          <a:lstStyle/>
+          <a:p>
+            <a:pPr marL="68580" indent="-342900">
+              <a:buFont typeface="Arial" panose="020B0604020202020204" pitchFamily="34" charset="0"/>
+              <a:buChar char="•"/>
+            </a:pPr>
+            <a:r>
+              <a:rPr lang="en-GB" sz="2400" b="1" dirty="0"/>
+              <a:t>Sprint planning</a:t>
+            </a:r>
+            <a:r>
+              <a:rPr lang="en-GB" sz="2400" dirty="0"/>
+              <a:t>: </a:t>
+            </a:r>
+            <a:endParaRPr lang="en-GB" sz="2400" dirty="0" smtClean="0"/>
+          </a:p>
+          <a:p>
+            <a:pPr marL="617220" lvl="2" indent="-342900">
+              <a:buFont typeface="Arial" panose="020B0604020202020204" pitchFamily="34" charset="0"/>
+              <a:buChar char="•"/>
+            </a:pPr>
+            <a:r>
+              <a:rPr lang="en-GB" dirty="0" smtClean="0"/>
+              <a:t>A </a:t>
+            </a:r>
+            <a:r>
+              <a:rPr lang="en-GB" dirty="0"/>
+              <a:t>team planning meeting that determines what to complete in the coming sprint.</a:t>
+            </a:r>
+          </a:p>
+          <a:p>
+            <a:pPr marL="68580" indent="-342900">
+              <a:buFont typeface="Arial" panose="020B0604020202020204" pitchFamily="34" charset="0"/>
+              <a:buChar char="•"/>
+            </a:pPr>
+            <a:r>
+              <a:rPr lang="en-GB" sz="2400" b="1" dirty="0"/>
+              <a:t>Daily stand-up</a:t>
+            </a:r>
+            <a:r>
+              <a:rPr lang="en-GB" sz="2400" dirty="0"/>
+              <a:t>: </a:t>
+            </a:r>
+            <a:endParaRPr lang="en-GB" sz="2400" dirty="0" smtClean="0"/>
+          </a:p>
+          <a:p>
+            <a:pPr marL="617220" lvl="2" indent="-342900">
+              <a:buFont typeface="Arial" panose="020B0604020202020204" pitchFamily="34" charset="0"/>
+              <a:buChar char="•"/>
+            </a:pPr>
+            <a:r>
+              <a:rPr lang="en-GB" dirty="0" smtClean="0"/>
+              <a:t>Also </a:t>
+            </a:r>
+            <a:r>
+              <a:rPr lang="en-GB" dirty="0"/>
+              <a:t>known as a daily scrum, a 15-minute mini-meeting for the software team to sync</a:t>
+            </a:r>
+            <a:r>
+              <a:rPr lang="en-GB" sz="2400" dirty="0"/>
+              <a:t>.</a:t>
+            </a:r>
+          </a:p>
+          <a:p>
+            <a:pPr marL="68580" indent="-342900">
+              <a:buFont typeface="Arial" panose="020B0604020202020204" pitchFamily="34" charset="0"/>
+              <a:buChar char="•"/>
+            </a:pPr>
+            <a:r>
+              <a:rPr lang="en-GB" sz="2400" b="1" dirty="0"/>
+              <a:t>Sprint demo</a:t>
+            </a:r>
+            <a:r>
+              <a:rPr lang="en-GB" sz="2400" dirty="0"/>
+              <a:t>: </a:t>
+            </a:r>
+            <a:endParaRPr lang="en-GB" sz="2400" dirty="0" smtClean="0"/>
+          </a:p>
+          <a:p>
+            <a:pPr marL="617220" lvl="2" indent="-342900">
+              <a:buFont typeface="Arial" panose="020B0604020202020204" pitchFamily="34" charset="0"/>
+              <a:buChar char="•"/>
+            </a:pPr>
+            <a:r>
+              <a:rPr lang="en-GB" dirty="0" smtClean="0"/>
+              <a:t>A </a:t>
+            </a:r>
+            <a:r>
+              <a:rPr lang="en-GB" dirty="0"/>
+              <a:t>sharing meeting where the team shows what they've shipped in that sprint.</a:t>
+            </a:r>
+          </a:p>
+          <a:p>
+            <a:pPr marL="68580" indent="-342900">
+              <a:buFont typeface="Arial" panose="020B0604020202020204" pitchFamily="34" charset="0"/>
+              <a:buChar char="•"/>
+            </a:pPr>
+            <a:r>
+              <a:rPr lang="en-GB" sz="2400" b="1" dirty="0"/>
+              <a:t>Sprint retrospective</a:t>
+            </a:r>
+            <a:r>
+              <a:rPr lang="en-GB" sz="2400" dirty="0"/>
+              <a:t>: </a:t>
+            </a:r>
+            <a:endParaRPr lang="en-GB" sz="2400" dirty="0" smtClean="0"/>
+          </a:p>
+          <a:p>
+            <a:pPr marL="617220" lvl="2" indent="-342900">
+              <a:buFont typeface="Arial" panose="020B0604020202020204" pitchFamily="34" charset="0"/>
+              <a:buChar char="•"/>
+            </a:pPr>
+            <a:r>
+              <a:rPr lang="en-GB" dirty="0" smtClean="0"/>
+              <a:t>A </a:t>
+            </a:r>
+            <a:r>
+              <a:rPr lang="en-GB" dirty="0"/>
+              <a:t>review of what did and didn't go well with actions to make the next sprint better.</a:t>
+            </a:r>
+            <a:endParaRPr lang="en-US" dirty="0"/>
+          </a:p>
+        </p:txBody>
+      </p:sp>
+    </p:spTree>
+    <p:extLst>
+      <p:ext uri="{BB962C8B-B14F-4D97-AF65-F5344CB8AC3E}">
+        <p14:creationId xmlns:p14="http://schemas.microsoft.com/office/powerpoint/2010/main" val="1965984833"/>
       </p:ext>
     </p:extLst>
   </p:cSld>
@@ -17238,7 +18124,7 @@
             <a:endParaRPr lang="en-GB" dirty="0" smtClean="0"/>
           </a:p>
           <a:p>
-            <a:pPr marL="182880" indent="-457200">
+            <a:pPr marL="514350" indent="-514350">
               <a:buFont typeface="+mj-lt"/>
               <a:buAutoNum type="arabicPeriod"/>
             </a:pPr>
@@ -17248,7 +18134,7 @@
             </a:r>
           </a:p>
           <a:p>
-            <a:pPr marL="182880" indent="-457200">
+            <a:pPr marL="514350" indent="-514350">
               <a:buFont typeface="+mj-lt"/>
               <a:buAutoNum type="arabicPeriod"/>
             </a:pPr>
@@ -17258,7 +18144,7 @@
             </a:r>
           </a:p>
           <a:p>
-            <a:pPr marL="182880" indent="-457200">
+            <a:pPr marL="514350" indent="-514350">
               <a:buFont typeface="+mj-lt"/>
               <a:buAutoNum type="arabicPeriod"/>
             </a:pPr>
@@ -17282,6 +18168,2097 @@
   <p:clrMapOvr>
     <a:masterClrMapping/>
   </p:clrMapOvr>
+  <p:timing>
+    <p:tnLst>
+      <p:par>
+        <p:cTn id="1" dur="indefinite" restart="never" nodeType="tmRoot"/>
+      </p:par>
+    </p:tnLst>
+  </p:timing>
+</p:sld>
+</file>
+
+<file path=ppt/slides/slide20.xml><?xml version="1.0" encoding="utf-8"?>
+<p:sld xmlns:a="http://schemas.openxmlformats.org/drawingml/2006/main" xmlns:r="http://schemas.openxmlformats.org/officeDocument/2006/relationships" xmlns:p="http://schemas.openxmlformats.org/presentationml/2006/main">
+  <p:cSld>
+    <p:spTree>
+      <p:nvGrpSpPr>
+        <p:cNvPr id="1" name=""/>
+        <p:cNvGrpSpPr/>
+        <p:nvPr/>
+      </p:nvGrpSpPr>
+      <p:grpSpPr>
+        <a:xfrm>
+          <a:off x="0" y="0"/>
+          <a:ext cx="0" cy="0"/>
+          <a:chOff x="0" y="0"/>
+          <a:chExt cx="0" cy="0"/>
+        </a:xfrm>
+      </p:grpSpPr>
+      <p:sp>
+        <p:nvSpPr>
+          <p:cNvPr id="2" name="Title 1"/>
+          <p:cNvSpPr>
+            <a:spLocks noGrp="1"/>
+          </p:cNvSpPr>
+          <p:nvPr>
+            <p:ph type="title"/>
+          </p:nvPr>
+        </p:nvSpPr>
+        <p:spPr/>
+        <p:txBody>
+          <a:bodyPr/>
+          <a:lstStyle/>
+          <a:p>
+            <a:r>
+              <a:rPr lang="en-US" dirty="0"/>
+              <a:t>Sprint Planning</a:t>
+            </a:r>
+          </a:p>
+        </p:txBody>
+      </p:sp>
+      <p:sp>
+        <p:nvSpPr>
+          <p:cNvPr id="3" name="Content Placeholder 2"/>
+          <p:cNvSpPr>
+            <a:spLocks noGrp="1"/>
+          </p:cNvSpPr>
+          <p:nvPr>
+            <p:ph sz="quarter" idx="15"/>
+          </p:nvPr>
+        </p:nvSpPr>
+        <p:spPr>
+          <a:xfrm>
+            <a:off x="711200" y="1275007"/>
+            <a:ext cx="10769600" cy="5039731"/>
+          </a:xfrm>
+        </p:spPr>
+        <p:txBody>
+          <a:bodyPr/>
+          <a:lstStyle/>
+          <a:p>
+            <a:pPr marL="342900" indent="-342900">
+              <a:buFont typeface="Arial" panose="020B0604020202020204" pitchFamily="34" charset="0"/>
+              <a:buChar char="•"/>
+            </a:pPr>
+            <a:r>
+              <a:rPr lang="en-GB" sz="2400" b="1" i="1" dirty="0"/>
+              <a:t>Attendees: </a:t>
+            </a:r>
+            <a:r>
+              <a:rPr lang="en-GB" sz="2400" dirty="0"/>
+              <a:t>development team, scrum master, product </a:t>
+            </a:r>
+            <a:r>
+              <a:rPr lang="en-GB" sz="2400" dirty="0" smtClean="0"/>
+              <a:t>owner</a:t>
+            </a:r>
+            <a:endParaRPr lang="en-GB" sz="2400" dirty="0"/>
+          </a:p>
+          <a:p>
+            <a:pPr marL="342900" indent="-342900">
+              <a:buFont typeface="Arial" panose="020B0604020202020204" pitchFamily="34" charset="0"/>
+              <a:buChar char="•"/>
+            </a:pPr>
+            <a:r>
+              <a:rPr lang="en-GB" sz="2400" b="1" i="1" dirty="0"/>
+              <a:t>When: </a:t>
+            </a:r>
+            <a:r>
+              <a:rPr lang="en-GB" sz="2400" dirty="0"/>
+              <a:t>At the beginning of a sprint</a:t>
+            </a:r>
+            <a:r>
+              <a:rPr lang="en-GB" sz="2400" dirty="0" smtClean="0"/>
+              <a:t>.</a:t>
+            </a:r>
+            <a:endParaRPr lang="en-GB" sz="2400" dirty="0"/>
+          </a:p>
+          <a:p>
+            <a:pPr marL="342900" indent="-342900">
+              <a:buFont typeface="Arial" panose="020B0604020202020204" pitchFamily="34" charset="0"/>
+              <a:buChar char="•"/>
+            </a:pPr>
+            <a:r>
+              <a:rPr lang="en-GB" sz="2400" b="1" i="1" dirty="0"/>
+              <a:t>Duration: </a:t>
+            </a:r>
+            <a:r>
+              <a:rPr lang="en-GB" sz="2400" dirty="0"/>
+              <a:t>Usually an hour per week of </a:t>
+            </a:r>
+            <a:r>
+              <a:rPr lang="en-GB" sz="2400" dirty="0" smtClean="0"/>
+              <a:t>iteration</a:t>
+            </a:r>
+          </a:p>
+          <a:p>
+            <a:pPr marL="1440180" lvl="4" indent="-342900">
+              <a:buFont typeface="Arial" panose="020B0604020202020204" pitchFamily="34" charset="0"/>
+              <a:buChar char="•"/>
+            </a:pPr>
+            <a:r>
+              <a:rPr lang="en-GB" sz="2400" dirty="0" smtClean="0"/>
+              <a:t>e.g</a:t>
+            </a:r>
+            <a:r>
+              <a:rPr lang="en-GB" sz="2400" dirty="0"/>
+              <a:t>. a two-week sprint kicks off with a two-hour planning meeting</a:t>
+            </a:r>
+            <a:r>
+              <a:rPr lang="en-GB" sz="2400" dirty="0" smtClean="0"/>
+              <a:t>.</a:t>
+            </a:r>
+            <a:endParaRPr lang="en-GB" sz="2400" dirty="0"/>
+          </a:p>
+          <a:p>
+            <a:pPr marL="342900" indent="-342900">
+              <a:buFont typeface="Arial" panose="020B0604020202020204" pitchFamily="34" charset="0"/>
+              <a:buChar char="•"/>
+            </a:pPr>
+            <a:r>
+              <a:rPr lang="en-GB" sz="2400" b="1" i="1" dirty="0" smtClean="0"/>
+              <a:t>Purpose</a:t>
+            </a:r>
+            <a:r>
+              <a:rPr lang="en-GB" sz="2400" b="1" i="1" dirty="0"/>
+              <a:t>: </a:t>
+            </a:r>
+            <a:endParaRPr lang="en-GB" sz="2400" b="1" i="1" dirty="0" smtClean="0"/>
+          </a:p>
+          <a:p>
+            <a:pPr marL="891540" lvl="2" indent="-342900">
+              <a:buFont typeface="Arial" panose="020B0604020202020204" pitchFamily="34" charset="0"/>
+              <a:buChar char="•"/>
+            </a:pPr>
+            <a:r>
+              <a:rPr lang="en-GB" dirty="0" smtClean="0"/>
+              <a:t>Sprint </a:t>
+            </a:r>
+            <a:r>
+              <a:rPr lang="en-GB" dirty="0"/>
+              <a:t>planning sets up the entire team for success throughout the sprint. </a:t>
+            </a:r>
+            <a:endParaRPr lang="en-GB" dirty="0" smtClean="0"/>
+          </a:p>
+          <a:p>
+            <a:pPr marL="891540" lvl="2" indent="-342900">
+              <a:buFont typeface="Arial" panose="020B0604020202020204" pitchFamily="34" charset="0"/>
+              <a:buChar char="•"/>
+            </a:pPr>
+            <a:r>
+              <a:rPr lang="en-GB" dirty="0" smtClean="0"/>
+              <a:t>Coming </a:t>
+            </a:r>
+            <a:r>
+              <a:rPr lang="en-GB" dirty="0"/>
+              <a:t>into the meeting, the product owner will have a prioritized </a:t>
+            </a:r>
+            <a:r>
+              <a:rPr lang="en-GB" b="1" dirty="0"/>
+              <a:t>product backlog</a:t>
+            </a:r>
+            <a:r>
+              <a:rPr lang="en-GB" dirty="0"/>
+              <a:t>. </a:t>
+            </a:r>
+            <a:endParaRPr lang="en-GB" dirty="0" smtClean="0"/>
+          </a:p>
+          <a:p>
+            <a:pPr marL="891540" lvl="2" indent="-342900">
+              <a:buFont typeface="Arial" panose="020B0604020202020204" pitchFamily="34" charset="0"/>
+              <a:buChar char="•"/>
+            </a:pPr>
+            <a:r>
+              <a:rPr lang="en-GB" dirty="0" smtClean="0"/>
+              <a:t>They </a:t>
+            </a:r>
+            <a:r>
+              <a:rPr lang="en-GB" dirty="0"/>
+              <a:t>discuss each item with the development team, and the group collectively estimates the effort involved. </a:t>
+            </a:r>
+            <a:endParaRPr lang="en-GB" dirty="0" smtClean="0"/>
+          </a:p>
+          <a:p>
+            <a:pPr marL="891540" lvl="2" indent="-342900">
+              <a:buFont typeface="Arial" panose="020B0604020202020204" pitchFamily="34" charset="0"/>
+              <a:buChar char="•"/>
+            </a:pPr>
+            <a:r>
+              <a:rPr lang="en-GB" dirty="0" smtClean="0"/>
+              <a:t>The </a:t>
+            </a:r>
+            <a:r>
+              <a:rPr lang="en-GB" dirty="0"/>
+              <a:t>development team will then make a sprint forecast outlining how much work the team can complete from the product backlog. </a:t>
+            </a:r>
+            <a:endParaRPr lang="en-GB" dirty="0" smtClean="0"/>
+          </a:p>
+          <a:p>
+            <a:pPr marL="891540" lvl="2" indent="-342900">
+              <a:buFont typeface="Arial" panose="020B0604020202020204" pitchFamily="34" charset="0"/>
+              <a:buChar char="•"/>
+            </a:pPr>
+            <a:r>
+              <a:rPr lang="en-GB" dirty="0" smtClean="0"/>
+              <a:t>That </a:t>
+            </a:r>
+            <a:r>
+              <a:rPr lang="en-GB" dirty="0"/>
+              <a:t>body of work then becomes the </a:t>
+            </a:r>
+            <a:r>
+              <a:rPr lang="en-GB" b="1" dirty="0"/>
+              <a:t>sprint backlog</a:t>
+            </a:r>
+            <a:r>
+              <a:rPr lang="en-GB" dirty="0"/>
+              <a:t>.</a:t>
+            </a:r>
+            <a:endParaRPr lang="en-US" dirty="0"/>
+          </a:p>
+        </p:txBody>
+      </p:sp>
+    </p:spTree>
+    <p:extLst>
+      <p:ext uri="{BB962C8B-B14F-4D97-AF65-F5344CB8AC3E}">
+        <p14:creationId xmlns:p14="http://schemas.microsoft.com/office/powerpoint/2010/main" val="1441559862"/>
+      </p:ext>
+    </p:extLst>
+  </p:cSld>
+  <p:clrMapOvr>
+    <a:masterClrMapping/>
+  </p:clrMapOvr>
+  <p:timing>
+    <p:tnLst>
+      <p:par>
+        <p:cTn id="1" dur="indefinite" restart="never" nodeType="tmRoot"/>
+      </p:par>
+    </p:tnLst>
+  </p:timing>
+</p:sld>
+</file>
+
+<file path=ppt/slides/slide21.xml><?xml version="1.0" encoding="utf-8"?>
+<p:sld xmlns:a="http://schemas.openxmlformats.org/drawingml/2006/main" xmlns:r="http://schemas.openxmlformats.org/officeDocument/2006/relationships" xmlns:p="http://schemas.openxmlformats.org/presentationml/2006/main">
+  <p:cSld>
+    <p:spTree>
+      <p:nvGrpSpPr>
+        <p:cNvPr id="1" name=""/>
+        <p:cNvGrpSpPr/>
+        <p:nvPr/>
+      </p:nvGrpSpPr>
+      <p:grpSpPr>
+        <a:xfrm>
+          <a:off x="0" y="0"/>
+          <a:ext cx="0" cy="0"/>
+          <a:chOff x="0" y="0"/>
+          <a:chExt cx="0" cy="0"/>
+        </a:xfrm>
+      </p:grpSpPr>
+      <p:sp>
+        <p:nvSpPr>
+          <p:cNvPr id="2" name="Title 1"/>
+          <p:cNvSpPr>
+            <a:spLocks noGrp="1"/>
+          </p:cNvSpPr>
+          <p:nvPr>
+            <p:ph type="title"/>
+          </p:nvPr>
+        </p:nvSpPr>
+        <p:spPr/>
+        <p:txBody>
+          <a:bodyPr/>
+          <a:lstStyle/>
+          <a:p>
+            <a:r>
+              <a:rPr lang="en-US" dirty="0"/>
+              <a:t>Daily Stand-up</a:t>
+            </a:r>
+          </a:p>
+        </p:txBody>
+      </p:sp>
+      <p:sp>
+        <p:nvSpPr>
+          <p:cNvPr id="3" name="Content Placeholder 2"/>
+          <p:cNvSpPr>
+            <a:spLocks noGrp="1"/>
+          </p:cNvSpPr>
+          <p:nvPr>
+            <p:ph sz="quarter" idx="15"/>
+          </p:nvPr>
+        </p:nvSpPr>
+        <p:spPr>
+          <a:xfrm>
+            <a:off x="711200" y="1262130"/>
+            <a:ext cx="10769600" cy="4910070"/>
+          </a:xfrm>
+        </p:spPr>
+        <p:txBody>
+          <a:bodyPr/>
+          <a:lstStyle/>
+          <a:p>
+            <a:pPr marL="342900" lvl="1" indent="-342900">
+              <a:buFont typeface="Arial" panose="020B0604020202020204" pitchFamily="34" charset="0"/>
+              <a:buChar char="•"/>
+            </a:pPr>
+            <a:r>
+              <a:rPr lang="en-GB" sz="2400" b="1" i="1" dirty="0"/>
+              <a:t>Attendees</a:t>
+            </a:r>
+            <a:r>
+              <a:rPr lang="en-GB" dirty="0"/>
+              <a:t>: development team, scrum master, product </a:t>
+            </a:r>
+            <a:r>
+              <a:rPr lang="en-GB" dirty="0" smtClean="0"/>
+              <a:t>owner</a:t>
+            </a:r>
+            <a:endParaRPr lang="en-GB" dirty="0"/>
+          </a:p>
+          <a:p>
+            <a:pPr marL="342900" lvl="1" indent="-342900">
+              <a:buFont typeface="Arial" panose="020B0604020202020204" pitchFamily="34" charset="0"/>
+              <a:buChar char="•"/>
+            </a:pPr>
+            <a:r>
+              <a:rPr lang="en-GB" sz="2400" b="1" i="1" dirty="0"/>
+              <a:t>When</a:t>
+            </a:r>
+            <a:r>
+              <a:rPr lang="en-GB" dirty="0"/>
+              <a:t>: Once per day, typically in the morning</a:t>
+            </a:r>
+            <a:r>
+              <a:rPr lang="en-GB" dirty="0" smtClean="0"/>
+              <a:t>.</a:t>
+            </a:r>
+            <a:endParaRPr lang="en-GB" dirty="0"/>
+          </a:p>
+          <a:p>
+            <a:pPr marL="342900" lvl="1" indent="-342900">
+              <a:buFont typeface="Arial" panose="020B0604020202020204" pitchFamily="34" charset="0"/>
+              <a:buChar char="•"/>
+            </a:pPr>
+            <a:r>
+              <a:rPr lang="en-GB" sz="2400" b="1" i="1" dirty="0"/>
+              <a:t>Duration</a:t>
+            </a:r>
+            <a:r>
+              <a:rPr lang="en-GB" dirty="0"/>
+              <a:t>: No more than 15 minutes. Don't book a conference room and conduct the stand up sitting down. Standing up helps keep the meeting short</a:t>
+            </a:r>
+            <a:r>
+              <a:rPr lang="en-GB" dirty="0" smtClean="0"/>
+              <a:t>!</a:t>
+            </a:r>
+            <a:endParaRPr lang="en-GB" dirty="0"/>
+          </a:p>
+          <a:p>
+            <a:pPr marL="342900" lvl="1" indent="-342900">
+              <a:buFont typeface="Arial" panose="020B0604020202020204" pitchFamily="34" charset="0"/>
+              <a:buChar char="•"/>
+            </a:pPr>
+            <a:r>
+              <a:rPr lang="en-GB" sz="2400" b="1" i="1" dirty="0"/>
+              <a:t>Purpose</a:t>
+            </a:r>
+            <a:r>
+              <a:rPr lang="en-GB" dirty="0"/>
+              <a:t>: Stand-up is designed to quickly inform everyone of what's going on across the team. It's not a detailed status meeting. The tone should be light and fun, but informative. Have each team member answer the following questions</a:t>
+            </a:r>
+            <a:r>
+              <a:rPr lang="en-GB" dirty="0" smtClean="0"/>
+              <a:t>:</a:t>
+            </a:r>
+            <a:endParaRPr lang="en-GB" dirty="0"/>
+          </a:p>
+          <a:p>
+            <a:pPr marL="617220" lvl="1" indent="-342900">
+              <a:buFont typeface="Arial" panose="020B0604020202020204" pitchFamily="34" charset="0"/>
+              <a:buChar char="•"/>
+            </a:pPr>
+            <a:r>
+              <a:rPr lang="en-GB" dirty="0"/>
+              <a:t>What did I complete yesterday?</a:t>
+            </a:r>
+          </a:p>
+          <a:p>
+            <a:pPr marL="617220" lvl="1" indent="-342900">
+              <a:buFont typeface="Arial" panose="020B0604020202020204" pitchFamily="34" charset="0"/>
+              <a:buChar char="•"/>
+            </a:pPr>
+            <a:r>
+              <a:rPr lang="en-GB" dirty="0"/>
+              <a:t>What will I work on today?</a:t>
+            </a:r>
+          </a:p>
+          <a:p>
+            <a:pPr marL="617220" lvl="1" indent="-342900">
+              <a:buFont typeface="Arial" panose="020B0604020202020204" pitchFamily="34" charset="0"/>
+              <a:buChar char="•"/>
+            </a:pPr>
+            <a:r>
+              <a:rPr lang="en-GB" dirty="0"/>
+              <a:t>Am I blocked by anything?</a:t>
+            </a:r>
+          </a:p>
+          <a:p>
+            <a:pPr marL="342900" lvl="1" indent="-342900">
+              <a:buFont typeface="Arial" panose="020B0604020202020204" pitchFamily="34" charset="0"/>
+              <a:buChar char="•"/>
+            </a:pPr>
+            <a:r>
+              <a:rPr lang="en-GB" dirty="0"/>
+              <a:t>There's an implicit accountability in reporting what work you completed yesterday in front of your peers. </a:t>
+            </a:r>
+            <a:endParaRPr lang="en-GB" dirty="0" smtClean="0"/>
+          </a:p>
+          <a:p>
+            <a:pPr marL="342900" lvl="1" indent="-342900">
+              <a:buFont typeface="Arial" panose="020B0604020202020204" pitchFamily="34" charset="0"/>
+              <a:buChar char="•"/>
+            </a:pPr>
+            <a:r>
+              <a:rPr lang="en-GB" b="1" dirty="0" smtClean="0"/>
+              <a:t>No </a:t>
+            </a:r>
+            <a:r>
+              <a:rPr lang="en-GB" b="1" dirty="0"/>
+              <a:t>one wants to be the team member who is constantly doing the same thing and not making progress. </a:t>
+            </a:r>
+            <a:endParaRPr lang="en-US" b="1" dirty="0"/>
+          </a:p>
+        </p:txBody>
+      </p:sp>
+    </p:spTree>
+    <p:extLst>
+      <p:ext uri="{BB962C8B-B14F-4D97-AF65-F5344CB8AC3E}">
+        <p14:creationId xmlns:p14="http://schemas.microsoft.com/office/powerpoint/2010/main" val="959182879"/>
+      </p:ext>
+    </p:extLst>
+  </p:cSld>
+  <p:clrMapOvr>
+    <a:masterClrMapping/>
+  </p:clrMapOvr>
+  <p:timing>
+    <p:tnLst>
+      <p:par>
+        <p:cTn id="1" dur="indefinite" restart="never" nodeType="tmRoot"/>
+      </p:par>
+    </p:tnLst>
+  </p:timing>
+</p:sld>
+</file>
+
+<file path=ppt/slides/slide22.xml><?xml version="1.0" encoding="utf-8"?>
+<p:sld xmlns:a="http://schemas.openxmlformats.org/drawingml/2006/main" xmlns:r="http://schemas.openxmlformats.org/officeDocument/2006/relationships" xmlns:p="http://schemas.openxmlformats.org/presentationml/2006/main">
+  <p:cSld>
+    <p:spTree>
+      <p:nvGrpSpPr>
+        <p:cNvPr id="1" name=""/>
+        <p:cNvGrpSpPr/>
+        <p:nvPr/>
+      </p:nvGrpSpPr>
+      <p:grpSpPr>
+        <a:xfrm>
+          <a:off x="0" y="0"/>
+          <a:ext cx="0" cy="0"/>
+          <a:chOff x="0" y="0"/>
+          <a:chExt cx="0" cy="0"/>
+        </a:xfrm>
+      </p:grpSpPr>
+      <p:sp>
+        <p:nvSpPr>
+          <p:cNvPr id="2" name="Title 1"/>
+          <p:cNvSpPr>
+            <a:spLocks noGrp="1"/>
+          </p:cNvSpPr>
+          <p:nvPr>
+            <p:ph type="title"/>
+          </p:nvPr>
+        </p:nvSpPr>
+        <p:spPr/>
+        <p:txBody>
+          <a:bodyPr/>
+          <a:lstStyle/>
+          <a:p>
+            <a:r>
+              <a:rPr lang="en-US" dirty="0"/>
+              <a:t>Iteration review</a:t>
+            </a:r>
+          </a:p>
+        </p:txBody>
+      </p:sp>
+      <p:sp>
+        <p:nvSpPr>
+          <p:cNvPr id="3" name="Content Placeholder 2"/>
+          <p:cNvSpPr>
+            <a:spLocks noGrp="1"/>
+          </p:cNvSpPr>
+          <p:nvPr>
+            <p:ph sz="quarter" idx="15"/>
+          </p:nvPr>
+        </p:nvSpPr>
+        <p:spPr>
+          <a:xfrm>
+            <a:off x="711200" y="1312433"/>
+            <a:ext cx="10769600" cy="4859767"/>
+          </a:xfrm>
+        </p:spPr>
+        <p:txBody>
+          <a:bodyPr/>
+          <a:lstStyle/>
+          <a:p>
+            <a:pPr marL="342900" lvl="1" indent="-342900">
+              <a:buFont typeface="Arial" panose="020B0604020202020204" pitchFamily="34" charset="0"/>
+              <a:buChar char="•"/>
+            </a:pPr>
+            <a:r>
+              <a:rPr lang="en-GB" sz="2400" b="1" i="1" dirty="0"/>
+              <a:t>Attendees</a:t>
+            </a:r>
+            <a:r>
+              <a:rPr lang="en-GB" dirty="0" smtClean="0"/>
+              <a:t>: </a:t>
+            </a:r>
+            <a:r>
+              <a:rPr lang="en-GB" b="1" dirty="0" smtClean="0"/>
+              <a:t>Required</a:t>
+            </a:r>
+            <a:r>
+              <a:rPr lang="en-GB" dirty="0"/>
+              <a:t>: development team, scrum master, product owner</a:t>
+            </a:r>
+          </a:p>
+          <a:p>
+            <a:pPr marL="891540" lvl="3" indent="-342900">
+              <a:buFont typeface="Arial" panose="020B0604020202020204" pitchFamily="34" charset="0"/>
+              <a:buChar char="•"/>
+            </a:pPr>
+            <a:r>
+              <a:rPr lang="en-GB" b="1" dirty="0"/>
+              <a:t>Optional</a:t>
+            </a:r>
+            <a:r>
+              <a:rPr lang="en-GB" dirty="0"/>
+              <a:t>: project </a:t>
+            </a:r>
+            <a:r>
+              <a:rPr lang="en-GB" dirty="0" smtClean="0"/>
+              <a:t>stakeholders</a:t>
+            </a:r>
+            <a:endParaRPr lang="en-GB" dirty="0"/>
+          </a:p>
+          <a:p>
+            <a:pPr marL="342900" lvl="1" indent="-342900">
+              <a:buFont typeface="Arial" panose="020B0604020202020204" pitchFamily="34" charset="0"/>
+              <a:buChar char="•"/>
+            </a:pPr>
+            <a:r>
+              <a:rPr lang="en-GB" sz="2400" b="1" i="1" dirty="0"/>
+              <a:t>When</a:t>
+            </a:r>
+            <a:r>
+              <a:rPr lang="en-GB" dirty="0"/>
+              <a:t>: At the end of a sprint or milestone</a:t>
+            </a:r>
+            <a:r>
+              <a:rPr lang="en-GB" dirty="0" smtClean="0"/>
+              <a:t>.</a:t>
+            </a:r>
+            <a:endParaRPr lang="en-GB" dirty="0"/>
+          </a:p>
+          <a:p>
+            <a:pPr marL="342900" lvl="1" indent="-342900">
+              <a:buFont typeface="Arial" panose="020B0604020202020204" pitchFamily="34" charset="0"/>
+              <a:buChar char="•"/>
+            </a:pPr>
+            <a:r>
+              <a:rPr lang="en-GB" sz="2400" b="1" i="1" dirty="0"/>
+              <a:t>Duration</a:t>
+            </a:r>
+            <a:r>
+              <a:rPr lang="en-GB" dirty="0"/>
+              <a:t>: 30-60 minutes</a:t>
+            </a:r>
+            <a:r>
+              <a:rPr lang="en-GB" dirty="0" smtClean="0"/>
+              <a:t>.</a:t>
+            </a:r>
+            <a:endParaRPr lang="en-GB" dirty="0"/>
+          </a:p>
+          <a:p>
+            <a:pPr marL="342900" lvl="1" indent="-342900">
+              <a:buFont typeface="Arial" panose="020B0604020202020204" pitchFamily="34" charset="0"/>
+              <a:buChar char="•"/>
+            </a:pPr>
+            <a:r>
+              <a:rPr lang="en-GB" sz="2400" b="1" i="1" dirty="0"/>
+              <a:t>Purpose</a:t>
+            </a:r>
+            <a:r>
+              <a:rPr lang="en-GB" dirty="0"/>
+              <a:t>: </a:t>
+            </a:r>
+            <a:endParaRPr lang="en-GB" dirty="0" smtClean="0"/>
+          </a:p>
+          <a:p>
+            <a:pPr marL="617220" lvl="2" indent="-342900">
+              <a:buFont typeface="Arial" panose="020B0604020202020204" pitchFamily="34" charset="0"/>
+              <a:buChar char="•"/>
+            </a:pPr>
+            <a:r>
+              <a:rPr lang="en-GB" dirty="0" smtClean="0"/>
+              <a:t>Is </a:t>
+            </a:r>
+            <a:r>
+              <a:rPr lang="en-GB" dirty="0"/>
+              <a:t>a time to showcase the work of the team. </a:t>
+            </a:r>
+            <a:endParaRPr lang="en-GB" dirty="0" smtClean="0"/>
+          </a:p>
+          <a:p>
+            <a:pPr marL="617220" lvl="2" indent="-342900">
+              <a:buFont typeface="Arial" panose="020B0604020202020204" pitchFamily="34" charset="0"/>
+              <a:buChar char="•"/>
+            </a:pPr>
+            <a:r>
+              <a:rPr lang="en-GB" dirty="0" smtClean="0"/>
+              <a:t>Time for </a:t>
+            </a:r>
+            <a:r>
+              <a:rPr lang="en-GB" dirty="0"/>
+              <a:t>the team </a:t>
+            </a:r>
+            <a:endParaRPr lang="en-GB" dirty="0" smtClean="0"/>
+          </a:p>
+          <a:p>
+            <a:pPr marL="891540" lvl="3" indent="-342900">
+              <a:buFont typeface="Arial" panose="020B0604020202020204" pitchFamily="34" charset="0"/>
+              <a:buChar char="•"/>
+            </a:pPr>
+            <a:r>
+              <a:rPr lang="en-GB" dirty="0" smtClean="0"/>
+              <a:t>to </a:t>
+            </a:r>
+            <a:r>
+              <a:rPr lang="en-GB" dirty="0"/>
+              <a:t>celebrate their accomplishments, </a:t>
+            </a:r>
+            <a:endParaRPr lang="en-GB" dirty="0" smtClean="0"/>
+          </a:p>
+          <a:p>
+            <a:pPr marL="891540" lvl="3" indent="-342900">
+              <a:buFont typeface="Arial" panose="020B0604020202020204" pitchFamily="34" charset="0"/>
+              <a:buChar char="•"/>
+            </a:pPr>
+            <a:r>
+              <a:rPr lang="en-GB" dirty="0" smtClean="0"/>
+              <a:t>demonstrate </a:t>
+            </a:r>
+            <a:r>
+              <a:rPr lang="en-GB" dirty="0"/>
+              <a:t>work finished within the iteration, </a:t>
+            </a:r>
+            <a:endParaRPr lang="en-GB" dirty="0" smtClean="0"/>
+          </a:p>
+          <a:p>
+            <a:pPr marL="891540" lvl="3" indent="-342900">
+              <a:buFont typeface="Arial" panose="020B0604020202020204" pitchFamily="34" charset="0"/>
+              <a:buChar char="•"/>
+            </a:pPr>
+            <a:r>
+              <a:rPr lang="en-GB" dirty="0" smtClean="0"/>
+              <a:t>and </a:t>
+            </a:r>
+            <a:r>
+              <a:rPr lang="en-GB" dirty="0"/>
+              <a:t>get immediate feedback from project stakeholders. </a:t>
+            </a:r>
+            <a:endParaRPr lang="en-GB" dirty="0" smtClean="0"/>
+          </a:p>
+          <a:p>
+            <a:pPr marL="617220" lvl="2" indent="-342900">
+              <a:buFont typeface="Arial" panose="020B0604020202020204" pitchFamily="34" charset="0"/>
+              <a:buChar char="•"/>
+            </a:pPr>
+            <a:r>
+              <a:rPr lang="en-GB" dirty="0" smtClean="0"/>
+              <a:t>Remember</a:t>
+            </a:r>
+            <a:r>
+              <a:rPr lang="en-GB" dirty="0"/>
+              <a:t>, work should be </a:t>
+            </a:r>
+            <a:r>
+              <a:rPr lang="en-GB" b="1" dirty="0"/>
+              <a:t>fully demonstrable </a:t>
+            </a:r>
+            <a:r>
+              <a:rPr lang="en-GB" dirty="0"/>
+              <a:t>and meet the </a:t>
+            </a:r>
+            <a:r>
+              <a:rPr lang="en-GB" b="1" dirty="0"/>
+              <a:t>team's quality bar </a:t>
+            </a:r>
+            <a:r>
+              <a:rPr lang="en-GB" dirty="0"/>
+              <a:t>to be considered complete and ready to showcase in the review. </a:t>
+            </a:r>
+            <a:endParaRPr lang="en-US" dirty="0"/>
+          </a:p>
+        </p:txBody>
+      </p:sp>
+    </p:spTree>
+    <p:extLst>
+      <p:ext uri="{BB962C8B-B14F-4D97-AF65-F5344CB8AC3E}">
+        <p14:creationId xmlns:p14="http://schemas.microsoft.com/office/powerpoint/2010/main" val="4212120579"/>
+      </p:ext>
+    </p:extLst>
+  </p:cSld>
+  <p:clrMapOvr>
+    <a:masterClrMapping/>
+  </p:clrMapOvr>
+  <p:timing>
+    <p:tnLst>
+      <p:par>
+        <p:cTn id="1" dur="indefinite" restart="never" nodeType="tmRoot"/>
+      </p:par>
+    </p:tnLst>
+  </p:timing>
+</p:sld>
+</file>
+
+<file path=ppt/slides/slide23.xml><?xml version="1.0" encoding="utf-8"?>
+<p:sld xmlns:a="http://schemas.openxmlformats.org/drawingml/2006/main" xmlns:r="http://schemas.openxmlformats.org/officeDocument/2006/relationships" xmlns:p="http://schemas.openxmlformats.org/presentationml/2006/main">
+  <p:cSld>
+    <p:spTree>
+      <p:nvGrpSpPr>
+        <p:cNvPr id="1" name=""/>
+        <p:cNvGrpSpPr/>
+        <p:nvPr/>
+      </p:nvGrpSpPr>
+      <p:grpSpPr>
+        <a:xfrm>
+          <a:off x="0" y="0"/>
+          <a:ext cx="0" cy="0"/>
+          <a:chOff x="0" y="0"/>
+          <a:chExt cx="0" cy="0"/>
+        </a:xfrm>
+      </p:grpSpPr>
+      <p:sp>
+        <p:nvSpPr>
+          <p:cNvPr id="2" name="Title 1"/>
+          <p:cNvSpPr>
+            <a:spLocks noGrp="1"/>
+          </p:cNvSpPr>
+          <p:nvPr>
+            <p:ph type="title"/>
+          </p:nvPr>
+        </p:nvSpPr>
+        <p:spPr/>
+        <p:txBody>
+          <a:bodyPr/>
+          <a:lstStyle/>
+          <a:p>
+            <a:r>
+              <a:rPr lang="en-US" dirty="0"/>
+              <a:t>Retrospective</a:t>
+            </a:r>
+          </a:p>
+        </p:txBody>
+      </p:sp>
+      <p:sp>
+        <p:nvSpPr>
+          <p:cNvPr id="3" name="Content Placeholder 2"/>
+          <p:cNvSpPr>
+            <a:spLocks noGrp="1"/>
+          </p:cNvSpPr>
+          <p:nvPr>
+            <p:ph sz="quarter" idx="15"/>
+          </p:nvPr>
+        </p:nvSpPr>
+        <p:spPr>
+          <a:xfrm>
+            <a:off x="711200" y="1398494"/>
+            <a:ext cx="10769600" cy="4773706"/>
+          </a:xfrm>
+        </p:spPr>
+        <p:txBody>
+          <a:bodyPr/>
+          <a:lstStyle/>
+          <a:p>
+            <a:pPr marL="68580" indent="-342900">
+              <a:buFont typeface="Arial" panose="020B0604020202020204" pitchFamily="34" charset="0"/>
+              <a:buChar char="•"/>
+            </a:pPr>
+            <a:r>
+              <a:rPr lang="en-GB" sz="2400" b="1" i="1" dirty="0"/>
+              <a:t>Attendees</a:t>
+            </a:r>
+            <a:r>
+              <a:rPr lang="en-GB" dirty="0"/>
+              <a:t>: development team, scrum master, product </a:t>
+            </a:r>
+            <a:r>
+              <a:rPr lang="en-GB" dirty="0" smtClean="0"/>
+              <a:t>owner</a:t>
+            </a:r>
+            <a:endParaRPr lang="en-GB" dirty="0"/>
+          </a:p>
+          <a:p>
+            <a:pPr marL="68580" indent="-342900">
+              <a:buFont typeface="Arial" panose="020B0604020202020204" pitchFamily="34" charset="0"/>
+              <a:buChar char="•"/>
+            </a:pPr>
+            <a:r>
+              <a:rPr lang="en-GB" sz="2400" b="1" i="1" dirty="0"/>
+              <a:t>When</a:t>
+            </a:r>
+            <a:r>
+              <a:rPr lang="en-GB" dirty="0"/>
+              <a:t>: At the end of an iteration</a:t>
+            </a:r>
+            <a:r>
+              <a:rPr lang="en-GB" dirty="0" smtClean="0"/>
+              <a:t>.</a:t>
+            </a:r>
+            <a:endParaRPr lang="en-GB" dirty="0"/>
+          </a:p>
+          <a:p>
+            <a:pPr marL="68580" indent="-342900">
+              <a:buFont typeface="Arial" panose="020B0604020202020204" pitchFamily="34" charset="0"/>
+              <a:buChar char="•"/>
+            </a:pPr>
+            <a:r>
+              <a:rPr lang="en-GB" sz="2400" b="1" i="1" dirty="0"/>
+              <a:t>Duration</a:t>
+            </a:r>
+            <a:r>
+              <a:rPr lang="en-GB" dirty="0"/>
+              <a:t>: 60 minutes</a:t>
+            </a:r>
+            <a:r>
+              <a:rPr lang="en-GB" dirty="0" smtClean="0"/>
+              <a:t>.</a:t>
+            </a:r>
+            <a:endParaRPr lang="en-GB" dirty="0"/>
+          </a:p>
+          <a:p>
+            <a:pPr marL="68580" indent="-342900">
+              <a:buFont typeface="Arial" panose="020B0604020202020204" pitchFamily="34" charset="0"/>
+              <a:buChar char="•"/>
+            </a:pPr>
+            <a:r>
+              <a:rPr lang="en-GB" sz="2400" b="1" i="1" dirty="0"/>
+              <a:t>Purpose</a:t>
+            </a:r>
+            <a:r>
+              <a:rPr lang="en-GB" dirty="0"/>
+              <a:t>: </a:t>
+            </a:r>
+            <a:endParaRPr lang="en-GB" dirty="0" smtClean="0"/>
+          </a:p>
+          <a:p>
+            <a:pPr marL="617220" lvl="2" indent="-342900">
+              <a:buFont typeface="Arial" panose="020B0604020202020204" pitchFamily="34" charset="0"/>
+              <a:buChar char="•"/>
+            </a:pPr>
+            <a:r>
+              <a:rPr lang="en-GB" dirty="0" smtClean="0"/>
+              <a:t>Retrospectives </a:t>
+            </a:r>
+            <a:r>
+              <a:rPr lang="en-GB" dirty="0"/>
+              <a:t>help the team understand what worked well–and what </a:t>
+            </a:r>
+            <a:r>
+              <a:rPr lang="en-GB" dirty="0" smtClean="0"/>
+              <a:t>didn't.</a:t>
+            </a:r>
+          </a:p>
+          <a:p>
+            <a:pPr marL="617220" lvl="2" indent="-342900">
+              <a:buFont typeface="Arial" panose="020B0604020202020204" pitchFamily="34" charset="0"/>
+              <a:buChar char="•"/>
+            </a:pPr>
+            <a:r>
+              <a:rPr lang="en-GB" dirty="0" smtClean="0"/>
+              <a:t>Retrospectives </a:t>
+            </a:r>
+            <a:r>
+              <a:rPr lang="en-GB" dirty="0"/>
+              <a:t>aren't just a time for complaints without action. </a:t>
+            </a:r>
+            <a:endParaRPr lang="en-GB" dirty="0" smtClean="0"/>
+          </a:p>
+          <a:p>
+            <a:pPr marL="617220" lvl="2" indent="-342900">
+              <a:buFont typeface="Arial" panose="020B0604020202020204" pitchFamily="34" charset="0"/>
+              <a:buChar char="•"/>
+            </a:pPr>
+            <a:r>
+              <a:rPr lang="en-GB" dirty="0" smtClean="0"/>
+              <a:t>find </a:t>
+            </a:r>
+            <a:r>
+              <a:rPr lang="en-GB" dirty="0"/>
+              <a:t>out what's working so the team can continue to focus on those </a:t>
+            </a:r>
+            <a:r>
+              <a:rPr lang="en-GB" dirty="0" smtClean="0"/>
+              <a:t>areas.</a:t>
+            </a:r>
+          </a:p>
+          <a:p>
+            <a:pPr marL="617220" lvl="2" indent="-342900">
+              <a:buFont typeface="Arial" panose="020B0604020202020204" pitchFamily="34" charset="0"/>
+              <a:buChar char="•"/>
+            </a:pPr>
+            <a:r>
+              <a:rPr lang="en-GB" dirty="0" smtClean="0"/>
+              <a:t>find </a:t>
+            </a:r>
+            <a:r>
+              <a:rPr lang="en-GB" dirty="0"/>
+              <a:t>out what's not working and use the time to find creative solutions and develop an action plan. </a:t>
+            </a:r>
+            <a:endParaRPr lang="en-GB" dirty="0" smtClean="0"/>
+          </a:p>
+          <a:p>
+            <a:pPr marL="617220" lvl="2" indent="-342900">
+              <a:buFont typeface="Arial" panose="020B0604020202020204" pitchFamily="34" charset="0"/>
+              <a:buChar char="•"/>
+            </a:pPr>
+            <a:r>
+              <a:rPr lang="en-GB" dirty="0" smtClean="0"/>
+              <a:t>Continuous </a:t>
+            </a:r>
+            <a:r>
+              <a:rPr lang="en-GB" dirty="0"/>
+              <a:t>improvement is what sustains and drives development within an agile team, and retrospectives are a key part of that. </a:t>
+            </a:r>
+            <a:endParaRPr lang="en-US" dirty="0"/>
+          </a:p>
+        </p:txBody>
+      </p:sp>
+    </p:spTree>
+    <p:extLst>
+      <p:ext uri="{BB962C8B-B14F-4D97-AF65-F5344CB8AC3E}">
+        <p14:creationId xmlns:p14="http://schemas.microsoft.com/office/powerpoint/2010/main" val="3429230085"/>
+      </p:ext>
+    </p:extLst>
+  </p:cSld>
+  <p:clrMapOvr>
+    <a:masterClrMapping/>
+  </p:clrMapOvr>
+  <p:timing>
+    <p:tnLst>
+      <p:par>
+        <p:cTn id="1" dur="indefinite" restart="never" nodeType="tmRoot"/>
+      </p:par>
+    </p:tnLst>
+  </p:timing>
+</p:sld>
+</file>
+
+<file path=ppt/slides/slide24.xml><?xml version="1.0" encoding="utf-8"?>
+<p:sld xmlns:a="http://schemas.openxmlformats.org/drawingml/2006/main" xmlns:r="http://schemas.openxmlformats.org/officeDocument/2006/relationships" xmlns:p="http://schemas.openxmlformats.org/presentationml/2006/main">
+  <p:cSld>
+    <p:spTree>
+      <p:nvGrpSpPr>
+        <p:cNvPr id="1" name=""/>
+        <p:cNvGrpSpPr/>
+        <p:nvPr/>
+      </p:nvGrpSpPr>
+      <p:grpSpPr>
+        <a:xfrm>
+          <a:off x="0" y="0"/>
+          <a:ext cx="0" cy="0"/>
+          <a:chOff x="0" y="0"/>
+          <a:chExt cx="0" cy="0"/>
+        </a:xfrm>
+      </p:grpSpPr>
+      <p:pic>
+        <p:nvPicPr>
+          <p:cNvPr id="3074" name="Picture 2" descr="agile burndown chart"/>
+          <p:cNvPicPr>
+            <a:picLocks noChangeAspect="1" noChangeArrowheads="1"/>
+          </p:cNvPicPr>
+          <p:nvPr/>
+        </p:nvPicPr>
+        <p:blipFill>
+          <a:blip r:embed="rId2">
+            <a:extLst>
+              <a:ext uri="{28A0092B-C50C-407E-A947-70E740481C1C}">
+                <a14:useLocalDpi xmlns:a14="http://schemas.microsoft.com/office/drawing/2010/main" val="0"/>
+              </a:ext>
+            </a:extLst>
+          </a:blip>
+          <a:srcRect/>
+          <a:stretch>
+            <a:fillRect/>
+          </a:stretch>
+        </p:blipFill>
+        <p:spPr bwMode="auto">
+          <a:xfrm>
+            <a:off x="5454127" y="2243337"/>
+            <a:ext cx="6284253" cy="4398978"/>
+          </a:xfrm>
+          <a:prstGeom prst="rect">
+            <a:avLst/>
+          </a:prstGeom>
+          <a:noFill/>
+          <a:extLst>
+            <a:ext uri="{909E8E84-426E-40DD-AFC4-6F175D3DCCD1}">
+              <a14:hiddenFill xmlns:a14="http://schemas.microsoft.com/office/drawing/2010/main">
+                <a:solidFill>
+                  <a:srgbClr val="FFFFFF"/>
+                </a:solidFill>
+              </a14:hiddenFill>
+            </a:ext>
+          </a:extLst>
+        </p:spPr>
+      </p:pic>
+      <p:sp>
+        <p:nvSpPr>
+          <p:cNvPr id="2" name="Title 1"/>
+          <p:cNvSpPr>
+            <a:spLocks noGrp="1"/>
+          </p:cNvSpPr>
+          <p:nvPr>
+            <p:ph type="title"/>
+          </p:nvPr>
+        </p:nvSpPr>
+        <p:spPr/>
+        <p:txBody>
+          <a:bodyPr/>
+          <a:lstStyle/>
+          <a:p>
+            <a:r>
+              <a:rPr lang="en-US" dirty="0" err="1"/>
+              <a:t>Burndown</a:t>
+            </a:r>
+            <a:r>
+              <a:rPr lang="en-US" dirty="0"/>
+              <a:t> Charts</a:t>
+            </a:r>
+          </a:p>
+        </p:txBody>
+      </p:sp>
+      <p:sp>
+        <p:nvSpPr>
+          <p:cNvPr id="3" name="Content Placeholder 2"/>
+          <p:cNvSpPr>
+            <a:spLocks noGrp="1"/>
+          </p:cNvSpPr>
+          <p:nvPr>
+            <p:ph sz="quarter" idx="15"/>
+          </p:nvPr>
+        </p:nvSpPr>
+        <p:spPr/>
+        <p:txBody>
+          <a:bodyPr/>
+          <a:lstStyle/>
+          <a:p>
+            <a:r>
+              <a:rPr lang="en-GB" dirty="0" smtClean="0"/>
+              <a:t>A </a:t>
+            </a:r>
+            <a:r>
+              <a:rPr lang="en-GB" dirty="0"/>
+              <a:t>chart that shows how quickly </a:t>
+            </a:r>
+            <a:r>
+              <a:rPr lang="en-GB" dirty="0" smtClean="0"/>
+              <a:t>the team is </a:t>
+            </a:r>
+            <a:r>
+              <a:rPr lang="en-GB" dirty="0"/>
+              <a:t>burning through </a:t>
+            </a:r>
+            <a:r>
+              <a:rPr lang="en-GB" dirty="0" smtClean="0"/>
+              <a:t>the </a:t>
+            </a:r>
+            <a:r>
+              <a:rPr lang="en-GB" dirty="0"/>
+              <a:t>customer's user stories. </a:t>
+            </a:r>
+            <a:endParaRPr lang="en-GB" dirty="0" smtClean="0"/>
+          </a:p>
+          <a:p>
+            <a:r>
+              <a:rPr lang="en-GB" dirty="0"/>
+              <a:t>S</a:t>
+            </a:r>
+            <a:r>
+              <a:rPr lang="en-GB" dirty="0" smtClean="0"/>
+              <a:t>hows </a:t>
+            </a:r>
+            <a:r>
+              <a:rPr lang="en-GB" dirty="0"/>
+              <a:t>the total effort against the amount of work </a:t>
+            </a:r>
+            <a:r>
+              <a:rPr lang="en-GB" dirty="0" smtClean="0"/>
+              <a:t>delivered in </a:t>
+            </a:r>
+            <a:r>
+              <a:rPr lang="en-GB" dirty="0"/>
+              <a:t>each iteration. </a:t>
+            </a:r>
+            <a:endParaRPr lang="en-GB" dirty="0" smtClean="0"/>
+          </a:p>
+          <a:p>
+            <a:pPr marL="617220" lvl="2" indent="-342900">
+              <a:buFont typeface="Arial" panose="020B0604020202020204" pitchFamily="34" charset="0"/>
+              <a:buChar char="•"/>
+            </a:pPr>
+            <a:r>
+              <a:rPr lang="en-GB" dirty="0" smtClean="0"/>
+              <a:t>The </a:t>
+            </a:r>
+            <a:r>
+              <a:rPr lang="en-GB" dirty="0"/>
+              <a:t>total effort </a:t>
+            </a:r>
+            <a:r>
+              <a:rPr lang="en-GB" dirty="0" smtClean="0"/>
+              <a:t>is on </a:t>
+            </a:r>
+            <a:r>
+              <a:rPr lang="en-GB" dirty="0"/>
+              <a:t>the left, </a:t>
+            </a:r>
+            <a:endParaRPr lang="en-GB" dirty="0" smtClean="0"/>
+          </a:p>
+          <a:p>
+            <a:pPr marL="617220" lvl="2" indent="-342900">
+              <a:buFont typeface="Arial" panose="020B0604020202020204" pitchFamily="34" charset="0"/>
+              <a:buChar char="•"/>
+            </a:pPr>
+            <a:r>
+              <a:rPr lang="en-GB" dirty="0" smtClean="0"/>
+              <a:t>The </a:t>
+            </a:r>
+            <a:r>
+              <a:rPr lang="en-GB" dirty="0"/>
+              <a:t>team velocity on the right. </a:t>
+            </a:r>
+            <a:endParaRPr lang="en-GB" dirty="0" smtClean="0"/>
+          </a:p>
+          <a:p>
+            <a:r>
+              <a:rPr lang="en-GB" dirty="0" smtClean="0"/>
+              <a:t>Other information from this </a:t>
+            </a:r>
+            <a:r>
+              <a:rPr lang="en-GB" dirty="0"/>
+              <a:t>simple </a:t>
+            </a:r>
+            <a:r>
+              <a:rPr lang="en-GB" dirty="0" smtClean="0"/>
+              <a:t>graph,</a:t>
+            </a:r>
+            <a:endParaRPr lang="en-GB" dirty="0"/>
+          </a:p>
+          <a:p>
+            <a:pPr marL="617220" lvl="2" indent="-342900">
+              <a:buFont typeface="Arial" panose="020B0604020202020204" pitchFamily="34" charset="0"/>
+              <a:buChar char="•"/>
+            </a:pPr>
+            <a:r>
+              <a:rPr lang="en-GB" dirty="0" smtClean="0"/>
+              <a:t>Work </a:t>
+            </a:r>
+            <a:r>
+              <a:rPr lang="en-GB" dirty="0"/>
+              <a:t>done each iteration</a:t>
+            </a:r>
+          </a:p>
+          <a:p>
+            <a:pPr marL="617220" lvl="2" indent="-342900">
+              <a:buFont typeface="Arial" panose="020B0604020202020204" pitchFamily="34" charset="0"/>
+              <a:buChar char="•"/>
+            </a:pPr>
+            <a:r>
+              <a:rPr lang="en-GB" dirty="0"/>
+              <a:t>Work remaining</a:t>
+            </a:r>
+          </a:p>
+          <a:p>
+            <a:pPr marL="617220" lvl="2" indent="-342900">
+              <a:buFont typeface="Arial" panose="020B0604020202020204" pitchFamily="34" charset="0"/>
+              <a:buChar char="•"/>
+            </a:pPr>
+            <a:r>
+              <a:rPr lang="en-GB" dirty="0"/>
+              <a:t>Work done so far</a:t>
+            </a:r>
+          </a:p>
+          <a:p>
+            <a:pPr marL="617220" lvl="2" indent="-342900">
+              <a:buFont typeface="Arial" panose="020B0604020202020204" pitchFamily="34" charset="0"/>
+              <a:buChar char="•"/>
+            </a:pPr>
+            <a:r>
+              <a:rPr lang="en-GB" dirty="0"/>
+              <a:t>When </a:t>
+            </a:r>
+            <a:r>
+              <a:rPr lang="en-GB" dirty="0" smtClean="0"/>
+              <a:t>it is expected </a:t>
+            </a:r>
+            <a:r>
+              <a:rPr lang="en-GB" dirty="0"/>
+              <a:t>to be done</a:t>
+            </a:r>
+            <a:endParaRPr lang="en-US" dirty="0"/>
+          </a:p>
+        </p:txBody>
+      </p:sp>
+    </p:spTree>
+    <p:extLst>
+      <p:ext uri="{BB962C8B-B14F-4D97-AF65-F5344CB8AC3E}">
+        <p14:creationId xmlns:p14="http://schemas.microsoft.com/office/powerpoint/2010/main" val="3543273561"/>
+      </p:ext>
+    </p:extLst>
+  </p:cSld>
+  <p:clrMapOvr>
+    <a:masterClrMapping/>
+  </p:clrMapOvr>
+  <p:timing>
+    <p:tnLst>
+      <p:par>
+        <p:cTn id="1" dur="indefinite" restart="never" nodeType="tmRoot"/>
+      </p:par>
+    </p:tnLst>
+  </p:timing>
+</p:sld>
+</file>
+
+<file path=ppt/slides/slide25.xml><?xml version="1.0" encoding="utf-8"?>
+<p:sld xmlns:a="http://schemas.openxmlformats.org/drawingml/2006/main" xmlns:r="http://schemas.openxmlformats.org/officeDocument/2006/relationships" xmlns:p="http://schemas.openxmlformats.org/presentationml/2006/main">
+  <p:cSld>
+    <p:spTree>
+      <p:nvGrpSpPr>
+        <p:cNvPr id="1" name=""/>
+        <p:cNvGrpSpPr/>
+        <p:nvPr/>
+      </p:nvGrpSpPr>
+      <p:grpSpPr>
+        <a:xfrm>
+          <a:off x="0" y="0"/>
+          <a:ext cx="0" cy="0"/>
+          <a:chOff x="0" y="0"/>
+          <a:chExt cx="0" cy="0"/>
+        </a:xfrm>
+      </p:grpSpPr>
+      <p:sp>
+        <p:nvSpPr>
+          <p:cNvPr id="2" name="Title 1"/>
+          <p:cNvSpPr>
+            <a:spLocks noGrp="1"/>
+          </p:cNvSpPr>
+          <p:nvPr>
+            <p:ph type="title"/>
+          </p:nvPr>
+        </p:nvSpPr>
+        <p:spPr/>
+        <p:txBody>
+          <a:bodyPr/>
+          <a:lstStyle/>
+          <a:p>
+            <a:r>
+              <a:rPr lang="en-US" dirty="0" smtClean="0"/>
+              <a:t>More </a:t>
+            </a:r>
+            <a:r>
+              <a:rPr lang="en-US" dirty="0"/>
+              <a:t>realistic </a:t>
+            </a:r>
+            <a:r>
+              <a:rPr lang="en-US" dirty="0" err="1" smtClean="0"/>
+              <a:t>burndown</a:t>
+            </a:r>
+            <a:r>
+              <a:rPr lang="en-US" dirty="0" smtClean="0"/>
+              <a:t> chart</a:t>
+            </a:r>
+            <a:endParaRPr lang="en-US" dirty="0"/>
+          </a:p>
+        </p:txBody>
+      </p:sp>
+      <p:pic>
+        <p:nvPicPr>
+          <p:cNvPr id="4098" name="Picture 2" descr="agile burndown chart"/>
+          <p:cNvPicPr>
+            <a:picLocks noGrp="1" noChangeAspect="1" noChangeArrowheads="1"/>
+          </p:cNvPicPr>
+          <p:nvPr>
+            <p:ph sz="quarter" idx="15"/>
+          </p:nvPr>
+        </p:nvPicPr>
+        <p:blipFill>
+          <a:blip r:embed="rId2">
+            <a:extLst>
+              <a:ext uri="{28A0092B-C50C-407E-A947-70E740481C1C}">
+                <a14:useLocalDpi xmlns:a14="http://schemas.microsoft.com/office/drawing/2010/main" val="0"/>
+              </a:ext>
+            </a:extLst>
+          </a:blip>
+          <a:srcRect/>
+          <a:stretch>
+            <a:fillRect/>
+          </a:stretch>
+        </p:blipFill>
+        <p:spPr bwMode="auto">
+          <a:xfrm>
+            <a:off x="1161826" y="990653"/>
+            <a:ext cx="8471571" cy="5867347"/>
+          </a:xfrm>
+          <a:prstGeom prst="rect">
+            <a:avLst/>
+          </a:prstGeom>
+          <a:noFill/>
+          <a:extLst>
+            <a:ext uri="{909E8E84-426E-40DD-AFC4-6F175D3DCCD1}">
+              <a14:hiddenFill xmlns:a14="http://schemas.microsoft.com/office/drawing/2010/main">
+                <a:solidFill>
+                  <a:srgbClr val="FFFFFF"/>
+                </a:solidFill>
+              </a14:hiddenFill>
+            </a:ext>
+          </a:extLst>
+        </p:spPr>
+      </p:pic>
+    </p:spTree>
+    <p:extLst>
+      <p:ext uri="{BB962C8B-B14F-4D97-AF65-F5344CB8AC3E}">
+        <p14:creationId xmlns:p14="http://schemas.microsoft.com/office/powerpoint/2010/main" val="3079679786"/>
+      </p:ext>
+    </p:extLst>
+  </p:cSld>
+  <p:clrMapOvr>
+    <a:masterClrMapping/>
+  </p:clrMapOvr>
+  <p:timing>
+    <p:tnLst>
+      <p:par>
+        <p:cTn id="1" dur="indefinite" restart="never" nodeType="tmRoot"/>
+      </p:par>
+    </p:tnLst>
+  </p:timing>
+</p:sld>
+</file>
+
+<file path=ppt/slides/slide26.xml><?xml version="1.0" encoding="utf-8"?>
+<p:sld xmlns:a="http://schemas.openxmlformats.org/drawingml/2006/main" xmlns:r="http://schemas.openxmlformats.org/officeDocument/2006/relationships" xmlns:p="http://schemas.openxmlformats.org/presentationml/2006/main">
+  <p:cSld>
+    <p:spTree>
+      <p:nvGrpSpPr>
+        <p:cNvPr id="1" name=""/>
+        <p:cNvGrpSpPr/>
+        <p:nvPr/>
+      </p:nvGrpSpPr>
+      <p:grpSpPr>
+        <a:xfrm>
+          <a:off x="0" y="0"/>
+          <a:ext cx="0" cy="0"/>
+          <a:chOff x="0" y="0"/>
+          <a:chExt cx="0" cy="0"/>
+        </a:xfrm>
+      </p:grpSpPr>
+      <p:sp>
+        <p:nvSpPr>
+          <p:cNvPr id="2" name="Title 1"/>
+          <p:cNvSpPr>
+            <a:spLocks noGrp="1"/>
+          </p:cNvSpPr>
+          <p:nvPr>
+            <p:ph type="title"/>
+          </p:nvPr>
+        </p:nvSpPr>
+        <p:spPr/>
+        <p:txBody>
+          <a:bodyPr/>
+          <a:lstStyle/>
+          <a:p>
+            <a:r>
+              <a:rPr lang="en-US" dirty="0" smtClean="0"/>
+              <a:t>User Stories</a:t>
+            </a:r>
+            <a:endParaRPr lang="en-US" dirty="0"/>
+          </a:p>
+        </p:txBody>
+      </p:sp>
+      <p:sp>
+        <p:nvSpPr>
+          <p:cNvPr id="3" name="Content Placeholder 2"/>
+          <p:cNvSpPr>
+            <a:spLocks noGrp="1"/>
+          </p:cNvSpPr>
+          <p:nvPr>
+            <p:ph sz="quarter" idx="15"/>
+          </p:nvPr>
+        </p:nvSpPr>
+        <p:spPr>
+          <a:xfrm>
+            <a:off x="711200" y="1600200"/>
+            <a:ext cx="10769600" cy="4572000"/>
+          </a:xfrm>
+        </p:spPr>
+        <p:txBody>
+          <a:bodyPr/>
+          <a:lstStyle/>
+          <a:p>
+            <a:pPr marL="68580" indent="-342900">
+              <a:buFont typeface="Arial" panose="020B0604020202020204" pitchFamily="34" charset="0"/>
+              <a:buChar char="•"/>
+            </a:pPr>
+            <a:r>
+              <a:rPr lang="en-US" dirty="0" smtClean="0"/>
+              <a:t>are </a:t>
+            </a:r>
+            <a:r>
+              <a:rPr lang="en-US" dirty="0"/>
+              <a:t>short, simple descriptions of a feature </a:t>
+            </a:r>
+            <a:endParaRPr lang="en-US" dirty="0" smtClean="0"/>
+          </a:p>
+          <a:p>
+            <a:pPr marL="891540" lvl="3" indent="-342900">
+              <a:buFont typeface="Arial" panose="020B0604020202020204" pitchFamily="34" charset="0"/>
+              <a:buChar char="•"/>
+            </a:pPr>
+            <a:r>
+              <a:rPr lang="en-US" dirty="0" smtClean="0"/>
+              <a:t>told </a:t>
+            </a:r>
+            <a:r>
+              <a:rPr lang="en-US" dirty="0"/>
+              <a:t>from the </a:t>
+            </a:r>
+            <a:r>
+              <a:rPr lang="en-US" b="1" dirty="0"/>
+              <a:t>perspective of the person who desires the new capability</a:t>
+            </a:r>
+            <a:r>
+              <a:rPr lang="en-US" dirty="0"/>
+              <a:t>, </a:t>
+            </a:r>
+            <a:endParaRPr lang="en-US" dirty="0" smtClean="0"/>
+          </a:p>
+          <a:p>
+            <a:pPr marL="891540" lvl="3" indent="-342900">
+              <a:buFont typeface="Arial" panose="020B0604020202020204" pitchFamily="34" charset="0"/>
+              <a:buChar char="•"/>
+            </a:pPr>
+            <a:r>
+              <a:rPr lang="en-US" dirty="0" smtClean="0"/>
+              <a:t>usually </a:t>
+            </a:r>
+            <a:r>
+              <a:rPr lang="en-US" dirty="0"/>
+              <a:t>a </a:t>
+            </a:r>
+            <a:r>
+              <a:rPr lang="en-US" b="1" dirty="0"/>
+              <a:t>user or customer of the system</a:t>
+            </a:r>
+            <a:r>
+              <a:rPr lang="en-US" dirty="0"/>
+              <a:t>. </a:t>
+            </a:r>
+            <a:endParaRPr lang="en-US" dirty="0" smtClean="0"/>
+          </a:p>
+          <a:p>
+            <a:pPr marL="68580" indent="-342900">
+              <a:buFont typeface="Arial" panose="020B0604020202020204" pitchFamily="34" charset="0"/>
+              <a:buChar char="•"/>
+            </a:pPr>
+            <a:r>
+              <a:rPr lang="en-US" dirty="0" smtClean="0"/>
+              <a:t>They </a:t>
+            </a:r>
+            <a:r>
+              <a:rPr lang="en-US" dirty="0"/>
+              <a:t>typically follow a simple template</a:t>
+            </a:r>
+            <a:r>
+              <a:rPr lang="en-US" dirty="0" smtClean="0"/>
+              <a:t>:</a:t>
+            </a:r>
+            <a:endParaRPr lang="en-US" dirty="0"/>
+          </a:p>
+          <a:p>
+            <a:pPr marL="891540" lvl="3" indent="-342900">
+              <a:buFont typeface="Arial" panose="020B0604020202020204" pitchFamily="34" charset="0"/>
+              <a:buChar char="•"/>
+            </a:pPr>
+            <a:r>
+              <a:rPr lang="en-US" b="1" dirty="0"/>
+              <a:t>As a </a:t>
+            </a:r>
+            <a:r>
+              <a:rPr lang="en-US" b="1" i="1" dirty="0"/>
+              <a:t>&lt; type of user &gt;, </a:t>
+            </a:r>
+            <a:r>
+              <a:rPr lang="en-US" b="1" dirty="0"/>
+              <a:t>I want </a:t>
+            </a:r>
+            <a:r>
+              <a:rPr lang="en-US" b="1" i="1" dirty="0"/>
+              <a:t>&lt; some goal &gt; </a:t>
+            </a:r>
+            <a:r>
+              <a:rPr lang="en-US" b="1" dirty="0"/>
+              <a:t>so that </a:t>
+            </a:r>
+            <a:r>
+              <a:rPr lang="en-US" b="1" i="1" dirty="0"/>
+              <a:t>&lt; some reason &gt;.</a:t>
+            </a:r>
+          </a:p>
+          <a:p>
+            <a:pPr marL="68580" indent="-342900">
+              <a:buFont typeface="Arial" panose="020B0604020202020204" pitchFamily="34" charset="0"/>
+              <a:buChar char="•"/>
+            </a:pPr>
+            <a:r>
+              <a:rPr lang="en-US" dirty="0" smtClean="0"/>
+              <a:t>often </a:t>
+            </a:r>
+            <a:r>
+              <a:rPr lang="en-US" dirty="0"/>
+              <a:t>written on index cards or sticky notes, </a:t>
+            </a:r>
+            <a:endParaRPr lang="en-US" dirty="0" smtClean="0"/>
+          </a:p>
+          <a:p>
+            <a:pPr marL="68580" indent="-342900">
+              <a:buFont typeface="Arial" panose="020B0604020202020204" pitchFamily="34" charset="0"/>
+              <a:buChar char="•"/>
+            </a:pPr>
+            <a:r>
+              <a:rPr lang="en-US" dirty="0" smtClean="0"/>
+              <a:t>stored </a:t>
+            </a:r>
+            <a:r>
+              <a:rPr lang="en-US" dirty="0"/>
+              <a:t>in a shoe box, </a:t>
+            </a:r>
+            <a:endParaRPr lang="en-US" dirty="0" smtClean="0"/>
+          </a:p>
+          <a:p>
+            <a:pPr marL="68580" indent="-342900">
+              <a:buFont typeface="Arial" panose="020B0604020202020204" pitchFamily="34" charset="0"/>
+              <a:buChar char="•"/>
+            </a:pPr>
+            <a:r>
+              <a:rPr lang="en-US" dirty="0" smtClean="0"/>
+              <a:t>arranged </a:t>
+            </a:r>
+            <a:r>
+              <a:rPr lang="en-US" dirty="0"/>
+              <a:t>on walls or tables to facilitate planning and discussion. </a:t>
+            </a:r>
+            <a:endParaRPr lang="en-US" dirty="0" smtClean="0"/>
+          </a:p>
+          <a:p>
+            <a:pPr marL="68580" indent="-342900">
+              <a:buFont typeface="Arial" panose="020B0604020202020204" pitchFamily="34" charset="0"/>
+              <a:buChar char="•"/>
+            </a:pPr>
+            <a:r>
+              <a:rPr lang="en-US" dirty="0" smtClean="0"/>
+              <a:t>they </a:t>
+            </a:r>
+            <a:r>
+              <a:rPr lang="en-US" dirty="0"/>
+              <a:t>strongly shift the focus </a:t>
+            </a:r>
+            <a:r>
+              <a:rPr lang="en-US" b="1" dirty="0"/>
+              <a:t>from writing about features to discussing them</a:t>
+            </a:r>
+            <a:r>
+              <a:rPr lang="en-US" dirty="0"/>
+              <a:t>. </a:t>
+            </a:r>
+            <a:endParaRPr lang="en-US" dirty="0" smtClean="0"/>
+          </a:p>
+          <a:p>
+            <a:pPr marL="68580" indent="-342900">
+              <a:buFont typeface="Arial" panose="020B0604020202020204" pitchFamily="34" charset="0"/>
+              <a:buChar char="•"/>
+            </a:pPr>
+            <a:r>
+              <a:rPr lang="en-US" dirty="0" smtClean="0"/>
+              <a:t>these </a:t>
+            </a:r>
+            <a:r>
+              <a:rPr lang="en-US" b="1" dirty="0"/>
+              <a:t>discussions are more important than whatever text is written</a:t>
+            </a:r>
+            <a:r>
+              <a:rPr lang="en-US" dirty="0"/>
+              <a:t>.</a:t>
+            </a:r>
+          </a:p>
+        </p:txBody>
+      </p:sp>
+    </p:spTree>
+    <p:extLst>
+      <p:ext uri="{BB962C8B-B14F-4D97-AF65-F5344CB8AC3E}">
+        <p14:creationId xmlns:p14="http://schemas.microsoft.com/office/powerpoint/2010/main" val="2992817429"/>
+      </p:ext>
+    </p:extLst>
+  </p:cSld>
+  <p:clrMapOvr>
+    <a:masterClrMapping/>
+  </p:clrMapOvr>
+  <p:timing>
+    <p:tnLst>
+      <p:par>
+        <p:cTn id="1" dur="indefinite" restart="never" nodeType="tmRoot"/>
+      </p:par>
+    </p:tnLst>
+  </p:timing>
+</p:sld>
+</file>
+
+<file path=ppt/slides/slide27.xml><?xml version="1.0" encoding="utf-8"?>
+<p:sld xmlns:a="http://schemas.openxmlformats.org/drawingml/2006/main" xmlns:r="http://schemas.openxmlformats.org/officeDocument/2006/relationships" xmlns:p="http://schemas.openxmlformats.org/presentationml/2006/main">
+  <p:cSld>
+    <p:spTree>
+      <p:nvGrpSpPr>
+        <p:cNvPr id="1" name=""/>
+        <p:cNvGrpSpPr/>
+        <p:nvPr/>
+      </p:nvGrpSpPr>
+      <p:grpSpPr>
+        <a:xfrm>
+          <a:off x="0" y="0"/>
+          <a:ext cx="0" cy="0"/>
+          <a:chOff x="0" y="0"/>
+          <a:chExt cx="0" cy="0"/>
+        </a:xfrm>
+      </p:grpSpPr>
+      <p:sp>
+        <p:nvSpPr>
+          <p:cNvPr id="2" name="Title 1"/>
+          <p:cNvSpPr>
+            <a:spLocks noGrp="1"/>
+          </p:cNvSpPr>
+          <p:nvPr>
+            <p:ph type="title"/>
+          </p:nvPr>
+        </p:nvSpPr>
+        <p:spPr/>
+        <p:txBody>
+          <a:bodyPr/>
+          <a:lstStyle/>
+          <a:p>
+            <a:r>
+              <a:rPr lang="en-US" dirty="0"/>
+              <a:t>User </a:t>
+            </a:r>
+            <a:r>
+              <a:rPr lang="en-US" dirty="0" smtClean="0"/>
+              <a:t>Stories cont.</a:t>
+            </a:r>
+            <a:endParaRPr lang="en-US" dirty="0"/>
+          </a:p>
+        </p:txBody>
+      </p:sp>
+      <p:sp>
+        <p:nvSpPr>
+          <p:cNvPr id="3" name="Content Placeholder 2"/>
+          <p:cNvSpPr>
+            <a:spLocks noGrp="1"/>
+          </p:cNvSpPr>
+          <p:nvPr>
+            <p:ph sz="quarter" idx="15"/>
+          </p:nvPr>
+        </p:nvSpPr>
+        <p:spPr>
+          <a:xfrm>
+            <a:off x="711200" y="1387737"/>
+            <a:ext cx="10769600" cy="4795221"/>
+          </a:xfrm>
+        </p:spPr>
+        <p:txBody>
+          <a:bodyPr/>
+          <a:lstStyle/>
+          <a:p>
+            <a:pPr marL="342900" lvl="1" indent="-342900">
+              <a:buFont typeface="Arial" panose="020B0604020202020204" pitchFamily="34" charset="0"/>
+              <a:buChar char="•"/>
+            </a:pPr>
+            <a:r>
+              <a:rPr lang="en-US" dirty="0" smtClean="0"/>
+              <a:t>they </a:t>
+            </a:r>
+            <a:r>
+              <a:rPr lang="en-US" dirty="0"/>
+              <a:t>can be written at varying levels of detail. </a:t>
+            </a:r>
+            <a:endParaRPr lang="en-US" dirty="0" smtClean="0"/>
+          </a:p>
+          <a:p>
+            <a:pPr marL="342900" lvl="1" indent="-342900">
+              <a:buFont typeface="Arial" panose="020B0604020202020204" pitchFamily="34" charset="0"/>
+              <a:buChar char="•"/>
+            </a:pPr>
+            <a:r>
+              <a:rPr lang="en-US" dirty="0" smtClean="0"/>
+              <a:t>a </a:t>
+            </a:r>
+            <a:r>
+              <a:rPr lang="en-US" dirty="0"/>
+              <a:t>user </a:t>
+            </a:r>
+            <a:r>
+              <a:rPr lang="en-US" dirty="0" smtClean="0"/>
+              <a:t>story could be written to </a:t>
+            </a:r>
+            <a:r>
+              <a:rPr lang="en-US" dirty="0"/>
+              <a:t>cover large amounts of functionality. </a:t>
+            </a:r>
+            <a:endParaRPr lang="en-US" dirty="0" smtClean="0"/>
+          </a:p>
+          <a:p>
+            <a:pPr marL="891540" lvl="3" indent="-342900">
+              <a:buFont typeface="Arial" panose="020B0604020202020204" pitchFamily="34" charset="0"/>
+              <a:buChar char="•"/>
+            </a:pPr>
+            <a:r>
+              <a:rPr lang="en-US" dirty="0" smtClean="0"/>
+              <a:t>generally </a:t>
+            </a:r>
+            <a:r>
+              <a:rPr lang="en-US" dirty="0"/>
+              <a:t>known as </a:t>
+            </a:r>
+            <a:r>
+              <a:rPr lang="en-US" b="1" dirty="0"/>
+              <a:t>epics</a:t>
+            </a:r>
+            <a:r>
+              <a:rPr lang="en-US" dirty="0"/>
+              <a:t>. </a:t>
+            </a:r>
+            <a:endParaRPr lang="en-US" dirty="0" smtClean="0"/>
+          </a:p>
+          <a:p>
+            <a:pPr marL="342900" lvl="1" indent="-342900">
+              <a:buFont typeface="Arial" panose="020B0604020202020204" pitchFamily="34" charset="0"/>
+              <a:buChar char="•"/>
+            </a:pPr>
+            <a:r>
+              <a:rPr lang="en-US" dirty="0" smtClean="0"/>
+              <a:t>Example epic </a:t>
+            </a:r>
+            <a:r>
+              <a:rPr lang="en-US" dirty="0"/>
+              <a:t>agile user </a:t>
+            </a:r>
+            <a:r>
+              <a:rPr lang="en-US" dirty="0" smtClean="0"/>
+              <a:t>story </a:t>
+            </a:r>
+            <a:r>
+              <a:rPr lang="en-US" dirty="0"/>
+              <a:t>from a desktop backup </a:t>
+            </a:r>
+            <a:r>
+              <a:rPr lang="en-US" dirty="0" smtClean="0"/>
+              <a:t>product</a:t>
+            </a:r>
+            <a:r>
+              <a:rPr lang="en-US" dirty="0"/>
+              <a:t>;</a:t>
+            </a:r>
+          </a:p>
+          <a:p>
+            <a:pPr marL="891540" lvl="3" indent="-342900">
+              <a:buFont typeface="Arial" panose="020B0604020202020204" pitchFamily="34" charset="0"/>
+              <a:buChar char="•"/>
+            </a:pPr>
+            <a:r>
+              <a:rPr lang="en-US" b="1" dirty="0"/>
+              <a:t>As a user, I can backup my entire hard drive.</a:t>
+            </a:r>
+          </a:p>
+          <a:p>
+            <a:pPr marL="342900" lvl="1" indent="-342900">
+              <a:buFont typeface="Arial" panose="020B0604020202020204" pitchFamily="34" charset="0"/>
+              <a:buChar char="•"/>
+            </a:pPr>
+            <a:r>
+              <a:rPr lang="en-US" dirty="0" smtClean="0"/>
+              <a:t>an </a:t>
+            </a:r>
+            <a:r>
+              <a:rPr lang="en-US" b="1" dirty="0"/>
+              <a:t>epic</a:t>
+            </a:r>
+            <a:r>
+              <a:rPr lang="en-US" dirty="0"/>
+              <a:t> is generally </a:t>
+            </a:r>
+            <a:r>
+              <a:rPr lang="en-US" b="1" dirty="0"/>
+              <a:t>too large</a:t>
+            </a:r>
+            <a:r>
+              <a:rPr lang="en-US" dirty="0"/>
+              <a:t> for an agile team to complete in one iteration, </a:t>
+            </a:r>
+            <a:endParaRPr lang="en-US" dirty="0" smtClean="0"/>
+          </a:p>
+          <a:p>
+            <a:pPr marL="342900" lvl="1" indent="-342900">
+              <a:buFont typeface="Arial" panose="020B0604020202020204" pitchFamily="34" charset="0"/>
+              <a:buChar char="•"/>
+            </a:pPr>
+            <a:r>
+              <a:rPr lang="en-US" dirty="0" smtClean="0"/>
+              <a:t>it </a:t>
+            </a:r>
+            <a:r>
+              <a:rPr lang="en-US" dirty="0"/>
+              <a:t>is </a:t>
+            </a:r>
+            <a:r>
+              <a:rPr lang="en-US" b="1" dirty="0"/>
+              <a:t>split</a:t>
+            </a:r>
+            <a:r>
+              <a:rPr lang="en-US" dirty="0"/>
+              <a:t> into multiple </a:t>
+            </a:r>
+            <a:r>
+              <a:rPr lang="en-US" b="1" dirty="0"/>
+              <a:t>smaller user stories</a:t>
+            </a:r>
+            <a:r>
+              <a:rPr lang="en-US" dirty="0"/>
+              <a:t> before it is worked on. </a:t>
+            </a:r>
+            <a:endParaRPr lang="en-US" dirty="0" smtClean="0"/>
+          </a:p>
+          <a:p>
+            <a:pPr marL="342900" lvl="1" indent="-342900">
+              <a:buFont typeface="Arial" panose="020B0604020202020204" pitchFamily="34" charset="0"/>
+              <a:buChar char="•"/>
+            </a:pPr>
+            <a:r>
+              <a:rPr lang="en-US" dirty="0" smtClean="0"/>
+              <a:t>The </a:t>
+            </a:r>
+            <a:r>
+              <a:rPr lang="en-US" dirty="0"/>
+              <a:t>epic above could be split into </a:t>
+            </a:r>
+            <a:r>
+              <a:rPr lang="en-US" dirty="0" smtClean="0"/>
+              <a:t>many, </a:t>
+            </a:r>
+            <a:r>
+              <a:rPr lang="en-US" dirty="0"/>
+              <a:t>including these two</a:t>
+            </a:r>
+            <a:r>
+              <a:rPr lang="en-US" dirty="0" smtClean="0"/>
+              <a:t>:</a:t>
+            </a:r>
+            <a:endParaRPr lang="en-US" dirty="0"/>
+          </a:p>
+          <a:p>
+            <a:pPr marL="891540" lvl="3" indent="-342900">
+              <a:buFont typeface="Arial" panose="020B0604020202020204" pitchFamily="34" charset="0"/>
+              <a:buChar char="•"/>
+            </a:pPr>
+            <a:r>
+              <a:rPr lang="en-US" b="1" dirty="0"/>
+              <a:t>As a power user, I can specify files or folders to backup based on file size, date created and date modified.</a:t>
+            </a:r>
+          </a:p>
+          <a:p>
+            <a:pPr marL="891540" lvl="3" indent="-342900">
+              <a:buFont typeface="Arial" panose="020B0604020202020204" pitchFamily="34" charset="0"/>
+              <a:buChar char="•"/>
+            </a:pPr>
+            <a:r>
+              <a:rPr lang="en-US" b="1" dirty="0"/>
+              <a:t>As a user, I can indicate folders not to backup so that my backup drive isn't filled up with things I don't need saved.</a:t>
+            </a:r>
+          </a:p>
+        </p:txBody>
+      </p:sp>
+    </p:spTree>
+    <p:extLst>
+      <p:ext uri="{BB962C8B-B14F-4D97-AF65-F5344CB8AC3E}">
+        <p14:creationId xmlns:p14="http://schemas.microsoft.com/office/powerpoint/2010/main" val="965476637"/>
+      </p:ext>
+    </p:extLst>
+  </p:cSld>
+  <p:clrMapOvr>
+    <a:masterClrMapping/>
+  </p:clrMapOvr>
+  <p:timing>
+    <p:tnLst>
+      <p:par>
+        <p:cTn id="1" dur="indefinite" restart="never" nodeType="tmRoot"/>
+      </p:par>
+    </p:tnLst>
+  </p:timing>
+</p:sld>
+</file>
+
+<file path=ppt/slides/slide28.xml><?xml version="1.0" encoding="utf-8"?>
+<p:sld xmlns:a="http://schemas.openxmlformats.org/drawingml/2006/main" xmlns:r="http://schemas.openxmlformats.org/officeDocument/2006/relationships" xmlns:p="http://schemas.openxmlformats.org/presentationml/2006/main">
+  <p:cSld>
+    <p:spTree>
+      <p:nvGrpSpPr>
+        <p:cNvPr id="1" name=""/>
+        <p:cNvGrpSpPr/>
+        <p:nvPr/>
+      </p:nvGrpSpPr>
+      <p:grpSpPr>
+        <a:xfrm>
+          <a:off x="0" y="0"/>
+          <a:ext cx="0" cy="0"/>
+          <a:chOff x="0" y="0"/>
+          <a:chExt cx="0" cy="0"/>
+        </a:xfrm>
+      </p:grpSpPr>
+      <p:pic>
+        <p:nvPicPr>
+          <p:cNvPr id="7172" name="Picture 4" descr="Image result for scrum user story"/>
+          <p:cNvPicPr>
+            <a:picLocks noChangeAspect="1" noChangeArrowheads="1"/>
+          </p:cNvPicPr>
+          <p:nvPr/>
+        </p:nvPicPr>
+        <p:blipFill>
+          <a:blip r:embed="rId2">
+            <a:extLst>
+              <a:ext uri="{28A0092B-C50C-407E-A947-70E740481C1C}">
+                <a14:useLocalDpi xmlns:a14="http://schemas.microsoft.com/office/drawing/2010/main" val="0"/>
+              </a:ext>
+            </a:extLst>
+          </a:blip>
+          <a:srcRect/>
+          <a:stretch>
+            <a:fillRect/>
+          </a:stretch>
+        </p:blipFill>
+        <p:spPr bwMode="auto">
+          <a:xfrm>
+            <a:off x="413758" y="1022742"/>
+            <a:ext cx="11264448" cy="5023056"/>
+          </a:xfrm>
+          <a:prstGeom prst="rect">
+            <a:avLst/>
+          </a:prstGeom>
+          <a:noFill/>
+          <a:extLst>
+            <a:ext uri="{909E8E84-426E-40DD-AFC4-6F175D3DCCD1}">
+              <a14:hiddenFill xmlns:a14="http://schemas.microsoft.com/office/drawing/2010/main">
+                <a:solidFill>
+                  <a:srgbClr val="FFFFFF"/>
+                </a:solidFill>
+              </a14:hiddenFill>
+            </a:ext>
+          </a:extLst>
+        </p:spPr>
+      </p:pic>
+    </p:spTree>
+    <p:extLst>
+      <p:ext uri="{BB962C8B-B14F-4D97-AF65-F5344CB8AC3E}">
+        <p14:creationId xmlns:p14="http://schemas.microsoft.com/office/powerpoint/2010/main" val="3130021453"/>
+      </p:ext>
+    </p:extLst>
+  </p:cSld>
+  <p:clrMapOvr>
+    <a:masterClrMapping/>
+  </p:clrMapOvr>
+  <p:timing>
+    <p:tnLst>
+      <p:par>
+        <p:cTn id="1" dur="indefinite" restart="never" nodeType="tmRoot"/>
+      </p:par>
+    </p:tnLst>
+  </p:timing>
+</p:sld>
+</file>
+
+<file path=ppt/slides/slide29.xml><?xml version="1.0" encoding="utf-8"?>
+<p:sld xmlns:a="http://schemas.openxmlformats.org/drawingml/2006/main" xmlns:r="http://schemas.openxmlformats.org/officeDocument/2006/relationships" xmlns:p="http://schemas.openxmlformats.org/presentationml/2006/main">
+  <p:cSld>
+    <p:spTree>
+      <p:nvGrpSpPr>
+        <p:cNvPr id="1" name=""/>
+        <p:cNvGrpSpPr/>
+        <p:nvPr/>
+      </p:nvGrpSpPr>
+      <p:grpSpPr>
+        <a:xfrm>
+          <a:off x="0" y="0"/>
+          <a:ext cx="0" cy="0"/>
+          <a:chOff x="0" y="0"/>
+          <a:chExt cx="0" cy="0"/>
+        </a:xfrm>
+      </p:grpSpPr>
+      <p:pic>
+        <p:nvPicPr>
+          <p:cNvPr id="4" name="Picture 3"/>
+          <p:cNvPicPr>
+            <a:picLocks noChangeAspect="1"/>
+          </p:cNvPicPr>
+          <p:nvPr/>
+        </p:nvPicPr>
+        <p:blipFill>
+          <a:blip r:embed="rId2"/>
+          <a:stretch>
+            <a:fillRect/>
+          </a:stretch>
+        </p:blipFill>
+        <p:spPr>
+          <a:xfrm>
+            <a:off x="141667" y="289275"/>
+            <a:ext cx="11911542" cy="6266072"/>
+          </a:xfrm>
+          <a:prstGeom prst="rect">
+            <a:avLst/>
+          </a:prstGeom>
+        </p:spPr>
+      </p:pic>
+    </p:spTree>
+    <p:extLst>
+      <p:ext uri="{BB962C8B-B14F-4D97-AF65-F5344CB8AC3E}">
+        <p14:creationId xmlns:p14="http://schemas.microsoft.com/office/powerpoint/2010/main" val="2959819623"/>
+      </p:ext>
+    </p:extLst>
+  </p:cSld>
+  <p:clrMapOvr>
+    <a:masterClrMapping/>
+  </p:clrMapOvr>
+  <p:timing>
+    <p:tnLst>
+      <p:par>
+        <p:cTn id="1" dur="indefinite" restart="never" nodeType="tmRoot"/>
+      </p:par>
+    </p:tnLst>
+  </p:timing>
 </p:sld>
 </file>
 
@@ -17380,7 +20357,7 @@
           <a:bodyPr/>
           <a:lstStyle/>
           <a:p>
-            <a:pPr marL="68580" indent="-342900">
+            <a:pPr marL="342900" indent="-342900">
               <a:buFont typeface="Arial" panose="020B0604020202020204" pitchFamily="34" charset="0"/>
               <a:buChar char="•"/>
             </a:pPr>
@@ -17415,7 +20392,7 @@
             <a:endParaRPr lang="en-GB" dirty="0" smtClean="0"/>
           </a:p>
           <a:p>
-            <a:pPr marL="68580" indent="-342900">
+            <a:pPr marL="342900" indent="-342900">
               <a:buFont typeface="Arial" panose="020B0604020202020204" pitchFamily="34" charset="0"/>
               <a:buChar char="•"/>
             </a:pPr>
@@ -17448,20 +20425,14 @@
             <a:endParaRPr lang="en-GB" dirty="0" smtClean="0"/>
           </a:p>
           <a:p>
-            <a:pPr marL="68580" indent="-342900">
-              <a:buFont typeface="Arial" panose="020B0604020202020204" pitchFamily="34" charset="0"/>
-              <a:buChar char="•"/>
-            </a:pPr>
+            <a:pPr indent="0"/>
             <a:r>
               <a:rPr lang="en-GB" dirty="0" smtClean="0"/>
               <a:t>In Agile,</a:t>
             </a:r>
           </a:p>
           <a:p>
-            <a:pPr marL="617220" lvl="2" indent="-342900">
-              <a:buFont typeface="Arial" panose="020B0604020202020204" pitchFamily="34" charset="0"/>
-              <a:buChar char="•"/>
-            </a:pPr>
+            <a:pPr lvl="2"/>
             <a:r>
               <a:rPr lang="en-GB" dirty="0" smtClean="0"/>
               <a:t>Projects are broken </a:t>
@@ -17499,10 +20470,7 @@
             </a:r>
           </a:p>
           <a:p>
-            <a:pPr marL="617220" lvl="2" indent="-342900">
-              <a:buFont typeface="Arial" panose="020B0604020202020204" pitchFamily="34" charset="0"/>
-              <a:buChar char="•"/>
-            </a:pPr>
+            <a:pPr lvl="2"/>
             <a:r>
               <a:rPr lang="en-GB" dirty="0" smtClean="0"/>
               <a:t>User Stories are </a:t>
@@ -17513,10 +20481,7 @@
             </a:r>
           </a:p>
           <a:p>
-            <a:pPr marL="617220" lvl="2" indent="-342900">
-              <a:buFont typeface="Arial" panose="020B0604020202020204" pitchFamily="34" charset="0"/>
-              <a:buChar char="•"/>
-            </a:pPr>
+            <a:pPr lvl="2"/>
             <a:r>
               <a:rPr lang="en-GB" dirty="0"/>
               <a:t>User Stories are </a:t>
@@ -17621,6 +20586,934 @@
 </p:sld>
 </file>
 
+<file path=ppt/slides/slide30.xml><?xml version="1.0" encoding="utf-8"?>
+<p:sld xmlns:a="http://schemas.openxmlformats.org/drawingml/2006/main" xmlns:r="http://schemas.openxmlformats.org/officeDocument/2006/relationships" xmlns:p="http://schemas.openxmlformats.org/presentationml/2006/main">
+  <p:cSld>
+    <p:spTree>
+      <p:nvGrpSpPr>
+        <p:cNvPr id="1" name=""/>
+        <p:cNvGrpSpPr/>
+        <p:nvPr/>
+      </p:nvGrpSpPr>
+      <p:grpSpPr>
+        <a:xfrm>
+          <a:off x="0" y="0"/>
+          <a:ext cx="0" cy="0"/>
+          <a:chOff x="0" y="0"/>
+          <a:chExt cx="0" cy="0"/>
+        </a:xfrm>
+      </p:grpSpPr>
+      <p:sp>
+        <p:nvSpPr>
+          <p:cNvPr id="2" name="Title 1"/>
+          <p:cNvSpPr>
+            <a:spLocks noGrp="1"/>
+          </p:cNvSpPr>
+          <p:nvPr>
+            <p:ph type="title"/>
+          </p:nvPr>
+        </p:nvSpPr>
+        <p:spPr/>
+        <p:txBody>
+          <a:bodyPr/>
+          <a:lstStyle/>
+          <a:p>
+            <a:r>
+              <a:rPr lang="en-GB" dirty="0"/>
+              <a:t>The Scrum framework in </a:t>
+            </a:r>
+            <a:r>
+              <a:rPr lang="en-GB" dirty="0" smtClean="0"/>
+              <a:t>action</a:t>
+            </a:r>
+            <a:endParaRPr lang="en-US" dirty="0"/>
+          </a:p>
+        </p:txBody>
+      </p:sp>
+      <p:sp>
+        <p:nvSpPr>
+          <p:cNvPr id="3" name="Content Placeholder 2"/>
+          <p:cNvSpPr>
+            <a:spLocks noGrp="1"/>
+          </p:cNvSpPr>
+          <p:nvPr>
+            <p:ph sz="quarter" idx="15"/>
+          </p:nvPr>
+        </p:nvSpPr>
+        <p:spPr/>
+        <p:txBody>
+          <a:bodyPr/>
+          <a:lstStyle/>
+          <a:p>
+            <a:pPr marL="457200" indent="-457200">
+              <a:buFont typeface="+mj-lt"/>
+              <a:buAutoNum type="arabicPeriod"/>
+            </a:pPr>
+            <a:r>
+              <a:rPr lang="en-GB" dirty="0"/>
+              <a:t>A </a:t>
+            </a:r>
+            <a:r>
+              <a:rPr lang="en-GB" b="1" dirty="0"/>
+              <a:t>product owner</a:t>
+            </a:r>
+            <a:r>
+              <a:rPr lang="en-GB" dirty="0"/>
+              <a:t> creates a prioritized wish list called a </a:t>
+            </a:r>
+            <a:r>
+              <a:rPr lang="en-GB" b="1" dirty="0"/>
+              <a:t>product </a:t>
+            </a:r>
+            <a:r>
+              <a:rPr lang="en-GB" b="1" dirty="0" smtClean="0"/>
+              <a:t>backlog </a:t>
+            </a:r>
+            <a:r>
+              <a:rPr lang="en-GB" dirty="0" smtClean="0"/>
+              <a:t>containing</a:t>
+            </a:r>
+            <a:r>
+              <a:rPr lang="en-GB" b="1" dirty="0" smtClean="0"/>
+              <a:t> user stories</a:t>
+            </a:r>
+            <a:r>
+              <a:rPr lang="en-GB" dirty="0" smtClean="0"/>
+              <a:t>.</a:t>
+            </a:r>
+            <a:endParaRPr lang="en-GB" dirty="0"/>
+          </a:p>
+          <a:p>
+            <a:pPr marL="457200" indent="-457200">
+              <a:buFont typeface="+mj-lt"/>
+              <a:buAutoNum type="arabicPeriod"/>
+            </a:pPr>
+            <a:r>
+              <a:rPr lang="en-GB" dirty="0"/>
+              <a:t>During </a:t>
+            </a:r>
+            <a:r>
+              <a:rPr lang="en-GB" b="1" dirty="0"/>
+              <a:t>sprint</a:t>
+            </a:r>
+            <a:r>
+              <a:rPr lang="en-GB" dirty="0"/>
+              <a:t> </a:t>
+            </a:r>
+            <a:r>
+              <a:rPr lang="en-GB" b="1" dirty="0"/>
+              <a:t>planning</a:t>
+            </a:r>
+            <a:r>
+              <a:rPr lang="en-GB" dirty="0"/>
+              <a:t>, the team pulls a small chunk from the top of that wish list, a </a:t>
+            </a:r>
+            <a:r>
+              <a:rPr lang="en-GB" b="1" dirty="0"/>
+              <a:t>sprint backlog</a:t>
+            </a:r>
+            <a:r>
+              <a:rPr lang="en-GB" dirty="0"/>
+              <a:t>, and decides how to implement those pieces.</a:t>
+            </a:r>
+          </a:p>
+          <a:p>
+            <a:pPr marL="457200" indent="-457200">
+              <a:buFont typeface="+mj-lt"/>
+              <a:buAutoNum type="arabicPeriod"/>
+            </a:pPr>
+            <a:r>
+              <a:rPr lang="en-GB" dirty="0"/>
+              <a:t>The </a:t>
+            </a:r>
+            <a:r>
+              <a:rPr lang="en-GB" b="1" dirty="0" smtClean="0"/>
+              <a:t>development</a:t>
+            </a:r>
+            <a:r>
+              <a:rPr lang="en-GB" dirty="0" smtClean="0"/>
+              <a:t> </a:t>
+            </a:r>
+            <a:r>
+              <a:rPr lang="en-GB" b="1" dirty="0" smtClean="0"/>
+              <a:t>team</a:t>
+            </a:r>
+            <a:r>
+              <a:rPr lang="en-GB" dirty="0" smtClean="0"/>
+              <a:t> </a:t>
+            </a:r>
+            <a:r>
+              <a:rPr lang="en-GB" dirty="0"/>
+              <a:t>has a certain amount of time — a sprint (usually two to four weeks) — to complete its work, but it meets each day to assess its progress (</a:t>
+            </a:r>
+            <a:r>
+              <a:rPr lang="en-GB" b="1" dirty="0"/>
+              <a:t>daily Scrum</a:t>
+            </a:r>
+            <a:r>
+              <a:rPr lang="en-GB" dirty="0"/>
+              <a:t>).</a:t>
+            </a:r>
+          </a:p>
+          <a:p>
+            <a:pPr marL="457200" indent="-457200">
+              <a:buFont typeface="+mj-lt"/>
+              <a:buAutoNum type="arabicPeriod"/>
+            </a:pPr>
+            <a:r>
+              <a:rPr lang="en-GB" dirty="0"/>
+              <a:t>Along the way, the </a:t>
+            </a:r>
+            <a:r>
+              <a:rPr lang="en-GB" b="1" dirty="0" err="1"/>
+              <a:t>ScrumMaster</a:t>
+            </a:r>
+            <a:r>
+              <a:rPr lang="en-GB" dirty="0"/>
+              <a:t> keeps the team focused on its goal.</a:t>
+            </a:r>
+          </a:p>
+          <a:p>
+            <a:pPr marL="457200" indent="-457200">
+              <a:buFont typeface="+mj-lt"/>
+              <a:buAutoNum type="arabicPeriod"/>
+            </a:pPr>
+            <a:r>
+              <a:rPr lang="en-GB" dirty="0"/>
+              <a:t>At the end of the sprint, the work should be potentially shippable: ready to hand to a customer, put on a store shelf, or show to a stakeholder.</a:t>
+            </a:r>
+          </a:p>
+          <a:p>
+            <a:pPr marL="457200" indent="-457200">
+              <a:buFont typeface="+mj-lt"/>
+              <a:buAutoNum type="arabicPeriod"/>
+            </a:pPr>
+            <a:r>
+              <a:rPr lang="en-GB" dirty="0"/>
+              <a:t>The sprint ends with a </a:t>
+            </a:r>
+            <a:r>
+              <a:rPr lang="en-GB" b="1" dirty="0"/>
+              <a:t>sprint review</a:t>
+            </a:r>
+            <a:r>
+              <a:rPr lang="en-GB" dirty="0"/>
+              <a:t> and </a:t>
+            </a:r>
+            <a:r>
+              <a:rPr lang="en-GB" b="1" dirty="0"/>
+              <a:t>retrospective</a:t>
+            </a:r>
+            <a:r>
+              <a:rPr lang="en-GB" dirty="0"/>
+              <a:t>.</a:t>
+            </a:r>
+          </a:p>
+          <a:p>
+            <a:pPr marL="457200" indent="-457200">
+              <a:buFont typeface="+mj-lt"/>
+              <a:buAutoNum type="arabicPeriod"/>
+            </a:pPr>
+            <a:r>
+              <a:rPr lang="en-GB" dirty="0"/>
+              <a:t>As the next sprint begins, the team chooses another chunk of the product backlog and begins working again.</a:t>
+            </a:r>
+            <a:endParaRPr lang="en-US" dirty="0"/>
+          </a:p>
+        </p:txBody>
+      </p:sp>
+    </p:spTree>
+    <p:extLst>
+      <p:ext uri="{BB962C8B-B14F-4D97-AF65-F5344CB8AC3E}">
+        <p14:creationId xmlns:p14="http://schemas.microsoft.com/office/powerpoint/2010/main" val="3138179726"/>
+      </p:ext>
+    </p:extLst>
+  </p:cSld>
+  <p:clrMapOvr>
+    <a:masterClrMapping/>
+  </p:clrMapOvr>
+  <p:timing>
+    <p:tnLst>
+      <p:par>
+        <p:cTn id="1" dur="indefinite" restart="never" nodeType="tmRoot"/>
+      </p:par>
+    </p:tnLst>
+  </p:timing>
+</p:sld>
+</file>
+
+<file path=ppt/slides/slide31.xml><?xml version="1.0" encoding="utf-8"?>
+<p:sld xmlns:a="http://schemas.openxmlformats.org/drawingml/2006/main" xmlns:r="http://schemas.openxmlformats.org/officeDocument/2006/relationships" xmlns:p="http://schemas.openxmlformats.org/presentationml/2006/main">
+  <p:cSld>
+    <p:spTree>
+      <p:nvGrpSpPr>
+        <p:cNvPr id="1" name=""/>
+        <p:cNvGrpSpPr/>
+        <p:nvPr/>
+      </p:nvGrpSpPr>
+      <p:grpSpPr>
+        <a:xfrm>
+          <a:off x="0" y="0"/>
+          <a:ext cx="0" cy="0"/>
+          <a:chOff x="0" y="0"/>
+          <a:chExt cx="0" cy="0"/>
+        </a:xfrm>
+      </p:grpSpPr>
+      <p:sp>
+        <p:nvSpPr>
+          <p:cNvPr id="2" name="Title 1"/>
+          <p:cNvSpPr>
+            <a:spLocks noGrp="1"/>
+          </p:cNvSpPr>
+          <p:nvPr>
+            <p:ph type="title"/>
+          </p:nvPr>
+        </p:nvSpPr>
+        <p:spPr/>
+        <p:txBody>
+          <a:bodyPr/>
+          <a:lstStyle/>
+          <a:p>
+            <a:r>
+              <a:rPr lang="en-US" dirty="0"/>
+              <a:t>5 Tips to Manage Scrum Processes in the Real World</a:t>
+            </a:r>
+          </a:p>
+        </p:txBody>
+      </p:sp>
+      <p:sp>
+        <p:nvSpPr>
+          <p:cNvPr id="3" name="Content Placeholder 2"/>
+          <p:cNvSpPr>
+            <a:spLocks noGrp="1"/>
+          </p:cNvSpPr>
+          <p:nvPr>
+            <p:ph sz="quarter" idx="15"/>
+          </p:nvPr>
+        </p:nvSpPr>
+        <p:spPr>
+          <a:xfrm>
+            <a:off x="711200" y="1312432"/>
+            <a:ext cx="10769600" cy="5346551"/>
+          </a:xfrm>
+        </p:spPr>
+        <p:txBody>
+          <a:bodyPr/>
+          <a:lstStyle/>
+          <a:p>
+            <a:pPr marL="457200" lvl="1" indent="-457200">
+              <a:buFont typeface="+mj-lt"/>
+              <a:buAutoNum type="arabicPeriod"/>
+            </a:pPr>
+            <a:r>
+              <a:rPr lang="en-US" b="1" dirty="0" smtClean="0"/>
+              <a:t>Be </a:t>
+            </a:r>
+            <a:r>
+              <a:rPr lang="en-US" b="1" dirty="0"/>
+              <a:t>Dedicated to the Daily Scrum </a:t>
+            </a:r>
+            <a:r>
+              <a:rPr lang="en-US" b="1" dirty="0" smtClean="0"/>
+              <a:t>Meeting</a:t>
+            </a:r>
+            <a:endParaRPr lang="en-US" b="1" dirty="0"/>
+          </a:p>
+          <a:p>
+            <a:pPr lvl="3"/>
+            <a:r>
+              <a:rPr lang="en-US" sz="1800" dirty="0" smtClean="0"/>
+              <a:t>Even </a:t>
+            </a:r>
+            <a:r>
+              <a:rPr lang="en-US" sz="1800" dirty="0"/>
+              <a:t>if only a few team members are able to attend on any given day, </a:t>
+            </a:r>
+            <a:r>
+              <a:rPr lang="en-US" sz="1800" b="1" dirty="0"/>
+              <a:t>NEVER</a:t>
+            </a:r>
+            <a:r>
+              <a:rPr lang="en-US" sz="1800" dirty="0"/>
+              <a:t> cancel a daily Scrum meeting. </a:t>
+            </a:r>
+            <a:endParaRPr lang="en-US" sz="1800" dirty="0" smtClean="0"/>
+          </a:p>
+          <a:p>
+            <a:pPr lvl="3"/>
+            <a:r>
+              <a:rPr lang="en-US" sz="1800" dirty="0"/>
+              <a:t>Once you cancel one, it becomes easier to cancel the </a:t>
+            </a:r>
+            <a:r>
+              <a:rPr lang="en-US" sz="1800" dirty="0" smtClean="0"/>
+              <a:t>next</a:t>
+            </a:r>
+          </a:p>
+          <a:p>
+            <a:pPr marL="342900" lvl="1" indent="-342900">
+              <a:buFont typeface="+mj-lt"/>
+              <a:buAutoNum type="arabicPeriod"/>
+            </a:pPr>
+            <a:r>
+              <a:rPr lang="en-US" b="1" dirty="0"/>
+              <a:t>Enlist a Strong Scrum </a:t>
+            </a:r>
+            <a:r>
+              <a:rPr lang="en-US" b="1" dirty="0" smtClean="0"/>
+              <a:t>Master</a:t>
+            </a:r>
+          </a:p>
+          <a:p>
+            <a:pPr lvl="3"/>
+            <a:r>
+              <a:rPr lang="en-US" sz="1800" dirty="0"/>
+              <a:t>The Scrum Master (similar to a Project Manager) acts as the day-to-day lead for the team</a:t>
+            </a:r>
+            <a:r>
+              <a:rPr lang="en-US" sz="1800" dirty="0" smtClean="0"/>
+              <a:t>.</a:t>
+            </a:r>
+          </a:p>
+          <a:p>
+            <a:pPr marL="342900" lvl="1" indent="-342900">
+              <a:buFont typeface="+mj-lt"/>
+              <a:buAutoNum type="arabicPeriod"/>
+            </a:pPr>
+            <a:r>
+              <a:rPr lang="en-US" b="1" dirty="0"/>
+              <a:t>Make Scrum and Agile training a high </a:t>
+            </a:r>
+            <a:r>
+              <a:rPr lang="en-US" b="1" dirty="0"/>
+              <a:t>priority</a:t>
+            </a:r>
+          </a:p>
+          <a:p>
+            <a:pPr lvl="3"/>
+            <a:r>
+              <a:rPr lang="en-US" sz="1800" dirty="0"/>
+              <a:t>training </a:t>
+            </a:r>
+            <a:r>
+              <a:rPr lang="en-US" sz="1800" dirty="0" smtClean="0"/>
+              <a:t>the </a:t>
+            </a:r>
+            <a:r>
+              <a:rPr lang="en-US" sz="1800" dirty="0"/>
+              <a:t>team on Scrum and Agile development is key to ensure each member understands how to play a role </a:t>
+            </a:r>
+            <a:endParaRPr lang="en-US" sz="1800" dirty="0" smtClean="0"/>
+          </a:p>
+          <a:p>
+            <a:pPr marL="342900" lvl="1" indent="-342900">
+              <a:buFont typeface="+mj-lt"/>
+              <a:buAutoNum type="arabicPeriod"/>
+            </a:pPr>
+            <a:r>
+              <a:rPr lang="en-US" b="1" dirty="0"/>
+              <a:t>Obtain complete </a:t>
+            </a:r>
+            <a:r>
+              <a:rPr lang="en-US" b="1" dirty="0"/>
+              <a:t>buy-in</a:t>
+            </a:r>
+          </a:p>
+          <a:p>
+            <a:pPr lvl="3"/>
+            <a:r>
+              <a:rPr lang="en-US" sz="1800" dirty="0"/>
+              <a:t>if the </a:t>
+            </a:r>
+            <a:r>
+              <a:rPr lang="en-US" sz="1800" b="1" dirty="0"/>
+              <a:t>organizational culture</a:t>
+            </a:r>
+            <a:r>
+              <a:rPr lang="en-US" sz="1800" dirty="0"/>
+              <a:t> does not change to accept and support a full transition to an agile way of working, the </a:t>
+            </a:r>
+            <a:r>
+              <a:rPr lang="en-US" sz="1800" b="1" dirty="0"/>
+              <a:t>transformation will fail</a:t>
+            </a:r>
+            <a:r>
+              <a:rPr lang="en-US" sz="1800" dirty="0"/>
+              <a:t>. </a:t>
+            </a:r>
+          </a:p>
+          <a:p>
+            <a:pPr marL="342900" lvl="1" indent="-342900">
+              <a:buFont typeface="+mj-lt"/>
+              <a:buAutoNum type="arabicPeriod"/>
+            </a:pPr>
+            <a:r>
+              <a:rPr lang="en-US" b="1" dirty="0"/>
+              <a:t>Record</a:t>
+            </a:r>
+            <a:r>
+              <a:rPr lang="en-US" b="1" dirty="0"/>
+              <a:t>, Report and Rejoice </a:t>
+            </a:r>
+            <a:r>
+              <a:rPr lang="en-US" b="1" dirty="0" smtClean="0"/>
+              <a:t>Result</a:t>
+            </a:r>
+          </a:p>
+          <a:p>
+            <a:pPr lvl="3"/>
+            <a:r>
+              <a:rPr lang="en-US" sz="1800" dirty="0"/>
+              <a:t>Agile is not just a theory. Its success can be validated. </a:t>
+            </a:r>
+            <a:r>
+              <a:rPr lang="en-US" sz="1800" dirty="0"/>
+              <a:t>rejoice with </a:t>
+            </a:r>
+            <a:r>
+              <a:rPr lang="en-US" sz="1800" dirty="0" smtClean="0"/>
+              <a:t>the </a:t>
+            </a:r>
+            <a:r>
+              <a:rPr lang="en-US" sz="1800" dirty="0"/>
+              <a:t>team and celebrate </a:t>
+            </a:r>
+            <a:r>
+              <a:rPr lang="en-US" sz="1800" dirty="0" smtClean="0"/>
+              <a:t>the </a:t>
+            </a:r>
+            <a:r>
+              <a:rPr lang="en-US" sz="1800" dirty="0"/>
+              <a:t>accomplishments.</a:t>
+            </a:r>
+          </a:p>
+        </p:txBody>
+      </p:sp>
+    </p:spTree>
+    <p:extLst>
+      <p:ext uri="{BB962C8B-B14F-4D97-AF65-F5344CB8AC3E}">
+        <p14:creationId xmlns:p14="http://schemas.microsoft.com/office/powerpoint/2010/main" val="3850543532"/>
+      </p:ext>
+    </p:extLst>
+  </p:cSld>
+  <p:clrMapOvr>
+    <a:masterClrMapping/>
+  </p:clrMapOvr>
+  <p:timing>
+    <p:tnLst>
+      <p:par>
+        <p:cTn id="1" dur="indefinite" restart="never" nodeType="tmRoot"/>
+      </p:par>
+    </p:tnLst>
+  </p:timing>
+</p:sld>
+</file>
+
+<file path=ppt/slides/slide32.xml><?xml version="1.0" encoding="utf-8"?>
+<p:sld xmlns:a="http://schemas.openxmlformats.org/drawingml/2006/main" xmlns:r="http://schemas.openxmlformats.org/officeDocument/2006/relationships" xmlns:p="http://schemas.openxmlformats.org/presentationml/2006/main">
+  <p:cSld>
+    <p:spTree>
+      <p:nvGrpSpPr>
+        <p:cNvPr id="1" name=""/>
+        <p:cNvGrpSpPr/>
+        <p:nvPr/>
+      </p:nvGrpSpPr>
+      <p:grpSpPr>
+        <a:xfrm>
+          <a:off x="0" y="0"/>
+          <a:ext cx="0" cy="0"/>
+          <a:chOff x="0" y="0"/>
+          <a:chExt cx="0" cy="0"/>
+        </a:xfrm>
+      </p:grpSpPr>
+      <p:sp>
+        <p:nvSpPr>
+          <p:cNvPr id="2" name="Title 1"/>
+          <p:cNvSpPr>
+            <a:spLocks noGrp="1"/>
+          </p:cNvSpPr>
+          <p:nvPr>
+            <p:ph type="title"/>
+          </p:nvPr>
+        </p:nvSpPr>
+        <p:spPr/>
+        <p:txBody>
+          <a:bodyPr/>
+          <a:lstStyle/>
+          <a:p>
+            <a:r>
+              <a:rPr lang="en-US" dirty="0"/>
+              <a:t>Practice Makes Perfect</a:t>
+            </a:r>
+          </a:p>
+        </p:txBody>
+      </p:sp>
+      <p:sp>
+        <p:nvSpPr>
+          <p:cNvPr id="3" name="Content Placeholder 2"/>
+          <p:cNvSpPr>
+            <a:spLocks noGrp="1"/>
+          </p:cNvSpPr>
+          <p:nvPr>
+            <p:ph sz="quarter" idx="15"/>
+          </p:nvPr>
+        </p:nvSpPr>
+        <p:spPr/>
+        <p:txBody>
+          <a:bodyPr/>
+          <a:lstStyle/>
+          <a:p>
+            <a:pPr algn="ctr"/>
+            <a:r>
+              <a:rPr lang="en-US" sz="2800" dirty="0"/>
+              <a:t>To successfully manage Scrum processes, there is no substitute for </a:t>
+            </a:r>
+            <a:r>
+              <a:rPr lang="en-US" sz="2800" b="1" dirty="0"/>
+              <a:t>practice</a:t>
+            </a:r>
+            <a:r>
+              <a:rPr lang="en-US" sz="2800" dirty="0"/>
+              <a:t>. </a:t>
+            </a:r>
+            <a:endParaRPr lang="en-US" sz="2800" dirty="0" smtClean="0"/>
+          </a:p>
+          <a:p>
+            <a:pPr algn="ctr"/>
+            <a:endParaRPr lang="en-US" sz="2800" dirty="0" smtClean="0"/>
+          </a:p>
+          <a:p>
+            <a:pPr algn="ctr"/>
+            <a:r>
+              <a:rPr lang="en-US" sz="2800" dirty="0" smtClean="0"/>
+              <a:t>The </a:t>
+            </a:r>
+            <a:r>
+              <a:rPr lang="en-US" sz="2800" dirty="0"/>
+              <a:t>more you do it, the better you will become. </a:t>
+            </a:r>
+          </a:p>
+        </p:txBody>
+      </p:sp>
+    </p:spTree>
+    <p:extLst>
+      <p:ext uri="{BB962C8B-B14F-4D97-AF65-F5344CB8AC3E}">
+        <p14:creationId xmlns:p14="http://schemas.microsoft.com/office/powerpoint/2010/main" val="159361958"/>
+      </p:ext>
+    </p:extLst>
+  </p:cSld>
+  <p:clrMapOvr>
+    <a:masterClrMapping/>
+  </p:clrMapOvr>
+  <p:timing>
+    <p:tnLst>
+      <p:par>
+        <p:cTn id="1" dur="indefinite" restart="never" nodeType="tmRoot"/>
+      </p:par>
+    </p:tnLst>
+  </p:timing>
+</p:sld>
+</file>
+
+<file path=ppt/slides/slide33.xml><?xml version="1.0" encoding="utf-8"?>
+<p:sld xmlns:a="http://schemas.openxmlformats.org/drawingml/2006/main" xmlns:r="http://schemas.openxmlformats.org/officeDocument/2006/relationships" xmlns:p="http://schemas.openxmlformats.org/presentationml/2006/main">
+  <p:cSld>
+    <p:spTree>
+      <p:nvGrpSpPr>
+        <p:cNvPr id="1" name=""/>
+        <p:cNvGrpSpPr/>
+        <p:nvPr/>
+      </p:nvGrpSpPr>
+      <p:grpSpPr>
+        <a:xfrm>
+          <a:off x="0" y="0"/>
+          <a:ext cx="0" cy="0"/>
+          <a:chOff x="0" y="0"/>
+          <a:chExt cx="0" cy="0"/>
+        </a:xfrm>
+      </p:grpSpPr>
+      <p:sp>
+        <p:nvSpPr>
+          <p:cNvPr id="2" name="Title 1"/>
+          <p:cNvSpPr>
+            <a:spLocks noGrp="1"/>
+          </p:cNvSpPr>
+          <p:nvPr>
+            <p:ph type="title"/>
+          </p:nvPr>
+        </p:nvSpPr>
+        <p:spPr/>
+        <p:txBody>
+          <a:bodyPr/>
+          <a:lstStyle/>
+          <a:p>
+            <a:r>
+              <a:rPr lang="en-US" dirty="0" smtClean="0"/>
+              <a:t>Reference/Further Readings</a:t>
+            </a:r>
+            <a:endParaRPr lang="en-US" dirty="0"/>
+          </a:p>
+        </p:txBody>
+      </p:sp>
+      <p:sp>
+        <p:nvSpPr>
+          <p:cNvPr id="3" name="Content Placeholder 2"/>
+          <p:cNvSpPr>
+            <a:spLocks noGrp="1"/>
+          </p:cNvSpPr>
+          <p:nvPr>
+            <p:ph sz="quarter" idx="15"/>
+          </p:nvPr>
+        </p:nvSpPr>
+        <p:spPr>
+          <a:xfrm>
+            <a:off x="711200" y="1161826"/>
+            <a:ext cx="10769600" cy="5010374"/>
+          </a:xfrm>
+        </p:spPr>
+        <p:txBody>
+          <a:bodyPr/>
+          <a:lstStyle/>
+          <a:p>
+            <a:r>
+              <a:rPr lang="en-US" dirty="0">
+                <a:hlinkClick r:id="rId2"/>
+              </a:rPr>
+              <a:t>https://</a:t>
+            </a:r>
+            <a:r>
+              <a:rPr lang="en-US" dirty="0" smtClean="0">
+                <a:hlinkClick r:id="rId2"/>
+              </a:rPr>
+              <a:t>www.scrum.org/resources/what-is-scrum</a:t>
+            </a:r>
+            <a:endParaRPr lang="en-US" dirty="0" smtClean="0"/>
+          </a:p>
+          <a:p>
+            <a:r>
+              <a:rPr lang="en-US" dirty="0">
+                <a:hlinkClick r:id="rId3"/>
+              </a:rPr>
+              <a:t>http://agilemanifesto.org</a:t>
+            </a:r>
+            <a:r>
+              <a:rPr lang="en-US" dirty="0" smtClean="0">
+                <a:hlinkClick r:id="rId3"/>
+              </a:rPr>
+              <a:t>/</a:t>
+            </a:r>
+            <a:endParaRPr lang="en-US" dirty="0" smtClean="0"/>
+          </a:p>
+          <a:p>
+            <a:r>
+              <a:rPr lang="en-US" dirty="0">
+                <a:hlinkClick r:id="rId4"/>
+              </a:rPr>
+              <a:t>https://www.cprime.com/resources/what-is-agile-what-is-scrum</a:t>
+            </a:r>
+            <a:r>
+              <a:rPr lang="en-US" dirty="0" smtClean="0">
+                <a:hlinkClick r:id="rId4"/>
+              </a:rPr>
+              <a:t>/</a:t>
+            </a:r>
+            <a:endParaRPr lang="en-US" dirty="0" smtClean="0"/>
+          </a:p>
+          <a:p>
+            <a:r>
+              <a:rPr lang="en-US" dirty="0">
+                <a:hlinkClick r:id="rId5"/>
+              </a:rPr>
+              <a:t>http://</a:t>
+            </a:r>
+            <a:r>
+              <a:rPr lang="en-US" dirty="0" smtClean="0">
+                <a:hlinkClick r:id="rId5"/>
+              </a:rPr>
+              <a:t>www.mountaingoatsoftware.com/agile/scrum</a:t>
+            </a:r>
+            <a:endParaRPr lang="en-US" dirty="0" smtClean="0"/>
+          </a:p>
+          <a:p>
+            <a:r>
+              <a:rPr lang="en-US" dirty="0">
+                <a:hlinkClick r:id="rId6"/>
+              </a:rPr>
+              <a:t>https://www.cprime.com/2015/03/5-tips-to-manage-scrum-processes-in-the-real-world</a:t>
+            </a:r>
+            <a:r>
+              <a:rPr lang="en-US" dirty="0" smtClean="0">
+                <a:hlinkClick r:id="rId6"/>
+              </a:rPr>
+              <a:t>/</a:t>
+            </a:r>
+            <a:endParaRPr lang="en-US" dirty="0" smtClean="0"/>
+          </a:p>
+          <a:p>
+            <a:r>
+              <a:rPr lang="en-US" dirty="0">
+                <a:hlinkClick r:id="rId7"/>
+              </a:rPr>
+              <a:t>https://</a:t>
+            </a:r>
+            <a:r>
+              <a:rPr lang="en-US" dirty="0" smtClean="0">
+                <a:hlinkClick r:id="rId7"/>
+              </a:rPr>
+              <a:t>www.scrumguides.org/docs/scrumguide/v2017/2017-Scrum-Guide-US.pdf#zoom=100</a:t>
+            </a:r>
+            <a:endParaRPr lang="en-US" dirty="0" smtClean="0"/>
+          </a:p>
+          <a:p>
+            <a:r>
+              <a:rPr lang="en-US" dirty="0">
+                <a:hlinkClick r:id="rId8"/>
+              </a:rPr>
+              <a:t>https://</a:t>
+            </a:r>
+            <a:r>
+              <a:rPr lang="en-US" dirty="0" smtClean="0">
+                <a:hlinkClick r:id="rId8"/>
+              </a:rPr>
+              <a:t>www.atlassian.com/agile/scrum</a:t>
+            </a:r>
+            <a:r>
+              <a:rPr lang="en-US" dirty="0" smtClean="0"/>
+              <a:t> </a:t>
+            </a:r>
+          </a:p>
+          <a:p>
+            <a:r>
+              <a:rPr lang="en-US" dirty="0">
+                <a:hlinkClick r:id="rId9"/>
+              </a:rPr>
+              <a:t>http://</a:t>
+            </a:r>
+            <a:r>
+              <a:rPr lang="en-US" dirty="0" smtClean="0">
+                <a:hlinkClick r:id="rId9"/>
+              </a:rPr>
+              <a:t>www.agilenutshell.com/what_is_agile</a:t>
+            </a:r>
+            <a:r>
+              <a:rPr lang="en-US" dirty="0" smtClean="0"/>
+              <a:t> </a:t>
+            </a:r>
+            <a:endParaRPr lang="en-US" dirty="0"/>
+          </a:p>
+          <a:p>
+            <a:r>
+              <a:rPr lang="en-US" dirty="0" smtClean="0"/>
+              <a:t>User Stories:- </a:t>
+            </a:r>
+            <a:r>
+              <a:rPr lang="en-US" dirty="0" smtClean="0">
+                <a:hlinkClick r:id="rId10"/>
+              </a:rPr>
+              <a:t>https</a:t>
+            </a:r>
+            <a:r>
+              <a:rPr lang="en-US" dirty="0">
+                <a:hlinkClick r:id="rId10"/>
+              </a:rPr>
+              <a:t>://</a:t>
+            </a:r>
+            <a:r>
+              <a:rPr lang="en-US" dirty="0" smtClean="0">
+                <a:hlinkClick r:id="rId10"/>
+              </a:rPr>
+              <a:t>www.youtube.com/watch?v=LvRVnFmLpSA</a:t>
+            </a:r>
+            <a:endParaRPr lang="en-US" dirty="0" smtClean="0"/>
+          </a:p>
+          <a:p>
+            <a:r>
+              <a:rPr lang="en-US" dirty="0"/>
+              <a:t>Estimation :- </a:t>
+            </a:r>
+            <a:r>
+              <a:rPr lang="en-US" dirty="0">
+                <a:hlinkClick r:id="rId11"/>
+              </a:rPr>
+              <a:t>https://</a:t>
+            </a:r>
+            <a:r>
+              <a:rPr lang="en-US" dirty="0" smtClean="0">
+                <a:hlinkClick r:id="rId11"/>
+              </a:rPr>
+              <a:t>www.youtube.com/watch?v=sCCUEtjCpCs</a:t>
+            </a:r>
+            <a:r>
+              <a:rPr lang="en-US" dirty="0" smtClean="0"/>
+              <a:t> </a:t>
+            </a:r>
+          </a:p>
+          <a:p>
+            <a:r>
+              <a:rPr lang="en-US" dirty="0">
+                <a:hlinkClick r:id="rId12"/>
+              </a:rPr>
+              <a:t>http://</a:t>
+            </a:r>
+            <a:r>
+              <a:rPr lang="en-US" dirty="0" smtClean="0">
+                <a:hlinkClick r:id="rId12"/>
+              </a:rPr>
+              <a:t>www.agilenutshell.com</a:t>
+            </a:r>
+            <a:r>
+              <a:rPr lang="en-US" dirty="0" smtClean="0"/>
+              <a:t> </a:t>
+            </a:r>
+            <a:endParaRPr lang="en-US" dirty="0" smtClean="0"/>
+          </a:p>
+          <a:p>
+            <a:r>
+              <a:rPr lang="en-US" dirty="0">
+                <a:hlinkClick r:id="rId13"/>
+              </a:rPr>
+              <a:t>http://</a:t>
+            </a:r>
+            <a:r>
+              <a:rPr lang="en-US" dirty="0" smtClean="0">
+                <a:hlinkClick r:id="rId13"/>
+              </a:rPr>
+              <a:t>www.agilenutshell.com/agile_vs_waterfall</a:t>
+            </a:r>
+            <a:r>
+              <a:rPr lang="en-US" dirty="0" smtClean="0"/>
+              <a:t> </a:t>
+            </a:r>
+            <a:endParaRPr lang="en-US" dirty="0" smtClean="0"/>
+          </a:p>
+          <a:p>
+            <a:endParaRPr lang="en-US" dirty="0" smtClean="0"/>
+          </a:p>
+          <a:p>
+            <a:endParaRPr lang="en-US" dirty="0"/>
+          </a:p>
+        </p:txBody>
+      </p:sp>
+    </p:spTree>
+    <p:extLst>
+      <p:ext uri="{BB962C8B-B14F-4D97-AF65-F5344CB8AC3E}">
+        <p14:creationId xmlns:p14="http://schemas.microsoft.com/office/powerpoint/2010/main" val="1062825042"/>
+      </p:ext>
+    </p:extLst>
+  </p:cSld>
+  <p:clrMapOvr>
+    <a:masterClrMapping/>
+  </p:clrMapOvr>
+  <p:timing>
+    <p:tnLst>
+      <p:par>
+        <p:cTn id="1" dur="indefinite" restart="never" nodeType="tmRoot"/>
+      </p:par>
+    </p:tnLst>
+  </p:timing>
+</p:sld>
+</file>
+
 <file path=ppt/slides/slide4.xml><?xml version="1.0" encoding="utf-8"?>
 <p:sld xmlns:a="http://schemas.openxmlformats.org/drawingml/2006/main" xmlns:r="http://schemas.openxmlformats.org/officeDocument/2006/relationships" xmlns:p="http://schemas.openxmlformats.org/presentationml/2006/main">
   <p:cSld>
@@ -17680,7 +21573,7 @@
           <a:bodyPr/>
           <a:lstStyle/>
           <a:p>
-            <a:pPr marL="68580" indent="-342900">
+            <a:pPr marL="342900" indent="-342900">
               <a:buFont typeface="Arial" panose="020B0604020202020204" pitchFamily="34" charset="0"/>
               <a:buChar char="•"/>
             </a:pPr>
@@ -17690,7 +21583,7 @@
             </a:r>
           </a:p>
           <a:p>
-            <a:pPr marL="68580" indent="-342900">
+            <a:pPr marL="342900" indent="-342900">
               <a:buFont typeface="Arial" panose="020B0604020202020204" pitchFamily="34" charset="0"/>
               <a:buChar char="•"/>
             </a:pPr>
@@ -17700,9 +21593,7 @@
             </a:r>
           </a:p>
           <a:p>
-            <a:pPr marL="822960" lvl="4" indent="0">
-              <a:buNone/>
-            </a:pPr>
+            <a:pPr lvl="4"/>
             <a:r>
               <a:rPr lang="en-GB" dirty="0" smtClean="0"/>
               <a:t>- co-creators </a:t>
@@ -17721,7 +21612,7 @@
             </a:r>
           </a:p>
           <a:p>
-            <a:pPr marL="68580" indent="-342900">
+            <a:pPr marL="342900" indent="-342900">
               <a:buFont typeface="Arial" panose="020B0604020202020204" pitchFamily="34" charset="0"/>
               <a:buChar char="•"/>
             </a:pPr>
@@ -17744,7 +21635,7 @@
             <a:endParaRPr lang="en-GB" dirty="0"/>
           </a:p>
           <a:p>
-            <a:pPr marL="68580" indent="-342900">
+            <a:pPr marL="342900" indent="-342900">
               <a:buFont typeface="Arial" panose="020B0604020202020204" pitchFamily="34" charset="0"/>
               <a:buChar char="•"/>
             </a:pPr>
@@ -17754,7 +21645,7 @@
             </a:r>
           </a:p>
           <a:p>
-            <a:pPr marL="68580" indent="-342900">
+            <a:pPr marL="342900" indent="-342900">
               <a:buFont typeface="Arial" panose="020B0604020202020204" pitchFamily="34" charset="0"/>
               <a:buChar char="•"/>
             </a:pPr>
@@ -17762,82 +21653,74 @@
               <a:rPr lang="en-GB" dirty="0"/>
               <a:t>Scrum facilitates </a:t>
             </a:r>
-            <a:endParaRPr lang="en-GB" dirty="0" smtClean="0"/>
-          </a:p>
-          <a:p>
-            <a:pPr marL="548640" lvl="3" indent="0">
-              <a:buNone/>
+            <a:endParaRPr lang="en-GB" dirty="0"/>
+          </a:p>
+          <a:p>
+            <a:pPr marL="891540" lvl="2" indent="-342900">
+              <a:buFont typeface="Arial" panose="020B0604020202020204" pitchFamily="34" charset="0"/>
+              <a:buChar char="•"/>
             </a:pPr>
+            <a:r>
+              <a:rPr lang="en-GB" dirty="0" smtClean="0"/>
+              <a:t>addressing </a:t>
+            </a:r>
+            <a:r>
+              <a:rPr lang="en-GB" b="1" dirty="0"/>
+              <a:t>complex adaptive</a:t>
+            </a:r>
+            <a:r>
+              <a:rPr lang="en-GB" dirty="0"/>
+              <a:t> problems, </a:t>
+            </a:r>
+            <a:endParaRPr lang="en-GB" dirty="0"/>
+          </a:p>
+          <a:p>
+            <a:pPr marL="891540" lvl="2" indent="-342900">
+              <a:buFont typeface="Arial" panose="020B0604020202020204" pitchFamily="34" charset="0"/>
+              <a:buChar char="•"/>
+            </a:pPr>
+            <a:r>
+              <a:rPr lang="en-GB" dirty="0" smtClean="0"/>
+              <a:t>while </a:t>
+            </a:r>
+            <a:r>
+              <a:rPr lang="en-GB" b="1" dirty="0"/>
+              <a:t>productively</a:t>
+            </a:r>
+            <a:r>
+              <a:rPr lang="en-GB" dirty="0"/>
+              <a:t> and </a:t>
+            </a:r>
+            <a:r>
+              <a:rPr lang="en-GB" b="1" dirty="0"/>
+              <a:t>creatively</a:t>
+            </a:r>
             <a:r>
               <a:rPr lang="en-GB" dirty="0"/>
               <a:t> </a:t>
             </a:r>
             <a:r>
-              <a:rPr lang="en-GB" dirty="0" smtClean="0"/>
-              <a:t>- addressing </a:t>
-            </a:r>
-            <a:r>
               <a:rPr lang="en-GB" b="1" dirty="0"/>
-              <a:t>complex adaptive</a:t>
-            </a:r>
-            <a:r>
-              <a:rPr lang="en-GB" dirty="0"/>
-              <a:t> problems, </a:t>
-            </a:r>
-            <a:endParaRPr lang="en-GB" dirty="0" smtClean="0"/>
-          </a:p>
-          <a:p>
-            <a:pPr marL="548640" lvl="3" indent="0">
-              <a:buNone/>
-            </a:pPr>
+              <a:t>delivering</a:t>
+            </a:r>
             <a:r>
               <a:rPr lang="en-GB" dirty="0"/>
               <a:t> </a:t>
             </a:r>
             <a:r>
               <a:rPr lang="en-GB" dirty="0" smtClean="0"/>
-              <a:t>- while </a:t>
-            </a:r>
-            <a:r>
-              <a:rPr lang="en-GB" b="1" dirty="0"/>
-              <a:t>productively</a:t>
-            </a:r>
-            <a:r>
-              <a:rPr lang="en-GB" dirty="0"/>
-              <a:t> and </a:t>
-            </a:r>
-            <a:r>
-              <a:rPr lang="en-GB" b="1" dirty="0"/>
-              <a:t>creatively</a:t>
-            </a:r>
-            <a:r>
-              <a:rPr lang="en-GB" dirty="0"/>
-              <a:t> </a:t>
-            </a:r>
-            <a:r>
-              <a:rPr lang="en-GB" b="1" dirty="0"/>
-              <a:t>delivering</a:t>
-            </a:r>
-            <a:r>
-              <a:rPr lang="en-GB" dirty="0"/>
-              <a:t> </a:t>
-            </a:r>
+              <a:t>products, </a:t>
+            </a:r>
+            <a:endParaRPr lang="en-GB" dirty="0" smtClean="0"/>
+          </a:p>
+          <a:p>
+            <a:pPr marL="891540" lvl="2" indent="-342900">
+              <a:buFont typeface="Arial" panose="020B0604020202020204" pitchFamily="34" charset="0"/>
+              <a:buChar char="•"/>
+            </a:pPr>
             <a:r>
               <a:rPr lang="en-GB" dirty="0" smtClean="0"/>
-              <a:t>products, </a:t>
-            </a:r>
-          </a:p>
-          <a:p>
-            <a:pPr marL="548640" lvl="3" indent="0">
-              <a:buNone/>
-            </a:pPr>
-            <a:r>
-              <a:rPr lang="en-GB" dirty="0"/>
-              <a:t> </a:t>
-            </a:r>
-            <a:r>
-              <a:rPr lang="en-GB" dirty="0" smtClean="0"/>
-              <a:t>- of </a:t>
+              <a:t>of </a:t>
             </a:r>
             <a:r>
               <a:rPr lang="en-GB" dirty="0"/>
@@ -17861,13 +21744,11 @@
             </a:r>
           </a:p>
           <a:p>
-            <a:pPr marL="548640" lvl="3" indent="0">
-              <a:buNone/>
-            </a:pPr>
+            <a:pPr lvl="3"/>
             <a:endParaRPr lang="en-GB" dirty="0"/>
           </a:p>
           <a:p>
-            <a:pPr marL="68580" indent="-342900">
+            <a:pPr marL="342900" indent="-342900">
               <a:buFont typeface="Arial" panose="020B0604020202020204" pitchFamily="34" charset="0"/>
               <a:buChar char="•"/>
             </a:pPr>
@@ -17936,6 +21817,97 @@
 </file>
 
 <file path=ppt/slides/slide5.xml><?xml version="1.0" encoding="utf-8"?>
+<p:sld xmlns:a="http://schemas.openxmlformats.org/drawingml/2006/main" xmlns:r="http://schemas.openxmlformats.org/officeDocument/2006/relationships" xmlns:p="http://schemas.openxmlformats.org/presentationml/2006/main">
+  <p:cSld>
+    <p:spTree>
+      <p:nvGrpSpPr>
+        <p:cNvPr id="1" name=""/>
+        <p:cNvGrpSpPr/>
+        <p:nvPr/>
+      </p:nvGrpSpPr>
+      <p:grpSpPr>
+        <a:xfrm>
+          <a:off x="0" y="0"/>
+          <a:ext cx="0" cy="0"/>
+          <a:chOff x="0" y="0"/>
+          <a:chExt cx="0" cy="0"/>
+        </a:xfrm>
+      </p:grpSpPr>
+      <p:sp>
+        <p:nvSpPr>
+          <p:cNvPr id="2" name="Title 1"/>
+          <p:cNvSpPr>
+            <a:spLocks noGrp="1"/>
+          </p:cNvSpPr>
+          <p:nvPr>
+            <p:ph type="title"/>
+          </p:nvPr>
+        </p:nvSpPr>
+        <p:spPr/>
+        <p:txBody>
+          <a:bodyPr/>
+          <a:lstStyle/>
+          <a:p>
+            <a:r>
+              <a:rPr lang="en-US" i="0" dirty="0" smtClean="0"/>
+              <a:t>The Scrum Values</a:t>
+            </a:r>
+            <a:r>
+              <a:rPr lang="en-US" i="0" dirty="0"/>
+              <a:t/>
+            </a:r>
+            <a:br>
+              <a:rPr lang="en-US" i="0" dirty="0"/>
+            </a:br>
+            <a:endParaRPr lang="en-US" dirty="0"/>
+          </a:p>
+        </p:txBody>
+      </p:sp>
+      <p:pic>
+        <p:nvPicPr>
+          <p:cNvPr id="4" name="Picture 3"/>
+          <p:cNvPicPr>
+            <a:picLocks noChangeAspect="1"/>
+          </p:cNvPicPr>
+          <p:nvPr/>
+        </p:nvPicPr>
+        <p:blipFill>
+          <a:blip r:embed="rId2"/>
+          <a:stretch>
+            <a:fillRect/>
+          </a:stretch>
+        </p:blipFill>
+        <p:spPr>
+          <a:xfrm>
+            <a:off x="1419538" y="1099970"/>
+            <a:ext cx="9321442" cy="5605117"/>
+          </a:xfrm>
+          <a:prstGeom prst="rect">
+            <a:avLst/>
+          </a:prstGeom>
+        </p:spPr>
+      </p:pic>
+    </p:spTree>
+    <p:extLst>
+      <p:ext uri="{BB962C8B-B14F-4D97-AF65-F5344CB8AC3E}">
+        <p14:creationId xmlns:p14="http://schemas.microsoft.com/office/powerpoint/2010/main" val="1182217221"/>
+      </p:ext>
+    </p:extLst>
+  </p:cSld>
+  <p:clrMapOvr>
+    <a:masterClrMapping/>
+  </p:clrMapOvr>
+  <p:timing>
+    <p:tnLst>
+      <p:par>
+        <p:cTn id="1" dur="indefinite" restart="never" nodeType="tmRoot"/>
+      </p:par>
+    </p:tnLst>
+  </p:timing>
+</p:sld>
+</file>
+
+<file path=ppt/slides/slide6.xml><?xml version="1.0" encoding="utf-8"?>
 <p:sld xmlns:a="http://schemas.openxmlformats.org/drawingml/2006/main" xmlns:r="http://schemas.openxmlformats.org/officeDocument/2006/relationships" xmlns:p="http://schemas.openxmlformats.org/presentationml/2006/main">
   <p:cSld>
     <p:spTree>
@@ -17996,165 +21968,6 @@
 </p:sld>
 </file>
 
-<file path=ppt/slides/slide6.xml><?xml version="1.0" encoding="utf-8"?>
-<p:sld xmlns:a="http://schemas.openxmlformats.org/drawingml/2006/main" xmlns:r="http://schemas.openxmlformats.org/officeDocument/2006/relationships" xmlns:p="http://schemas.openxmlformats.org/presentationml/2006/main">
-  <p:cSld>
-    <p:spTree>
-      <p:nvGrpSpPr>
-        <p:cNvPr id="1" name=""/>
-        <p:cNvGrpSpPr/>
-        <p:nvPr/>
-      </p:nvGrpSpPr>
-      <p:grpSpPr>
-        <a:xfrm>
-          <a:off x="0" y="0"/>
-          <a:ext cx="0" cy="0"/>
-          <a:chOff x="0" y="0"/>
-          <a:chExt cx="0" cy="0"/>
-        </a:xfrm>
-      </p:grpSpPr>
-      <p:sp>
-        <p:nvSpPr>
-          <p:cNvPr id="2" name="Title 1"/>
-          <p:cNvSpPr>
-            <a:spLocks noGrp="1"/>
-          </p:cNvSpPr>
-          <p:nvPr>
-            <p:ph type="title"/>
-          </p:nvPr>
-        </p:nvSpPr>
-        <p:spPr/>
-        <p:txBody>
-          <a:bodyPr/>
-          <a:lstStyle/>
-          <a:p>
-            <a:r>
-              <a:rPr lang="en-GB" dirty="0"/>
-              <a:t>The Scrum framework in </a:t>
-            </a:r>
-            <a:r>
-              <a:rPr lang="en-GB" dirty="0" smtClean="0"/>
-              <a:t>action</a:t>
-            </a:r>
-            <a:endParaRPr lang="en-US" dirty="0"/>
-          </a:p>
-        </p:txBody>
-      </p:sp>
-      <p:sp>
-        <p:nvSpPr>
-          <p:cNvPr id="3" name="Content Placeholder 2"/>
-          <p:cNvSpPr>
-            <a:spLocks noGrp="1"/>
-          </p:cNvSpPr>
-          <p:nvPr>
-            <p:ph sz="quarter" idx="15"/>
-          </p:nvPr>
-        </p:nvSpPr>
-        <p:spPr/>
-        <p:txBody>
-          <a:bodyPr/>
-          <a:lstStyle/>
-          <a:p>
-            <a:pPr marL="68580" indent="-342900">
-              <a:buFont typeface="Arial" panose="020B0604020202020204" pitchFamily="34" charset="0"/>
-              <a:buChar char="•"/>
-            </a:pPr>
-            <a:r>
-              <a:rPr lang="en-GB" dirty="0"/>
-              <a:t>A product owner creates a prioritized wish list called a product backlog.</a:t>
-            </a:r>
-          </a:p>
-          <a:p>
-            <a:pPr marL="68580" indent="-342900">
-              <a:buFont typeface="Arial" panose="020B0604020202020204" pitchFamily="34" charset="0"/>
-              <a:buChar char="•"/>
-            </a:pPr>
-            <a:r>
-              <a:rPr lang="en-GB" dirty="0"/>
-              <a:t>During sprint planning, the team pulls a small chunk from the top of that wish list, a sprint backlog, and decides how to implement those pieces.</a:t>
-            </a:r>
-          </a:p>
-          <a:p>
-            <a:pPr marL="68580" indent="-342900">
-              <a:buFont typeface="Arial" panose="020B0604020202020204" pitchFamily="34" charset="0"/>
-              <a:buChar char="•"/>
-            </a:pPr>
-            <a:r>
-              <a:rPr lang="en-GB" dirty="0"/>
-              <a:t>The team has a certain amount of time — a sprint (usually two to four weeks) — to complete its work, but it meets each day to assess its progress (daily Scrum).</a:t>
-            </a:r>
-          </a:p>
-          <a:p>
-            <a:pPr marL="68580" indent="-342900">
-              <a:buFont typeface="Arial" panose="020B0604020202020204" pitchFamily="34" charset="0"/>
-              <a:buChar char="•"/>
-            </a:pPr>
-            <a:r>
-              <a:rPr lang="en-GB" dirty="0"/>
-              <a:t>Along the way, the </a:t>
-            </a:r>
-            <a:r>
-              <a:rPr lang="en-GB" dirty="0" err="1"/>
-              <a:t>ScrumMaster</a:t>
-            </a:r>
-            <a:r>
-              <a:rPr lang="en-GB" dirty="0"/>
-              <a:t> keeps the team focused on its goal.</a:t>
-            </a:r>
-          </a:p>
-          <a:p>
-            <a:pPr marL="68580" indent="-342900">
-              <a:buFont typeface="Arial" panose="020B0604020202020204" pitchFamily="34" charset="0"/>
-              <a:buChar char="•"/>
-            </a:pPr>
-            <a:r>
-              <a:rPr lang="en-GB" dirty="0"/>
-              <a:t>At the end of the sprint, the work should be potentially shippable: ready to hand to a customer, put on a store shelf, or show to a stakeholder.</a:t>
-            </a:r>
-          </a:p>
-          <a:p>
-            <a:pPr marL="68580" indent="-342900">
-              <a:buFont typeface="Arial" panose="020B0604020202020204" pitchFamily="34" charset="0"/>
-              <a:buChar char="•"/>
-            </a:pPr>
-            <a:r>
-              <a:rPr lang="en-GB" dirty="0"/>
-              <a:t>The sprint ends with a sprint review and retrospective.</a:t>
-            </a:r>
-          </a:p>
-          <a:p>
-            <a:pPr marL="68580" indent="-342900">
-              <a:buFont typeface="Arial" panose="020B0604020202020204" pitchFamily="34" charset="0"/>
-              <a:buChar char="•"/>
-            </a:pPr>
-            <a:r>
-              <a:rPr lang="en-GB" dirty="0"/>
-              <a:t>As the next sprint begins, the team chooses another chunk of the product backlog and begins working again.</a:t>
-            </a:r>
-            <a:endParaRPr lang="en-US" dirty="0"/>
-          </a:p>
-        </p:txBody>
-      </p:sp>
-    </p:spTree>
-    <p:extLst>
-      <p:ext uri="{BB962C8B-B14F-4D97-AF65-F5344CB8AC3E}">
-        <p14:creationId xmlns:p14="http://schemas.microsoft.com/office/powerpoint/2010/main" val="3138179726"/>
-      </p:ext>
-    </p:extLst>
-  </p:cSld>
-  <p:clrMapOvr>
-    <a:masterClrMapping/>
-  </p:clrMapOvr>
-  <p:timing>
-    <p:tnLst>
-      <p:par>
-        <p:cTn id="1" dur="indefinite" restart="never" nodeType="tmRoot"/>
-      </p:par>
-    </p:tnLst>
-  </p:timing>
-</p:sld>
-</file>
-
 <file path=ppt/slides/slide7.xml><?xml version="1.0" encoding="utf-8"?>
 <p:sld xmlns:a="http://schemas.openxmlformats.org/drawingml/2006/main" xmlns:r="http://schemas.openxmlformats.org/officeDocument/2006/relationships" xmlns:p="http://schemas.openxmlformats.org/presentationml/2006/main">
   <p:cSld>
@@ -18188,54 +22001,243 @@
           <a:lstStyle/>
           <a:p>
             <a:r>
-              <a:rPr lang="en-US" i="0" dirty="0" smtClean="0"/>
-              <a:t>The Scrum Values</a:t>
-            </a:r>
-            <a:r>
-              <a:rPr lang="en-US" i="0" dirty="0"/>
-              <a:t/>
-            </a:r>
-            <a:br>
-              <a:rPr lang="en-US" i="0" dirty="0"/>
-            </a:br>
+              <a:rPr lang="en-US" dirty="0"/>
+              <a:t>The Scrum Product Backlog</a:t>
+            </a:r>
+          </a:p>
+        </p:txBody>
+      </p:sp>
+      <p:sp>
+        <p:nvSpPr>
+          <p:cNvPr id="3" name="Content Placeholder 2"/>
+          <p:cNvSpPr>
+            <a:spLocks noGrp="1"/>
+          </p:cNvSpPr>
+          <p:nvPr>
+            <p:ph sz="quarter" idx="15"/>
+          </p:nvPr>
+        </p:nvSpPr>
+        <p:spPr>
+          <a:xfrm>
+            <a:off x="711200" y="1333949"/>
+            <a:ext cx="10769600" cy="5220148"/>
+          </a:xfrm>
+        </p:spPr>
+        <p:txBody>
+          <a:bodyPr/>
+          <a:lstStyle/>
+          <a:p>
+            <a:pPr marL="342900" lvl="1" indent="-342900">
+              <a:buFont typeface="Arial" panose="020B0604020202020204" pitchFamily="34" charset="0"/>
+              <a:buChar char="•"/>
+            </a:pPr>
+            <a:r>
+              <a:rPr lang="en-US" dirty="0" smtClean="0"/>
+              <a:t>is </a:t>
+            </a:r>
+            <a:r>
+              <a:rPr lang="en-US" dirty="0"/>
+              <a:t>a prioritized features list, </a:t>
+            </a:r>
+            <a:endParaRPr lang="en-US" dirty="0" smtClean="0"/>
+          </a:p>
+          <a:p>
+            <a:pPr marL="617220" lvl="2" indent="-342900">
+              <a:buFont typeface="Arial" panose="020B0604020202020204" pitchFamily="34" charset="0"/>
+              <a:buChar char="•"/>
+            </a:pPr>
+            <a:r>
+              <a:rPr lang="en-US" dirty="0" smtClean="0"/>
+              <a:t>contains </a:t>
+            </a:r>
+            <a:r>
+              <a:rPr lang="en-US" dirty="0"/>
+              <a:t>short descriptions of all functionality desired in the product. </a:t>
+            </a:r>
+            <a:endParaRPr lang="en-US" dirty="0" smtClean="0"/>
+          </a:p>
+          <a:p>
+            <a:pPr marL="342900" lvl="1" indent="-342900">
+              <a:buFont typeface="Arial" panose="020B0604020202020204" pitchFamily="34" charset="0"/>
+              <a:buChar char="•"/>
+            </a:pPr>
+            <a:r>
+              <a:rPr lang="en-US" b="1" dirty="0" smtClean="0"/>
+              <a:t>user </a:t>
+            </a:r>
+            <a:r>
+              <a:rPr lang="en-US" b="1" dirty="0"/>
+              <a:t>stories</a:t>
+            </a:r>
+            <a:r>
+              <a:rPr lang="en-US" dirty="0"/>
+              <a:t> have emerged as the best and most popular form of product backlog </a:t>
+            </a:r>
+            <a:r>
+              <a:rPr lang="en-US" dirty="0" smtClean="0"/>
+              <a:t>items</a:t>
+            </a:r>
+          </a:p>
+          <a:p>
+            <a:pPr marL="617220" lvl="2" indent="-342900">
+              <a:buFont typeface="Arial" panose="020B0604020202020204" pitchFamily="34" charset="0"/>
+              <a:buChar char="•"/>
+            </a:pPr>
+            <a:r>
+              <a:rPr lang="en-US" dirty="0" smtClean="0"/>
+              <a:t>it can </a:t>
+            </a:r>
+            <a:r>
+              <a:rPr lang="en-US" dirty="0"/>
+              <a:t>be whatever the team </a:t>
+            </a:r>
+            <a:r>
+              <a:rPr lang="en-US" dirty="0" smtClean="0"/>
+              <a:t>desires (</a:t>
+            </a:r>
+            <a:r>
+              <a:rPr lang="en-US" dirty="0" err="1" smtClean="0"/>
+              <a:t>eg</a:t>
+            </a:r>
+            <a:r>
+              <a:rPr lang="en-US" dirty="0" smtClean="0"/>
+              <a:t>:- use case)</a:t>
+            </a:r>
             <a:endParaRPr lang="en-US" dirty="0"/>
+          </a:p>
+          <a:p>
+            <a:pPr marL="342900" lvl="1" indent="-342900">
+              <a:buFont typeface="Arial" panose="020B0604020202020204" pitchFamily="34" charset="0"/>
+              <a:buChar char="•"/>
+            </a:pPr>
+            <a:r>
+              <a:rPr lang="en-US" dirty="0" smtClean="0"/>
+              <a:t>is allowed </a:t>
+            </a:r>
+            <a:r>
+              <a:rPr lang="en-US" dirty="0"/>
+              <a:t>to grow and change as more is learned about the product and its customers.</a:t>
+            </a:r>
+          </a:p>
+          <a:p>
+            <a:pPr marL="342900" lvl="1" indent="-342900">
+              <a:buFont typeface="Arial" panose="020B0604020202020204" pitchFamily="34" charset="0"/>
+              <a:buChar char="•"/>
+            </a:pPr>
+            <a:r>
+              <a:rPr lang="en-US" dirty="0" smtClean="0"/>
+              <a:t>May comprises </a:t>
+            </a:r>
+            <a:r>
+              <a:rPr lang="en-US" dirty="0"/>
+              <a:t>the following different types of items</a:t>
+            </a:r>
+            <a:r>
+              <a:rPr lang="en-US" dirty="0" smtClean="0"/>
+              <a:t>:</a:t>
+            </a:r>
+            <a:endParaRPr lang="en-US" dirty="0"/>
+          </a:p>
+          <a:p>
+            <a:pPr marL="617220" lvl="2" indent="-342900">
+              <a:buFont typeface="Arial" panose="020B0604020202020204" pitchFamily="34" charset="0"/>
+              <a:buChar char="•"/>
+            </a:pPr>
+            <a:r>
+              <a:rPr lang="en-US" dirty="0"/>
+              <a:t>Features</a:t>
+            </a:r>
+          </a:p>
+          <a:p>
+            <a:pPr marL="617220" lvl="2" indent="-342900">
+              <a:buFont typeface="Arial" panose="020B0604020202020204" pitchFamily="34" charset="0"/>
+              <a:buChar char="•"/>
+            </a:pPr>
+            <a:r>
+              <a:rPr lang="en-US" dirty="0"/>
+              <a:t>Bugs</a:t>
+            </a:r>
+          </a:p>
+          <a:p>
+            <a:pPr marL="617220" lvl="2" indent="-342900">
+              <a:buFont typeface="Arial" panose="020B0604020202020204" pitchFamily="34" charset="0"/>
+              <a:buChar char="•"/>
+            </a:pPr>
+            <a:r>
+              <a:rPr lang="en-US" dirty="0"/>
+              <a:t>Technical work</a:t>
+            </a:r>
+          </a:p>
+          <a:p>
+            <a:pPr marL="617220" lvl="2" indent="-342900">
+              <a:buFont typeface="Arial" panose="020B0604020202020204" pitchFamily="34" charset="0"/>
+              <a:buChar char="•"/>
+            </a:pPr>
+            <a:r>
+              <a:rPr lang="en-US" dirty="0"/>
+              <a:t>Knowledge acquisition</a:t>
+            </a:r>
           </a:p>
         </p:txBody>
       </p:sp>
       <p:pic>
         <p:nvPicPr>
-          <p:cNvPr id="4" name="Picture 3"/>
+          <p:cNvPr id="3074" name="Picture 2" descr="Product Backlog"/>
           <p:cNvPicPr>
-            <a:picLocks noChangeAspect="1"/>
+            <a:picLocks noChangeAspect="1" noChangeArrowheads="1"/>
           </p:cNvPicPr>
           <p:nvPr/>
         </p:nvPicPr>
         <p:blipFill>
-          <a:blip r:embed="rId2"/>
+          <a:blip r:embed="rId2">
+            <a:extLst>
+              <a:ext uri="{28A0092B-C50C-407E-A947-70E740481C1C}">
+                <a14:useLocalDpi xmlns:a14="http://schemas.microsoft.com/office/drawing/2010/main" val="0"/>
+              </a:ext>
+            </a:extLst>
+          </a:blip>
+          <a:srcRect/>
           <a:stretch>
             <a:fillRect/>
           </a:stretch>
         </p:blipFill>
-        <p:spPr>
+        <p:spPr bwMode="auto">
           <a:xfrm>
-            <a:off x="1419538" y="1143000"/>
-            <a:ext cx="9321442" cy="5605117"/>
+            <a:off x="8025205" y="3422545"/>
+            <a:ext cx="2917936" cy="3282160"/>
           </a:xfrm>
           <a:prstGeom prst="rect">
             <a:avLst/>
           </a:prstGeom>
+          <a:noFill/>
+          <a:extLst>
+            <a:ext uri="{909E8E84-426E-40DD-AFC4-6F175D3DCCD1}">
+              <a14:hiddenFill xmlns:a14="http://schemas.microsoft.com/office/drawing/2010/main">
+                <a:solidFill>
+                  <a:srgbClr val="FFFFFF"/>
+                </a:solidFill>
+              </a14:hiddenFill>
+            </a:ext>
+          </a:extLst>
         </p:spPr>
       </p:pic>
     </p:spTree>
     <p:extLst>
       <p:ext uri="{BB962C8B-B14F-4D97-AF65-F5344CB8AC3E}">
-        <p14:creationId xmlns:p14="http://schemas.microsoft.com/office/powerpoint/2010/main" val="1182217221"/>
+        <p14:creationId xmlns:p14="http://schemas.microsoft.com/office/powerpoint/2010/main" val="2766081920"/>
       </p:ext>
     </p:extLst>
   </p:cSld>
   <p:clrMapOvr>
     <a:masterClrMapping/>
   </p:clrMapOvr>
+  <p:timing>
+    <p:tnLst>
+      <p:par>
+        <p:cTn id="1" dur="indefinite" restart="never" nodeType="tmRoot"/>
+      </p:par>
+    </p:tnLst>
+  </p:timing>
 </p:sld>
 </file>
 
@@ -18272,200 +22274,70 @@
           <a:lstStyle/>
           <a:p>
             <a:r>
-              <a:rPr lang="en-GB" dirty="0"/>
-              <a:t>Roles of the Scrum Team</a:t>
-            </a:r>
-            <a:endParaRPr lang="en-US" dirty="0"/>
+              <a:rPr lang="en-US" dirty="0"/>
+              <a:t>Example Scrum Product Backlog</a:t>
+            </a:r>
           </a:p>
         </p:txBody>
       </p:sp>
-      <p:sp>
-        <p:nvSpPr>
-          <p:cNvPr id="3" name="Content Placeholder 2"/>
-          <p:cNvSpPr>
-            <a:spLocks noGrp="1"/>
-          </p:cNvSpPr>
-          <p:nvPr>
-            <p:ph sz="quarter" idx="15"/>
-          </p:nvPr>
-        </p:nvSpPr>
-        <p:spPr>
+      <p:pic>
+        <p:nvPicPr>
+          <p:cNvPr id="2050" name="Picture 2" descr="https://www.scrum-institute.org/images_scrum/Example_Scrum_Product_Backlog.jpg"/>
+          <p:cNvPicPr>
+            <a:picLocks noChangeAspect="1" noChangeArrowheads="1"/>
+          </p:cNvPicPr>
+          <p:nvPr/>
+        </p:nvPicPr>
+        <p:blipFill>
+          <a:blip r:embed="rId2">
+            <a:extLst>
+              <a:ext uri="{28A0092B-C50C-407E-A947-70E740481C1C}">
+                <a14:useLocalDpi xmlns:a14="http://schemas.microsoft.com/office/drawing/2010/main" val="0"/>
+              </a:ext>
+            </a:extLst>
+          </a:blip>
+          <a:srcRect/>
+          <a:stretch>
+            <a:fillRect/>
+          </a:stretch>
+        </p:blipFill>
+        <p:spPr bwMode="auto">
           <a:xfrm>
-            <a:off x="711200" y="1481070"/>
-            <a:ext cx="10769600" cy="4691130"/>
+            <a:off x="2264072" y="1751833"/>
+            <a:ext cx="7428567" cy="4878208"/>
           </a:xfrm>
+          <a:prstGeom prst="rect">
+            <a:avLst/>
+          </a:prstGeom>
+          <a:noFill/>
+          <a:extLst>
+            <a:ext uri="{909E8E84-426E-40DD-AFC4-6F175D3DCCD1}">
+              <a14:hiddenFill xmlns:a14="http://schemas.microsoft.com/office/drawing/2010/main">
+                <a:solidFill>
+                  <a:srgbClr val="FFFFFF"/>
+                </a:solidFill>
+              </a14:hiddenFill>
+            </a:ext>
+          </a:extLst>
         </p:spPr>
-        <p:txBody>
-          <a:bodyPr/>
-          <a:lstStyle/>
-          <a:p>
-            <a:r>
-              <a:rPr lang="en-GB" dirty="0"/>
-              <a:t>Scrum Teams are </a:t>
-            </a:r>
-            <a:r>
-              <a:rPr lang="en-GB" b="1" dirty="0"/>
-              <a:t>self-organizing</a:t>
-            </a:r>
-            <a:r>
-              <a:rPr lang="en-GB" dirty="0"/>
-              <a:t> and </a:t>
-            </a:r>
-            <a:r>
-              <a:rPr lang="en-GB" b="1" dirty="0"/>
-              <a:t>cross-functional</a:t>
-            </a:r>
-            <a:r>
-              <a:rPr lang="en-GB" dirty="0"/>
-              <a:t>. </a:t>
-            </a:r>
-            <a:endParaRPr lang="en-GB" dirty="0" smtClean="0"/>
-          </a:p>
-          <a:p>
-            <a:pPr marL="617220" lvl="2" indent="-342900">
-              <a:buFont typeface="Arial" panose="020B0604020202020204" pitchFamily="34" charset="0"/>
-              <a:buChar char="•"/>
-            </a:pPr>
-            <a:r>
-              <a:rPr lang="en-GB" dirty="0"/>
-              <a:t>Self-organizing teams </a:t>
-            </a:r>
-            <a:r>
-              <a:rPr lang="en-GB" b="1" dirty="0"/>
-              <a:t>choose how best to accomplish their work</a:t>
-            </a:r>
-            <a:r>
-              <a:rPr lang="en-GB" dirty="0"/>
-              <a:t>, rather than being directed by others outside the team. </a:t>
-            </a:r>
-          </a:p>
-          <a:p>
-            <a:pPr marL="617220" lvl="2" indent="-342900">
-              <a:buFont typeface="Arial" panose="020B0604020202020204" pitchFamily="34" charset="0"/>
-              <a:buChar char="•"/>
-            </a:pPr>
-            <a:r>
-              <a:rPr lang="en-GB" dirty="0"/>
-              <a:t>Cross-functional teams </a:t>
-            </a:r>
-            <a:r>
-              <a:rPr lang="en-GB" b="1" dirty="0"/>
-              <a:t>have all competencies needed to accomplish the work </a:t>
-            </a:r>
-            <a:r>
-              <a:rPr lang="en-GB" dirty="0"/>
-              <a:t>without depending on others not part of the </a:t>
-            </a:r>
-            <a:r>
-              <a:rPr lang="en-GB" dirty="0" smtClean="0"/>
-              <a:t>team</a:t>
-            </a:r>
-          </a:p>
-          <a:p>
-            <a:pPr marL="617220" lvl="2" indent="-342900">
-              <a:buFont typeface="Arial" panose="020B0604020202020204" pitchFamily="34" charset="0"/>
-              <a:buChar char="•"/>
-            </a:pPr>
-            <a:r>
-              <a:rPr lang="en-GB" dirty="0"/>
-              <a:t>The team model in Scrum is designed to </a:t>
-            </a:r>
-            <a:r>
-              <a:rPr lang="en-GB" b="1" dirty="0"/>
-              <a:t>optimize flexibility, creativity, and productivity</a:t>
-            </a:r>
-            <a:r>
-              <a:rPr lang="en-GB" dirty="0"/>
-              <a:t>.</a:t>
-            </a:r>
-            <a:endParaRPr lang="en-US" dirty="0"/>
-          </a:p>
-          <a:p>
-            <a:r>
-              <a:rPr lang="en-GB" dirty="0" smtClean="0"/>
-              <a:t>The </a:t>
-            </a:r>
-            <a:r>
-              <a:rPr lang="en-GB" dirty="0"/>
-              <a:t>Scrum Team consists of a </a:t>
-            </a:r>
-            <a:endParaRPr lang="en-GB" dirty="0" smtClean="0"/>
-          </a:p>
-          <a:p>
-            <a:pPr marL="891540" lvl="2" indent="-342900">
-              <a:buFont typeface="Arial" panose="020B0604020202020204" pitchFamily="34" charset="0"/>
-              <a:buChar char="•"/>
-            </a:pPr>
-            <a:r>
-              <a:rPr lang="en-GB" b="1" dirty="0" smtClean="0"/>
-              <a:t>Product </a:t>
-            </a:r>
-            <a:r>
-              <a:rPr lang="en-GB" b="1" dirty="0"/>
-              <a:t>Owner</a:t>
-            </a:r>
-            <a:r>
-              <a:rPr lang="en-GB" dirty="0"/>
-              <a:t>, </a:t>
-            </a:r>
-            <a:endParaRPr lang="en-GB" dirty="0" smtClean="0"/>
-          </a:p>
-          <a:p>
-            <a:pPr marL="891540" lvl="2" indent="-342900">
-              <a:buFont typeface="Arial" panose="020B0604020202020204" pitchFamily="34" charset="0"/>
-              <a:buChar char="•"/>
-            </a:pPr>
-            <a:r>
-              <a:rPr lang="en-GB" b="1" dirty="0" smtClean="0"/>
-              <a:t>The </a:t>
-            </a:r>
-            <a:r>
-              <a:rPr lang="en-GB" b="1" dirty="0"/>
-              <a:t>Development Team</a:t>
-            </a:r>
-            <a:r>
-              <a:rPr lang="en-GB" dirty="0"/>
-              <a:t>, and a </a:t>
-            </a:r>
-            <a:endParaRPr lang="en-GB" dirty="0" smtClean="0"/>
-          </a:p>
-          <a:p>
-            <a:pPr marL="891540" lvl="2" indent="-342900">
-              <a:buFont typeface="Arial" panose="020B0604020202020204" pitchFamily="34" charset="0"/>
-              <a:buChar char="•"/>
-            </a:pPr>
-            <a:r>
-              <a:rPr lang="en-GB" b="1" dirty="0" smtClean="0"/>
-              <a:t>Scrum </a:t>
-            </a:r>
-            <a:r>
-              <a:rPr lang="en-GB" b="1" dirty="0"/>
-              <a:t>Master</a:t>
-            </a:r>
-            <a:r>
-              <a:rPr lang="en-GB" dirty="0" smtClean="0"/>
-              <a:t>.</a:t>
-            </a:r>
-          </a:p>
-          <a:p>
-            <a:pPr indent="0"/>
-            <a:r>
-              <a:rPr lang="en-GB" dirty="0" smtClean="0"/>
-              <a:t> </a:t>
-            </a:r>
-          </a:p>
-        </p:txBody>
-      </p:sp>
+      </p:pic>
     </p:spTree>
     <p:extLst>
       <p:ext uri="{BB962C8B-B14F-4D97-AF65-F5344CB8AC3E}">
-        <p14:creationId xmlns:p14="http://schemas.microsoft.com/office/powerpoint/2010/main" val="598061059"/>
+        <p14:creationId xmlns:p14="http://schemas.microsoft.com/office/powerpoint/2010/main" val="4223325286"/>
       </p:ext>
     </p:extLst>
   </p:cSld>
   <p:clrMapOvr>
     <a:masterClrMapping/>
   </p:clrMapOvr>
+  <p:timing>
+    <p:tnLst>
+      <p:par>
+        <p:cTn id="1" dur="indefinite" restart="never" nodeType="tmRoot"/>
+      </p:par>
+    </p:tnLst>
+  </p:timing>
 </p:sld>
 </file>
 
@@ -18502,10 +22374,9 @@
           <a:lstStyle/>
           <a:p>
             <a:r>
-              <a:rPr lang="en-US" dirty="0" smtClean="0"/>
-              <a:t>Product Owner</a:t>
-            </a:r>
-            <a:endParaRPr lang="en-US" dirty="0"/>
+              <a:rPr lang="en-US" dirty="0"/>
+              <a:t>Sprint Backlog</a:t>
+            </a:r>
           </a:p>
         </p:txBody>
       </p:sp>
@@ -18519,160 +22390,189 @@
             <p:ph sz="quarter" idx="15"/>
           </p:nvPr>
         </p:nvSpPr>
-        <p:spPr>
-          <a:xfrm>
-            <a:off x="711200" y="1249251"/>
-            <a:ext cx="10769600" cy="4922949"/>
-          </a:xfrm>
-        </p:spPr>
+        <p:spPr/>
         <p:txBody>
           <a:bodyPr/>
           <a:lstStyle/>
           <a:p>
-            <a:r>
-              <a:rPr lang="en-GB" dirty="0" smtClean="0"/>
-              <a:t>Is </a:t>
-            </a:r>
-            <a:r>
-              <a:rPr lang="en-GB" dirty="0"/>
-              <a:t>the sole person responsible for managing the Product </a:t>
-            </a:r>
-            <a:r>
-              <a:rPr lang="en-GB" dirty="0" smtClean="0"/>
-              <a:t>Backlog, which includes:</a:t>
-            </a:r>
-          </a:p>
-          <a:p>
-            <a:pPr marL="617220" lvl="2" indent="-342900">
+            <a:pPr marL="68580" indent="-342900">
               <a:buFont typeface="Arial" panose="020B0604020202020204" pitchFamily="34" charset="0"/>
               <a:buChar char="•"/>
             </a:pPr>
             <a:r>
-              <a:rPr lang="en-GB" dirty="0"/>
-              <a:t>Build and manage the product </a:t>
-            </a:r>
-            <a:r>
-              <a:rPr lang="en-GB" dirty="0" smtClean="0"/>
-              <a:t>backlog</a:t>
-            </a:r>
-          </a:p>
-          <a:p>
-            <a:pPr marL="617220" lvl="2" indent="-342900">
+              <a:rPr lang="en-US" dirty="0" smtClean="0"/>
+              <a:t>is </a:t>
+            </a:r>
+            <a:r>
+              <a:rPr lang="en-US" dirty="0"/>
+              <a:t>a list of tasks identified by the Scrum team to be completed during the Scrum sprint. </a:t>
+            </a:r>
+            <a:endParaRPr lang="en-US" dirty="0" smtClean="0"/>
+          </a:p>
+          <a:p>
+            <a:pPr marL="68580" indent="-342900">
               <a:buFont typeface="Arial" panose="020B0604020202020204" pitchFamily="34" charset="0"/>
               <a:buChar char="•"/>
             </a:pPr>
             <a:r>
-              <a:rPr lang="en-GB" dirty="0"/>
-              <a:t>Closely partner with the business and the team to ensure everyone understands the work items in the product </a:t>
-            </a:r>
-            <a:r>
-              <a:rPr lang="en-GB" dirty="0" smtClean="0"/>
-              <a:t>backlog</a:t>
-            </a:r>
-          </a:p>
-          <a:p>
-            <a:pPr marL="617220" lvl="2" indent="-342900">
+              <a:rPr lang="en-US" dirty="0" smtClean="0"/>
+              <a:t>During </a:t>
+            </a:r>
+            <a:r>
+              <a:rPr lang="en-US" dirty="0"/>
+              <a:t>the sprint planning meeting, </a:t>
+            </a:r>
+            <a:endParaRPr lang="en-US" dirty="0" smtClean="0"/>
+          </a:p>
+          <a:p>
+            <a:pPr marL="891540" lvl="3" indent="-342900">
               <a:buFont typeface="Arial" panose="020B0604020202020204" pitchFamily="34" charset="0"/>
               <a:buChar char="•"/>
             </a:pPr>
             <a:r>
-              <a:rPr lang="en-GB" dirty="0" smtClean="0"/>
-              <a:t>Optimizing </a:t>
-            </a:r>
-            <a:r>
-              <a:rPr lang="en-GB" dirty="0"/>
-              <a:t>the value of the work the Development Team performs.</a:t>
-            </a:r>
-          </a:p>
-          <a:p>
-            <a:pPr marL="617220" lvl="2" indent="-342900">
+              <a:rPr lang="en-US" dirty="0" smtClean="0"/>
+              <a:t>the </a:t>
+            </a:r>
+            <a:r>
+              <a:rPr lang="en-US" dirty="0"/>
+              <a:t>team selects some number of </a:t>
+            </a:r>
+            <a:r>
+              <a:rPr lang="en-US" b="1" dirty="0"/>
+              <a:t>product backlog items</a:t>
+            </a:r>
+            <a:r>
+              <a:rPr lang="en-US" dirty="0"/>
+              <a:t>, </a:t>
+            </a:r>
+            <a:endParaRPr lang="en-US" dirty="0" smtClean="0"/>
+          </a:p>
+          <a:p>
+            <a:pPr marL="891540" lvl="3" indent="-342900">
               <a:buFont typeface="Arial" panose="020B0604020202020204" pitchFamily="34" charset="0"/>
               <a:buChar char="•"/>
             </a:pPr>
             <a:r>
-              <a:rPr lang="en-GB" dirty="0"/>
-              <a:t>Ensuring that the Product Backlog is visible, transparent, and clear to all, </a:t>
-            </a:r>
-            <a:r>
-              <a:rPr lang="en-GB" dirty="0" smtClean="0"/>
-              <a:t>a</a:t>
-            </a:r>
-          </a:p>
-          <a:p>
-            <a:pPr marL="617220" lvl="2" indent="-342900">
+              <a:rPr lang="en-US" dirty="0" smtClean="0"/>
+              <a:t>usually </a:t>
+            </a:r>
+            <a:r>
+              <a:rPr lang="en-US" dirty="0"/>
+              <a:t>in the form of </a:t>
+            </a:r>
+            <a:r>
+              <a:rPr lang="en-US" b="1" dirty="0"/>
+              <a:t>user stories</a:t>
+            </a:r>
+            <a:r>
+              <a:rPr lang="en-US" dirty="0"/>
+              <a:t>, </a:t>
+            </a:r>
+            <a:endParaRPr lang="en-US" dirty="0" smtClean="0"/>
+          </a:p>
+          <a:p>
+            <a:pPr marL="891540" lvl="3" indent="-342900">
               <a:buFont typeface="Arial" panose="020B0604020202020204" pitchFamily="34" charset="0"/>
               <a:buChar char="•"/>
             </a:pPr>
             <a:r>
-              <a:rPr lang="en-GB" dirty="0" smtClean="0"/>
-              <a:t>shows </a:t>
-            </a:r>
-            <a:r>
-              <a:rPr lang="en-GB" dirty="0"/>
-              <a:t>what the Scrum Team will work on next.</a:t>
-            </a:r>
-          </a:p>
-          <a:p>
-            <a:pPr marL="617220" lvl="2" indent="-342900">
+              <a:rPr lang="en-US" dirty="0" smtClean="0"/>
+              <a:t>identifies </a:t>
+            </a:r>
+            <a:r>
+              <a:rPr lang="en-US" dirty="0"/>
+              <a:t>the </a:t>
+            </a:r>
+            <a:r>
+              <a:rPr lang="en-US" b="1" dirty="0"/>
+              <a:t>tasks</a:t>
+            </a:r>
+            <a:r>
+              <a:rPr lang="en-US" dirty="0"/>
+              <a:t> necessary to complete each user story. </a:t>
+            </a:r>
+            <a:endParaRPr lang="en-US" dirty="0" smtClean="0"/>
+          </a:p>
+          <a:p>
+            <a:pPr marL="891540" lvl="3" indent="-342900">
               <a:buFont typeface="Arial" panose="020B0604020202020204" pitchFamily="34" charset="0"/>
               <a:buChar char="•"/>
             </a:pPr>
             <a:r>
-              <a:rPr lang="en-GB" dirty="0"/>
-              <a:t>Decide when to ship the product with the predisposition towards more frequent delivery </a:t>
-            </a:r>
-          </a:p>
-          <a:p>
-            <a:r>
-              <a:rPr lang="en-GB" dirty="0" smtClean="0"/>
-              <a:t>The </a:t>
-            </a:r>
-            <a:r>
-              <a:rPr lang="en-GB" dirty="0"/>
-              <a:t>Product Owner is one person, </a:t>
-            </a:r>
-            <a:r>
-              <a:rPr lang="en-GB" dirty="0" smtClean="0"/>
-              <a:t>but may </a:t>
-            </a:r>
-            <a:r>
-              <a:rPr lang="en-GB" dirty="0"/>
-              <a:t>represent the desires of a </a:t>
-            </a:r>
-            <a:r>
-              <a:rPr lang="en-GB" dirty="0" smtClean="0"/>
-              <a:t>committee.</a:t>
-            </a:r>
-          </a:p>
-          <a:p>
-            <a:r>
-              <a:rPr lang="en-GB" dirty="0" smtClean="0"/>
-              <a:t>To </a:t>
-            </a:r>
-            <a:r>
-              <a:rPr lang="en-GB" dirty="0"/>
-              <a:t>succeed, the entire organization must respect his or her decisions. </a:t>
-            </a:r>
-            <a:endParaRPr lang="en-GB" dirty="0" smtClean="0"/>
-          </a:p>
-          <a:p>
-            <a:r>
-              <a:rPr lang="en-GB" dirty="0"/>
-              <a:t>A product owner is </a:t>
-            </a:r>
-            <a:r>
-              <a:rPr lang="en-GB" b="1" dirty="0"/>
-              <a:t>not a project manager</a:t>
-            </a:r>
-            <a:r>
-              <a:rPr lang="en-GB" dirty="0"/>
-              <a:t>, do not manage the status of the program. </a:t>
-            </a:r>
-          </a:p>
-          <a:p>
-            <a:r>
-              <a:rPr lang="en-GB" dirty="0" smtClean="0"/>
+              <a:rPr lang="en-US" b="1" dirty="0" smtClean="0"/>
+              <a:t>estimate</a:t>
+            </a:r>
+            <a:r>
+              <a:rPr lang="en-US" dirty="0" smtClean="0"/>
+              <a:t> </a:t>
+            </a:r>
+            <a:r>
+              <a:rPr lang="en-US" dirty="0"/>
+              <a:t>how many hours each task will take someone on the team to complete</a:t>
+            </a:r>
+            <a:r>
+              <a:rPr lang="en-US" dirty="0" smtClean="0"/>
               <a:t>.</a:t>
+            </a:r>
+            <a:endParaRPr lang="en-US" dirty="0"/>
+          </a:p>
+          <a:p>
+            <a:pPr marL="342900" lvl="1" indent="-342900">
+              <a:buFont typeface="Arial" panose="020B0604020202020204" pitchFamily="34" charset="0"/>
+              <a:buChar char="•"/>
+            </a:pPr>
+            <a:r>
+              <a:rPr lang="en-US" dirty="0"/>
+              <a:t>It's critical that the team selects the items and size of the sprint backlog. </a:t>
+            </a:r>
+            <a:endParaRPr lang="en-US" dirty="0" smtClean="0"/>
+          </a:p>
+          <a:p>
+            <a:pPr marL="891540" lvl="3" indent="-342900">
+              <a:buFont typeface="Arial" panose="020B0604020202020204" pitchFamily="34" charset="0"/>
+              <a:buChar char="•"/>
+            </a:pPr>
+            <a:r>
+              <a:rPr lang="en-US" dirty="0" smtClean="0"/>
+              <a:t>they </a:t>
+            </a:r>
+            <a:r>
+              <a:rPr lang="en-US" dirty="0"/>
+              <a:t>are the people committing to completing the tasks, </a:t>
+            </a:r>
+            <a:endParaRPr lang="en-US" dirty="0" smtClean="0"/>
+          </a:p>
+          <a:p>
+            <a:pPr marL="891540" lvl="3" indent="-342900">
+              <a:buFont typeface="Arial" panose="020B0604020202020204" pitchFamily="34" charset="0"/>
+              <a:buChar char="•"/>
+            </a:pPr>
+            <a:r>
+              <a:rPr lang="en-US" dirty="0" smtClean="0"/>
+              <a:t>they </a:t>
+            </a:r>
+            <a:r>
+              <a:rPr lang="en-US" dirty="0"/>
+              <a:t>must be the people to choose what they are committing to during the Scrum sprint</a:t>
+            </a:r>
+            <a:r>
+              <a:rPr lang="en-US" dirty="0" smtClean="0"/>
+              <a:t>.</a:t>
+            </a:r>
+            <a:endParaRPr lang="en-US" dirty="0"/>
+          </a:p>
+          <a:p>
+            <a:pPr marL="342900" lvl="1" indent="-342900">
+              <a:buFont typeface="Arial" panose="020B0604020202020204" pitchFamily="34" charset="0"/>
+              <a:buChar char="•"/>
+            </a:pPr>
+            <a:r>
+              <a:rPr lang="en-US" dirty="0"/>
+              <a:t>The sprint backlog is commonly maintained as a </a:t>
+            </a:r>
+            <a:r>
+              <a:rPr lang="en-US" dirty="0" smtClean="0"/>
+              <a:t>spreadsheet, but custom software also available</a:t>
             </a:r>
             <a:endParaRPr lang="en-US" dirty="0"/>
           </a:p>
@@ -18681,13 +22581,20 @@
     </p:spTree>
     <p:extLst>
       <p:ext uri="{BB962C8B-B14F-4D97-AF65-F5344CB8AC3E}">
-        <p14:creationId xmlns:p14="http://schemas.microsoft.com/office/powerpoint/2010/main" val="3312217783"/>
+        <p14:creationId xmlns:p14="http://schemas.microsoft.com/office/powerpoint/2010/main" val="3586240725"/>
       </p:ext>
     </p:extLst>
   </p:cSld>
   <p:clrMapOvr>
     <a:masterClrMapping/>
   </p:clrMapOvr>
+  <p:timing>
+    <p:tnLst>
+      <p:par>
+        <p:cTn id="1" dur="indefinite" restart="never" nodeType="tmRoot"/>
+      </p:par>
+    </p:tnLst>
+  </p:timing>
 </p:sld>
 </file>
 
@@ -18968,4 +22875,265 @@
   </a:objectDefaults>
   <a:extraClrSchemeLst/>
 </a:theme>
+</file>
+
+<file path=ppt/theme/theme2.xml><?xml version="1.0" encoding="utf-8"?>
+<a:theme xmlns:a="http://schemas.openxmlformats.org/drawingml/2006/main" name="Office Theme">
+  <a:themeElements>
+    <a:clrScheme name="Office">
+      <a:dk1>
+        <a:sysClr val="windowText" lastClr="000000"/>
+      </a:dk1>
+      <a:lt1>
+        <a:sysClr val="window" lastClr="FFFFFF"/>
+      </a:lt1>
+      <a:dk2>
+        <a:srgbClr val="44546A"/>
+      </a:dk2>
+      <a:lt2>
+        <a:srgbClr val="E7E6E6"/>
+      </a:lt2>
+      <a:accent1>
+        <a:srgbClr val="5B9BD5"/>
+      </a:accent1>
+      <a:accent2>
+        <a:srgbClr val="ED7D31"/>
+      </a:accent2>
+      <a:accent3>
+        <a:srgbClr val="A5A5A5"/>
+      </a:accent3>
+      <a:accent4>
+        <a:srgbClr val="FFC000"/>
+      </a:accent4>
+      <a:accent5>
+        <a:srgbClr val="4472C4"/>
+      </a:accent5>
+      <a:accent6>
+        <a:srgbClr val="70AD47"/>
+      </a:accent6>
+      <a:hlink>
+        <a:srgbClr val="0563C1"/>
+      </a:hlink>
+      <a:folHlink>
+        <a:srgbClr val="954F72"/>
+      </a:folHlink>
+    </a:clrScheme>
+    <a:fontScheme name="Office">
+      <a:majorFont>
+        <a:latin typeface="Calibri Light" panose="020F0302020204030204"/>
+        <a:ea typeface=""/>
+        <a:cs typeface=""/>
+        <a:font script="Jpan" typeface="游ゴシック Light"/>
+        <a:font script="Hang" typeface="맑은 고딕"/>
+        <a:font script="Hans" typeface="等线 Light"/>
+        <a:font script="Hant" typeface="新細明體"/>
+        <a:font script="Arab" typeface="Times New Roman"/>
+        <a:font script="Hebr" typeface="Times New Roman"/>
+        <a:font script="Thai" typeface="Angsana New"/>
+        <a:font script="Ethi" typeface="Nyala"/>
+        <a:font script="Beng" typeface="Vrinda"/>
+        <a:font script="Gujr" typeface="Shruti"/>
+        <a:font script="Khmr" typeface="MoolBoran"/>
+        <a:font script="Knda" typeface="Tunga"/>
+        <a:font script="Guru" typeface="Raavi"/>
+        <a:font script="Cans" typeface="Euphemia"/>
+        <a:font script="Cher" typeface="Plantagenet Cherokee"/>
+        <a:font script="Yiii" typeface="Microsoft Yi Baiti"/>
+        <a:font script="Tibt" typeface="Microsoft Himalaya"/>
+        <a:font script="Thaa" typeface="MV Boli"/>
+        <a:font script="Deva" typeface="Mangal"/>
+        <a:font script="Telu" typeface="Gautami"/>
+        <a:font script="Taml" typeface="Latha"/>
+        <a:font script="Syrc" typeface="Estrangelo Edessa"/>
+        <a:font script="Orya" typeface="Kalinga"/>
+        <a:font script="Mlym" typeface="Kartika"/>
+        <a:font script="Laoo" typeface="DokChampa"/>
+        <a:font script="Sinh" typeface="Iskoola Pota"/>
+        <a:font script="Mong" typeface="Mongolian Baiti"/>
+        <a:font script="Viet" typeface="Times New Roman"/>
+        <a:font script="Uigh" typeface="Microsoft Uighur"/>
+        <a:font script="Geor" typeface="Sylfaen"/>
+      </a:majorFont>
+      <a:minorFont>
+        <a:latin typeface="Calibri" panose="020F0502020204030204"/>
+        <a:ea typeface=""/>
+        <a:cs typeface=""/>
+        <a:font script="Jpan" typeface="游ゴシック"/>
+        <a:font script="Hang" typeface="맑은 고딕"/>
+        <a:font script="Hans" typeface="等线"/>
+        <a:font script="Hant" typeface="新細明體"/>
+        <a:font script="Arab" typeface="Arial"/>
+        <a:font script="Hebr" typeface="Arial"/>
+        <a:font script="Thai" typeface="Cordia New"/>
+        <a:font script="Ethi" typeface="Nyala"/>
+        <a:font script="Beng" typeface="Vrinda"/>
+        <a:font script="Gujr" typeface="Shruti"/>
+        <a:font script="Khmr" typeface="DaunPenh"/>
+        <a:font script="Knda" typeface="Tunga"/>
+        <a:font script="Guru" typeface="Raavi"/>
+        <a:font script="Cans" typeface="Euphemia"/>
+        <a:font script="Cher" typeface="Plantagenet Cherokee"/>
+        <a:font script="Yiii" typeface="Microsoft Yi Baiti"/>
+        <a:font script="Tibt" typeface="Microsoft Himalaya"/>
+        <a:font script="Thaa" typeface="MV Boli"/>
+        <a:font script="Deva" typeface="Mangal"/>
+        <a:font script="Telu" typeface="Gautami"/>
+        <a:font script="Taml" typeface="Latha"/>
+        <a:font script="Syrc" typeface="Estrangelo Edessa"/>
+        <a:font script="Orya" typeface="Kalinga"/>
+        <a:font script="Mlym" typeface="Kartika"/>
+        <a:font script="Laoo" typeface="DokChampa"/>
+        <a:font script="Sinh" typeface="Iskoola Pota"/>
+        <a:font script="Mong" typeface="Mongolian Baiti"/>
+        <a:font script="Viet" typeface="Arial"/>
+        <a:font script="Uigh" typeface="Microsoft Uighur"/>
+        <a:font script="Geor" typeface="Sylfaen"/>
+      </a:minorFont>
+    </a:fontScheme>
+    <a:fmtScheme name="Office">
+      <a:fillStyleLst>
+        <a:solidFill>
+          <a:schemeClr val="phClr"/>
+        </a:solidFill>
+        <a:gradFill rotWithShape="1">
+          <a:gsLst>
+            <a:gs pos="0">
+              <a:schemeClr val="phClr">
+                <a:lumMod val="110000"/>
+                <a:satMod val="105000"/>
+                <a:tint val="67000"/>
+              </a:schemeClr>
+            </a:gs>
+            <a:gs pos="50000">
+              <a:schemeClr val="phClr">
+                <a:lumMod val="105000"/>
+                <a:satMod val="103000"/>
+                <a:tint val="73000"/>
+              </a:schemeClr>
+            </a:gs>
+            <a:gs pos="100000">
+              <a:schemeClr val="phClr">
+                <a:lumMod val="105000"/>
+                <a:satMod val="109000"/>
+                <a:tint val="81000"/>
+              </a:schemeClr>
+            </a:gs>
+          </a:gsLst>
+          <a:lin ang="5400000" scaled="0"/>
+        </a:gradFill>
+        <a:gradFill rotWithShape="1">
+          <a:gsLst>
+            <a:gs pos="0">
+              <a:schemeClr val="phClr">
+                <a:satMod val="103000"/>
+                <a:lumMod val="102000"/>
+                <a:tint val="94000"/>
+              </a:schemeClr>
+            </a:gs>
+            <a:gs pos="50000">
+              <a:schemeClr val="phClr">
+                <a:satMod val="110000"/>
+                <a:lumMod val="100000"/>
+                <a:shade val="100000"/>
+              </a:schemeClr>
+            </a:gs>
+            <a:gs pos="100000">
+              <a:schemeClr val="phClr">
+                <a:lumMod val="99000"/>
+                <a:satMod val="120000"/>
+                <a:shade val="78000"/>
+              </a:schemeClr>
+            </a:gs>
+          </a:gsLst>
+          <a:lin ang="5400000" scaled="0"/>
+        </a:gradFill>
+      </a:fillStyleLst>
+      <a:lnStyleLst>
+        <a:ln w="6350" cap="flat" cmpd="sng" algn="ctr">
+          <a:solidFill>
+            <a:schemeClr val="phClr"/>
+          </a:solidFill>
+          <a:prstDash val="solid"/>
+          <a:miter lim="800000"/>
+        </a:ln>
+        <a:ln w="12700" cap="flat" cmpd="sng" algn="ctr">
+          <a:solidFill>
+            <a:schemeClr val="phClr"/>
+          </a:solidFill>
+          <a:prstDash val="solid"/>
+          <a:miter lim="800000"/>
+        </a:ln>
+        <a:ln w="19050" cap="flat" cmpd="sng" algn="ctr">
+          <a:solidFill>
+            <a:schemeClr val="phClr"/>
+          </a:solidFill>
+          <a:prstDash val="solid"/>
+          <a:miter lim="800000"/>
+        </a:ln>
+      </a:lnStyleLst>
+      <a:effectStyleLst>
+        <a:effectStyle>
+          <a:effectLst/>
+        </a:effectStyle>
+        <a:effectStyle>
+          <a:effectLst/>
+        </a:effectStyle>
+        <a:effectStyle>
+          <a:effectLst>
+            <a:outerShdw blurRad="57150" dist="19050" dir="5400000" algn="ctr" rotWithShape="0">
+              <a:srgbClr val="000000">
+                <a:alpha val="63000"/>
+              </a:srgbClr>
+            </a:outerShdw>
+          </a:effectLst>
+        </a:effectStyle>
+      </a:effectStyleLst>
+      <a:bgFillStyleLst>
+        <a:solidFill>
+          <a:schemeClr val="phClr"/>
+        </a:solidFill>
+        <a:solidFill>
+          <a:schemeClr val="phClr">
+            <a:tint val="95000"/>
+            <a:satMod val="170000"/>
+          </a:schemeClr>
+        </a:solidFill>
+        <a:gradFill rotWithShape="1">
+          <a:gsLst>
+            <a:gs pos="0">
+              <a:schemeClr val="phClr">
+                <a:tint val="93000"/>
+                <a:satMod val="150000"/>
+                <a:shade val="98000"/>
+                <a:lumMod val="102000"/>
+              </a:schemeClr>
+            </a:gs>
+            <a:gs pos="50000">
+              <a:schemeClr val="phClr">
+                <a:tint val="98000"/>
+                <a:satMod val="130000"/>
+                <a:shade val="90000"/>
+                <a:lumMod val="103000"/>
+              </a:schemeClr>
+            </a:gs>
+            <a:gs pos="100000">
+              <a:schemeClr val="phClr">
+                <a:shade val="63000"/>
+                <a:satMod val="120000"/>
+              </a:schemeClr>
+            </a:gs>
+          </a:gsLst>
+          <a:lin ang="5400000" scaled="0"/>
+        </a:gradFill>
+      </a:bgFillStyleLst>
+    </a:fmtScheme>
+  </a:themeElements>
+  <a:objectDefaults/>
+  <a:extraClrSchemeLst/>
+  <a:extLst>
+    <a:ext uri="{05A4C25C-085E-4340-85A3-A5531E510DB2}">
+      <thm15:themeFamily xmlns:thm15="http://schemas.microsoft.com/office/thememl/2012/main" name="Office Theme" id="{62F939B6-93AF-4DB8-9C6B-D6C7DFDC589F}" vid="{4A3C46E8-61CC-4603-A589-7422A47A8E4A}"/>
+    </a:ext>
+  </a:extLst>
+</a:theme>
 </file>